--- a/DSA/graphs.pptx
+++ b/DSA/graphs.pptx
@@ -8,9 +8,10 @@
     <p:sldId id="258" r:id="rId2"/>
     <p:sldId id="259" r:id="rId3"/>
     <p:sldId id="261" r:id="rId4"/>
-    <p:sldId id="262" r:id="rId5"/>
-    <p:sldId id="263" r:id="rId6"/>
-    <p:sldId id="264" r:id="rId7"/>
+    <p:sldId id="265" r:id="rId5"/>
+    <p:sldId id="266" r:id="rId6"/>
+    <p:sldId id="263" r:id="rId7"/>
+    <p:sldId id="264" r:id="rId8"/>
   </p:sldIdLst>
   <p:sldSz cx="12192000" cy="6858000"/>
   <p:notesSz cx="6858000" cy="9144000"/>
@@ -2492,6 +2493,62 @@
 </inkml:ink>
 </file>
 
+<file path=ppt/ink/ink87.xml><?xml version="1.0" encoding="utf-8"?>
+<inkml:ink xmlns:inkml="http://www.w3.org/2003/InkML">
+  <inkml:definitions>
+    <inkml:context xml:id="ctx0">
+      <inkml:inkSource xml:id="inkSrc0">
+        <inkml:traceFormat>
+          <inkml:channel name="X" type="integer" min="-2.14748E9" max="2.14748E9" units="cm"/>
+          <inkml:channel name="Y" type="integer" min="-2.14748E9" max="2.14748E9" units="cm"/>
+          <inkml:channel name="F" type="integer" max="32767" units="dev"/>
+        </inkml:traceFormat>
+        <inkml:channelProperties>
+          <inkml:channelProperty channel="X" name="resolution" value="1000" units="1/cm"/>
+          <inkml:channelProperty channel="Y" name="resolution" value="1000" units="1/cm"/>
+          <inkml:channelProperty channel="F" name="resolution" value="0" units="1/dev"/>
+        </inkml:channelProperties>
+      </inkml:inkSource>
+      <inkml:timestamp xml:id="ts0" timeString="2024-07-24T04:48:55.452"/>
+    </inkml:context>
+    <inkml:brush xml:id="br0">
+      <inkml:brushProperty name="width" value="0.05" units="cm"/>
+      <inkml:brushProperty name="height" value="0.05" units="cm"/>
+      <inkml:brushProperty name="color" value="#E71224"/>
+    </inkml:brush>
+  </inkml:definitions>
+  <inkml:trace contextRef="#ctx0" brushRef="#br0">0 4 24575,'13'0'0,"13"0"0,32 0 0,25 0 0,-32 0 0,2 0 0,3 0 0,-1 0 0,40 0 0,-13 0 0,-17 0 0,-12 0 0,-2 0 0,-1 0 0,2 0 0,1 0 0,-6 0 0,-7 0 0,-9 0 0,-6 0 0,-2 0 0,-4 0 0,-2-2 0,-8 2 0,-3-1 0</inkml:trace>
+</inkml:ink>
+</file>
+
+<file path=ppt/ink/ink88.xml><?xml version="1.0" encoding="utf-8"?>
+<inkml:ink xmlns:inkml="http://www.w3.org/2003/InkML">
+  <inkml:definitions>
+    <inkml:context xml:id="ctx0">
+      <inkml:inkSource xml:id="inkSrc0">
+        <inkml:traceFormat>
+          <inkml:channel name="X" type="integer" min="-2.14748E9" max="2.14748E9" units="cm"/>
+          <inkml:channel name="Y" type="integer" min="-2.14748E9" max="2.14748E9" units="cm"/>
+          <inkml:channel name="F" type="integer" max="32767" units="dev"/>
+        </inkml:traceFormat>
+        <inkml:channelProperties>
+          <inkml:channelProperty channel="X" name="resolution" value="1000" units="1/cm"/>
+          <inkml:channelProperty channel="Y" name="resolution" value="1000" units="1/cm"/>
+          <inkml:channelProperty channel="F" name="resolution" value="0" units="1/dev"/>
+        </inkml:channelProperties>
+      </inkml:inkSource>
+      <inkml:timestamp xml:id="ts0" timeString="2024-07-24T04:48:57.269"/>
+    </inkml:context>
+    <inkml:brush xml:id="br0">
+      <inkml:brushProperty name="width" value="0.05" units="cm"/>
+      <inkml:brushProperty name="height" value="0.05" units="cm"/>
+      <inkml:brushProperty name="color" value="#E71224"/>
+    </inkml:brush>
+  </inkml:definitions>
+  <inkml:trace contextRef="#ctx0" brushRef="#br0">1 1 24575,'20'0'0,"25"0"0,41 0 0,-21 0 0,7 0 0,12 0 0,4 0 0,8 0 0,1 0 0,1 0 0,-1 0 0,-9 0 0,-5 0 0,-11 0 0,-5 0 0,-14 0 0,-5 0 0,17 0 0,-23 0 0,-12 0 0,-7 0 0,-3 0 0,-1 0 0,-5 0 0,-5 0 0,-4 0 0</inkml:trace>
+</inkml:ink>
+</file>
+
 <file path=ppt/ink/ink9.xml><?xml version="1.0" encoding="utf-8"?>
 <inkml:ink xmlns:inkml="http://www.w3.org/2003/InkML">
   <inkml:definitions>
@@ -10903,6 +10960,1500 @@
           <a:prstGeom prst="straightConnector1">
             <a:avLst/>
           </a:prstGeom>
+          <a:ln w="38100">
+            <a:tailEnd type="triangle"/>
+          </a:ln>
+        </p:spPr>
+        <p:style>
+          <a:lnRef idx="2">
+            <a:schemeClr val="accent1"/>
+          </a:lnRef>
+          <a:fillRef idx="0">
+            <a:schemeClr val="accent1"/>
+          </a:fillRef>
+          <a:effectRef idx="1">
+            <a:schemeClr val="accent1"/>
+          </a:effectRef>
+          <a:fontRef idx="minor">
+            <a:schemeClr val="tx1"/>
+          </a:fontRef>
+        </p:style>
+      </p:cxnSp>
+      <p:cxnSp>
+        <p:nvCxnSpPr>
+          <p:cNvPr id="14" name="Straight Arrow Connector 13">
+            <a:extLst>
+              <a:ext uri="{FF2B5EF4-FFF2-40B4-BE49-F238E27FC236}">
+                <a16:creationId xmlns:a16="http://schemas.microsoft.com/office/drawing/2014/main" id="{3D425153-63E2-ECCD-395B-8D62B037527F}"/>
+              </a:ext>
+            </a:extLst>
+          </p:cNvPr>
+          <p:cNvCxnSpPr>
+            <a:cxnSpLocks/>
+            <a:stCxn id="5" idx="4"/>
+            <a:endCxn id="10" idx="0"/>
+          </p:cNvCxnSpPr>
+          <p:nvPr/>
+        </p:nvCxnSpPr>
+        <p:spPr>
+          <a:xfrm>
+            <a:off x="1382645" y="1994580"/>
+            <a:ext cx="150040" cy="3074425"/>
+          </a:xfrm>
+          <a:prstGeom prst="straightConnector1">
+            <a:avLst/>
+          </a:prstGeom>
+          <a:ln w="38100">
+            <a:tailEnd type="triangle"/>
+          </a:ln>
+        </p:spPr>
+        <p:style>
+          <a:lnRef idx="2">
+            <a:schemeClr val="accent1"/>
+          </a:lnRef>
+          <a:fillRef idx="0">
+            <a:schemeClr val="accent1"/>
+          </a:fillRef>
+          <a:effectRef idx="1">
+            <a:schemeClr val="accent1"/>
+          </a:effectRef>
+          <a:fontRef idx="minor">
+            <a:schemeClr val="tx1"/>
+          </a:fontRef>
+        </p:style>
+      </p:cxnSp>
+      <p:sp>
+        <p:nvSpPr>
+          <p:cNvPr id="17" name="TextBox 16">
+            <a:extLst>
+              <a:ext uri="{FF2B5EF4-FFF2-40B4-BE49-F238E27FC236}">
+                <a16:creationId xmlns:a16="http://schemas.microsoft.com/office/drawing/2014/main" id="{8FDEA8EA-7BF9-D906-2547-3AE77B23EA5A}"/>
+              </a:ext>
+            </a:extLst>
+          </p:cNvPr>
+          <p:cNvSpPr txBox="1"/>
+          <p:nvPr/>
+        </p:nvSpPr>
+        <p:spPr>
+          <a:xfrm>
+            <a:off x="2959832" y="1224619"/>
+            <a:ext cx="349776" cy="461665"/>
+          </a:xfrm>
+          <a:prstGeom prst="rect">
+            <a:avLst/>
+          </a:prstGeom>
+          <a:noFill/>
+        </p:spPr>
+        <p:txBody>
+          <a:bodyPr wrap="none" rtlCol="0">
+            <a:spAutoFit/>
+          </a:bodyPr>
+          <a:lstStyle/>
+          <a:p>
+            <a:r>
+              <a:rPr lang="en-US" sz="2400" b="1" dirty="0"/>
+              <a:t>2</a:t>
+            </a:r>
+          </a:p>
+        </p:txBody>
+      </p:sp>
+      <p:sp>
+        <p:nvSpPr>
+          <p:cNvPr id="18" name="TextBox 17">
+            <a:extLst>
+              <a:ext uri="{FF2B5EF4-FFF2-40B4-BE49-F238E27FC236}">
+                <a16:creationId xmlns:a16="http://schemas.microsoft.com/office/drawing/2014/main" id="{63267DAF-737D-F8DD-8C05-46803D7A6FF7}"/>
+              </a:ext>
+            </a:extLst>
+          </p:cNvPr>
+          <p:cNvSpPr txBox="1"/>
+          <p:nvPr/>
+        </p:nvSpPr>
+        <p:spPr>
+          <a:xfrm>
+            <a:off x="1175518" y="3598846"/>
+            <a:ext cx="349776" cy="461665"/>
+          </a:xfrm>
+          <a:prstGeom prst="rect">
+            <a:avLst/>
+          </a:prstGeom>
+          <a:noFill/>
+        </p:spPr>
+        <p:txBody>
+          <a:bodyPr wrap="none" rtlCol="0">
+            <a:spAutoFit/>
+          </a:bodyPr>
+          <a:lstStyle/>
+          <a:p>
+            <a:r>
+              <a:rPr lang="en-US" sz="2400" b="1" dirty="0"/>
+              <a:t>4</a:t>
+            </a:r>
+          </a:p>
+        </p:txBody>
+      </p:sp>
+      <p:cxnSp>
+        <p:nvCxnSpPr>
+          <p:cNvPr id="19" name="Straight Arrow Connector 18">
+            <a:extLst>
+              <a:ext uri="{FF2B5EF4-FFF2-40B4-BE49-F238E27FC236}">
+                <a16:creationId xmlns:a16="http://schemas.microsoft.com/office/drawing/2014/main" id="{E5B17FCD-5A2B-9E5E-F67F-45B4F5565D2C}"/>
+              </a:ext>
+            </a:extLst>
+          </p:cNvPr>
+          <p:cNvCxnSpPr>
+            <a:cxnSpLocks/>
+            <a:stCxn id="7" idx="3"/>
+            <a:endCxn id="10" idx="7"/>
+          </p:cNvCxnSpPr>
+          <p:nvPr/>
+        </p:nvCxnSpPr>
+        <p:spPr>
+          <a:xfrm flipH="1">
+            <a:off x="1787243" y="1673922"/>
+            <a:ext cx="3362634" cy="3500525"/>
+          </a:xfrm>
+          <a:prstGeom prst="straightConnector1">
+            <a:avLst/>
+          </a:prstGeom>
+          <a:ln w="38100">
+            <a:tailEnd type="triangle"/>
+          </a:ln>
+        </p:spPr>
+        <p:style>
+          <a:lnRef idx="2">
+            <a:schemeClr val="accent1"/>
+          </a:lnRef>
+          <a:fillRef idx="0">
+            <a:schemeClr val="accent1"/>
+          </a:fillRef>
+          <a:effectRef idx="1">
+            <a:schemeClr val="accent1"/>
+          </a:effectRef>
+          <a:fontRef idx="minor">
+            <a:schemeClr val="tx1"/>
+          </a:fontRef>
+        </p:style>
+      </p:cxnSp>
+      <p:cxnSp>
+        <p:nvCxnSpPr>
+          <p:cNvPr id="22" name="Straight Arrow Connector 21">
+            <a:extLst>
+              <a:ext uri="{FF2B5EF4-FFF2-40B4-BE49-F238E27FC236}">
+                <a16:creationId xmlns:a16="http://schemas.microsoft.com/office/drawing/2014/main" id="{7EDBC95E-F08B-C234-9385-E2F461D061E3}"/>
+              </a:ext>
+            </a:extLst>
+          </p:cNvPr>
+          <p:cNvCxnSpPr>
+            <a:cxnSpLocks/>
+            <a:stCxn id="7" idx="4"/>
+            <a:endCxn id="9" idx="0"/>
+          </p:cNvCxnSpPr>
+          <p:nvPr/>
+        </p:nvCxnSpPr>
+        <p:spPr>
+          <a:xfrm>
+            <a:off x="5404435" y="1779364"/>
+            <a:ext cx="450385" cy="3378944"/>
+          </a:xfrm>
+          <a:prstGeom prst="straightConnector1">
+            <a:avLst/>
+          </a:prstGeom>
+          <a:ln w="38100">
+            <a:tailEnd type="triangle"/>
+          </a:ln>
+        </p:spPr>
+        <p:style>
+          <a:lnRef idx="2">
+            <a:schemeClr val="accent1"/>
+          </a:lnRef>
+          <a:fillRef idx="0">
+            <a:schemeClr val="accent1"/>
+          </a:fillRef>
+          <a:effectRef idx="1">
+            <a:schemeClr val="accent1"/>
+          </a:effectRef>
+          <a:fontRef idx="minor">
+            <a:schemeClr val="tx1"/>
+          </a:fontRef>
+        </p:style>
+      </p:cxnSp>
+      <p:sp>
+        <p:nvSpPr>
+          <p:cNvPr id="25" name="TextBox 24">
+            <a:extLst>
+              <a:ext uri="{FF2B5EF4-FFF2-40B4-BE49-F238E27FC236}">
+                <a16:creationId xmlns:a16="http://schemas.microsoft.com/office/drawing/2014/main" id="{8754F74D-17E5-4FFC-685F-E62647EEBA84}"/>
+              </a:ext>
+            </a:extLst>
+          </p:cNvPr>
+          <p:cNvSpPr txBox="1"/>
+          <p:nvPr/>
+        </p:nvSpPr>
+        <p:spPr>
+          <a:xfrm>
+            <a:off x="3002911" y="3414180"/>
+            <a:ext cx="349776" cy="461665"/>
+          </a:xfrm>
+          <a:prstGeom prst="rect">
+            <a:avLst/>
+          </a:prstGeom>
+          <a:noFill/>
+        </p:spPr>
+        <p:txBody>
+          <a:bodyPr wrap="none" rtlCol="0">
+            <a:spAutoFit/>
+          </a:bodyPr>
+          <a:lstStyle/>
+          <a:p>
+            <a:r>
+              <a:rPr lang="en-US" sz="2400" b="1" dirty="0"/>
+              <a:t>1</a:t>
+            </a:r>
+          </a:p>
+        </p:txBody>
+      </p:sp>
+      <p:sp>
+        <p:nvSpPr>
+          <p:cNvPr id="26" name="TextBox 25">
+            <a:extLst>
+              <a:ext uri="{FF2B5EF4-FFF2-40B4-BE49-F238E27FC236}">
+                <a16:creationId xmlns:a16="http://schemas.microsoft.com/office/drawing/2014/main" id="{970E1DF0-A682-4733-0CE7-748D886F4E9E}"/>
+              </a:ext>
+            </a:extLst>
+          </p:cNvPr>
+          <p:cNvSpPr txBox="1"/>
+          <p:nvPr/>
+        </p:nvSpPr>
+        <p:spPr>
+          <a:xfrm>
+            <a:off x="5412362" y="4516965"/>
+            <a:ext cx="349776" cy="461665"/>
+          </a:xfrm>
+          <a:prstGeom prst="rect">
+            <a:avLst/>
+          </a:prstGeom>
+          <a:noFill/>
+        </p:spPr>
+        <p:txBody>
+          <a:bodyPr wrap="none" rtlCol="0">
+            <a:spAutoFit/>
+          </a:bodyPr>
+          <a:lstStyle/>
+          <a:p>
+            <a:r>
+              <a:rPr lang="en-US" sz="2400" b="1" dirty="0"/>
+              <a:t>7</a:t>
+            </a:r>
+          </a:p>
+        </p:txBody>
+      </p:sp>
+      <p:cxnSp>
+        <p:nvCxnSpPr>
+          <p:cNvPr id="27" name="Straight Arrow Connector 26">
+            <a:extLst>
+              <a:ext uri="{FF2B5EF4-FFF2-40B4-BE49-F238E27FC236}">
+                <a16:creationId xmlns:a16="http://schemas.microsoft.com/office/drawing/2014/main" id="{FBAEBAF1-AF4B-3CCE-E49E-82129FC35E83}"/>
+              </a:ext>
+            </a:extLst>
+          </p:cNvPr>
+          <p:cNvCxnSpPr>
+            <a:cxnSpLocks/>
+            <a:stCxn id="10" idx="6"/>
+            <a:endCxn id="9" idx="2"/>
+          </p:cNvCxnSpPr>
+          <p:nvPr/>
+        </p:nvCxnSpPr>
+        <p:spPr>
+          <a:xfrm>
+            <a:off x="1892685" y="5429005"/>
+            <a:ext cx="3602135" cy="89303"/>
+          </a:xfrm>
+          <a:prstGeom prst="straightConnector1">
+            <a:avLst/>
+          </a:prstGeom>
+          <a:ln w="38100">
+            <a:tailEnd type="triangle"/>
+          </a:ln>
+        </p:spPr>
+        <p:style>
+          <a:lnRef idx="2">
+            <a:schemeClr val="accent1"/>
+          </a:lnRef>
+          <a:fillRef idx="0">
+            <a:schemeClr val="accent1"/>
+          </a:fillRef>
+          <a:effectRef idx="1">
+            <a:schemeClr val="accent1"/>
+          </a:effectRef>
+          <a:fontRef idx="minor">
+            <a:schemeClr val="tx1"/>
+          </a:fontRef>
+        </p:style>
+      </p:cxnSp>
+      <p:cxnSp>
+        <p:nvCxnSpPr>
+          <p:cNvPr id="30" name="Straight Arrow Connector 29">
+            <a:extLst>
+              <a:ext uri="{FF2B5EF4-FFF2-40B4-BE49-F238E27FC236}">
+                <a16:creationId xmlns:a16="http://schemas.microsoft.com/office/drawing/2014/main" id="{429E31BB-7720-AB23-8AB5-276BC286D063}"/>
+              </a:ext>
+            </a:extLst>
+          </p:cNvPr>
+          <p:cNvCxnSpPr>
+            <a:cxnSpLocks/>
+            <a:stCxn id="10" idx="6"/>
+            <a:endCxn id="8" idx="2"/>
+          </p:cNvCxnSpPr>
+          <p:nvPr/>
+        </p:nvCxnSpPr>
+        <p:spPr>
+          <a:xfrm flipV="1">
+            <a:off x="1892685" y="2274712"/>
+            <a:ext cx="6400254" cy="3154293"/>
+          </a:xfrm>
+          <a:prstGeom prst="straightConnector1">
+            <a:avLst/>
+          </a:prstGeom>
+          <a:ln w="38100">
+            <a:tailEnd type="triangle"/>
+          </a:ln>
+        </p:spPr>
+        <p:style>
+          <a:lnRef idx="2">
+            <a:schemeClr val="accent1"/>
+          </a:lnRef>
+          <a:fillRef idx="0">
+            <a:schemeClr val="accent1"/>
+          </a:fillRef>
+          <a:effectRef idx="1">
+            <a:schemeClr val="accent1"/>
+          </a:effectRef>
+          <a:fontRef idx="minor">
+            <a:schemeClr val="tx1"/>
+          </a:fontRef>
+        </p:style>
+      </p:cxnSp>
+      <p:sp>
+        <p:nvSpPr>
+          <p:cNvPr id="33" name="TextBox 32">
+            <a:extLst>
+              <a:ext uri="{FF2B5EF4-FFF2-40B4-BE49-F238E27FC236}">
+                <a16:creationId xmlns:a16="http://schemas.microsoft.com/office/drawing/2014/main" id="{CD3D3F81-7129-B8EC-7E9C-42531849F97D}"/>
+              </a:ext>
+            </a:extLst>
+          </p:cNvPr>
+          <p:cNvSpPr txBox="1"/>
+          <p:nvPr/>
+        </p:nvSpPr>
+        <p:spPr>
+          <a:xfrm>
+            <a:off x="3177153" y="5098942"/>
+            <a:ext cx="349776" cy="461665"/>
+          </a:xfrm>
+          <a:prstGeom prst="rect">
+            <a:avLst/>
+          </a:prstGeom>
+          <a:noFill/>
+        </p:spPr>
+        <p:txBody>
+          <a:bodyPr wrap="none" rtlCol="0">
+            <a:spAutoFit/>
+          </a:bodyPr>
+          <a:lstStyle/>
+          <a:p>
+            <a:r>
+              <a:rPr lang="en-US" sz="2400" b="1" dirty="0"/>
+              <a:t>3</a:t>
+            </a:r>
+          </a:p>
+        </p:txBody>
+      </p:sp>
+      <p:sp>
+        <p:nvSpPr>
+          <p:cNvPr id="34" name="TextBox 33">
+            <a:extLst>
+              <a:ext uri="{FF2B5EF4-FFF2-40B4-BE49-F238E27FC236}">
+                <a16:creationId xmlns:a16="http://schemas.microsoft.com/office/drawing/2014/main" id="{C6551B50-0E51-B361-71E1-0CB387D5B4E2}"/>
+              </a:ext>
+            </a:extLst>
+          </p:cNvPr>
+          <p:cNvSpPr txBox="1"/>
+          <p:nvPr/>
+        </p:nvSpPr>
+        <p:spPr>
+          <a:xfrm>
+            <a:off x="6975843" y="2490001"/>
+            <a:ext cx="349776" cy="461665"/>
+          </a:xfrm>
+          <a:prstGeom prst="rect">
+            <a:avLst/>
+          </a:prstGeom>
+          <a:noFill/>
+        </p:spPr>
+        <p:txBody>
+          <a:bodyPr wrap="none" rtlCol="0">
+            <a:spAutoFit/>
+          </a:bodyPr>
+          <a:lstStyle/>
+          <a:p>
+            <a:r>
+              <a:rPr lang="en-US" sz="2400" b="1" dirty="0"/>
+              <a:t>5</a:t>
+            </a:r>
+          </a:p>
+        </p:txBody>
+      </p:sp>
+      <p:cxnSp>
+        <p:nvCxnSpPr>
+          <p:cNvPr id="35" name="Straight Arrow Connector 34">
+            <a:extLst>
+              <a:ext uri="{FF2B5EF4-FFF2-40B4-BE49-F238E27FC236}">
+                <a16:creationId xmlns:a16="http://schemas.microsoft.com/office/drawing/2014/main" id="{C93D2704-9238-B687-5585-7E93CDA280E1}"/>
+              </a:ext>
+            </a:extLst>
+          </p:cNvPr>
+          <p:cNvCxnSpPr>
+            <a:cxnSpLocks/>
+            <a:stCxn id="9" idx="7"/>
+            <a:endCxn id="8" idx="3"/>
+          </p:cNvCxnSpPr>
+          <p:nvPr/>
+        </p:nvCxnSpPr>
+        <p:spPr>
+          <a:xfrm flipV="1">
+            <a:off x="6109378" y="2529270"/>
+            <a:ext cx="2289003" cy="2734480"/>
+          </a:xfrm>
+          <a:prstGeom prst="straightConnector1">
+            <a:avLst/>
+          </a:prstGeom>
+          <a:ln w="38100">
+            <a:tailEnd type="triangle"/>
+          </a:ln>
+        </p:spPr>
+        <p:style>
+          <a:lnRef idx="2">
+            <a:schemeClr val="accent1"/>
+          </a:lnRef>
+          <a:fillRef idx="0">
+            <a:schemeClr val="accent1"/>
+          </a:fillRef>
+          <a:effectRef idx="1">
+            <a:schemeClr val="accent1"/>
+          </a:effectRef>
+          <a:fontRef idx="minor">
+            <a:schemeClr val="tx1"/>
+          </a:fontRef>
+        </p:style>
+      </p:cxnSp>
+      <p:sp>
+        <p:nvSpPr>
+          <p:cNvPr id="38" name="TextBox 37">
+            <a:extLst>
+              <a:ext uri="{FF2B5EF4-FFF2-40B4-BE49-F238E27FC236}">
+                <a16:creationId xmlns:a16="http://schemas.microsoft.com/office/drawing/2014/main" id="{A5D9C114-7B77-F883-A271-5F30F014C5BF}"/>
+              </a:ext>
+            </a:extLst>
+          </p:cNvPr>
+          <p:cNvSpPr txBox="1"/>
+          <p:nvPr/>
+        </p:nvSpPr>
+        <p:spPr>
+          <a:xfrm>
+            <a:off x="7610601" y="3416964"/>
+            <a:ext cx="349776" cy="461665"/>
+          </a:xfrm>
+          <a:prstGeom prst="rect">
+            <a:avLst/>
+          </a:prstGeom>
+          <a:noFill/>
+        </p:spPr>
+        <p:txBody>
+          <a:bodyPr wrap="none" rtlCol="0">
+            <a:spAutoFit/>
+          </a:bodyPr>
+          <a:lstStyle/>
+          <a:p>
+            <a:r>
+              <a:rPr lang="en-US" sz="2400" b="1" dirty="0"/>
+              <a:t>1</a:t>
+            </a:r>
+          </a:p>
+        </p:txBody>
+      </p:sp>
+      <p:sp>
+        <p:nvSpPr>
+          <p:cNvPr id="66" name="TextBox 65">
+            <a:extLst>
+              <a:ext uri="{FF2B5EF4-FFF2-40B4-BE49-F238E27FC236}">
+                <a16:creationId xmlns:a16="http://schemas.microsoft.com/office/drawing/2014/main" id="{017F48C6-5308-7279-DD85-061F5727D5E0}"/>
+              </a:ext>
+            </a:extLst>
+          </p:cNvPr>
+          <p:cNvSpPr txBox="1"/>
+          <p:nvPr/>
+        </p:nvSpPr>
+        <p:spPr>
+          <a:xfrm>
+            <a:off x="7687159" y="464949"/>
+            <a:ext cx="2067233" cy="369332"/>
+          </a:xfrm>
+          <a:prstGeom prst="rect">
+            <a:avLst/>
+          </a:prstGeom>
+          <a:noFill/>
+        </p:spPr>
+        <p:txBody>
+          <a:bodyPr wrap="none" rtlCol="0">
+            <a:spAutoFit/>
+          </a:bodyPr>
+          <a:lstStyle/>
+          <a:p>
+            <a:r>
+              <a:rPr lang="en-US" dirty="0"/>
+              <a:t>Breath First Search</a:t>
+            </a:r>
+          </a:p>
+        </p:txBody>
+      </p:sp>
+      <p:cxnSp>
+        <p:nvCxnSpPr>
+          <p:cNvPr id="68" name="Curved Connector 67">
+            <a:extLst>
+              <a:ext uri="{FF2B5EF4-FFF2-40B4-BE49-F238E27FC236}">
+                <a16:creationId xmlns:a16="http://schemas.microsoft.com/office/drawing/2014/main" id="{0D9AA982-1E9A-3160-3449-7B8EF6A10590}"/>
+              </a:ext>
+            </a:extLst>
+          </p:cNvPr>
+          <p:cNvCxnSpPr>
+            <a:cxnSpLocks/>
+            <a:stCxn id="5" idx="7"/>
+            <a:endCxn id="5" idx="0"/>
+          </p:cNvCxnSpPr>
+          <p:nvPr/>
+        </p:nvCxnSpPr>
+        <p:spPr>
+          <a:xfrm rot="16200000" flipV="1">
+            <a:off x="1457203" y="1200022"/>
+            <a:ext cx="105442" cy="254558"/>
+          </a:xfrm>
+          <a:prstGeom prst="curvedConnector3">
+            <a:avLst>
+              <a:gd name="adj1" fmla="val 462857"/>
+            </a:avLst>
+          </a:prstGeom>
+          <a:ln>
+            <a:tailEnd type="triangle"/>
+          </a:ln>
+        </p:spPr>
+        <p:style>
+          <a:lnRef idx="2">
+            <a:schemeClr val="accent1"/>
+          </a:lnRef>
+          <a:fillRef idx="0">
+            <a:schemeClr val="accent1"/>
+          </a:fillRef>
+          <a:effectRef idx="1">
+            <a:schemeClr val="accent1"/>
+          </a:effectRef>
+          <a:fontRef idx="minor">
+            <a:schemeClr val="tx1"/>
+          </a:fontRef>
+        </p:style>
+      </p:cxnSp>
+      <p:sp>
+        <p:nvSpPr>
+          <p:cNvPr id="72" name="TextBox 71">
+            <a:extLst>
+              <a:ext uri="{FF2B5EF4-FFF2-40B4-BE49-F238E27FC236}">
+                <a16:creationId xmlns:a16="http://schemas.microsoft.com/office/drawing/2014/main" id="{8E5B186E-38B1-5429-AC5C-F6D7EF9AFF20}"/>
+              </a:ext>
+            </a:extLst>
+          </p:cNvPr>
+          <p:cNvSpPr txBox="1"/>
+          <p:nvPr/>
+        </p:nvSpPr>
+        <p:spPr>
+          <a:xfrm>
+            <a:off x="6246401" y="497945"/>
+            <a:ext cx="1474186" cy="2031325"/>
+          </a:xfrm>
+          <a:prstGeom prst="rect">
+            <a:avLst/>
+          </a:prstGeom>
+          <a:noFill/>
+        </p:spPr>
+        <p:txBody>
+          <a:bodyPr wrap="none" rtlCol="0">
+            <a:spAutoFit/>
+          </a:bodyPr>
+          <a:lstStyle/>
+          <a:p>
+            <a:r>
+              <a:rPr lang="en-US" dirty="0" err="1"/>
+              <a:t>Visted</a:t>
+            </a:r>
+            <a:r>
+              <a:rPr lang="en-US" dirty="0"/>
+              <a:t> nodes</a:t>
+            </a:r>
+          </a:p>
+          <a:p>
+            <a:endParaRPr lang="en-US" dirty="0"/>
+          </a:p>
+          <a:p>
+            <a:r>
+              <a:rPr lang="en-US" dirty="0"/>
+              <a:t>A</a:t>
+            </a:r>
+          </a:p>
+          <a:p>
+            <a:endParaRPr lang="en-US" dirty="0"/>
+          </a:p>
+          <a:p>
+            <a:r>
+              <a:rPr lang="en-US" dirty="0"/>
+              <a:t>B C</a:t>
+            </a:r>
+          </a:p>
+          <a:p>
+            <a:endParaRPr lang="en-US" dirty="0"/>
+          </a:p>
+          <a:p>
+            <a:r>
+              <a:rPr lang="en-US" dirty="0"/>
+              <a:t>D E</a:t>
+            </a:r>
+          </a:p>
+        </p:txBody>
+      </p:sp>
+      <p:sp>
+        <p:nvSpPr>
+          <p:cNvPr id="73" name="TextBox 72">
+            <a:extLst>
+              <a:ext uri="{FF2B5EF4-FFF2-40B4-BE49-F238E27FC236}">
+                <a16:creationId xmlns:a16="http://schemas.microsoft.com/office/drawing/2014/main" id="{ABE16499-628B-5AFE-DA0B-339DE1022CFF}"/>
+              </a:ext>
+            </a:extLst>
+          </p:cNvPr>
+          <p:cNvSpPr txBox="1"/>
+          <p:nvPr/>
+        </p:nvSpPr>
+        <p:spPr>
+          <a:xfrm>
+            <a:off x="9327832" y="5056643"/>
+            <a:ext cx="853119" cy="923330"/>
+          </a:xfrm>
+          <a:prstGeom prst="rect">
+            <a:avLst/>
+          </a:prstGeom>
+          <a:noFill/>
+        </p:spPr>
+        <p:txBody>
+          <a:bodyPr wrap="none" rtlCol="0">
+            <a:spAutoFit/>
+          </a:bodyPr>
+          <a:lstStyle/>
+          <a:p>
+            <a:r>
+              <a:rPr lang="en-US" dirty="0"/>
+              <a:t>Queue</a:t>
+            </a:r>
+          </a:p>
+          <a:p>
+            <a:endParaRPr lang="en-US" dirty="0"/>
+          </a:p>
+          <a:p>
+            <a:endParaRPr lang="en-US" dirty="0"/>
+          </a:p>
+        </p:txBody>
+      </p:sp>
+      <p:sp>
+        <p:nvSpPr>
+          <p:cNvPr id="74" name="Oval 73">
+            <a:extLst>
+              <a:ext uri="{FF2B5EF4-FFF2-40B4-BE49-F238E27FC236}">
+                <a16:creationId xmlns:a16="http://schemas.microsoft.com/office/drawing/2014/main" id="{F8E73136-33CB-6485-9D37-ECD12DA49BDD}"/>
+              </a:ext>
+            </a:extLst>
+          </p:cNvPr>
+          <p:cNvSpPr/>
+          <p:nvPr/>
+        </p:nvSpPr>
+        <p:spPr>
+          <a:xfrm>
+            <a:off x="10449355" y="2130001"/>
+            <a:ext cx="720000" cy="720000"/>
+          </a:xfrm>
+          <a:prstGeom prst="ellipse">
+            <a:avLst/>
+          </a:prstGeom>
+        </p:spPr>
+        <p:style>
+          <a:lnRef idx="2">
+            <a:schemeClr val="accent1">
+              <a:shade val="15000"/>
+            </a:schemeClr>
+          </a:lnRef>
+          <a:fillRef idx="1">
+            <a:schemeClr val="accent1"/>
+          </a:fillRef>
+          <a:effectRef idx="0">
+            <a:schemeClr val="accent1"/>
+          </a:effectRef>
+          <a:fontRef idx="minor">
+            <a:schemeClr val="lt1"/>
+          </a:fontRef>
+        </p:style>
+        <p:txBody>
+          <a:bodyPr rtlCol="0" anchor="ctr"/>
+          <a:lstStyle/>
+          <a:p>
+            <a:pPr algn="ctr"/>
+            <a:r>
+              <a:rPr lang="en-US" sz="2400" b="1" dirty="0"/>
+              <a:t>A</a:t>
+            </a:r>
+          </a:p>
+        </p:txBody>
+      </p:sp>
+      <p:sp>
+        <p:nvSpPr>
+          <p:cNvPr id="75" name="Oval 74">
+            <a:extLst>
+              <a:ext uri="{FF2B5EF4-FFF2-40B4-BE49-F238E27FC236}">
+                <a16:creationId xmlns:a16="http://schemas.microsoft.com/office/drawing/2014/main" id="{ED34FF24-8CC0-5F2B-4C74-39E6B51E1624}"/>
+              </a:ext>
+            </a:extLst>
+          </p:cNvPr>
+          <p:cNvSpPr/>
+          <p:nvPr/>
+        </p:nvSpPr>
+        <p:spPr>
+          <a:xfrm>
+            <a:off x="9579315" y="3210808"/>
+            <a:ext cx="720000" cy="720000"/>
+          </a:xfrm>
+          <a:prstGeom prst="ellipse">
+            <a:avLst/>
+          </a:prstGeom>
+        </p:spPr>
+        <p:style>
+          <a:lnRef idx="2">
+            <a:schemeClr val="accent1">
+              <a:shade val="15000"/>
+            </a:schemeClr>
+          </a:lnRef>
+          <a:fillRef idx="1">
+            <a:schemeClr val="accent1"/>
+          </a:fillRef>
+          <a:effectRef idx="0">
+            <a:schemeClr val="accent1"/>
+          </a:effectRef>
+          <a:fontRef idx="minor">
+            <a:schemeClr val="lt1"/>
+          </a:fontRef>
+        </p:style>
+        <p:txBody>
+          <a:bodyPr rtlCol="0" anchor="ctr"/>
+          <a:lstStyle/>
+          <a:p>
+            <a:pPr algn="ctr"/>
+            <a:r>
+              <a:rPr lang="en-US" sz="2400" b="1" dirty="0"/>
+              <a:t>B</a:t>
+            </a:r>
+          </a:p>
+        </p:txBody>
+      </p:sp>
+      <p:sp>
+        <p:nvSpPr>
+          <p:cNvPr id="76" name="Oval 75">
+            <a:extLst>
+              <a:ext uri="{FF2B5EF4-FFF2-40B4-BE49-F238E27FC236}">
+                <a16:creationId xmlns:a16="http://schemas.microsoft.com/office/drawing/2014/main" id="{418F1E3C-2709-3602-FDE2-B1C845E96E45}"/>
+              </a:ext>
+            </a:extLst>
+          </p:cNvPr>
+          <p:cNvSpPr/>
+          <p:nvPr/>
+        </p:nvSpPr>
+        <p:spPr>
+          <a:xfrm>
+            <a:off x="11169355" y="3218593"/>
+            <a:ext cx="720000" cy="720000"/>
+          </a:xfrm>
+          <a:prstGeom prst="ellipse">
+            <a:avLst/>
+          </a:prstGeom>
+        </p:spPr>
+        <p:style>
+          <a:lnRef idx="2">
+            <a:schemeClr val="accent1">
+              <a:shade val="15000"/>
+            </a:schemeClr>
+          </a:lnRef>
+          <a:fillRef idx="1">
+            <a:schemeClr val="accent1"/>
+          </a:fillRef>
+          <a:effectRef idx="0">
+            <a:schemeClr val="accent1"/>
+          </a:effectRef>
+          <a:fontRef idx="minor">
+            <a:schemeClr val="lt1"/>
+          </a:fontRef>
+        </p:style>
+        <p:txBody>
+          <a:bodyPr rtlCol="0" anchor="ctr"/>
+          <a:lstStyle/>
+          <a:p>
+            <a:pPr algn="ctr"/>
+            <a:r>
+              <a:rPr lang="en-US" sz="2400" b="1" dirty="0"/>
+              <a:t>C</a:t>
+            </a:r>
+          </a:p>
+        </p:txBody>
+      </p:sp>
+      <p:cxnSp>
+        <p:nvCxnSpPr>
+          <p:cNvPr id="77" name="Straight Arrow Connector 76">
+            <a:extLst>
+              <a:ext uri="{FF2B5EF4-FFF2-40B4-BE49-F238E27FC236}">
+                <a16:creationId xmlns:a16="http://schemas.microsoft.com/office/drawing/2014/main" id="{EBC773A9-42C8-047C-834B-24CDDD617EDB}"/>
+              </a:ext>
+            </a:extLst>
+          </p:cNvPr>
+          <p:cNvCxnSpPr>
+            <a:cxnSpLocks/>
+            <a:stCxn id="74" idx="3"/>
+            <a:endCxn id="75" idx="0"/>
+          </p:cNvCxnSpPr>
+          <p:nvPr/>
+        </p:nvCxnSpPr>
+        <p:spPr>
+          <a:xfrm flipH="1">
+            <a:off x="9939315" y="2744559"/>
+            <a:ext cx="615482" cy="466249"/>
+          </a:xfrm>
+          <a:prstGeom prst="straightConnector1">
+            <a:avLst/>
+          </a:prstGeom>
+          <a:ln w="38100">
+            <a:tailEnd type="triangle"/>
+          </a:ln>
+        </p:spPr>
+        <p:style>
+          <a:lnRef idx="2">
+            <a:schemeClr val="accent1"/>
+          </a:lnRef>
+          <a:fillRef idx="0">
+            <a:schemeClr val="accent1"/>
+          </a:fillRef>
+          <a:effectRef idx="1">
+            <a:schemeClr val="accent1"/>
+          </a:effectRef>
+          <a:fontRef idx="minor">
+            <a:schemeClr val="tx1"/>
+          </a:fontRef>
+        </p:style>
+      </p:cxnSp>
+      <p:cxnSp>
+        <p:nvCxnSpPr>
+          <p:cNvPr id="80" name="Straight Arrow Connector 79">
+            <a:extLst>
+              <a:ext uri="{FF2B5EF4-FFF2-40B4-BE49-F238E27FC236}">
+                <a16:creationId xmlns:a16="http://schemas.microsoft.com/office/drawing/2014/main" id="{1EB76294-ABD2-4C77-E260-F4B51A316A60}"/>
+              </a:ext>
+            </a:extLst>
+          </p:cNvPr>
+          <p:cNvCxnSpPr>
+            <a:cxnSpLocks/>
+            <a:stCxn id="74" idx="5"/>
+            <a:endCxn id="76" idx="0"/>
+          </p:cNvCxnSpPr>
+          <p:nvPr/>
+        </p:nvCxnSpPr>
+        <p:spPr>
+          <a:xfrm>
+            <a:off x="11063913" y="2744559"/>
+            <a:ext cx="465442" cy="474034"/>
+          </a:xfrm>
+          <a:prstGeom prst="straightConnector1">
+            <a:avLst/>
+          </a:prstGeom>
+          <a:ln w="38100">
+            <a:tailEnd type="triangle"/>
+          </a:ln>
+        </p:spPr>
+        <p:style>
+          <a:lnRef idx="2">
+            <a:schemeClr val="accent1"/>
+          </a:lnRef>
+          <a:fillRef idx="0">
+            <a:schemeClr val="accent1"/>
+          </a:fillRef>
+          <a:effectRef idx="1">
+            <a:schemeClr val="accent1"/>
+          </a:effectRef>
+          <a:fontRef idx="minor">
+            <a:schemeClr val="tx1"/>
+          </a:fontRef>
+        </p:style>
+      </p:cxnSp>
+      <p:sp>
+        <p:nvSpPr>
+          <p:cNvPr id="83" name="Oval 82">
+            <a:extLst>
+              <a:ext uri="{FF2B5EF4-FFF2-40B4-BE49-F238E27FC236}">
+                <a16:creationId xmlns:a16="http://schemas.microsoft.com/office/drawing/2014/main" id="{645C65BA-7094-E447-DBC9-FB159CFDE6D9}"/>
+              </a:ext>
+            </a:extLst>
+          </p:cNvPr>
+          <p:cNvSpPr/>
+          <p:nvPr/>
+        </p:nvSpPr>
+        <p:spPr>
+          <a:xfrm>
+            <a:off x="8907497" y="4291239"/>
+            <a:ext cx="720000" cy="720000"/>
+          </a:xfrm>
+          <a:prstGeom prst="ellipse">
+            <a:avLst/>
+          </a:prstGeom>
+        </p:spPr>
+        <p:style>
+          <a:lnRef idx="2">
+            <a:schemeClr val="accent1">
+              <a:shade val="15000"/>
+            </a:schemeClr>
+          </a:lnRef>
+          <a:fillRef idx="1">
+            <a:schemeClr val="accent1"/>
+          </a:fillRef>
+          <a:effectRef idx="0">
+            <a:schemeClr val="accent1"/>
+          </a:effectRef>
+          <a:fontRef idx="minor">
+            <a:schemeClr val="lt1"/>
+          </a:fontRef>
+        </p:style>
+        <p:txBody>
+          <a:bodyPr rtlCol="0" anchor="ctr"/>
+          <a:lstStyle/>
+          <a:p>
+            <a:pPr algn="ctr"/>
+            <a:r>
+              <a:rPr lang="en-US" sz="2400" b="1" dirty="0"/>
+              <a:t>D</a:t>
+            </a:r>
+          </a:p>
+        </p:txBody>
+      </p:sp>
+      <p:cxnSp>
+        <p:nvCxnSpPr>
+          <p:cNvPr id="84" name="Straight Arrow Connector 83">
+            <a:extLst>
+              <a:ext uri="{FF2B5EF4-FFF2-40B4-BE49-F238E27FC236}">
+                <a16:creationId xmlns:a16="http://schemas.microsoft.com/office/drawing/2014/main" id="{3BD5F1A9-9DEA-33DC-05DF-43A1E27B40B2}"/>
+              </a:ext>
+            </a:extLst>
+          </p:cNvPr>
+          <p:cNvCxnSpPr>
+            <a:cxnSpLocks/>
+            <a:endCxn id="83" idx="0"/>
+          </p:cNvCxnSpPr>
+          <p:nvPr/>
+        </p:nvCxnSpPr>
+        <p:spPr>
+          <a:xfrm flipH="1">
+            <a:off x="9267497" y="3824990"/>
+            <a:ext cx="615482" cy="466249"/>
+          </a:xfrm>
+          <a:prstGeom prst="straightConnector1">
+            <a:avLst/>
+          </a:prstGeom>
+          <a:ln w="38100">
+            <a:tailEnd type="triangle"/>
+          </a:ln>
+        </p:spPr>
+        <p:style>
+          <a:lnRef idx="2">
+            <a:schemeClr val="accent1"/>
+          </a:lnRef>
+          <a:fillRef idx="0">
+            <a:schemeClr val="accent1"/>
+          </a:fillRef>
+          <a:effectRef idx="1">
+            <a:schemeClr val="accent1"/>
+          </a:effectRef>
+          <a:fontRef idx="minor">
+            <a:schemeClr val="tx1"/>
+          </a:fontRef>
+        </p:style>
+      </p:cxnSp>
+      <p:sp>
+        <p:nvSpPr>
+          <p:cNvPr id="85" name="Oval 84">
+            <a:extLst>
+              <a:ext uri="{FF2B5EF4-FFF2-40B4-BE49-F238E27FC236}">
+                <a16:creationId xmlns:a16="http://schemas.microsoft.com/office/drawing/2014/main" id="{B1DE9D35-1D09-8758-7D48-70EBD8DA7B4B}"/>
+              </a:ext>
+            </a:extLst>
+          </p:cNvPr>
+          <p:cNvSpPr/>
+          <p:nvPr/>
+        </p:nvSpPr>
+        <p:spPr>
+          <a:xfrm>
+            <a:off x="11063913" y="4516840"/>
+            <a:ext cx="720000" cy="720000"/>
+          </a:xfrm>
+          <a:prstGeom prst="ellipse">
+            <a:avLst/>
+          </a:prstGeom>
+        </p:spPr>
+        <p:style>
+          <a:lnRef idx="2">
+            <a:schemeClr val="accent1">
+              <a:shade val="15000"/>
+            </a:schemeClr>
+          </a:lnRef>
+          <a:fillRef idx="1">
+            <a:schemeClr val="accent1"/>
+          </a:fillRef>
+          <a:effectRef idx="0">
+            <a:schemeClr val="accent1"/>
+          </a:effectRef>
+          <a:fontRef idx="minor">
+            <a:schemeClr val="lt1"/>
+          </a:fontRef>
+        </p:style>
+        <p:txBody>
+          <a:bodyPr rtlCol="0" anchor="ctr"/>
+          <a:lstStyle/>
+          <a:p>
+            <a:pPr algn="ctr"/>
+            <a:r>
+              <a:rPr lang="en-US" sz="2400" b="1" dirty="0"/>
+              <a:t>E</a:t>
+            </a:r>
+          </a:p>
+        </p:txBody>
+      </p:sp>
+      <p:cxnSp>
+        <p:nvCxnSpPr>
+          <p:cNvPr id="86" name="Straight Arrow Connector 85">
+            <a:extLst>
+              <a:ext uri="{FF2B5EF4-FFF2-40B4-BE49-F238E27FC236}">
+                <a16:creationId xmlns:a16="http://schemas.microsoft.com/office/drawing/2014/main" id="{EC1CE2E7-0D70-03B7-94B5-72660324B7EC}"/>
+              </a:ext>
+            </a:extLst>
+          </p:cNvPr>
+          <p:cNvCxnSpPr>
+            <a:cxnSpLocks/>
+            <a:stCxn id="76" idx="4"/>
+            <a:endCxn id="85" idx="0"/>
+          </p:cNvCxnSpPr>
+          <p:nvPr/>
+        </p:nvCxnSpPr>
+        <p:spPr>
+          <a:xfrm flipH="1">
+            <a:off x="11423913" y="3938593"/>
+            <a:ext cx="105442" cy="578247"/>
+          </a:xfrm>
+          <a:prstGeom prst="straightConnector1">
+            <a:avLst/>
+          </a:prstGeom>
+          <a:ln w="38100">
+            <a:tailEnd type="triangle"/>
+          </a:ln>
+        </p:spPr>
+        <p:style>
+          <a:lnRef idx="2">
+            <a:schemeClr val="accent1"/>
+          </a:lnRef>
+          <a:fillRef idx="0">
+            <a:schemeClr val="accent1"/>
+          </a:fillRef>
+          <a:effectRef idx="1">
+            <a:schemeClr val="accent1"/>
+          </a:effectRef>
+          <a:fontRef idx="minor">
+            <a:schemeClr val="tx1"/>
+          </a:fontRef>
+        </p:style>
+      </p:cxnSp>
+      <p:sp>
+        <p:nvSpPr>
+          <p:cNvPr id="88" name="TextBox 87">
+            <a:extLst>
+              <a:ext uri="{FF2B5EF4-FFF2-40B4-BE49-F238E27FC236}">
+                <a16:creationId xmlns:a16="http://schemas.microsoft.com/office/drawing/2014/main" id="{4857494E-4CD1-D327-2F1E-6BA2A1787C7A}"/>
+              </a:ext>
+            </a:extLst>
+          </p:cNvPr>
+          <p:cNvSpPr txBox="1"/>
+          <p:nvPr/>
+        </p:nvSpPr>
+        <p:spPr>
+          <a:xfrm>
+            <a:off x="11357811" y="2772076"/>
+            <a:ext cx="308098" cy="369332"/>
+          </a:xfrm>
+          <a:prstGeom prst="rect">
+            <a:avLst/>
+          </a:prstGeom>
+          <a:noFill/>
+        </p:spPr>
+        <p:txBody>
+          <a:bodyPr wrap="none" rtlCol="0">
+            <a:spAutoFit/>
+          </a:bodyPr>
+          <a:lstStyle/>
+          <a:p>
+            <a:r>
+              <a:rPr lang="en-US" dirty="0"/>
+              <a:t>4</a:t>
+            </a:r>
+          </a:p>
+        </p:txBody>
+      </p:sp>
+      <p:sp>
+        <p:nvSpPr>
+          <p:cNvPr id="89" name="TextBox 88">
+            <a:extLst>
+              <a:ext uri="{FF2B5EF4-FFF2-40B4-BE49-F238E27FC236}">
+                <a16:creationId xmlns:a16="http://schemas.microsoft.com/office/drawing/2014/main" id="{C6437B0C-BF55-6640-E2A2-0FD1D11FAE08}"/>
+              </a:ext>
+            </a:extLst>
+          </p:cNvPr>
+          <p:cNvSpPr txBox="1"/>
+          <p:nvPr/>
+        </p:nvSpPr>
+        <p:spPr>
+          <a:xfrm>
+            <a:off x="11762072" y="4321743"/>
+            <a:ext cx="308098" cy="369332"/>
+          </a:xfrm>
+          <a:prstGeom prst="rect">
+            <a:avLst/>
+          </a:prstGeom>
+          <a:noFill/>
+        </p:spPr>
+        <p:txBody>
+          <a:bodyPr wrap="none" rtlCol="0">
+            <a:spAutoFit/>
+          </a:bodyPr>
+          <a:lstStyle/>
+          <a:p>
+            <a:r>
+              <a:rPr lang="en-US" dirty="0"/>
+              <a:t>5</a:t>
+            </a:r>
+          </a:p>
+        </p:txBody>
+      </p:sp>
+    </p:spTree>
+    <p:extLst>
+      <p:ext uri="{BB962C8B-B14F-4D97-AF65-F5344CB8AC3E}">
+        <p14:creationId xmlns:p14="http://schemas.microsoft.com/office/powerpoint/2010/main" val="1880405834"/>
+      </p:ext>
+    </p:extLst>
+  </p:cSld>
+  <p:clrMapOvr>
+    <a:masterClrMapping/>
+  </p:clrMapOvr>
+</p:sld>
+</file>
+
+<file path=ppt/slides/slide4.xml><?xml version="1.0" encoding="utf-8"?>
+<p:sld xmlns:a="http://schemas.openxmlformats.org/drawingml/2006/main" xmlns:r="http://schemas.openxmlformats.org/officeDocument/2006/relationships" xmlns:p="http://schemas.openxmlformats.org/presentationml/2006/main">
+  <p:cSld>
+    <p:spTree>
+      <p:nvGrpSpPr>
+        <p:cNvPr id="1" name=""/>
+        <p:cNvGrpSpPr/>
+        <p:nvPr/>
+      </p:nvGrpSpPr>
+      <p:grpSpPr>
+        <a:xfrm>
+          <a:off x="0" y="0"/>
+          <a:ext cx="0" cy="0"/>
+          <a:chOff x="0" y="0"/>
+          <a:chExt cx="0" cy="0"/>
+        </a:xfrm>
+      </p:grpSpPr>
+      <p:sp>
+        <p:nvSpPr>
+          <p:cNvPr id="5" name="Oval 4">
+            <a:extLst>
+              <a:ext uri="{FF2B5EF4-FFF2-40B4-BE49-F238E27FC236}">
+                <a16:creationId xmlns:a16="http://schemas.microsoft.com/office/drawing/2014/main" id="{171CF190-5882-4CFD-9B40-C4906045D280}"/>
+              </a:ext>
+            </a:extLst>
+          </p:cNvPr>
+          <p:cNvSpPr/>
+          <p:nvPr/>
+        </p:nvSpPr>
+        <p:spPr>
+          <a:xfrm>
+            <a:off x="1022645" y="1274580"/>
+            <a:ext cx="720000" cy="720000"/>
+          </a:xfrm>
+          <a:prstGeom prst="ellipse">
+            <a:avLst/>
+          </a:prstGeom>
+        </p:spPr>
+        <p:style>
+          <a:lnRef idx="2">
+            <a:schemeClr val="accent1">
+              <a:shade val="15000"/>
+            </a:schemeClr>
+          </a:lnRef>
+          <a:fillRef idx="1">
+            <a:schemeClr val="accent1"/>
+          </a:fillRef>
+          <a:effectRef idx="0">
+            <a:schemeClr val="accent1"/>
+          </a:effectRef>
+          <a:fontRef idx="minor">
+            <a:schemeClr val="lt1"/>
+          </a:fontRef>
+        </p:style>
+        <p:txBody>
+          <a:bodyPr rtlCol="0" anchor="ctr"/>
+          <a:lstStyle/>
+          <a:p>
+            <a:pPr algn="ctr"/>
+            <a:r>
+              <a:rPr lang="en-US" sz="2400" b="1" dirty="0"/>
+              <a:t>A</a:t>
+            </a:r>
+          </a:p>
+        </p:txBody>
+      </p:sp>
+      <p:sp>
+        <p:nvSpPr>
+          <p:cNvPr id="7" name="Oval 6">
+            <a:extLst>
+              <a:ext uri="{FF2B5EF4-FFF2-40B4-BE49-F238E27FC236}">
+                <a16:creationId xmlns:a16="http://schemas.microsoft.com/office/drawing/2014/main" id="{F7BE3DDF-AFAC-73AF-D561-1BE64814F892}"/>
+              </a:ext>
+            </a:extLst>
+          </p:cNvPr>
+          <p:cNvSpPr/>
+          <p:nvPr/>
+        </p:nvSpPr>
+        <p:spPr>
+          <a:xfrm>
+            <a:off x="5044435" y="1059364"/>
+            <a:ext cx="720000" cy="720000"/>
+          </a:xfrm>
+          <a:prstGeom prst="ellipse">
+            <a:avLst/>
+          </a:prstGeom>
+        </p:spPr>
+        <p:style>
+          <a:lnRef idx="2">
+            <a:schemeClr val="accent1">
+              <a:shade val="15000"/>
+            </a:schemeClr>
+          </a:lnRef>
+          <a:fillRef idx="1">
+            <a:schemeClr val="accent1"/>
+          </a:fillRef>
+          <a:effectRef idx="0">
+            <a:schemeClr val="accent1"/>
+          </a:effectRef>
+          <a:fontRef idx="minor">
+            <a:schemeClr val="lt1"/>
+          </a:fontRef>
+        </p:style>
+        <p:txBody>
+          <a:bodyPr rtlCol="0" anchor="ctr"/>
+          <a:lstStyle/>
+          <a:p>
+            <a:pPr algn="ctr"/>
+            <a:r>
+              <a:rPr lang="en-US" sz="2400" b="1" dirty="0"/>
+              <a:t>B</a:t>
+            </a:r>
+          </a:p>
+        </p:txBody>
+      </p:sp>
+      <p:sp>
+        <p:nvSpPr>
+          <p:cNvPr id="8" name="Oval 7">
+            <a:extLst>
+              <a:ext uri="{FF2B5EF4-FFF2-40B4-BE49-F238E27FC236}">
+                <a16:creationId xmlns:a16="http://schemas.microsoft.com/office/drawing/2014/main" id="{2FE1C344-ABBD-E03C-A9E0-3F8E315E45E0}"/>
+              </a:ext>
+            </a:extLst>
+          </p:cNvPr>
+          <p:cNvSpPr/>
+          <p:nvPr/>
+        </p:nvSpPr>
+        <p:spPr>
+          <a:xfrm>
+            <a:off x="8292939" y="1914712"/>
+            <a:ext cx="720000" cy="720000"/>
+          </a:xfrm>
+          <a:prstGeom prst="ellipse">
+            <a:avLst/>
+          </a:prstGeom>
+        </p:spPr>
+        <p:style>
+          <a:lnRef idx="2">
+            <a:schemeClr val="accent1">
+              <a:shade val="15000"/>
+            </a:schemeClr>
+          </a:lnRef>
+          <a:fillRef idx="1">
+            <a:schemeClr val="accent1"/>
+          </a:fillRef>
+          <a:effectRef idx="0">
+            <a:schemeClr val="accent1"/>
+          </a:effectRef>
+          <a:fontRef idx="minor">
+            <a:schemeClr val="lt1"/>
+          </a:fontRef>
+        </p:style>
+        <p:txBody>
+          <a:bodyPr rtlCol="0" anchor="ctr"/>
+          <a:lstStyle/>
+          <a:p>
+            <a:pPr algn="ctr"/>
+            <a:r>
+              <a:rPr lang="en-US" sz="2400" b="1" dirty="0"/>
+              <a:t>E</a:t>
+            </a:r>
+          </a:p>
+        </p:txBody>
+      </p:sp>
+      <p:sp>
+        <p:nvSpPr>
+          <p:cNvPr id="9" name="Oval 8">
+            <a:extLst>
+              <a:ext uri="{FF2B5EF4-FFF2-40B4-BE49-F238E27FC236}">
+                <a16:creationId xmlns:a16="http://schemas.microsoft.com/office/drawing/2014/main" id="{E0617266-B10F-8336-D521-6A64CF387F14}"/>
+              </a:ext>
+            </a:extLst>
+          </p:cNvPr>
+          <p:cNvSpPr/>
+          <p:nvPr/>
+        </p:nvSpPr>
+        <p:spPr>
+          <a:xfrm>
+            <a:off x="5494820" y="5158308"/>
+            <a:ext cx="720000" cy="720000"/>
+          </a:xfrm>
+          <a:prstGeom prst="ellipse">
+            <a:avLst/>
+          </a:prstGeom>
+        </p:spPr>
+        <p:style>
+          <a:lnRef idx="2">
+            <a:schemeClr val="accent1">
+              <a:shade val="15000"/>
+            </a:schemeClr>
+          </a:lnRef>
+          <a:fillRef idx="1">
+            <a:schemeClr val="accent1"/>
+          </a:fillRef>
+          <a:effectRef idx="0">
+            <a:schemeClr val="accent1"/>
+          </a:effectRef>
+          <a:fontRef idx="minor">
+            <a:schemeClr val="lt1"/>
+          </a:fontRef>
+        </p:style>
+        <p:txBody>
+          <a:bodyPr rtlCol="0" anchor="ctr"/>
+          <a:lstStyle/>
+          <a:p>
+            <a:pPr algn="ctr"/>
+            <a:r>
+              <a:rPr lang="en-US" sz="2400" b="1" dirty="0"/>
+              <a:t>D</a:t>
+            </a:r>
+          </a:p>
+        </p:txBody>
+      </p:sp>
+      <p:sp>
+        <p:nvSpPr>
+          <p:cNvPr id="10" name="Oval 9">
+            <a:extLst>
+              <a:ext uri="{FF2B5EF4-FFF2-40B4-BE49-F238E27FC236}">
+                <a16:creationId xmlns:a16="http://schemas.microsoft.com/office/drawing/2014/main" id="{9C9B905E-C995-8B80-09BB-85C1016BFAB4}"/>
+              </a:ext>
+            </a:extLst>
+          </p:cNvPr>
+          <p:cNvSpPr/>
+          <p:nvPr/>
+        </p:nvSpPr>
+        <p:spPr>
+          <a:xfrm>
+            <a:off x="1172685" y="5069005"/>
+            <a:ext cx="720000" cy="720000"/>
+          </a:xfrm>
+          <a:prstGeom prst="ellipse">
+            <a:avLst/>
+          </a:prstGeom>
+        </p:spPr>
+        <p:style>
+          <a:lnRef idx="2">
+            <a:schemeClr val="accent1">
+              <a:shade val="15000"/>
+            </a:schemeClr>
+          </a:lnRef>
+          <a:fillRef idx="1">
+            <a:schemeClr val="accent1"/>
+          </a:fillRef>
+          <a:effectRef idx="0">
+            <a:schemeClr val="accent1"/>
+          </a:effectRef>
+          <a:fontRef idx="minor">
+            <a:schemeClr val="lt1"/>
+          </a:fontRef>
+        </p:style>
+        <p:txBody>
+          <a:bodyPr rtlCol="0" anchor="ctr"/>
+          <a:lstStyle/>
+          <a:p>
+            <a:pPr algn="ctr"/>
+            <a:r>
+              <a:rPr lang="en-US" sz="2400" b="1" dirty="0"/>
+              <a:t>C</a:t>
+            </a:r>
+          </a:p>
+        </p:txBody>
+      </p:sp>
+      <p:cxnSp>
+        <p:nvCxnSpPr>
+          <p:cNvPr id="12" name="Straight Arrow Connector 11">
+            <a:extLst>
+              <a:ext uri="{FF2B5EF4-FFF2-40B4-BE49-F238E27FC236}">
+                <a16:creationId xmlns:a16="http://schemas.microsoft.com/office/drawing/2014/main" id="{300AA748-5A82-8930-CB07-93DFB270C0B9}"/>
+              </a:ext>
+            </a:extLst>
+          </p:cNvPr>
+          <p:cNvCxnSpPr>
+            <a:cxnSpLocks/>
+            <a:stCxn id="5" idx="6"/>
+            <a:endCxn id="7" idx="2"/>
+          </p:cNvCxnSpPr>
+          <p:nvPr/>
+        </p:nvCxnSpPr>
+        <p:spPr>
+          <a:xfrm flipV="1">
+            <a:off x="1742645" y="1419364"/>
+            <a:ext cx="3301790" cy="215216"/>
+          </a:xfrm>
+          <a:prstGeom prst="straightConnector1">
+            <a:avLst/>
+          </a:prstGeom>
           <a:ln>
             <a:tailEnd type="triangle"/>
           </a:ln>
@@ -11425,90 +12976,45 @@
           </a:p>
         </p:txBody>
       </p:sp>
-    </p:spTree>
-    <p:extLst>
-      <p:ext uri="{BB962C8B-B14F-4D97-AF65-F5344CB8AC3E}">
-        <p14:creationId xmlns:p14="http://schemas.microsoft.com/office/powerpoint/2010/main" val="1880405834"/>
-      </p:ext>
-    </p:extLst>
-  </p:cSld>
-  <p:clrMapOvr>
-    <a:masterClrMapping/>
-  </p:clrMapOvr>
-</p:sld>
-</file>
-
-<file path=ppt/slides/slide4.xml><?xml version="1.0" encoding="utf-8"?>
-<p:sld xmlns:a="http://schemas.openxmlformats.org/drawingml/2006/main" xmlns:r="http://schemas.openxmlformats.org/officeDocument/2006/relationships" xmlns:p="http://schemas.openxmlformats.org/presentationml/2006/main">
-  <p:cSld>
-    <p:spTree>
-      <p:nvGrpSpPr>
-        <p:cNvPr id="1" name=""/>
-        <p:cNvGrpSpPr/>
-        <p:nvPr/>
-      </p:nvGrpSpPr>
-      <p:grpSpPr>
-        <a:xfrm>
-          <a:off x="0" y="0"/>
-          <a:ext cx="0" cy="0"/>
-          <a:chOff x="0" y="0"/>
-          <a:chExt cx="0" cy="0"/>
-        </a:xfrm>
-      </p:grpSpPr>
       <p:sp>
         <p:nvSpPr>
-          <p:cNvPr id="2" name="Title 1">
-            <a:extLst>
-              <a:ext uri="{FF2B5EF4-FFF2-40B4-BE49-F238E27FC236}">
-                <a16:creationId xmlns:a16="http://schemas.microsoft.com/office/drawing/2014/main" id="{01D1F070-282B-1D79-3266-8DF34E0DE238}"/>
-              </a:ext>
-            </a:extLst>
-          </p:cNvPr>
-          <p:cNvSpPr>
-            <a:spLocks noGrp="1"/>
-          </p:cNvSpPr>
-          <p:nvPr>
-            <p:ph type="title"/>
-          </p:nvPr>
+          <p:cNvPr id="2" name="TextBox 1">
+            <a:extLst>
+              <a:ext uri="{FF2B5EF4-FFF2-40B4-BE49-F238E27FC236}">
+                <a16:creationId xmlns:a16="http://schemas.microsoft.com/office/drawing/2014/main" id="{77EC6DFC-74E4-87AD-9363-FD07F0197198}"/>
+              </a:ext>
+            </a:extLst>
+          </p:cNvPr>
+          <p:cNvSpPr txBox="1"/>
+          <p:nvPr/>
         </p:nvSpPr>
-        <p:spPr/>
+        <p:spPr>
+          <a:xfrm>
+            <a:off x="8477573" y="433953"/>
+            <a:ext cx="2021131" cy="369332"/>
+          </a:xfrm>
+          <a:prstGeom prst="rect">
+            <a:avLst/>
+          </a:prstGeom>
+          <a:noFill/>
+        </p:spPr>
         <p:txBody>
-          <a:bodyPr/>
+          <a:bodyPr wrap="none" rtlCol="0">
+            <a:spAutoFit/>
+          </a:bodyPr>
           <a:lstStyle/>
           <a:p>
-            <a:endParaRPr lang="en-US"/>
-          </a:p>
-        </p:txBody>
-      </p:sp>
-      <p:sp>
-        <p:nvSpPr>
-          <p:cNvPr id="3" name="Content Placeholder 2">
-            <a:extLst>
-              <a:ext uri="{FF2B5EF4-FFF2-40B4-BE49-F238E27FC236}">
-                <a16:creationId xmlns:a16="http://schemas.microsoft.com/office/drawing/2014/main" id="{3DA79CAE-D997-B760-C316-D3595FD5EF18}"/>
-              </a:ext>
-            </a:extLst>
-          </p:cNvPr>
-          <p:cNvSpPr>
-            <a:spLocks noGrp="1"/>
-          </p:cNvSpPr>
-          <p:nvPr>
-            <p:ph idx="1"/>
-          </p:nvPr>
-        </p:nvSpPr>
-        <p:spPr/>
-        <p:txBody>
-          <a:bodyPr/>
-          <a:lstStyle/>
-          <a:p>
-            <a:endParaRPr lang="en-US"/>
+            <a:r>
+              <a:rPr lang="en-US" dirty="0"/>
+              <a:t>Depth First Search</a:t>
+            </a:r>
           </a:p>
         </p:txBody>
       </p:sp>
     </p:spTree>
     <p:extLst>
       <p:ext uri="{BB962C8B-B14F-4D97-AF65-F5344CB8AC3E}">
-        <p14:creationId xmlns:p14="http://schemas.microsoft.com/office/powerpoint/2010/main" val="131631049"/>
+        <p14:creationId xmlns:p14="http://schemas.microsoft.com/office/powerpoint/2010/main" val="2504541221"/>
       </p:ext>
     </p:extLst>
   </p:cSld>
@@ -11537,50 +13043,980 @@
       </p:grpSpPr>
       <p:sp>
         <p:nvSpPr>
-          <p:cNvPr id="2" name="Title 1">
-            <a:extLst>
-              <a:ext uri="{FF2B5EF4-FFF2-40B4-BE49-F238E27FC236}">
-                <a16:creationId xmlns:a16="http://schemas.microsoft.com/office/drawing/2014/main" id="{EE2C27CA-D294-2C3B-BF35-10D395462E67}"/>
-              </a:ext>
-            </a:extLst>
-          </p:cNvPr>
-          <p:cNvSpPr>
-            <a:spLocks noGrp="1"/>
-          </p:cNvSpPr>
-          <p:nvPr>
-            <p:ph type="title"/>
-          </p:nvPr>
+          <p:cNvPr id="5" name="Oval 4">
+            <a:extLst>
+              <a:ext uri="{FF2B5EF4-FFF2-40B4-BE49-F238E27FC236}">
+                <a16:creationId xmlns:a16="http://schemas.microsoft.com/office/drawing/2014/main" id="{171CF190-5882-4CFD-9B40-C4906045D280}"/>
+              </a:ext>
+            </a:extLst>
+          </p:cNvPr>
+          <p:cNvSpPr/>
+          <p:nvPr/>
         </p:nvSpPr>
-        <p:spPr/>
+        <p:spPr>
+          <a:xfrm>
+            <a:off x="1022645" y="1274580"/>
+            <a:ext cx="720000" cy="720000"/>
+          </a:xfrm>
+          <a:prstGeom prst="ellipse">
+            <a:avLst/>
+          </a:prstGeom>
+        </p:spPr>
+        <p:style>
+          <a:lnRef idx="2">
+            <a:schemeClr val="accent1">
+              <a:shade val="15000"/>
+            </a:schemeClr>
+          </a:lnRef>
+          <a:fillRef idx="1">
+            <a:schemeClr val="accent1"/>
+          </a:fillRef>
+          <a:effectRef idx="0">
+            <a:schemeClr val="accent1"/>
+          </a:effectRef>
+          <a:fontRef idx="minor">
+            <a:schemeClr val="lt1"/>
+          </a:fontRef>
+        </p:style>
         <p:txBody>
-          <a:bodyPr/>
+          <a:bodyPr rtlCol="0" anchor="ctr"/>
           <a:lstStyle/>
           <a:p>
-            <a:endParaRPr lang="en-US"/>
+            <a:pPr algn="ctr"/>
+            <a:r>
+              <a:rPr lang="en-US" sz="2400" b="1" dirty="0"/>
+              <a:t>A</a:t>
+            </a:r>
           </a:p>
         </p:txBody>
       </p:sp>
       <p:sp>
         <p:nvSpPr>
-          <p:cNvPr id="3" name="Content Placeholder 2">
-            <a:extLst>
-              <a:ext uri="{FF2B5EF4-FFF2-40B4-BE49-F238E27FC236}">
-                <a16:creationId xmlns:a16="http://schemas.microsoft.com/office/drawing/2014/main" id="{0E1F8347-A697-3929-15CB-BB3C41545080}"/>
-              </a:ext>
-            </a:extLst>
-          </p:cNvPr>
-          <p:cNvSpPr>
-            <a:spLocks noGrp="1"/>
-          </p:cNvSpPr>
-          <p:nvPr>
-            <p:ph idx="1"/>
-          </p:nvPr>
+          <p:cNvPr id="7" name="Oval 6">
+            <a:extLst>
+              <a:ext uri="{FF2B5EF4-FFF2-40B4-BE49-F238E27FC236}">
+                <a16:creationId xmlns:a16="http://schemas.microsoft.com/office/drawing/2014/main" id="{F7BE3DDF-AFAC-73AF-D561-1BE64814F892}"/>
+              </a:ext>
+            </a:extLst>
+          </p:cNvPr>
+          <p:cNvSpPr/>
+          <p:nvPr/>
         </p:nvSpPr>
-        <p:spPr/>
+        <p:spPr>
+          <a:xfrm>
+            <a:off x="5044435" y="1059364"/>
+            <a:ext cx="720000" cy="720000"/>
+          </a:xfrm>
+          <a:prstGeom prst="ellipse">
+            <a:avLst/>
+          </a:prstGeom>
+        </p:spPr>
+        <p:style>
+          <a:lnRef idx="2">
+            <a:schemeClr val="accent1">
+              <a:shade val="15000"/>
+            </a:schemeClr>
+          </a:lnRef>
+          <a:fillRef idx="1">
+            <a:schemeClr val="accent1"/>
+          </a:fillRef>
+          <a:effectRef idx="0">
+            <a:schemeClr val="accent1"/>
+          </a:effectRef>
+          <a:fontRef idx="minor">
+            <a:schemeClr val="lt1"/>
+          </a:fontRef>
+        </p:style>
         <p:txBody>
-          <a:bodyPr/>
+          <a:bodyPr rtlCol="0" anchor="ctr"/>
           <a:lstStyle/>
           <a:p>
+            <a:pPr algn="ctr"/>
+            <a:r>
+              <a:rPr lang="en-US" sz="2400" b="1" dirty="0"/>
+              <a:t>B</a:t>
+            </a:r>
+          </a:p>
+        </p:txBody>
+      </p:sp>
+      <p:sp>
+        <p:nvSpPr>
+          <p:cNvPr id="8" name="Oval 7">
+            <a:extLst>
+              <a:ext uri="{FF2B5EF4-FFF2-40B4-BE49-F238E27FC236}">
+                <a16:creationId xmlns:a16="http://schemas.microsoft.com/office/drawing/2014/main" id="{2FE1C344-ABBD-E03C-A9E0-3F8E315E45E0}"/>
+              </a:ext>
+            </a:extLst>
+          </p:cNvPr>
+          <p:cNvSpPr/>
+          <p:nvPr/>
+        </p:nvSpPr>
+        <p:spPr>
+          <a:xfrm>
+            <a:off x="8292939" y="1914712"/>
+            <a:ext cx="720000" cy="720000"/>
+          </a:xfrm>
+          <a:prstGeom prst="ellipse">
+            <a:avLst/>
+          </a:prstGeom>
+        </p:spPr>
+        <p:style>
+          <a:lnRef idx="2">
+            <a:schemeClr val="accent1">
+              <a:shade val="15000"/>
+            </a:schemeClr>
+          </a:lnRef>
+          <a:fillRef idx="1">
+            <a:schemeClr val="accent1"/>
+          </a:fillRef>
+          <a:effectRef idx="0">
+            <a:schemeClr val="accent1"/>
+          </a:effectRef>
+          <a:fontRef idx="minor">
+            <a:schemeClr val="lt1"/>
+          </a:fontRef>
+        </p:style>
+        <p:txBody>
+          <a:bodyPr rtlCol="0" anchor="ctr"/>
+          <a:lstStyle/>
+          <a:p>
+            <a:pPr algn="ctr"/>
+            <a:r>
+              <a:rPr lang="en-US" sz="2400" b="1" dirty="0"/>
+              <a:t>E</a:t>
+            </a:r>
+          </a:p>
+        </p:txBody>
+      </p:sp>
+      <p:sp>
+        <p:nvSpPr>
+          <p:cNvPr id="9" name="Oval 8">
+            <a:extLst>
+              <a:ext uri="{FF2B5EF4-FFF2-40B4-BE49-F238E27FC236}">
+                <a16:creationId xmlns:a16="http://schemas.microsoft.com/office/drawing/2014/main" id="{E0617266-B10F-8336-D521-6A64CF387F14}"/>
+              </a:ext>
+            </a:extLst>
+          </p:cNvPr>
+          <p:cNvSpPr/>
+          <p:nvPr/>
+        </p:nvSpPr>
+        <p:spPr>
+          <a:xfrm>
+            <a:off x="5494820" y="5158308"/>
+            <a:ext cx="720000" cy="720000"/>
+          </a:xfrm>
+          <a:prstGeom prst="ellipse">
+            <a:avLst/>
+          </a:prstGeom>
+        </p:spPr>
+        <p:style>
+          <a:lnRef idx="2">
+            <a:schemeClr val="accent1">
+              <a:shade val="15000"/>
+            </a:schemeClr>
+          </a:lnRef>
+          <a:fillRef idx="1">
+            <a:schemeClr val="accent1"/>
+          </a:fillRef>
+          <a:effectRef idx="0">
+            <a:schemeClr val="accent1"/>
+          </a:effectRef>
+          <a:fontRef idx="minor">
+            <a:schemeClr val="lt1"/>
+          </a:fontRef>
+        </p:style>
+        <p:txBody>
+          <a:bodyPr rtlCol="0" anchor="ctr"/>
+          <a:lstStyle/>
+          <a:p>
+            <a:pPr algn="ctr"/>
+            <a:r>
+              <a:rPr lang="en-US" sz="2400" b="1" dirty="0"/>
+              <a:t>D</a:t>
+            </a:r>
+          </a:p>
+        </p:txBody>
+      </p:sp>
+      <p:sp>
+        <p:nvSpPr>
+          <p:cNvPr id="10" name="Oval 9">
+            <a:extLst>
+              <a:ext uri="{FF2B5EF4-FFF2-40B4-BE49-F238E27FC236}">
+                <a16:creationId xmlns:a16="http://schemas.microsoft.com/office/drawing/2014/main" id="{9C9B905E-C995-8B80-09BB-85C1016BFAB4}"/>
+              </a:ext>
+            </a:extLst>
+          </p:cNvPr>
+          <p:cNvSpPr/>
+          <p:nvPr/>
+        </p:nvSpPr>
+        <p:spPr>
+          <a:xfrm>
+            <a:off x="1172685" y="5069005"/>
+            <a:ext cx="720000" cy="720000"/>
+          </a:xfrm>
+          <a:prstGeom prst="ellipse">
+            <a:avLst/>
+          </a:prstGeom>
+        </p:spPr>
+        <p:style>
+          <a:lnRef idx="2">
+            <a:schemeClr val="accent1">
+              <a:shade val="15000"/>
+            </a:schemeClr>
+          </a:lnRef>
+          <a:fillRef idx="1">
+            <a:schemeClr val="accent1"/>
+          </a:fillRef>
+          <a:effectRef idx="0">
+            <a:schemeClr val="accent1"/>
+          </a:effectRef>
+          <a:fontRef idx="minor">
+            <a:schemeClr val="lt1"/>
+          </a:fontRef>
+        </p:style>
+        <p:txBody>
+          <a:bodyPr rtlCol="0" anchor="ctr"/>
+          <a:lstStyle/>
+          <a:p>
+            <a:pPr algn="ctr"/>
+            <a:r>
+              <a:rPr lang="en-US" sz="2400" b="1" dirty="0"/>
+              <a:t>C</a:t>
+            </a:r>
+          </a:p>
+        </p:txBody>
+      </p:sp>
+      <p:cxnSp>
+        <p:nvCxnSpPr>
+          <p:cNvPr id="12" name="Straight Arrow Connector 11">
+            <a:extLst>
+              <a:ext uri="{FF2B5EF4-FFF2-40B4-BE49-F238E27FC236}">
+                <a16:creationId xmlns:a16="http://schemas.microsoft.com/office/drawing/2014/main" id="{300AA748-5A82-8930-CB07-93DFB270C0B9}"/>
+              </a:ext>
+            </a:extLst>
+          </p:cNvPr>
+          <p:cNvCxnSpPr>
+            <a:cxnSpLocks/>
+            <a:stCxn id="5" idx="6"/>
+            <a:endCxn id="7" idx="2"/>
+          </p:cNvCxnSpPr>
+          <p:nvPr/>
+        </p:nvCxnSpPr>
+        <p:spPr>
+          <a:xfrm flipV="1">
+            <a:off x="1742645" y="1419364"/>
+            <a:ext cx="3301790" cy="215216"/>
+          </a:xfrm>
+          <a:prstGeom prst="straightConnector1">
+            <a:avLst/>
+          </a:prstGeom>
+          <a:ln>
+            <a:tailEnd type="triangle"/>
+          </a:ln>
+        </p:spPr>
+        <p:style>
+          <a:lnRef idx="2">
+            <a:schemeClr val="accent1"/>
+          </a:lnRef>
+          <a:fillRef idx="0">
+            <a:schemeClr val="accent1"/>
+          </a:fillRef>
+          <a:effectRef idx="1">
+            <a:schemeClr val="accent1"/>
+          </a:effectRef>
+          <a:fontRef idx="minor">
+            <a:schemeClr val="tx1"/>
+          </a:fontRef>
+        </p:style>
+      </p:cxnSp>
+      <p:cxnSp>
+        <p:nvCxnSpPr>
+          <p:cNvPr id="14" name="Straight Arrow Connector 13">
+            <a:extLst>
+              <a:ext uri="{FF2B5EF4-FFF2-40B4-BE49-F238E27FC236}">
+                <a16:creationId xmlns:a16="http://schemas.microsoft.com/office/drawing/2014/main" id="{3D425153-63E2-ECCD-395B-8D62B037527F}"/>
+              </a:ext>
+            </a:extLst>
+          </p:cNvPr>
+          <p:cNvCxnSpPr>
+            <a:cxnSpLocks/>
+            <a:stCxn id="5" idx="4"/>
+            <a:endCxn id="10" idx="0"/>
+          </p:cNvCxnSpPr>
+          <p:nvPr/>
+        </p:nvCxnSpPr>
+        <p:spPr>
+          <a:xfrm>
+            <a:off x="1382645" y="1994580"/>
+            <a:ext cx="150040" cy="3074425"/>
+          </a:xfrm>
+          <a:prstGeom prst="straightConnector1">
+            <a:avLst/>
+          </a:prstGeom>
+          <a:ln>
+            <a:tailEnd type="triangle"/>
+          </a:ln>
+        </p:spPr>
+        <p:style>
+          <a:lnRef idx="2">
+            <a:schemeClr val="accent1"/>
+          </a:lnRef>
+          <a:fillRef idx="0">
+            <a:schemeClr val="accent1"/>
+          </a:fillRef>
+          <a:effectRef idx="1">
+            <a:schemeClr val="accent1"/>
+          </a:effectRef>
+          <a:fontRef idx="minor">
+            <a:schemeClr val="tx1"/>
+          </a:fontRef>
+        </p:style>
+      </p:cxnSp>
+      <p:sp>
+        <p:nvSpPr>
+          <p:cNvPr id="17" name="TextBox 16">
+            <a:extLst>
+              <a:ext uri="{FF2B5EF4-FFF2-40B4-BE49-F238E27FC236}">
+                <a16:creationId xmlns:a16="http://schemas.microsoft.com/office/drawing/2014/main" id="{8FDEA8EA-7BF9-D906-2547-3AE77B23EA5A}"/>
+              </a:ext>
+            </a:extLst>
+          </p:cNvPr>
+          <p:cNvSpPr txBox="1"/>
+          <p:nvPr/>
+        </p:nvSpPr>
+        <p:spPr>
+          <a:xfrm>
+            <a:off x="2959832" y="1224619"/>
+            <a:ext cx="349776" cy="461665"/>
+          </a:xfrm>
+          <a:prstGeom prst="rect">
+            <a:avLst/>
+          </a:prstGeom>
+          <a:noFill/>
+        </p:spPr>
+        <p:txBody>
+          <a:bodyPr wrap="none" rtlCol="0">
+            <a:spAutoFit/>
+          </a:bodyPr>
+          <a:lstStyle/>
+          <a:p>
+            <a:r>
+              <a:rPr lang="en-US" sz="2400" b="1" dirty="0"/>
+              <a:t>2</a:t>
+            </a:r>
+          </a:p>
+        </p:txBody>
+      </p:sp>
+      <p:sp>
+        <p:nvSpPr>
+          <p:cNvPr id="18" name="TextBox 17">
+            <a:extLst>
+              <a:ext uri="{FF2B5EF4-FFF2-40B4-BE49-F238E27FC236}">
+                <a16:creationId xmlns:a16="http://schemas.microsoft.com/office/drawing/2014/main" id="{63267DAF-737D-F8DD-8C05-46803D7A6FF7}"/>
+              </a:ext>
+            </a:extLst>
+          </p:cNvPr>
+          <p:cNvSpPr txBox="1"/>
+          <p:nvPr/>
+        </p:nvSpPr>
+        <p:spPr>
+          <a:xfrm>
+            <a:off x="1175518" y="3598846"/>
+            <a:ext cx="349776" cy="461665"/>
+          </a:xfrm>
+          <a:prstGeom prst="rect">
+            <a:avLst/>
+          </a:prstGeom>
+          <a:noFill/>
+        </p:spPr>
+        <p:txBody>
+          <a:bodyPr wrap="none" rtlCol="0">
+            <a:spAutoFit/>
+          </a:bodyPr>
+          <a:lstStyle/>
+          <a:p>
+            <a:r>
+              <a:rPr lang="en-US" sz="2400" b="1" dirty="0"/>
+              <a:t>4</a:t>
+            </a:r>
+          </a:p>
+        </p:txBody>
+      </p:sp>
+      <p:cxnSp>
+        <p:nvCxnSpPr>
+          <p:cNvPr id="19" name="Straight Arrow Connector 18">
+            <a:extLst>
+              <a:ext uri="{FF2B5EF4-FFF2-40B4-BE49-F238E27FC236}">
+                <a16:creationId xmlns:a16="http://schemas.microsoft.com/office/drawing/2014/main" id="{E5B17FCD-5A2B-9E5E-F67F-45B4F5565D2C}"/>
+              </a:ext>
+            </a:extLst>
+          </p:cNvPr>
+          <p:cNvCxnSpPr>
+            <a:cxnSpLocks/>
+            <a:stCxn id="7" idx="3"/>
+            <a:endCxn id="10" idx="7"/>
+          </p:cNvCxnSpPr>
+          <p:nvPr/>
+        </p:nvCxnSpPr>
+        <p:spPr>
+          <a:xfrm flipH="1">
+            <a:off x="1787243" y="1673922"/>
+            <a:ext cx="3362634" cy="3500525"/>
+          </a:xfrm>
+          <a:prstGeom prst="straightConnector1">
+            <a:avLst/>
+          </a:prstGeom>
+          <a:ln>
+            <a:tailEnd type="triangle"/>
+          </a:ln>
+        </p:spPr>
+        <p:style>
+          <a:lnRef idx="2">
+            <a:schemeClr val="accent1"/>
+          </a:lnRef>
+          <a:fillRef idx="0">
+            <a:schemeClr val="accent1"/>
+          </a:fillRef>
+          <a:effectRef idx="1">
+            <a:schemeClr val="accent1"/>
+          </a:effectRef>
+          <a:fontRef idx="minor">
+            <a:schemeClr val="tx1"/>
+          </a:fontRef>
+        </p:style>
+      </p:cxnSp>
+      <p:cxnSp>
+        <p:nvCxnSpPr>
+          <p:cNvPr id="22" name="Straight Arrow Connector 21">
+            <a:extLst>
+              <a:ext uri="{FF2B5EF4-FFF2-40B4-BE49-F238E27FC236}">
+                <a16:creationId xmlns:a16="http://schemas.microsoft.com/office/drawing/2014/main" id="{7EDBC95E-F08B-C234-9385-E2F461D061E3}"/>
+              </a:ext>
+            </a:extLst>
+          </p:cNvPr>
+          <p:cNvCxnSpPr>
+            <a:cxnSpLocks/>
+            <a:stCxn id="7" idx="4"/>
+            <a:endCxn id="9" idx="0"/>
+          </p:cNvCxnSpPr>
+          <p:nvPr/>
+        </p:nvCxnSpPr>
+        <p:spPr>
+          <a:xfrm>
+            <a:off x="5404435" y="1779364"/>
+            <a:ext cx="450385" cy="3378944"/>
+          </a:xfrm>
+          <a:prstGeom prst="straightConnector1">
+            <a:avLst/>
+          </a:prstGeom>
+          <a:ln>
+            <a:tailEnd type="triangle"/>
+          </a:ln>
+        </p:spPr>
+        <p:style>
+          <a:lnRef idx="2">
+            <a:schemeClr val="accent1"/>
+          </a:lnRef>
+          <a:fillRef idx="0">
+            <a:schemeClr val="accent1"/>
+          </a:fillRef>
+          <a:effectRef idx="1">
+            <a:schemeClr val="accent1"/>
+          </a:effectRef>
+          <a:fontRef idx="minor">
+            <a:schemeClr val="tx1"/>
+          </a:fontRef>
+        </p:style>
+      </p:cxnSp>
+      <p:sp>
+        <p:nvSpPr>
+          <p:cNvPr id="25" name="TextBox 24">
+            <a:extLst>
+              <a:ext uri="{FF2B5EF4-FFF2-40B4-BE49-F238E27FC236}">
+                <a16:creationId xmlns:a16="http://schemas.microsoft.com/office/drawing/2014/main" id="{8754F74D-17E5-4FFC-685F-E62647EEBA84}"/>
+              </a:ext>
+            </a:extLst>
+          </p:cNvPr>
+          <p:cNvSpPr txBox="1"/>
+          <p:nvPr/>
+        </p:nvSpPr>
+        <p:spPr>
+          <a:xfrm>
+            <a:off x="3002911" y="3414180"/>
+            <a:ext cx="349776" cy="461665"/>
+          </a:xfrm>
+          <a:prstGeom prst="rect">
+            <a:avLst/>
+          </a:prstGeom>
+          <a:noFill/>
+        </p:spPr>
+        <p:txBody>
+          <a:bodyPr wrap="none" rtlCol="0">
+            <a:spAutoFit/>
+          </a:bodyPr>
+          <a:lstStyle/>
+          <a:p>
+            <a:r>
+              <a:rPr lang="en-US" sz="2400" b="1" dirty="0"/>
+              <a:t>1</a:t>
+            </a:r>
+          </a:p>
+        </p:txBody>
+      </p:sp>
+      <p:sp>
+        <p:nvSpPr>
+          <p:cNvPr id="26" name="TextBox 25">
+            <a:extLst>
+              <a:ext uri="{FF2B5EF4-FFF2-40B4-BE49-F238E27FC236}">
+                <a16:creationId xmlns:a16="http://schemas.microsoft.com/office/drawing/2014/main" id="{970E1DF0-A682-4733-0CE7-748D886F4E9E}"/>
+              </a:ext>
+            </a:extLst>
+          </p:cNvPr>
+          <p:cNvSpPr txBox="1"/>
+          <p:nvPr/>
+        </p:nvSpPr>
+        <p:spPr>
+          <a:xfrm>
+            <a:off x="5412362" y="4516965"/>
+            <a:ext cx="349776" cy="461665"/>
+          </a:xfrm>
+          <a:prstGeom prst="rect">
+            <a:avLst/>
+          </a:prstGeom>
+          <a:noFill/>
+        </p:spPr>
+        <p:txBody>
+          <a:bodyPr wrap="none" rtlCol="0">
+            <a:spAutoFit/>
+          </a:bodyPr>
+          <a:lstStyle/>
+          <a:p>
+            <a:r>
+              <a:rPr lang="en-US" sz="2400" b="1" dirty="0"/>
+              <a:t>7</a:t>
+            </a:r>
+          </a:p>
+        </p:txBody>
+      </p:sp>
+      <p:cxnSp>
+        <p:nvCxnSpPr>
+          <p:cNvPr id="27" name="Straight Arrow Connector 26">
+            <a:extLst>
+              <a:ext uri="{FF2B5EF4-FFF2-40B4-BE49-F238E27FC236}">
+                <a16:creationId xmlns:a16="http://schemas.microsoft.com/office/drawing/2014/main" id="{FBAEBAF1-AF4B-3CCE-E49E-82129FC35E83}"/>
+              </a:ext>
+            </a:extLst>
+          </p:cNvPr>
+          <p:cNvCxnSpPr>
+            <a:cxnSpLocks/>
+            <a:stCxn id="10" idx="6"/>
+            <a:endCxn id="9" idx="2"/>
+          </p:cNvCxnSpPr>
+          <p:nvPr/>
+        </p:nvCxnSpPr>
+        <p:spPr>
+          <a:xfrm>
+            <a:off x="1892685" y="5429005"/>
+            <a:ext cx="3602135" cy="89303"/>
+          </a:xfrm>
+          <a:prstGeom prst="straightConnector1">
+            <a:avLst/>
+          </a:prstGeom>
+          <a:ln>
+            <a:tailEnd type="triangle"/>
+          </a:ln>
+        </p:spPr>
+        <p:style>
+          <a:lnRef idx="2">
+            <a:schemeClr val="accent1"/>
+          </a:lnRef>
+          <a:fillRef idx="0">
+            <a:schemeClr val="accent1"/>
+          </a:fillRef>
+          <a:effectRef idx="1">
+            <a:schemeClr val="accent1"/>
+          </a:effectRef>
+          <a:fontRef idx="minor">
+            <a:schemeClr val="tx1"/>
+          </a:fontRef>
+        </p:style>
+      </p:cxnSp>
+      <p:cxnSp>
+        <p:nvCxnSpPr>
+          <p:cNvPr id="30" name="Straight Arrow Connector 29">
+            <a:extLst>
+              <a:ext uri="{FF2B5EF4-FFF2-40B4-BE49-F238E27FC236}">
+                <a16:creationId xmlns:a16="http://schemas.microsoft.com/office/drawing/2014/main" id="{429E31BB-7720-AB23-8AB5-276BC286D063}"/>
+              </a:ext>
+            </a:extLst>
+          </p:cNvPr>
+          <p:cNvCxnSpPr>
+            <a:cxnSpLocks/>
+            <a:stCxn id="10" idx="6"/>
+            <a:endCxn id="8" idx="2"/>
+          </p:cNvCxnSpPr>
+          <p:nvPr/>
+        </p:nvCxnSpPr>
+        <p:spPr>
+          <a:xfrm flipV="1">
+            <a:off x="1892685" y="2274712"/>
+            <a:ext cx="6400254" cy="3154293"/>
+          </a:xfrm>
+          <a:prstGeom prst="straightConnector1">
+            <a:avLst/>
+          </a:prstGeom>
+          <a:ln>
+            <a:tailEnd type="triangle"/>
+          </a:ln>
+        </p:spPr>
+        <p:style>
+          <a:lnRef idx="2">
+            <a:schemeClr val="accent1"/>
+          </a:lnRef>
+          <a:fillRef idx="0">
+            <a:schemeClr val="accent1"/>
+          </a:fillRef>
+          <a:effectRef idx="1">
+            <a:schemeClr val="accent1"/>
+          </a:effectRef>
+          <a:fontRef idx="minor">
+            <a:schemeClr val="tx1"/>
+          </a:fontRef>
+        </p:style>
+      </p:cxnSp>
+      <p:sp>
+        <p:nvSpPr>
+          <p:cNvPr id="33" name="TextBox 32">
+            <a:extLst>
+              <a:ext uri="{FF2B5EF4-FFF2-40B4-BE49-F238E27FC236}">
+                <a16:creationId xmlns:a16="http://schemas.microsoft.com/office/drawing/2014/main" id="{CD3D3F81-7129-B8EC-7E9C-42531849F97D}"/>
+              </a:ext>
+            </a:extLst>
+          </p:cNvPr>
+          <p:cNvSpPr txBox="1"/>
+          <p:nvPr/>
+        </p:nvSpPr>
+        <p:spPr>
+          <a:xfrm>
+            <a:off x="3177153" y="5098942"/>
+            <a:ext cx="349776" cy="461665"/>
+          </a:xfrm>
+          <a:prstGeom prst="rect">
+            <a:avLst/>
+          </a:prstGeom>
+          <a:noFill/>
+        </p:spPr>
+        <p:txBody>
+          <a:bodyPr wrap="none" rtlCol="0">
+            <a:spAutoFit/>
+          </a:bodyPr>
+          <a:lstStyle/>
+          <a:p>
+            <a:r>
+              <a:rPr lang="en-US" sz="2400" b="1" dirty="0"/>
+              <a:t>3</a:t>
+            </a:r>
+          </a:p>
+        </p:txBody>
+      </p:sp>
+      <p:sp>
+        <p:nvSpPr>
+          <p:cNvPr id="34" name="TextBox 33">
+            <a:extLst>
+              <a:ext uri="{FF2B5EF4-FFF2-40B4-BE49-F238E27FC236}">
+                <a16:creationId xmlns:a16="http://schemas.microsoft.com/office/drawing/2014/main" id="{C6551B50-0E51-B361-71E1-0CB387D5B4E2}"/>
+              </a:ext>
+            </a:extLst>
+          </p:cNvPr>
+          <p:cNvSpPr txBox="1"/>
+          <p:nvPr/>
+        </p:nvSpPr>
+        <p:spPr>
+          <a:xfrm>
+            <a:off x="6975843" y="2490001"/>
+            <a:ext cx="349776" cy="461665"/>
+          </a:xfrm>
+          <a:prstGeom prst="rect">
+            <a:avLst/>
+          </a:prstGeom>
+          <a:noFill/>
+        </p:spPr>
+        <p:txBody>
+          <a:bodyPr wrap="none" rtlCol="0">
+            <a:spAutoFit/>
+          </a:bodyPr>
+          <a:lstStyle/>
+          <a:p>
+            <a:r>
+              <a:rPr lang="en-US" sz="2400" b="1" dirty="0"/>
+              <a:t>5</a:t>
+            </a:r>
+          </a:p>
+        </p:txBody>
+      </p:sp>
+      <p:cxnSp>
+        <p:nvCxnSpPr>
+          <p:cNvPr id="35" name="Straight Arrow Connector 34">
+            <a:extLst>
+              <a:ext uri="{FF2B5EF4-FFF2-40B4-BE49-F238E27FC236}">
+                <a16:creationId xmlns:a16="http://schemas.microsoft.com/office/drawing/2014/main" id="{C93D2704-9238-B687-5585-7E93CDA280E1}"/>
+              </a:ext>
+            </a:extLst>
+          </p:cNvPr>
+          <p:cNvCxnSpPr>
+            <a:cxnSpLocks/>
+            <a:stCxn id="9" idx="7"/>
+            <a:endCxn id="8" idx="3"/>
+          </p:cNvCxnSpPr>
+          <p:nvPr/>
+        </p:nvCxnSpPr>
+        <p:spPr>
+          <a:xfrm flipV="1">
+            <a:off x="6109378" y="2529270"/>
+            <a:ext cx="2289003" cy="2734480"/>
+          </a:xfrm>
+          <a:prstGeom prst="straightConnector1">
+            <a:avLst/>
+          </a:prstGeom>
+          <a:ln>
+            <a:tailEnd type="triangle"/>
+          </a:ln>
+        </p:spPr>
+        <p:style>
+          <a:lnRef idx="2">
+            <a:schemeClr val="accent1"/>
+          </a:lnRef>
+          <a:fillRef idx="0">
+            <a:schemeClr val="accent1"/>
+          </a:fillRef>
+          <a:effectRef idx="1">
+            <a:schemeClr val="accent1"/>
+          </a:effectRef>
+          <a:fontRef idx="minor">
+            <a:schemeClr val="tx1"/>
+          </a:fontRef>
+        </p:style>
+      </p:cxnSp>
+      <p:sp>
+        <p:nvSpPr>
+          <p:cNvPr id="38" name="TextBox 37">
+            <a:extLst>
+              <a:ext uri="{FF2B5EF4-FFF2-40B4-BE49-F238E27FC236}">
+                <a16:creationId xmlns:a16="http://schemas.microsoft.com/office/drawing/2014/main" id="{A5D9C114-7B77-F883-A271-5F30F014C5BF}"/>
+              </a:ext>
+            </a:extLst>
+          </p:cNvPr>
+          <p:cNvSpPr txBox="1"/>
+          <p:nvPr/>
+        </p:nvSpPr>
+        <p:spPr>
+          <a:xfrm>
+            <a:off x="7610601" y="3416964"/>
+            <a:ext cx="349776" cy="461665"/>
+          </a:xfrm>
+          <a:prstGeom prst="rect">
+            <a:avLst/>
+          </a:prstGeom>
+          <a:noFill/>
+        </p:spPr>
+        <p:txBody>
+          <a:bodyPr wrap="none" rtlCol="0">
+            <a:spAutoFit/>
+          </a:bodyPr>
+          <a:lstStyle/>
+          <a:p>
+            <a:r>
+              <a:rPr lang="en-US" sz="2400" b="1" dirty="0"/>
+              <a:t>1</a:t>
+            </a:r>
+          </a:p>
+        </p:txBody>
+      </p:sp>
+      <p:sp>
+        <p:nvSpPr>
+          <p:cNvPr id="2" name="TextBox 1">
+            <a:extLst>
+              <a:ext uri="{FF2B5EF4-FFF2-40B4-BE49-F238E27FC236}">
+                <a16:creationId xmlns:a16="http://schemas.microsoft.com/office/drawing/2014/main" id="{14298520-849A-8F84-9079-2B11D7B20F61}"/>
+              </a:ext>
+            </a:extLst>
+          </p:cNvPr>
+          <p:cNvSpPr txBox="1"/>
+          <p:nvPr/>
+        </p:nvSpPr>
+        <p:spPr>
+          <a:xfrm>
+            <a:off x="5563402" y="616017"/>
+            <a:ext cx="308098" cy="369332"/>
+          </a:xfrm>
+          <a:prstGeom prst="rect">
+            <a:avLst/>
+          </a:prstGeom>
+          <a:noFill/>
+        </p:spPr>
+        <p:txBody>
+          <a:bodyPr wrap="none" rtlCol="0">
+            <a:spAutoFit/>
+          </a:bodyPr>
+          <a:lstStyle/>
+          <a:p>
+            <a:r>
+              <a:rPr lang="en-US" dirty="0"/>
+              <a:t>2</a:t>
+            </a:r>
+          </a:p>
+        </p:txBody>
+      </p:sp>
+      <p:sp>
+        <p:nvSpPr>
+          <p:cNvPr id="3" name="TextBox 2">
+            <a:extLst>
+              <a:ext uri="{FF2B5EF4-FFF2-40B4-BE49-F238E27FC236}">
+                <a16:creationId xmlns:a16="http://schemas.microsoft.com/office/drawing/2014/main" id="{CAD94184-74B6-B5FE-D2A8-FE78F3120A03}"/>
+              </a:ext>
+            </a:extLst>
+          </p:cNvPr>
+          <p:cNvSpPr txBox="1"/>
+          <p:nvPr/>
+        </p:nvSpPr>
+        <p:spPr>
+          <a:xfrm>
+            <a:off x="1174282" y="6150543"/>
+            <a:ext cx="308098" cy="369332"/>
+          </a:xfrm>
+          <a:prstGeom prst="rect">
+            <a:avLst/>
+          </a:prstGeom>
+          <a:noFill/>
+        </p:spPr>
+        <p:txBody>
+          <a:bodyPr wrap="none" rtlCol="0">
+            <a:spAutoFit/>
+          </a:bodyPr>
+          <a:lstStyle/>
+          <a:p>
+            <a:r>
+              <a:rPr lang="en-US" dirty="0"/>
+              <a:t>3</a:t>
+            </a:r>
+          </a:p>
+        </p:txBody>
+      </p:sp>
+      <p:sp>
+        <p:nvSpPr>
+          <p:cNvPr id="4" name="TextBox 3">
+            <a:extLst>
+              <a:ext uri="{FF2B5EF4-FFF2-40B4-BE49-F238E27FC236}">
+                <a16:creationId xmlns:a16="http://schemas.microsoft.com/office/drawing/2014/main" id="{541277AC-F02C-268D-8392-EDCF9EDC4990}"/>
+              </a:ext>
+            </a:extLst>
+          </p:cNvPr>
+          <p:cNvSpPr txBox="1"/>
+          <p:nvPr/>
+        </p:nvSpPr>
+        <p:spPr>
+          <a:xfrm>
+            <a:off x="6060771" y="5878308"/>
+            <a:ext cx="308098" cy="369332"/>
+          </a:xfrm>
+          <a:prstGeom prst="rect">
+            <a:avLst/>
+          </a:prstGeom>
+          <a:noFill/>
+        </p:spPr>
+        <p:txBody>
+          <a:bodyPr wrap="none" rtlCol="0">
+            <a:spAutoFit/>
+          </a:bodyPr>
+          <a:lstStyle/>
+          <a:p>
+            <a:r>
+              <a:rPr lang="en-US" dirty="0"/>
+              <a:t>6</a:t>
+            </a:r>
+          </a:p>
+        </p:txBody>
+      </p:sp>
+      <p:sp>
+        <p:nvSpPr>
+          <p:cNvPr id="6" name="TextBox 5">
+            <a:extLst>
+              <a:ext uri="{FF2B5EF4-FFF2-40B4-BE49-F238E27FC236}">
+                <a16:creationId xmlns:a16="http://schemas.microsoft.com/office/drawing/2014/main" id="{B88F0DF4-CD5B-FD04-9437-80E021292625}"/>
+              </a:ext>
+            </a:extLst>
+          </p:cNvPr>
+          <p:cNvSpPr txBox="1"/>
+          <p:nvPr/>
+        </p:nvSpPr>
+        <p:spPr>
+          <a:xfrm>
+            <a:off x="9317255" y="2569945"/>
+            <a:ext cx="308098" cy="369332"/>
+          </a:xfrm>
+          <a:prstGeom prst="rect">
+            <a:avLst/>
+          </a:prstGeom>
+          <a:noFill/>
+        </p:spPr>
+        <p:txBody>
+          <a:bodyPr wrap="none" rtlCol="0">
+            <a:spAutoFit/>
+          </a:bodyPr>
+          <a:lstStyle/>
+          <a:p>
+            <a:r>
+              <a:rPr lang="en-US" dirty="0"/>
+              <a:t>7</a:t>
+            </a:r>
+          </a:p>
+        </p:txBody>
+      </p:sp>
+      <p:sp>
+        <p:nvSpPr>
+          <p:cNvPr id="15" name="Triangle 14">
+            <a:extLst>
+              <a:ext uri="{FF2B5EF4-FFF2-40B4-BE49-F238E27FC236}">
+                <a16:creationId xmlns:a16="http://schemas.microsoft.com/office/drawing/2014/main" id="{3291DBE9-0415-C1C8-05F9-FC77002F8CE4}"/>
+              </a:ext>
+            </a:extLst>
+          </p:cNvPr>
+          <p:cNvSpPr/>
+          <p:nvPr/>
+        </p:nvSpPr>
+        <p:spPr>
+          <a:xfrm>
+            <a:off x="5041960" y="5817886"/>
+            <a:ext cx="452860" cy="369332"/>
+          </a:xfrm>
+          <a:prstGeom prst="triangle">
+            <a:avLst/>
+          </a:prstGeom>
+          <a:solidFill>
+            <a:schemeClr val="accent2"/>
+          </a:solidFill>
+        </p:spPr>
+        <p:style>
+          <a:lnRef idx="2">
+            <a:schemeClr val="accent1">
+              <a:shade val="15000"/>
+            </a:schemeClr>
+          </a:lnRef>
+          <a:fillRef idx="1">
+            <a:schemeClr val="accent1"/>
+          </a:fillRef>
+          <a:effectRef idx="0">
+            <a:schemeClr val="accent1"/>
+          </a:effectRef>
+          <a:fontRef idx="minor">
+            <a:schemeClr val="lt1"/>
+          </a:fontRef>
+        </p:style>
+        <p:txBody>
+          <a:bodyPr rtlCol="0" anchor="ctr"/>
+          <a:lstStyle/>
+          <a:p>
+            <a:pPr algn="ctr"/>
             <a:endParaRPr lang="en-US"/>
           </a:p>
         </p:txBody>
@@ -11588,7 +14024,7 @@
     </p:spTree>
     <p:extLst>
       <p:ext uri="{BB962C8B-B14F-4D97-AF65-F5344CB8AC3E}">
-        <p14:creationId xmlns:p14="http://schemas.microsoft.com/office/powerpoint/2010/main" val="276733798"/>
+        <p14:creationId xmlns:p14="http://schemas.microsoft.com/office/powerpoint/2010/main" val="3776111284"/>
       </p:ext>
     </p:extLst>
   </p:cSld>
@@ -11620,7 +14056,7 @@
           <p:cNvPr id="2" name="Title 1">
             <a:extLst>
               <a:ext uri="{FF2B5EF4-FFF2-40B4-BE49-F238E27FC236}">
-                <a16:creationId xmlns:a16="http://schemas.microsoft.com/office/drawing/2014/main" id="{0D34DC1D-6B24-891F-1898-4D94EAAB11C2}"/>
+                <a16:creationId xmlns:a16="http://schemas.microsoft.com/office/drawing/2014/main" id="{EE2C27CA-D294-2C3B-BF35-10D395462E67}"/>
               </a:ext>
             </a:extLst>
           </p:cNvPr>
@@ -11645,7 +14081,7 @@
           <p:cNvPr id="3" name="Content Placeholder 2">
             <a:extLst>
               <a:ext uri="{FF2B5EF4-FFF2-40B4-BE49-F238E27FC236}">
-                <a16:creationId xmlns:a16="http://schemas.microsoft.com/office/drawing/2014/main" id="{74116F6B-C8DF-E8F8-D719-184FD2E0E093}"/>
+                <a16:creationId xmlns:a16="http://schemas.microsoft.com/office/drawing/2014/main" id="{0E1F8347-A697-3929-15CB-BB3C41545080}"/>
               </a:ext>
             </a:extLst>
           </p:cNvPr>
@@ -11661,6 +14097,392 @@
           <a:bodyPr/>
           <a:lstStyle/>
           <a:p>
+            <a:endParaRPr lang="en-US"/>
+          </a:p>
+        </p:txBody>
+      </p:sp>
+    </p:spTree>
+    <p:extLst>
+      <p:ext uri="{BB962C8B-B14F-4D97-AF65-F5344CB8AC3E}">
+        <p14:creationId xmlns:p14="http://schemas.microsoft.com/office/powerpoint/2010/main" val="276733798"/>
+      </p:ext>
+    </p:extLst>
+  </p:cSld>
+  <p:clrMapOvr>
+    <a:masterClrMapping/>
+  </p:clrMapOvr>
+</p:sld>
+</file>
+
+<file path=ppt/slides/slide7.xml><?xml version="1.0" encoding="utf-8"?>
+<p:sld xmlns:a="http://schemas.openxmlformats.org/drawingml/2006/main" xmlns:r="http://schemas.openxmlformats.org/officeDocument/2006/relationships" xmlns:p="http://schemas.openxmlformats.org/presentationml/2006/main">
+  <p:cSld>
+    <p:spTree>
+      <p:nvGrpSpPr>
+        <p:cNvPr id="1" name=""/>
+        <p:cNvGrpSpPr/>
+        <p:nvPr/>
+      </p:nvGrpSpPr>
+      <p:grpSpPr>
+        <a:xfrm>
+          <a:off x="0" y="0"/>
+          <a:ext cx="0" cy="0"/>
+          <a:chOff x="0" y="0"/>
+          <a:chExt cx="0" cy="0"/>
+        </a:xfrm>
+      </p:grpSpPr>
+      <p:pic>
+        <p:nvPicPr>
+          <p:cNvPr id="5" name="Picture 4" descr="A diagram of a graph&#10;&#10;Description automatically generated">
+            <a:extLst>
+              <a:ext uri="{FF2B5EF4-FFF2-40B4-BE49-F238E27FC236}">
+                <a16:creationId xmlns:a16="http://schemas.microsoft.com/office/drawing/2014/main" id="{4BC25ED7-EABE-1521-92DC-08028AD8611C}"/>
+              </a:ext>
+            </a:extLst>
+          </p:cNvPr>
+          <p:cNvPicPr>
+            <a:picLocks noChangeAspect="1"/>
+          </p:cNvPicPr>
+          <p:nvPr/>
+        </p:nvPicPr>
+        <p:blipFill>
+          <a:blip r:embed="rId2"/>
+          <a:stretch>
+            <a:fillRect/>
+          </a:stretch>
+        </p:blipFill>
+        <p:spPr>
+          <a:xfrm>
+            <a:off x="269508" y="0"/>
+            <a:ext cx="9634888" cy="6753024"/>
+          </a:xfrm>
+          <a:prstGeom prst="rect">
+            <a:avLst/>
+          </a:prstGeom>
+        </p:spPr>
+      </p:pic>
+      <mc:AlternateContent xmlns:mc="http://schemas.openxmlformats.org/markup-compatibility/2006">
+        <mc:Choice xmlns:p14="http://schemas.microsoft.com/office/powerpoint/2010/main" Requires="p14">
+          <p:contentPart p14:bwMode="auto" r:id="rId3">
+            <p14:nvContentPartPr>
+              <p14:cNvPr id="6" name="Ink 5">
+                <a:extLst>
+                  <a:ext uri="{FF2B5EF4-FFF2-40B4-BE49-F238E27FC236}">
+                    <a16:creationId xmlns:a16="http://schemas.microsoft.com/office/drawing/2014/main" id="{2D9DBE84-572C-A664-5BE8-7633C63C9CFB}"/>
+                  </a:ext>
+                </a:extLst>
+              </p14:cNvPr>
+              <p14:cNvContentPartPr/>
+              <p14:nvPr/>
+            </p14:nvContentPartPr>
+            <p14:xfrm>
+              <a:off x="1075964" y="3662128"/>
+              <a:ext cx="400680" cy="1440"/>
+            </p14:xfrm>
+          </p:contentPart>
+        </mc:Choice>
+        <mc:Fallback>
+          <p:pic>
+            <p:nvPicPr>
+              <p:cNvPr id="6" name="Ink 5">
+                <a:extLst>
+                  <a:ext uri="{FF2B5EF4-FFF2-40B4-BE49-F238E27FC236}">
+                    <a16:creationId xmlns:a16="http://schemas.microsoft.com/office/drawing/2014/main" id="{2D9DBE84-572C-A664-5BE8-7633C63C9CFB}"/>
+                  </a:ext>
+                </a:extLst>
+              </p:cNvPr>
+              <p:cNvPicPr/>
+              <p:nvPr/>
+            </p:nvPicPr>
+            <p:blipFill>
+              <a:blip r:embed="rId4"/>
+              <a:stretch>
+                <a:fillRect/>
+              </a:stretch>
+            </p:blipFill>
+            <p:spPr>
+              <a:xfrm>
+                <a:off x="1066964" y="3653488"/>
+                <a:ext cx="418320" cy="19080"/>
+              </a:xfrm>
+              <a:prstGeom prst="rect">
+                <a:avLst/>
+              </a:prstGeom>
+            </p:spPr>
+          </p:pic>
+        </mc:Fallback>
+      </mc:AlternateContent>
+      <mc:AlternateContent xmlns:mc="http://schemas.openxmlformats.org/markup-compatibility/2006">
+        <mc:Choice xmlns:p14="http://schemas.microsoft.com/office/powerpoint/2010/main" Requires="p14">
+          <p:contentPart p14:bwMode="auto" r:id="rId5">
+            <p14:nvContentPartPr>
+              <p14:cNvPr id="7" name="Ink 6">
+                <a:extLst>
+                  <a:ext uri="{FF2B5EF4-FFF2-40B4-BE49-F238E27FC236}">
+                    <a16:creationId xmlns:a16="http://schemas.microsoft.com/office/drawing/2014/main" id="{402D57FB-3F3C-4ADA-7F62-F3619836796B}"/>
+                  </a:ext>
+                </a:extLst>
+              </p14:cNvPr>
+              <p14:cNvContentPartPr/>
+              <p14:nvPr/>
+            </p14:nvContentPartPr>
+            <p14:xfrm>
+              <a:off x="8511044" y="3800728"/>
+              <a:ext cx="535320" cy="360"/>
+            </p14:xfrm>
+          </p:contentPart>
+        </mc:Choice>
+        <mc:Fallback>
+          <p:pic>
+            <p:nvPicPr>
+              <p:cNvPr id="7" name="Ink 6">
+                <a:extLst>
+                  <a:ext uri="{FF2B5EF4-FFF2-40B4-BE49-F238E27FC236}">
+                    <a16:creationId xmlns:a16="http://schemas.microsoft.com/office/drawing/2014/main" id="{402D57FB-3F3C-4ADA-7F62-F3619836796B}"/>
+                  </a:ext>
+                </a:extLst>
+              </p:cNvPr>
+              <p:cNvPicPr/>
+              <p:nvPr/>
+            </p:nvPicPr>
+            <p:blipFill>
+              <a:blip r:embed="rId6"/>
+              <a:stretch>
+                <a:fillRect/>
+              </a:stretch>
+            </p:blipFill>
+            <p:spPr>
+              <a:xfrm>
+                <a:off x="8502404" y="3792088"/>
+                <a:ext cx="552960" cy="18000"/>
+              </a:xfrm>
+              <a:prstGeom prst="rect">
+                <a:avLst/>
+              </a:prstGeom>
+            </p:spPr>
+          </p:pic>
+        </mc:Fallback>
+      </mc:AlternateContent>
+      <p:sp>
+        <p:nvSpPr>
+          <p:cNvPr id="8" name="TextBox 7">
+            <a:extLst>
+              <a:ext uri="{FF2B5EF4-FFF2-40B4-BE49-F238E27FC236}">
+                <a16:creationId xmlns:a16="http://schemas.microsoft.com/office/drawing/2014/main" id="{2C92DD0C-25A3-3712-3CB6-C549107205E4}"/>
+              </a:ext>
+            </a:extLst>
+          </p:cNvPr>
+          <p:cNvSpPr txBox="1"/>
+          <p:nvPr/>
+        </p:nvSpPr>
+        <p:spPr>
+          <a:xfrm>
+            <a:off x="2974206" y="317633"/>
+            <a:ext cx="308098" cy="369332"/>
+          </a:xfrm>
+          <a:prstGeom prst="rect">
+            <a:avLst/>
+          </a:prstGeom>
+          <a:noFill/>
+        </p:spPr>
+        <p:txBody>
+          <a:bodyPr wrap="none" rtlCol="0">
+            <a:spAutoFit/>
+          </a:bodyPr>
+          <a:lstStyle/>
+          <a:p>
+            <a:r>
+              <a:rPr lang="en-US" dirty="0"/>
+              <a:t>4</a:t>
+            </a:r>
+          </a:p>
+        </p:txBody>
+      </p:sp>
+      <p:sp>
+        <p:nvSpPr>
+          <p:cNvPr id="9" name="TextBox 8">
+            <a:extLst>
+              <a:ext uri="{FF2B5EF4-FFF2-40B4-BE49-F238E27FC236}">
+                <a16:creationId xmlns:a16="http://schemas.microsoft.com/office/drawing/2014/main" id="{1C0F2642-27A9-DA97-DEDB-9E52139D1465}"/>
+              </a:ext>
+            </a:extLst>
+          </p:cNvPr>
+          <p:cNvSpPr txBox="1"/>
+          <p:nvPr/>
+        </p:nvSpPr>
+        <p:spPr>
+          <a:xfrm>
+            <a:off x="2666108" y="5109410"/>
+            <a:ext cx="308098" cy="369332"/>
+          </a:xfrm>
+          <a:prstGeom prst="rect">
+            <a:avLst/>
+          </a:prstGeom>
+          <a:noFill/>
+        </p:spPr>
+        <p:txBody>
+          <a:bodyPr wrap="none" rtlCol="0">
+            <a:spAutoFit/>
+          </a:bodyPr>
+          <a:lstStyle/>
+          <a:p>
+            <a:r>
+              <a:rPr lang="en-US" dirty="0"/>
+              <a:t>3</a:t>
+            </a:r>
+          </a:p>
+        </p:txBody>
+      </p:sp>
+      <p:sp>
+        <p:nvSpPr>
+          <p:cNvPr id="10" name="TextBox 9">
+            <a:extLst>
+              <a:ext uri="{FF2B5EF4-FFF2-40B4-BE49-F238E27FC236}">
+                <a16:creationId xmlns:a16="http://schemas.microsoft.com/office/drawing/2014/main" id="{580AC510-476F-D11F-F5F4-91D00858FD12}"/>
+              </a:ext>
+            </a:extLst>
+          </p:cNvPr>
+          <p:cNvSpPr txBox="1"/>
+          <p:nvPr/>
+        </p:nvSpPr>
+        <p:spPr>
+          <a:xfrm>
+            <a:off x="6938210" y="317633"/>
+            <a:ext cx="431528" cy="369332"/>
+          </a:xfrm>
+          <a:prstGeom prst="rect">
+            <a:avLst/>
+          </a:prstGeom>
+          <a:noFill/>
+        </p:spPr>
+        <p:txBody>
+          <a:bodyPr wrap="none" rtlCol="0">
+            <a:spAutoFit/>
+          </a:bodyPr>
+          <a:lstStyle/>
+          <a:p>
+            <a:r>
+              <a:rPr lang="en-US" dirty="0"/>
+              <a:t>10</a:t>
+            </a:r>
+          </a:p>
+        </p:txBody>
+      </p:sp>
+      <p:sp>
+        <p:nvSpPr>
+          <p:cNvPr id="11" name="TextBox 10">
+            <a:extLst>
+              <a:ext uri="{FF2B5EF4-FFF2-40B4-BE49-F238E27FC236}">
+                <a16:creationId xmlns:a16="http://schemas.microsoft.com/office/drawing/2014/main" id="{5B4D29C7-A6BE-074F-01AD-6E55880A58F5}"/>
+              </a:ext>
+            </a:extLst>
+          </p:cNvPr>
+          <p:cNvSpPr txBox="1"/>
+          <p:nvPr/>
+        </p:nvSpPr>
+        <p:spPr>
+          <a:xfrm>
+            <a:off x="6938210" y="5294076"/>
+            <a:ext cx="431528" cy="369332"/>
+          </a:xfrm>
+          <a:prstGeom prst="rect">
+            <a:avLst/>
+          </a:prstGeom>
+          <a:noFill/>
+        </p:spPr>
+        <p:txBody>
+          <a:bodyPr wrap="none" rtlCol="0">
+            <a:spAutoFit/>
+          </a:bodyPr>
+          <a:lstStyle/>
+          <a:p>
+            <a:r>
+              <a:rPr lang="en-US" dirty="0"/>
+              <a:t>12</a:t>
+            </a:r>
+          </a:p>
+        </p:txBody>
+      </p:sp>
+      <p:sp>
+        <p:nvSpPr>
+          <p:cNvPr id="12" name="TextBox 11">
+            <a:extLst>
+              <a:ext uri="{FF2B5EF4-FFF2-40B4-BE49-F238E27FC236}">
+                <a16:creationId xmlns:a16="http://schemas.microsoft.com/office/drawing/2014/main" id="{8A6B7AED-2D95-BAB6-92B5-32E18244B0C0}"/>
+              </a:ext>
+            </a:extLst>
+          </p:cNvPr>
+          <p:cNvSpPr txBox="1"/>
+          <p:nvPr/>
+        </p:nvSpPr>
+        <p:spPr>
+          <a:xfrm>
+            <a:off x="9190521" y="3376512"/>
+            <a:ext cx="431528" cy="369332"/>
+          </a:xfrm>
+          <a:prstGeom prst="rect">
+            <a:avLst/>
+          </a:prstGeom>
+          <a:noFill/>
+        </p:spPr>
+        <p:txBody>
+          <a:bodyPr wrap="none" rtlCol="0">
+            <a:spAutoFit/>
+          </a:bodyPr>
+          <a:lstStyle/>
+          <a:p>
+            <a:r>
+              <a:rPr lang="en-US" dirty="0"/>
+              <a:t>18</a:t>
+            </a:r>
+          </a:p>
+        </p:txBody>
+      </p:sp>
+      <p:sp>
+        <p:nvSpPr>
+          <p:cNvPr id="13" name="Triangle 12">
+            <a:extLst>
+              <a:ext uri="{FF2B5EF4-FFF2-40B4-BE49-F238E27FC236}">
+                <a16:creationId xmlns:a16="http://schemas.microsoft.com/office/drawing/2014/main" id="{FA6D3112-2FF6-7A8A-8D08-909FE158CB77}"/>
+              </a:ext>
+            </a:extLst>
+          </p:cNvPr>
+          <p:cNvSpPr/>
+          <p:nvPr/>
+        </p:nvSpPr>
+        <p:spPr>
+          <a:xfrm>
+            <a:off x="7376150" y="5112982"/>
+            <a:ext cx="371529" cy="365760"/>
+          </a:xfrm>
+          <a:prstGeom prst="triangle">
+            <a:avLst/>
+          </a:prstGeom>
+          <a:solidFill>
+            <a:schemeClr val="accent2"/>
+          </a:solidFill>
+        </p:spPr>
+        <p:style>
+          <a:lnRef idx="2">
+            <a:schemeClr val="accent1">
+              <a:shade val="15000"/>
+            </a:schemeClr>
+          </a:lnRef>
+          <a:fillRef idx="1">
+            <a:schemeClr val="accent1"/>
+          </a:fillRef>
+          <a:effectRef idx="0">
+            <a:schemeClr val="accent1"/>
+          </a:effectRef>
+          <a:fontRef idx="minor">
+            <a:schemeClr val="lt1"/>
+          </a:fontRef>
+        </p:style>
+        <p:txBody>
+          <a:bodyPr rtlCol="0" anchor="ctr"/>
+          <a:lstStyle/>
+          <a:p>
+            <a:pPr algn="ctr"/>
             <a:endParaRPr lang="en-US"/>
           </a:p>
         </p:txBody>

--- a/DSA/graphs.pptx
+++ b/DSA/graphs.pptx
@@ -12,6 +12,7 @@
     <p:sldId id="266" r:id="rId6"/>
     <p:sldId id="263" r:id="rId7"/>
     <p:sldId id="264" r:id="rId8"/>
+    <p:sldId id="267" r:id="rId9"/>
   </p:sldIdLst>
   <p:sldSz cx="12192000" cy="6858000"/>
   <p:notesSz cx="6858000" cy="9144000"/>
@@ -110,6 +111,11 @@
       </a:defRPr>
     </a:lvl9pPr>
   </p:defaultTextStyle>
+  <p:extLst>
+    <p:ext uri="{EFAFB233-063F-42B5-8137-9DF3F51BA10A}">
+      <p15:sldGuideLst xmlns:p15="http://schemas.microsoft.com/office/powerpoint/2012/main"/>
+    </p:ext>
+  </p:extLst>
 </p:presentation>
 </file>
 
@@ -166,6 +172,202 @@
     </inkml:brush>
   </inkml:definitions>
   <inkml:trace contextRef="#ctx0" brushRef="#br0">0 980 24575,'0'63'0,"0"22"0,0-30 0,0 1 0,0-1 0,0-3 0,0 26 0,0-35 0,0-31 0,0-21 0,0-20 0,0-25 0,0-30 0,2 28 0,1-3 0,3-7 0,2 0 0,2 0 0,2 2 0,1 6 0,1 3 0,12-27 0,-7 31 0,-6 24 0,-6 16 0,2 7 0,6 6 0,9 8 0,7 16 0,0 20 0,-1 20 0,-2 13 0,-1 8 0,-1-5 0,-4-14 0,-6-15 0,-4-19 0,-5-13 0,-1-10 0,-1-7 0,2-7 0,4-15 0,20-38 0,-6 9 0,3-5 0,9-14 0,3-3 0,5-8 0,0 0 0,-3 4 0,-2 2 0,-5 9 0,-4 2 0,-7 11 0,-3 2 0,9-27 0,-7 13 0,0 7 0,-1 4 0,-1 4 0,-1 7 0,-1 4 0,-3 8 0,-5 13 0,-4 20 0,-5 26 0,-2 22 0,0 19 0,2 14 0,-1-36 0,1 1 0,0 5 0,-1 1 0,1 4 0,-1 0 0,0-1 0,-1-2 0,0-5 0,0-2 0,0 40 0,0-15 0,0-14 0,0-13 0,0-15 0,0-11 0,0-13 0,0-4 0</inkml:trace>
+</inkml:ink>
+</file>
+
+<file path=ppt/ink/ink100.xml><?xml version="1.0" encoding="utf-8"?>
+<inkml:ink xmlns:inkml="http://www.w3.org/2003/InkML">
+  <inkml:definitions>
+    <inkml:context xml:id="ctx0">
+      <inkml:inkSource xml:id="inkSrc0">
+        <inkml:traceFormat>
+          <inkml:channel name="X" type="integer" min="-2.14748E9" max="2.14748E9" units="cm"/>
+          <inkml:channel name="Y" type="integer" min="-2.14748E9" max="2.14748E9" units="cm"/>
+          <inkml:channel name="F" type="integer" max="32767" units="dev"/>
+        </inkml:traceFormat>
+        <inkml:channelProperties>
+          <inkml:channelProperty channel="X" name="resolution" value="1000" units="1/cm"/>
+          <inkml:channelProperty channel="Y" name="resolution" value="1000" units="1/cm"/>
+          <inkml:channelProperty channel="F" name="resolution" value="0" units="1/dev"/>
+        </inkml:channelProperties>
+      </inkml:inkSource>
+      <inkml:timestamp xml:id="ts0" timeString="2024-07-25T04:45:06.067"/>
+    </inkml:context>
+    <inkml:brush xml:id="br0">
+      <inkml:brushProperty name="width" value="0.05" units="cm"/>
+      <inkml:brushProperty name="height" value="0.05" units="cm"/>
+      <inkml:brushProperty name="color" value="#E71224"/>
+    </inkml:brush>
+  </inkml:definitions>
+  <inkml:trace contextRef="#ctx0" brushRef="#br0">1141 0 24575,'-18'15'0,"-22"27"0,-15 16 0,17-18 0,-2 3 0,-4 4 0,1 1 0,1-3 0,0 1 0,-2 0 0,2 1 0,6-5 0,1 0 0,2-1 0,1-1 0,0 2 0,0 1 0,-2 3 0,1 2 0,-3 2 0,0-1 0,1-1 0,0-1 0,2-5 0,1-2 0,-26 26 0,9-16 0,10-10 0,10-9 0,9-11 0,6-7 0,8-7 0,2-4 0</inkml:trace>
+</inkml:ink>
+</file>
+
+<file path=ppt/ink/ink101.xml><?xml version="1.0" encoding="utf-8"?>
+<inkml:ink xmlns:inkml="http://www.w3.org/2003/InkML">
+  <inkml:definitions>
+    <inkml:context xml:id="ctx0">
+      <inkml:inkSource xml:id="inkSrc0">
+        <inkml:traceFormat>
+          <inkml:channel name="X" type="integer" min="-2.14748E9" max="2.14748E9" units="cm"/>
+          <inkml:channel name="Y" type="integer" min="-2.14748E9" max="2.14748E9" units="cm"/>
+          <inkml:channel name="F" type="integer" max="32767" units="dev"/>
+        </inkml:traceFormat>
+        <inkml:channelProperties>
+          <inkml:channelProperty channel="X" name="resolution" value="1000" units="1/cm"/>
+          <inkml:channelProperty channel="Y" name="resolution" value="1000" units="1/cm"/>
+          <inkml:channelProperty channel="F" name="resolution" value="0" units="1/dev"/>
+        </inkml:channelProperties>
+      </inkml:inkSource>
+      <inkml:timestamp xml:id="ts0" timeString="2024-07-25T04:45:06.946"/>
+    </inkml:context>
+    <inkml:brush xml:id="br0">
+      <inkml:brushProperty name="width" value="0.05" units="cm"/>
+      <inkml:brushProperty name="height" value="0.05" units="cm"/>
+      <inkml:brushProperty name="color" value="#E71224"/>
+    </inkml:brush>
+  </inkml:definitions>
+  <inkml:trace contextRef="#ctx0" brushRef="#br0">1 0 24575,'0'22'0,"0"14"0,0 30 0,0 16 0,0 6 0,0-1 0,0-22 0,0-14 0,0-17 0,0-14 0,0-5 0,0-4 0,0-3 0,3-3 0,13 2 0,15 1 0,18-1 0,18-1 0,13-4 0,6-8 0,-9-5 0,-18-1 0,-22 2 0,-20 6 0,-9 4 0</inkml:trace>
+</inkml:ink>
+</file>
+
+<file path=ppt/ink/ink102.xml><?xml version="1.0" encoding="utf-8"?>
+<inkml:ink xmlns:inkml="http://www.w3.org/2003/InkML">
+  <inkml:definitions>
+    <inkml:context xml:id="ctx0">
+      <inkml:inkSource xml:id="inkSrc0">
+        <inkml:traceFormat>
+          <inkml:channel name="X" type="integer" min="-2.14748E9" max="2.14748E9" units="cm"/>
+          <inkml:channel name="Y" type="integer" min="-2.14748E9" max="2.14748E9" units="cm"/>
+          <inkml:channel name="F" type="integer" max="32767" units="dev"/>
+        </inkml:traceFormat>
+        <inkml:channelProperties>
+          <inkml:channelProperty channel="X" name="resolution" value="1000" units="1/cm"/>
+          <inkml:channelProperty channel="Y" name="resolution" value="1000" units="1/cm"/>
+          <inkml:channelProperty channel="F" name="resolution" value="0" units="1/dev"/>
+        </inkml:channelProperties>
+      </inkml:inkSource>
+      <inkml:timestamp xml:id="ts0" timeString="2024-07-25T04:45:08.046"/>
+    </inkml:context>
+    <inkml:brush xml:id="br0">
+      <inkml:brushProperty name="width" value="0.05" units="cm"/>
+      <inkml:brushProperty name="height" value="0.05" units="cm"/>
+      <inkml:brushProperty name="color" value="#E71224"/>
+    </inkml:brush>
+  </inkml:definitions>
+  <inkml:trace contextRef="#ctx0" brushRef="#br0">0 1 24575,'50'0'0,"2"0"0,10 0 0,-7 0 0,-13 0 0,-10 0 0,-8 0 0,-9 1 0,-8 2 0,-3 3 0,-3 2 0,0 7 0,-1 9 0,-5 22 0,-11 28 0,3-25 0,-2 5 0,-4 11 0,-1 2 0,-1 5 0,0 1 0,1 3 0,1-1 0,3-5 0,1-2 0,4-9 0,0-5 0,-5 29 0,7-33 0,4-23 0,2-16 0,3-6 0</inkml:trace>
+</inkml:ink>
+</file>
+
+<file path=ppt/ink/ink103.xml><?xml version="1.0" encoding="utf-8"?>
+<inkml:ink xmlns:inkml="http://www.w3.org/2003/InkML">
+  <inkml:definitions>
+    <inkml:context xml:id="ctx0">
+      <inkml:inkSource xml:id="inkSrc0">
+        <inkml:traceFormat>
+          <inkml:channel name="X" type="integer" min="-2.14748E9" max="2.14748E9" units="cm"/>
+          <inkml:channel name="Y" type="integer" min="-2.14748E9" max="2.14748E9" units="cm"/>
+          <inkml:channel name="F" type="integer" max="32767" units="dev"/>
+        </inkml:traceFormat>
+        <inkml:channelProperties>
+          <inkml:channelProperty channel="X" name="resolution" value="1000" units="1/cm"/>
+          <inkml:channelProperty channel="Y" name="resolution" value="1000" units="1/cm"/>
+          <inkml:channelProperty channel="F" name="resolution" value="0" units="1/dev"/>
+        </inkml:channelProperties>
+      </inkml:inkSource>
+      <inkml:timestamp xml:id="ts0" timeString="2024-07-25T04:45:08.913"/>
+    </inkml:context>
+    <inkml:brush xml:id="br0">
+      <inkml:brushProperty name="width" value="0.05" units="cm"/>
+      <inkml:brushProperty name="height" value="0.05" units="cm"/>
+      <inkml:brushProperty name="color" value="#E71224"/>
+    </inkml:brush>
+  </inkml:definitions>
+  <inkml:trace contextRef="#ctx0" brushRef="#br0">0 1 24575,'22'0'0,"25"0"0,43 0 0,-31 0 0,2 0 0,3 0 0,-1 0 0,-3 0 0,-2 0 0,30 0 0,-24 0 0,-25 0 0,-15 0 0,-4 0 0,0 0 0,2 0 0,-6 0 0,-8 0 0,-3 0 0</inkml:trace>
+</inkml:ink>
+</file>
+
+<file path=ppt/ink/ink104.xml><?xml version="1.0" encoding="utf-8"?>
+<inkml:ink xmlns:inkml="http://www.w3.org/2003/InkML">
+  <inkml:definitions>
+    <inkml:context xml:id="ctx0">
+      <inkml:inkSource xml:id="inkSrc0">
+        <inkml:traceFormat>
+          <inkml:channel name="X" type="integer" min="-2.14748E9" max="2.14748E9" units="cm"/>
+          <inkml:channel name="Y" type="integer" min="-2.14748E9" max="2.14748E9" units="cm"/>
+          <inkml:channel name="F" type="integer" max="32767" units="dev"/>
+        </inkml:traceFormat>
+        <inkml:channelProperties>
+          <inkml:channelProperty channel="X" name="resolution" value="1000" units="1/cm"/>
+          <inkml:channelProperty channel="Y" name="resolution" value="1000" units="1/cm"/>
+          <inkml:channelProperty channel="F" name="resolution" value="0" units="1/dev"/>
+        </inkml:channelProperties>
+      </inkml:inkSource>
+      <inkml:timestamp xml:id="ts0" timeString="2024-07-25T04:45:10.213"/>
+    </inkml:context>
+    <inkml:brush xml:id="br0">
+      <inkml:brushProperty name="width" value="0.05" units="cm"/>
+      <inkml:brushProperty name="height" value="0.05" units="cm"/>
+      <inkml:brushProperty name="color" value="#E71224"/>
+    </inkml:brush>
+  </inkml:definitions>
+  <inkml:trace contextRef="#ctx0" brushRef="#br0">1 4 24575,'8'-3'0,"16"10"0,24 28 0,19 23 0,-27-17 0,1 2 0,0 3 0,-1 1 0,-2-1 0,0-1 0,0 0 0,-1 0 0,-2-3 0,0-2 0,28 33 0,-8-14 0,-10-11 0,-8-13 0,-6-7 0,-7-7 0,-6-7 0,-3-4 0,0-3 0,-1-2 0,-4 0 0,-5-2 0,-3-1 0</inkml:trace>
+</inkml:ink>
+</file>
+
+<file path=ppt/ink/ink105.xml><?xml version="1.0" encoding="utf-8"?>
+<inkml:ink xmlns:inkml="http://www.w3.org/2003/InkML">
+  <inkml:definitions>
+    <inkml:context xml:id="ctx0">
+      <inkml:inkSource xml:id="inkSrc0">
+        <inkml:traceFormat>
+          <inkml:channel name="X" type="integer" min="-2.14748E9" max="2.14748E9" units="cm"/>
+          <inkml:channel name="Y" type="integer" min="-2.14748E9" max="2.14748E9" units="cm"/>
+          <inkml:channel name="F" type="integer" max="32767" units="dev"/>
+        </inkml:traceFormat>
+        <inkml:channelProperties>
+          <inkml:channelProperty channel="X" name="resolution" value="1000" units="1/cm"/>
+          <inkml:channelProperty channel="Y" name="resolution" value="1000" units="1/cm"/>
+          <inkml:channelProperty channel="F" name="resolution" value="0" units="1/dev"/>
+        </inkml:channelProperties>
+      </inkml:inkSource>
+      <inkml:timestamp xml:id="ts0" timeString="2024-07-25T04:45:11.430"/>
+    </inkml:context>
+    <inkml:brush xml:id="br0">
+      <inkml:brushProperty name="width" value="0.05" units="cm"/>
+      <inkml:brushProperty name="height" value="0.05" units="cm"/>
+      <inkml:brushProperty name="color" value="#E71224"/>
+    </inkml:brush>
+  </inkml:definitions>
+  <inkml:trace contextRef="#ctx0" brushRef="#br0">0 433 24575,'38'0'0,"14"0"0,11 0 0,-3 0 0,-16 0 0,-21 0 0,-10 0 0,-6 0 0,-2-2 0,1-2 0,-1-3 0,-2-4 0,0-5 0,1-7 0,-1-7 0,-1-12 0,-2-6 0,0 0 0,0 4 0,0 10 0,0 7 0,0 6 0,0 3 0,0 3 0,0-1 0,0 3 0,0 5 0,0 3 0</inkml:trace>
+</inkml:ink>
+</file>
+
+<file path=ppt/ink/ink106.xml><?xml version="1.0" encoding="utf-8"?>
+<inkml:ink xmlns:inkml="http://www.w3.org/2003/InkML">
+  <inkml:definitions>
+    <inkml:context xml:id="ctx0">
+      <inkml:inkSource xml:id="inkSrc0">
+        <inkml:traceFormat>
+          <inkml:channel name="X" type="integer" min="-2.14748E9" max="2.14748E9" units="cm"/>
+          <inkml:channel name="Y" type="integer" min="-2.14748E9" max="2.14748E9" units="cm"/>
+          <inkml:channel name="F" type="integer" max="32767" units="dev"/>
+        </inkml:traceFormat>
+        <inkml:channelProperties>
+          <inkml:channelProperty channel="X" name="resolution" value="1000" units="1/cm"/>
+          <inkml:channelProperty channel="Y" name="resolution" value="1000" units="1/cm"/>
+          <inkml:channelProperty channel="F" name="resolution" value="0" units="1/dev"/>
+        </inkml:channelProperties>
+      </inkml:inkSource>
+      <inkml:timestamp xml:id="ts0" timeString="2024-07-25T04:45:13.550"/>
+    </inkml:context>
+    <inkml:brush xml:id="br0">
+      <inkml:brushProperty name="width" value="0.05" units="cm"/>
+      <inkml:brushProperty name="height" value="0.05" units="cm"/>
+      <inkml:brushProperty name="color" value="#E71224"/>
+    </inkml:brush>
+  </inkml:definitions>
+  <inkml:trace contextRef="#ctx0" brushRef="#br0">427 8 24575,'-9'-4'0,"-9"1"0,-16 3 0,-12 0 0,-5-1 0,3 4 0,6 9 0,4 11 0,1 11 0,8 3 0,8 1 0,6-2 0,1 1 0,2 1 0,4-3 0,3-5 0,5-8 0,0-8 0,0-3 0,6-2 0,13 3 0,15 1 0,15 3 0,7-2 0,-4-6 0,-7-3 0,-9-5 0,-6 0 0,-7 0 0,-3 0 0,-4-5 0,-3-5 0,-3-7 0,0-8 0,-1-6 0,0-5 0,1 0 0,-2 4 0,-1 6 0,0 2 0,-2 2 0,1 2 0,-2 4 0,-2 7 0,-4 47 0,-2 10 0,-5 37 0,3-14 0,0-9 0,3-10 0,2-2 0,1-5 0,0-1 0,0-6 0,0-4 0,0-4 0,2-2 0,3 2 0,4 1 0,3-1 0,-1 0 0,-1-5 0,-3-2 0,0-3 0,-2-3 0,-1-11 0,-6-25 0,-17-50 0,-1 16 0,-1-1 0,-6-24 0,-6 8 0</inkml:trace>
 </inkml:ink>
 </file>
 
@@ -2549,6 +2751,34 @@
 </inkml:ink>
 </file>
 
+<file path=ppt/ink/ink89.xml><?xml version="1.0" encoding="utf-8"?>
+<inkml:ink xmlns:inkml="http://www.w3.org/2003/InkML">
+  <inkml:definitions>
+    <inkml:context xml:id="ctx0">
+      <inkml:inkSource xml:id="inkSrc0">
+        <inkml:traceFormat>
+          <inkml:channel name="X" type="integer" min="-2.14748E9" max="2.14748E9" units="cm"/>
+          <inkml:channel name="Y" type="integer" min="-2.14748E9" max="2.14748E9" units="cm"/>
+          <inkml:channel name="F" type="integer" max="32767" units="dev"/>
+        </inkml:traceFormat>
+        <inkml:channelProperties>
+          <inkml:channelProperty channel="X" name="resolution" value="1000" units="1/cm"/>
+          <inkml:channelProperty channel="Y" name="resolution" value="1000" units="1/cm"/>
+          <inkml:channelProperty channel="F" name="resolution" value="0" units="1/dev"/>
+        </inkml:channelProperties>
+      </inkml:inkSource>
+      <inkml:timestamp xml:id="ts0" timeString="2024-07-25T04:34:15.173"/>
+    </inkml:context>
+    <inkml:brush xml:id="br0">
+      <inkml:brushProperty name="width" value="0.05" units="cm"/>
+      <inkml:brushProperty name="height" value="0.05" units="cm"/>
+      <inkml:brushProperty name="color" value="#E71224"/>
+    </inkml:brush>
+  </inkml:definitions>
+  <inkml:trace contextRef="#ctx0" brushRef="#br0">352 65 24575,'-18'0'0,"1"0"0,-3 0 0,-1 0 0,5 0 0,-5 0 0,-1 3 0,-4 9 0,-5 10 0,3 13 0,1 7 0,2 4 0,5 5 0,5 3 0,-1 11 0,4 7 0,2 9 0,4 7 0,6-4 0,3-2 0,15-3 0,16-10 0,17-6 0,9-8 0,-3-9 0,-3-7 0,-1-6 0,6-3 0,17-2 0,-25-14 0,6-1 0,13-3 0,5-1 0,11-2 0,3-2 0,4-2 0,1-2 0,1-1 0,-1-4 0,-5-2 0,-3-3 0,-9-3 0,-4-2 0,-11-1 0,-5-2 0,18-13 0,-30 9 0,-20 6 0,-13 3 0,-5-5 0,-5-29 0,-2-32 0,1 22 0,-1-4 0,0-9 0,0-2 0,-3 2 0,-3 0 0,-2 6 0,-4 3 0,-1 9 0,-5 5 0,-22-22 0,-1 20 0,-3 13 0,-4 4 0,-4-1 0,-3 0 0,-3 0 0,-4 4 0,-5 3 0,-9 4 0,1 2 0,-4 6 0,4 5 0,0 5 0,-3 3 0,3 1 0,3 1 0,13 4 0,12 0 0,11 0 0,3 2 0,-7 3 0,-7 5 0,1 3-1696,8-4 0,20-6 0,9-5 0</inkml:trace>
+</inkml:ink>
+</file>
+
 <file path=ppt/ink/ink9.xml><?xml version="1.0" encoding="utf-8"?>
 <inkml:ink xmlns:inkml="http://www.w3.org/2003/InkML">
   <inkml:definitions>
@@ -2574,6 +2804,286 @@
     </inkml:brush>
   </inkml:definitions>
   <inkml:trace contextRef="#ctx0" brushRef="#br0">63 373 24575,'0'24'0,"-3"20"0,-5 30 0,3-20 0,-2 5 0,0 11 0,-1 4 0,1 7 0,1 1 0,2 4 0,0-1 0,2-5 0,0-2 0,2-5 0,2-2 0,2-6 0,3-3 0,2-8 0,3-2 0,26 36 0,16-16 0,15-11 0,-27-33 0,5-1 0,6-1 0,3-3 0,8 1 0,4-2 0,12-2 0,5-4 0,-18-6 0,2-1 0,3-3-480,10-2 0,3-2 0,2-4 480,8-5 0,2-3 0,1-5 0,-24 2 0,0-3 0,0-2 0,-1-1 0,22-10 0,-2-4 0,-4-1-123,-8 0 0,-4-2 1,-4-1 122,18-10 0,-8-1 0,-20 7 0,-7 1 0,14-25 0,-28 4 0,-12-7 1412,-10-23-1412,-13 30 0,-1-3 0,-2-9 0,-2-3 0,-2-2 0,0 0 198,0 7 0,0 3-198,0 12 0,0 4 0,-1-28 0,-8 20 0,-14 8 0,-19-4 0,-26-6 0,27 27 0,-3 0 0,-5-1 0,-3 1 0,-4 1 0,-1 3 0,2 3 0,-2 4 0,-1 4 0,-2 4 0,1 4 0,-2 3 0,-3 3 0,-2 3 0,-3 0 0,-2 3 0,-2 1 0,-1 3 0,2 2 0,0 2 0,1 2 0,1 2 0,2 3 0,2 3 0,6-1 0,1 1 0,6 0 0,2 0 0,-36 15 0,20-6 0,14-5 0,14-2 0,10 2 0,2 3 0,-3 9 0,-6 10 0,-5 4 0,1-3 0,10-10 0,10-11 0,11-13 0,7-5 0</inkml:trace>
+</inkml:ink>
+</file>
+
+<file path=ppt/ink/ink90.xml><?xml version="1.0" encoding="utf-8"?>
+<inkml:ink xmlns:inkml="http://www.w3.org/2003/InkML">
+  <inkml:definitions>
+    <inkml:context xml:id="ctx0">
+      <inkml:inkSource xml:id="inkSrc0">
+        <inkml:traceFormat>
+          <inkml:channel name="X" type="integer" min="-2.14748E9" max="2.14748E9" units="cm"/>
+          <inkml:channel name="Y" type="integer" min="-2.14748E9" max="2.14748E9" units="cm"/>
+          <inkml:channel name="F" type="integer" max="32767" units="dev"/>
+        </inkml:traceFormat>
+        <inkml:channelProperties>
+          <inkml:channelProperty channel="X" name="resolution" value="1000" units="1/cm"/>
+          <inkml:channelProperty channel="Y" name="resolution" value="1000" units="1/cm"/>
+          <inkml:channelProperty channel="F" name="resolution" value="0" units="1/dev"/>
+        </inkml:channelProperties>
+      </inkml:inkSource>
+      <inkml:timestamp xml:id="ts0" timeString="2024-07-25T04:34:17.490"/>
+    </inkml:context>
+    <inkml:brush xml:id="br0">
+      <inkml:brushProperty name="width" value="0.05" units="cm"/>
+      <inkml:brushProperty name="height" value="0.05" units="cm"/>
+      <inkml:brushProperty name="color" value="#E71224"/>
+    </inkml:brush>
+  </inkml:definitions>
+  <inkml:trace contextRef="#ctx0" brushRef="#br0">403 7 24575,'-8'-4'0,"-8"1"0,-6 3 0,-4 0 0,2 0 0,2 0 0,0 0 0,-4 3 0,-10 10 0,-5 11 0,-6 12 0,3 2 0,10-5 0,12-8 0,13-9 0,6-6 0,3-3 0,4 0 0,6 3 0,4 3 0,7 3 0,0-1 0,-1-3 0,-2-1 0,-3-5 0,3-2 0,4-2 0,5-2 0,6 0 0,4-2 0,2-3 0,-4-5 0,-5-2 0,-7 1 0,-5 1 0,-4 1 0,-2 0 0,-3 1 0,-4 0 0,-1-1 0,-1 1 0,-1-1 0,0 1 0,-1 0 0,-1 0 0,2-1 0,0-2 0,0-1 0,0 1 0,-2 3 0,0 8 0,0 10 0,0 13 0,-2 14 0,-1 9 0,-2 6 0,-1-1 0,3-5 0,0-5 0,3-7 0,0-6 0,0-3 0,0-3 0,0-1 0,0 0 0,0-2 0,0-1 0,0-3 0,0 0 0,1 0 0,1 0 0,0-8 0,0-44 0,-1 25 0,-1-30 0</inkml:trace>
+</inkml:ink>
+</file>
+
+<file path=ppt/ink/ink91.xml><?xml version="1.0" encoding="utf-8"?>
+<inkml:ink xmlns:inkml="http://www.w3.org/2003/InkML">
+  <inkml:definitions>
+    <inkml:context xml:id="ctx0">
+      <inkml:inkSource xml:id="inkSrc0">
+        <inkml:traceFormat>
+          <inkml:channel name="X" type="integer" min="-2.14748E9" max="2.14748E9" units="cm"/>
+          <inkml:channel name="Y" type="integer" min="-2.14748E9" max="2.14748E9" units="cm"/>
+          <inkml:channel name="F" type="integer" max="32767" units="dev"/>
+        </inkml:traceFormat>
+        <inkml:channelProperties>
+          <inkml:channelProperty channel="X" name="resolution" value="1000" units="1/cm"/>
+          <inkml:channelProperty channel="Y" name="resolution" value="1000" units="1/cm"/>
+          <inkml:channelProperty channel="F" name="resolution" value="0" units="1/dev"/>
+        </inkml:channelProperties>
+      </inkml:inkSource>
+      <inkml:timestamp xml:id="ts0" timeString="2024-07-25T04:34:19.074"/>
+    </inkml:context>
+    <inkml:brush xml:id="br0">
+      <inkml:brushProperty name="width" value="0.05" units="cm"/>
+      <inkml:brushProperty name="height" value="0.05" units="cm"/>
+      <inkml:brushProperty name="color" value="#E71224"/>
+    </inkml:brush>
+  </inkml:definitions>
+  <inkml:trace contextRef="#ctx0" brushRef="#br0">0 1 24575,'40'0'0,"41"0"0,-20 0 0,6 0 0,11 0 0,3 0 0,-4 0 0,-3 0 0,-12 0 0,-6 0 0,20 0 0,-38 0 0,-26 1 0,-10 2 0,-4 5 0,-2 4 0,-5 16 0,-9 32 0,4-12 0,-1 6 0,-6 17 0,-1 5 0,-2 7 0,1 1 0,1-2 0,2-3 0,2-10 0,2-5 0,-5 29 0,8-34 0,7-26 0,4-13 0,2-6 0,0-3 0,0-5 0,0-2 0</inkml:trace>
+</inkml:ink>
+</file>
+
+<file path=ppt/ink/ink92.xml><?xml version="1.0" encoding="utf-8"?>
+<inkml:ink xmlns:inkml="http://www.w3.org/2003/InkML">
+  <inkml:definitions>
+    <inkml:context xml:id="ctx0">
+      <inkml:inkSource xml:id="inkSrc0">
+        <inkml:traceFormat>
+          <inkml:channel name="X" type="integer" min="-2.14748E9" max="2.14748E9" units="cm"/>
+          <inkml:channel name="Y" type="integer" min="-2.14748E9" max="2.14748E9" units="cm"/>
+          <inkml:channel name="F" type="integer" max="32767" units="dev"/>
+        </inkml:traceFormat>
+        <inkml:channelProperties>
+          <inkml:channelProperty channel="X" name="resolution" value="1000" units="1/cm"/>
+          <inkml:channelProperty channel="Y" name="resolution" value="1000" units="1/cm"/>
+          <inkml:channelProperty channel="F" name="resolution" value="0" units="1/dev"/>
+        </inkml:channelProperties>
+      </inkml:inkSource>
+      <inkml:timestamp xml:id="ts0" timeString="2024-07-25T04:34:19.838"/>
+    </inkml:context>
+    <inkml:brush xml:id="br0">
+      <inkml:brushProperty name="width" value="0.05" units="cm"/>
+      <inkml:brushProperty name="height" value="0.05" units="cm"/>
+      <inkml:brushProperty name="color" value="#E71224"/>
+    </inkml:brush>
+  </inkml:definitions>
+  <inkml:trace contextRef="#ctx0" brushRef="#br0">1 1 24575,'32'0'0,"37"0"0,15 0 0,-19 0 0,4 0 0,2 0 0,-3 0 0,-9 0 0,-3 0 0,-2 0 0,-7 0 0,-7 0 0,-21 0 0,-10 0 0,-5 0 0</inkml:trace>
+</inkml:ink>
+</file>
+
+<file path=ppt/ink/ink93.xml><?xml version="1.0" encoding="utf-8"?>
+<inkml:ink xmlns:inkml="http://www.w3.org/2003/InkML">
+  <inkml:definitions>
+    <inkml:context xml:id="ctx0">
+      <inkml:inkSource xml:id="inkSrc0">
+        <inkml:traceFormat>
+          <inkml:channel name="X" type="integer" min="-2.14748E9" max="2.14748E9" units="cm"/>
+          <inkml:channel name="Y" type="integer" min="-2.14748E9" max="2.14748E9" units="cm"/>
+          <inkml:channel name="F" type="integer" max="32767" units="dev"/>
+        </inkml:traceFormat>
+        <inkml:channelProperties>
+          <inkml:channelProperty channel="X" name="resolution" value="1000" units="1/cm"/>
+          <inkml:channelProperty channel="Y" name="resolution" value="1000" units="1/cm"/>
+          <inkml:channelProperty channel="F" name="resolution" value="0" units="1/dev"/>
+        </inkml:channelProperties>
+      </inkml:inkSource>
+      <inkml:timestamp xml:id="ts0" timeString="2024-07-25T04:34:21.755"/>
+    </inkml:context>
+    <inkml:brush xml:id="br0">
+      <inkml:brushProperty name="width" value="0.05" units="cm"/>
+      <inkml:brushProperty name="height" value="0.05" units="cm"/>
+      <inkml:brushProperty name="color" value="#E71224"/>
+    </inkml:brush>
+  </inkml:definitions>
+  <inkml:trace contextRef="#ctx0" brushRef="#br0">607 13 24575,'-1'-6'0,"-2"1"0,-6 4 0,-5 1 0,-6 0 0,-11 0 0,-11 4 0,-14 13 0,-19 23 0,32-8 0,0 4 0,-2 5 0,1 3 0,4 3 0,3 0 0,-19 34 0,23-16 0,19-17 0,18-17 0,40-7 0,3-15 0,7-3 0,21-2 0,7-1 0,16-1 0,3-1 0,-1-1 0,-2 0 0,-13 0 0,-5 0 0,-17 0 0,-5 0 0,13 1 0,-32 7 0,-19 7 0,-12 10 0,-4 3 0,-3-1 0,-3-3 0,-8-5 0,-14-3 0,-16-3 0,-10-4 0,-4-4 0,8-3 0,8-2 0,10-3 0,10-7 0,7-10 0,6-10 0,3-14 0,2-13 0,0-4 0,0 0 0,0 7 0,-2 7 0,-3 3 0,-2 5 0,-1 8 0,2 9 0,3 12 0,1 5 0</inkml:trace>
+</inkml:ink>
+</file>
+
+<file path=ppt/ink/ink94.xml><?xml version="1.0" encoding="utf-8"?>
+<inkml:ink xmlns:inkml="http://www.w3.org/2003/InkML">
+  <inkml:definitions>
+    <inkml:context xml:id="ctx0">
+      <inkml:inkSource xml:id="inkSrc0">
+        <inkml:traceFormat>
+          <inkml:channel name="X" type="integer" min="-2.14748E9" max="2.14748E9" units="cm"/>
+          <inkml:channel name="Y" type="integer" min="-2.14748E9" max="2.14748E9" units="cm"/>
+          <inkml:channel name="F" type="integer" max="32767" units="dev"/>
+        </inkml:traceFormat>
+        <inkml:channelProperties>
+          <inkml:channelProperty channel="X" name="resolution" value="1000" units="1/cm"/>
+          <inkml:channelProperty channel="Y" name="resolution" value="1000" units="1/cm"/>
+          <inkml:channelProperty channel="F" name="resolution" value="0" units="1/dev"/>
+        </inkml:channelProperties>
+      </inkml:inkSource>
+      <inkml:timestamp xml:id="ts0" timeString="2024-07-25T04:34:23.292"/>
+    </inkml:context>
+    <inkml:brush xml:id="br0">
+      <inkml:brushProperty name="width" value="0.05" units="cm"/>
+      <inkml:brushProperty name="height" value="0.05" units="cm"/>
+      <inkml:brushProperty name="color" value="#E71224"/>
+    </inkml:brush>
+  </inkml:definitions>
+  <inkml:trace contextRef="#ctx0" brushRef="#br0">943 0 24575,'-36'39'0,"-18"19"0,13-11 0,-3 5 0,-8 6 0,-1 0 0,2-2 0,1 0 0,1-1 0,0 0 0,2-7 0,1 0 0,2-4 0,1 0 0,0-3 0,1-1 0,-29 23 0,22-20 0,16-14 0,12-11 0,8-6 0,5-4 0,4-6 0</inkml:trace>
+</inkml:ink>
+</file>
+
+<file path=ppt/ink/ink95.xml><?xml version="1.0" encoding="utf-8"?>
+<inkml:ink xmlns:inkml="http://www.w3.org/2003/InkML">
+  <inkml:definitions>
+    <inkml:context xml:id="ctx0">
+      <inkml:inkSource xml:id="inkSrc0">
+        <inkml:traceFormat>
+          <inkml:channel name="X" type="integer" min="-2.14748E9" max="2.14748E9" units="cm"/>
+          <inkml:channel name="Y" type="integer" min="-2.14748E9" max="2.14748E9" units="cm"/>
+          <inkml:channel name="F" type="integer" max="32767" units="dev"/>
+        </inkml:traceFormat>
+        <inkml:channelProperties>
+          <inkml:channelProperty channel="X" name="resolution" value="1000" units="1/cm"/>
+          <inkml:channelProperty channel="Y" name="resolution" value="1000" units="1/cm"/>
+          <inkml:channelProperty channel="F" name="resolution" value="0" units="1/dev"/>
+        </inkml:channelProperties>
+      </inkml:inkSource>
+      <inkml:timestamp xml:id="ts0" timeString="2024-07-25T04:34:24.188"/>
+    </inkml:context>
+    <inkml:brush xml:id="br0">
+      <inkml:brushProperty name="width" value="0.05" units="cm"/>
+      <inkml:brushProperty name="height" value="0.05" units="cm"/>
+      <inkml:brushProperty name="color" value="#E71224"/>
+    </inkml:brush>
+  </inkml:definitions>
+  <inkml:trace contextRef="#ctx0" brushRef="#br0">1 0 24575,'0'12'0,"0"8"0,0 14 0,0 8 0,0 5 0,0 0 0,0-6 0,0-6 0,0-13 0,0-7 0,0-5 0,0-3 0,0 1 0,1-2 0,1-2 0,2-2 0,2-2 0,3 0 0,9 0 0,8 0 0,6 0 0,5 0 0,-4 0 0,-1 0 0,0 0 0,-5-1 0,-6-1 0,-10 1 0,-5-1 0</inkml:trace>
+</inkml:ink>
+</file>
+
+<file path=ppt/ink/ink96.xml><?xml version="1.0" encoding="utf-8"?>
+<inkml:ink xmlns:inkml="http://www.w3.org/2003/InkML">
+  <inkml:definitions>
+    <inkml:context xml:id="ctx0">
+      <inkml:inkSource xml:id="inkSrc0">
+        <inkml:traceFormat>
+          <inkml:channel name="X" type="integer" min="-2.14748E9" max="2.14748E9" units="cm"/>
+          <inkml:channel name="Y" type="integer" min="-2.14748E9" max="2.14748E9" units="cm"/>
+          <inkml:channel name="F" type="integer" max="32767" units="dev"/>
+        </inkml:traceFormat>
+        <inkml:channelProperties>
+          <inkml:channelProperty channel="X" name="resolution" value="1000" units="1/cm"/>
+          <inkml:channelProperty channel="Y" name="resolution" value="1000" units="1/cm"/>
+          <inkml:channelProperty channel="F" name="resolution" value="0" units="1/dev"/>
+        </inkml:channelProperties>
+      </inkml:inkSource>
+      <inkml:timestamp xml:id="ts0" timeString="2024-07-25T04:34:25.395"/>
+    </inkml:context>
+    <inkml:brush xml:id="br0">
+      <inkml:brushProperty name="width" value="0.05" units="cm"/>
+      <inkml:brushProperty name="height" value="0.05" units="cm"/>
+      <inkml:brushProperty name="color" value="#E71224"/>
+    </inkml:brush>
+  </inkml:definitions>
+  <inkml:trace contextRef="#ctx0" brushRef="#br0">0 0 24575,'40'25'0,"10"11"0,19 27 0,-27-21 0,1 3 0,0 3 0,0 3 0,1 5 0,-2 2 0,-6-3 0,-2-2 0,-7-6 0,-2-2 0,11 27 0,-13-25 0,-8-17 0,-5-7 0,-3-8 0,-5-5 0,0-6 0,-1-1 0</inkml:trace>
+</inkml:ink>
+</file>
+
+<file path=ppt/ink/ink97.xml><?xml version="1.0" encoding="utf-8"?>
+<inkml:ink xmlns:inkml="http://www.w3.org/2003/InkML">
+  <inkml:definitions>
+    <inkml:context xml:id="ctx0">
+      <inkml:inkSource xml:id="inkSrc0">
+        <inkml:traceFormat>
+          <inkml:channel name="X" type="integer" min="-2.14748E9" max="2.14748E9" units="cm"/>
+          <inkml:channel name="Y" type="integer" min="-2.14748E9" max="2.14748E9" units="cm"/>
+          <inkml:channel name="F" type="integer" max="32767" units="dev"/>
+        </inkml:traceFormat>
+        <inkml:channelProperties>
+          <inkml:channelProperty channel="X" name="resolution" value="1000" units="1/cm"/>
+          <inkml:channelProperty channel="Y" name="resolution" value="1000" units="1/cm"/>
+          <inkml:channelProperty channel="F" name="resolution" value="0" units="1/dev"/>
+        </inkml:channelProperties>
+      </inkml:inkSource>
+      <inkml:timestamp xml:id="ts0" timeString="2024-07-25T04:34:26.758"/>
+    </inkml:context>
+    <inkml:brush xml:id="br0">
+      <inkml:brushProperty name="width" value="0.05" units="cm"/>
+      <inkml:brushProperty name="height" value="0.05" units="cm"/>
+      <inkml:brushProperty name="color" value="#E71224"/>
+    </inkml:brush>
+  </inkml:definitions>
+  <inkml:trace contextRef="#ctx0" brushRef="#br0">0 281 24575,'35'3'0,"5"8"0,9 8 0,2 7 0,-4 5 0,-3-1 0,-4-1 0,-9-5 0,-9-8 0,-10-8 0,-7-9 0,-3-5 0,-1-5 0,0-3 0,4-4 0,1-2 0,1-3 0,0-5 0,-3-7 0,-2-6 0,-1-3 0,-1 0 0,0 6 0,0 5 0,0 2 0,0 4 0,0 4 0,0 6 0,-1 7 0,-1 4 0,0 1 0,0 3 0,1 1 0</inkml:trace>
+</inkml:ink>
+</file>
+
+<file path=ppt/ink/ink98.xml><?xml version="1.0" encoding="utf-8"?>
+<inkml:ink xmlns:inkml="http://www.w3.org/2003/InkML">
+  <inkml:definitions>
+    <inkml:context xml:id="ctx0">
+      <inkml:inkSource xml:id="inkSrc0">
+        <inkml:traceFormat>
+          <inkml:channel name="X" type="integer" min="-2.14748E9" max="2.14748E9" units="cm"/>
+          <inkml:channel name="Y" type="integer" min="-2.14748E9" max="2.14748E9" units="cm"/>
+          <inkml:channel name="F" type="integer" max="32767" units="dev"/>
+        </inkml:traceFormat>
+        <inkml:channelProperties>
+          <inkml:channelProperty channel="X" name="resolution" value="1000" units="1/cm"/>
+          <inkml:channelProperty channel="Y" name="resolution" value="1000" units="1/cm"/>
+          <inkml:channelProperty channel="F" name="resolution" value="0" units="1/dev"/>
+        </inkml:channelProperties>
+      </inkml:inkSource>
+      <inkml:timestamp xml:id="ts0" timeString="2024-07-25T04:45:02.801"/>
+    </inkml:context>
+    <inkml:brush xml:id="br0">
+      <inkml:brushProperty name="width" value="0.05" units="cm"/>
+      <inkml:brushProperty name="height" value="0.05" units="cm"/>
+      <inkml:brushProperty name="color" value="#E71224"/>
+    </inkml:brush>
+  </inkml:definitions>
+  <inkml:trace contextRef="#ctx0" brushRef="#br0">557 525 24575,'-34'3'0,"-1"8"0,-34 10 0,8 13 0,-1 11 0,2 8 0,5 9 0,3 5 0,7 3 0,11-2 0,9-3 0,10-4 0,8-2 0,5-2 0,2-1 0,0-1 0,1 0 0,8-2 0,13-5 0,14-3 0,14-4 0,10 0 0,12-2 0,10-4 0,1-4 0,5-4 0,-5-7 0,0-4 0,5-6 0,-3-4 0,2-4 0,0-2 0,-5-6 0,-3-7 0,-10-9 0,-8-9 0,-6-3 0,-6-9 0,-7-16 0,-7-25 0,-21 29 0,-3-5 0,-2-9 0,-3-4 0,-1-11 0,-3-4 0,-4-2 0,-4-1 0,-4 2 0,-4 3 0,-4 4 0,-5 5 0,-1 12 0,-3 4 0,2 10 0,-2 4 0,-22-25 0,-1 17 0,-5 11 0,-6 5 0,-5 2 0,-3 8 0,0 7 0,4 8 0,12 8 0,0 3 0,0 3 0,7 3 0,4 3 0,15 3 0,8 5 0,8-7 0,3 0 0</inkml:trace>
+</inkml:ink>
+</file>
+
+<file path=ppt/ink/ink99.xml><?xml version="1.0" encoding="utf-8"?>
+<inkml:ink xmlns:inkml="http://www.w3.org/2003/InkML">
+  <inkml:definitions>
+    <inkml:context xml:id="ctx0">
+      <inkml:inkSource xml:id="inkSrc0">
+        <inkml:traceFormat>
+          <inkml:channel name="X" type="integer" min="-2.14748E9" max="2.14748E9" units="cm"/>
+          <inkml:channel name="Y" type="integer" min="-2.14748E9" max="2.14748E9" units="cm"/>
+          <inkml:channel name="F" type="integer" max="32767" units="dev"/>
+        </inkml:traceFormat>
+        <inkml:channelProperties>
+          <inkml:channelProperty channel="X" name="resolution" value="1000" units="1/cm"/>
+          <inkml:channelProperty channel="Y" name="resolution" value="1000" units="1/cm"/>
+          <inkml:channelProperty channel="F" name="resolution" value="0" units="1/dev"/>
+        </inkml:channelProperties>
+      </inkml:inkSource>
+      <inkml:timestamp xml:id="ts0" timeString="2024-07-25T04:45:04.613"/>
+    </inkml:context>
+    <inkml:brush xml:id="br0">
+      <inkml:brushProperty name="width" value="0.05" units="cm"/>
+      <inkml:brushProperty name="height" value="0.05" units="cm"/>
+      <inkml:brushProperty name="color" value="#E71224"/>
+    </inkml:brush>
+  </inkml:definitions>
+  <inkml:trace contextRef="#ctx0" brushRef="#br0">289 15 24277,'-4'-8'0,"-11"5"148,-16 7-148,-15 17 50,-11 13-50,5 6 25,12-3-25,14-9 75,11-10-75,12-7 0,35-6 0,49-3 0,-15-1 0,7-2 0,14 1 0,4 0 0,0 0 0,0 0 0,-10 0 0,-4 0 0,-16 1 0,-5 0 0,20 5 0,-32 9 0,-20 10 0,-11 14 0,-11 13 0,-17 14 0,-18 9 0,-14 1 0,-10-8 0,-7-13 0,-5-8 0,-8-9 0,1-7 0,14-11 0,13-10 0,16-17 0,10-27 0,7-30 0,7-29 0,6-7 0,1 8 0,-2 19 0,1 21 0,0 15 0,3 16 0,0 8 0,0 4 0,0-4 0,0-13 0,0-13 0,0-8 0,3 2 0,1 12 0,1 13 0,-1 12 0,-3 5 0</inkml:trace>
 </inkml:ink>
 </file>
 
@@ -2726,7 +3236,7 @@
           <a:p>
             <a:fld id="{43349669-DBD3-0E4A-AF1C-1378E747EFFA}" type="datetimeFigureOut">
               <a:rPr lang="en-US" smtClean="0"/>
-              <a:t>7/23/24</a:t>
+              <a:t>7/25/24</a:t>
             </a:fld>
             <a:endParaRPr lang="en-US"/>
           </a:p>
@@ -2926,7 +3436,7 @@
           <a:p>
             <a:fld id="{43349669-DBD3-0E4A-AF1C-1378E747EFFA}" type="datetimeFigureOut">
               <a:rPr lang="en-US" smtClean="0"/>
-              <a:t>7/23/24</a:t>
+              <a:t>7/25/24</a:t>
             </a:fld>
             <a:endParaRPr lang="en-US"/>
           </a:p>
@@ -3136,7 +3646,7 @@
           <a:p>
             <a:fld id="{43349669-DBD3-0E4A-AF1C-1378E747EFFA}" type="datetimeFigureOut">
               <a:rPr lang="en-US" smtClean="0"/>
-              <a:t>7/23/24</a:t>
+              <a:t>7/25/24</a:t>
             </a:fld>
             <a:endParaRPr lang="en-US"/>
           </a:p>
@@ -3336,7 +3846,7 @@
           <a:p>
             <a:fld id="{43349669-DBD3-0E4A-AF1C-1378E747EFFA}" type="datetimeFigureOut">
               <a:rPr lang="en-US" smtClean="0"/>
-              <a:t>7/23/24</a:t>
+              <a:t>7/25/24</a:t>
             </a:fld>
             <a:endParaRPr lang="en-US"/>
           </a:p>
@@ -3612,7 +4122,7 @@
           <a:p>
             <a:fld id="{43349669-DBD3-0E4A-AF1C-1378E747EFFA}" type="datetimeFigureOut">
               <a:rPr lang="en-US" smtClean="0"/>
-              <a:t>7/23/24</a:t>
+              <a:t>7/25/24</a:t>
             </a:fld>
             <a:endParaRPr lang="en-US"/>
           </a:p>
@@ -3880,7 +4390,7 @@
           <a:p>
             <a:fld id="{43349669-DBD3-0E4A-AF1C-1378E747EFFA}" type="datetimeFigureOut">
               <a:rPr lang="en-US" smtClean="0"/>
-              <a:t>7/23/24</a:t>
+              <a:t>7/25/24</a:t>
             </a:fld>
             <a:endParaRPr lang="en-US"/>
           </a:p>
@@ -4295,7 +4805,7 @@
           <a:p>
             <a:fld id="{43349669-DBD3-0E4A-AF1C-1378E747EFFA}" type="datetimeFigureOut">
               <a:rPr lang="en-US" smtClean="0"/>
-              <a:t>7/23/24</a:t>
+              <a:t>7/25/24</a:t>
             </a:fld>
             <a:endParaRPr lang="en-US"/>
           </a:p>
@@ -4437,7 +4947,7 @@
           <a:p>
             <a:fld id="{43349669-DBD3-0E4A-AF1C-1378E747EFFA}" type="datetimeFigureOut">
               <a:rPr lang="en-US" smtClean="0"/>
-              <a:t>7/23/24</a:t>
+              <a:t>7/25/24</a:t>
             </a:fld>
             <a:endParaRPr lang="en-US"/>
           </a:p>
@@ -4550,7 +5060,7 @@
           <a:p>
             <a:fld id="{43349669-DBD3-0E4A-AF1C-1378E747EFFA}" type="datetimeFigureOut">
               <a:rPr lang="en-US" smtClean="0"/>
-              <a:t>7/23/24</a:t>
+              <a:t>7/25/24</a:t>
             </a:fld>
             <a:endParaRPr lang="en-US"/>
           </a:p>
@@ -4863,7 +5373,7 @@
           <a:p>
             <a:fld id="{43349669-DBD3-0E4A-AF1C-1378E747EFFA}" type="datetimeFigureOut">
               <a:rPr lang="en-US" smtClean="0"/>
-              <a:t>7/23/24</a:t>
+              <a:t>7/25/24</a:t>
             </a:fld>
             <a:endParaRPr lang="en-US"/>
           </a:p>
@@ -5152,7 +5662,7 @@
           <a:p>
             <a:fld id="{43349669-DBD3-0E4A-AF1C-1378E747EFFA}" type="datetimeFigureOut">
               <a:rPr lang="en-US" smtClean="0"/>
-              <a:t>7/23/24</a:t>
+              <a:t>7/25/24</a:t>
             </a:fld>
             <a:endParaRPr lang="en-US"/>
           </a:p>
@@ -5395,7 +5905,7 @@
           <a:p>
             <a:fld id="{43349669-DBD3-0E4A-AF1C-1378E747EFFA}" type="datetimeFigureOut">
               <a:rPr lang="en-US" smtClean="0"/>
-              <a:t>7/23/24</a:t>
+              <a:t>7/25/24</a:t>
             </a:fld>
             <a:endParaRPr lang="en-US"/>
           </a:p>
@@ -5812,8 +6322,8 @@
           <a:chExt cx="0" cy="0"/>
         </a:xfrm>
       </p:grpSpPr>
-      <mc:AlternateContent xmlns:mc="http://schemas.openxmlformats.org/markup-compatibility/2006">
-        <mc:Choice xmlns:p14="http://schemas.microsoft.com/office/powerpoint/2010/main" Requires="p14">
+      <mc:AlternateContent xmlns:mc="http://schemas.openxmlformats.org/markup-compatibility/2006" xmlns:p14="http://schemas.microsoft.com/office/powerpoint/2010/main">
+        <mc:Choice Requires="p14">
           <p:contentPart p14:bwMode="auto" r:id="rId2">
             <p14:nvContentPartPr>
               <p14:cNvPr id="4" name="Ink 3">
@@ -5832,7 +6342,7 @@
             </p14:xfrm>
           </p:contentPart>
         </mc:Choice>
-        <mc:Fallback>
+        <mc:Fallback xmlns="">
           <p:pic>
             <p:nvPicPr>
               <p:cNvPr id="4" name="Ink 3">
@@ -5883,8 +6393,8 @@
             <a:chExt cx="781200" cy="691560"/>
           </a:xfrm>
         </p:grpSpPr>
-        <mc:AlternateContent xmlns:mc="http://schemas.openxmlformats.org/markup-compatibility/2006">
-          <mc:Choice xmlns:p14="http://schemas.microsoft.com/office/powerpoint/2010/main" Requires="p14">
+        <mc:AlternateContent xmlns:mc="http://schemas.openxmlformats.org/markup-compatibility/2006" xmlns:p14="http://schemas.microsoft.com/office/powerpoint/2010/main">
+          <mc:Choice Requires="p14">
             <p:contentPart p14:bwMode="auto" r:id="rId4">
               <p14:nvContentPartPr>
                 <p14:cNvPr id="5" name="Ink 4">
@@ -5903,7 +6413,7 @@
               </p14:xfrm>
             </p:contentPart>
           </mc:Choice>
-          <mc:Fallback>
+          <mc:Fallback xmlns="">
             <p:pic>
               <p:nvPicPr>
                 <p:cNvPr id="5" name="Ink 4">
@@ -5934,8 +6444,8 @@
             </p:pic>
           </mc:Fallback>
         </mc:AlternateContent>
-        <mc:AlternateContent xmlns:mc="http://schemas.openxmlformats.org/markup-compatibility/2006">
-          <mc:Choice xmlns:p14="http://schemas.microsoft.com/office/powerpoint/2010/main" Requires="p14">
+        <mc:AlternateContent xmlns:mc="http://schemas.openxmlformats.org/markup-compatibility/2006" xmlns:p14="http://schemas.microsoft.com/office/powerpoint/2010/main">
+          <mc:Choice Requires="p14">
             <p:contentPart p14:bwMode="auto" r:id="rId6">
               <p14:nvContentPartPr>
                 <p14:cNvPr id="6" name="Ink 5">
@@ -5954,7 +6464,7 @@
               </p14:xfrm>
             </p:contentPart>
           </mc:Choice>
-          <mc:Fallback>
+          <mc:Fallback xmlns="">
             <p:pic>
               <p:nvPicPr>
                 <p:cNvPr id="6" name="Ink 5">
@@ -5985,8 +6495,8 @@
             </p:pic>
           </mc:Fallback>
         </mc:AlternateContent>
-        <mc:AlternateContent xmlns:mc="http://schemas.openxmlformats.org/markup-compatibility/2006">
-          <mc:Choice xmlns:p14="http://schemas.microsoft.com/office/powerpoint/2010/main" Requires="p14">
+        <mc:AlternateContent xmlns:mc="http://schemas.openxmlformats.org/markup-compatibility/2006" xmlns:p14="http://schemas.microsoft.com/office/powerpoint/2010/main">
+          <mc:Choice Requires="p14">
             <p:contentPart p14:bwMode="auto" r:id="rId8">
               <p14:nvContentPartPr>
                 <p14:cNvPr id="7" name="Ink 6">
@@ -6005,7 +6515,7 @@
               </p14:xfrm>
             </p:contentPart>
           </mc:Choice>
-          <mc:Fallback>
+          <mc:Fallback xmlns="">
             <p:pic>
               <p:nvPicPr>
                 <p:cNvPr id="7" name="Ink 6">
@@ -6036,8 +6546,8 @@
             </p:pic>
           </mc:Fallback>
         </mc:AlternateContent>
-        <mc:AlternateContent xmlns:mc="http://schemas.openxmlformats.org/markup-compatibility/2006">
-          <mc:Choice xmlns:p14="http://schemas.microsoft.com/office/powerpoint/2010/main" Requires="p14">
+        <mc:AlternateContent xmlns:mc="http://schemas.openxmlformats.org/markup-compatibility/2006" xmlns:p14="http://schemas.microsoft.com/office/powerpoint/2010/main">
+          <mc:Choice Requires="p14">
             <p:contentPart p14:bwMode="auto" r:id="rId10">
               <p14:nvContentPartPr>
                 <p14:cNvPr id="8" name="Ink 7">
@@ -6056,7 +6566,7 @@
               </p14:xfrm>
             </p:contentPart>
           </mc:Choice>
-          <mc:Fallback>
+          <mc:Fallback xmlns="">
             <p:pic>
               <p:nvPicPr>
                 <p:cNvPr id="8" name="Ink 7">
@@ -6108,8 +6618,8 @@
             <a:chExt cx="916200" cy="854280"/>
           </a:xfrm>
         </p:grpSpPr>
-        <mc:AlternateContent xmlns:mc="http://schemas.openxmlformats.org/markup-compatibility/2006">
-          <mc:Choice xmlns:p14="http://schemas.microsoft.com/office/powerpoint/2010/main" Requires="p14">
+        <mc:AlternateContent xmlns:mc="http://schemas.openxmlformats.org/markup-compatibility/2006" xmlns:p14="http://schemas.microsoft.com/office/powerpoint/2010/main">
+          <mc:Choice Requires="p14">
             <p:contentPart p14:bwMode="auto" r:id="rId12">
               <p14:nvContentPartPr>
                 <p14:cNvPr id="10" name="Ink 9">
@@ -6128,7 +6638,7 @@
               </p14:xfrm>
             </p:contentPart>
           </mc:Choice>
-          <mc:Fallback>
+          <mc:Fallback xmlns="">
             <p:pic>
               <p:nvPicPr>
                 <p:cNvPr id="10" name="Ink 9">
@@ -6159,8 +6669,8 @@
             </p:pic>
           </mc:Fallback>
         </mc:AlternateContent>
-        <mc:AlternateContent xmlns:mc="http://schemas.openxmlformats.org/markup-compatibility/2006">
-          <mc:Choice xmlns:p14="http://schemas.microsoft.com/office/powerpoint/2010/main" Requires="p14">
+        <mc:AlternateContent xmlns:mc="http://schemas.openxmlformats.org/markup-compatibility/2006" xmlns:p14="http://schemas.microsoft.com/office/powerpoint/2010/main">
+          <mc:Choice Requires="p14">
             <p:contentPart p14:bwMode="auto" r:id="rId14">
               <p14:nvContentPartPr>
                 <p14:cNvPr id="11" name="Ink 10">
@@ -6179,7 +6689,7 @@
               </p14:xfrm>
             </p:contentPart>
           </mc:Choice>
-          <mc:Fallback>
+          <mc:Fallback xmlns="">
             <p:pic>
               <p:nvPicPr>
                 <p:cNvPr id="11" name="Ink 10">
@@ -6210,8 +6720,8 @@
             </p:pic>
           </mc:Fallback>
         </mc:AlternateContent>
-        <mc:AlternateContent xmlns:mc="http://schemas.openxmlformats.org/markup-compatibility/2006">
-          <mc:Choice xmlns:p14="http://schemas.microsoft.com/office/powerpoint/2010/main" Requires="p14">
+        <mc:AlternateContent xmlns:mc="http://schemas.openxmlformats.org/markup-compatibility/2006" xmlns:p14="http://schemas.microsoft.com/office/powerpoint/2010/main">
+          <mc:Choice Requires="p14">
             <p:contentPart p14:bwMode="auto" r:id="rId16">
               <p14:nvContentPartPr>
                 <p14:cNvPr id="13" name="Ink 12">
@@ -6230,7 +6740,7 @@
               </p14:xfrm>
             </p:contentPart>
           </mc:Choice>
-          <mc:Fallback>
+          <mc:Fallback xmlns="">
             <p:pic>
               <p:nvPicPr>
                 <p:cNvPr id="13" name="Ink 12">
@@ -6282,8 +6792,8 @@
             <a:chExt cx="979200" cy="748440"/>
           </a:xfrm>
         </p:grpSpPr>
-        <mc:AlternateContent xmlns:mc="http://schemas.openxmlformats.org/markup-compatibility/2006">
-          <mc:Choice xmlns:p14="http://schemas.microsoft.com/office/powerpoint/2010/main" Requires="p14">
+        <mc:AlternateContent xmlns:mc="http://schemas.openxmlformats.org/markup-compatibility/2006" xmlns:p14="http://schemas.microsoft.com/office/powerpoint/2010/main">
+          <mc:Choice Requires="p14">
             <p:contentPart p14:bwMode="auto" r:id="rId18">
               <p14:nvContentPartPr>
                 <p14:cNvPr id="15" name="Ink 14">
@@ -6302,7 +6812,7 @@
               </p14:xfrm>
             </p:contentPart>
           </mc:Choice>
-          <mc:Fallback>
+          <mc:Fallback xmlns="">
             <p:pic>
               <p:nvPicPr>
                 <p:cNvPr id="15" name="Ink 14">
@@ -6333,8 +6843,8 @@
             </p:pic>
           </mc:Fallback>
         </mc:AlternateContent>
-        <mc:AlternateContent xmlns:mc="http://schemas.openxmlformats.org/markup-compatibility/2006">
-          <mc:Choice xmlns:p14="http://schemas.microsoft.com/office/powerpoint/2010/main" Requires="p14">
+        <mc:AlternateContent xmlns:mc="http://schemas.openxmlformats.org/markup-compatibility/2006" xmlns:p14="http://schemas.microsoft.com/office/powerpoint/2010/main">
+          <mc:Choice Requires="p14">
             <p:contentPart p14:bwMode="auto" r:id="rId20">
               <p14:nvContentPartPr>
                 <p14:cNvPr id="16" name="Ink 15">
@@ -6353,7 +6863,7 @@
               </p14:xfrm>
             </p:contentPart>
           </mc:Choice>
-          <mc:Fallback>
+          <mc:Fallback xmlns="">
             <p:pic>
               <p:nvPicPr>
                 <p:cNvPr id="16" name="Ink 15">
@@ -6385,8 +6895,8 @@
           </mc:Fallback>
         </mc:AlternateContent>
       </p:grpSp>
-      <mc:AlternateContent xmlns:mc="http://schemas.openxmlformats.org/markup-compatibility/2006">
-        <mc:Choice xmlns:p14="http://schemas.microsoft.com/office/powerpoint/2010/main" Requires="p14">
+      <mc:AlternateContent xmlns:mc="http://schemas.openxmlformats.org/markup-compatibility/2006" xmlns:p14="http://schemas.microsoft.com/office/powerpoint/2010/main">
+        <mc:Choice Requires="p14">
           <p:contentPart p14:bwMode="auto" r:id="rId22">
             <p14:nvContentPartPr>
               <p14:cNvPr id="21" name="Ink 20">
@@ -6405,7 +6915,7 @@
             </p14:xfrm>
           </p:contentPart>
         </mc:Choice>
-        <mc:Fallback>
+        <mc:Fallback xmlns="">
           <p:pic>
             <p:nvPicPr>
               <p:cNvPr id="21" name="Ink 20">
@@ -6456,8 +6966,8 @@
             <a:chExt cx="2033640" cy="2971800"/>
           </a:xfrm>
         </p:grpSpPr>
-        <mc:AlternateContent xmlns:mc="http://schemas.openxmlformats.org/markup-compatibility/2006">
-          <mc:Choice xmlns:p14="http://schemas.microsoft.com/office/powerpoint/2010/main" Requires="p14">
+        <mc:AlternateContent xmlns:mc="http://schemas.openxmlformats.org/markup-compatibility/2006" xmlns:p14="http://schemas.microsoft.com/office/powerpoint/2010/main">
+          <mc:Choice Requires="p14">
             <p:contentPart p14:bwMode="auto" r:id="rId24">
               <p14:nvContentPartPr>
                 <p14:cNvPr id="18" name="Ink 17">
@@ -6476,7 +6986,7 @@
               </p14:xfrm>
             </p:contentPart>
           </mc:Choice>
-          <mc:Fallback>
+          <mc:Fallback xmlns="">
             <p:pic>
               <p:nvPicPr>
                 <p:cNvPr id="18" name="Ink 17">
@@ -6507,8 +7017,8 @@
             </p:pic>
           </mc:Fallback>
         </mc:AlternateContent>
-        <mc:AlternateContent xmlns:mc="http://schemas.openxmlformats.org/markup-compatibility/2006">
-          <mc:Choice xmlns:p14="http://schemas.microsoft.com/office/powerpoint/2010/main" Requires="p14">
+        <mc:AlternateContent xmlns:mc="http://schemas.openxmlformats.org/markup-compatibility/2006" xmlns:p14="http://schemas.microsoft.com/office/powerpoint/2010/main">
+          <mc:Choice Requires="p14">
             <p:contentPart p14:bwMode="auto" r:id="rId26">
               <p14:nvContentPartPr>
                 <p14:cNvPr id="19" name="Ink 18">
@@ -6527,7 +7037,7 @@
               </p14:xfrm>
             </p:contentPart>
           </mc:Choice>
-          <mc:Fallback>
+          <mc:Fallback xmlns="">
             <p:pic>
               <p:nvPicPr>
                 <p:cNvPr id="19" name="Ink 18">
@@ -6558,8 +7068,8 @@
             </p:pic>
           </mc:Fallback>
         </mc:AlternateContent>
-        <mc:AlternateContent xmlns:mc="http://schemas.openxmlformats.org/markup-compatibility/2006">
-          <mc:Choice xmlns:p14="http://schemas.microsoft.com/office/powerpoint/2010/main" Requires="p14">
+        <mc:AlternateContent xmlns:mc="http://schemas.openxmlformats.org/markup-compatibility/2006" xmlns:p14="http://schemas.microsoft.com/office/powerpoint/2010/main">
+          <mc:Choice Requires="p14">
             <p:contentPart p14:bwMode="auto" r:id="rId28">
               <p14:nvContentPartPr>
                 <p14:cNvPr id="22" name="Ink 21">
@@ -6578,7 +7088,7 @@
               </p14:xfrm>
             </p:contentPart>
           </mc:Choice>
-          <mc:Fallback>
+          <mc:Fallback xmlns="">
             <p:pic>
               <p:nvPicPr>
                 <p:cNvPr id="22" name="Ink 21">
@@ -6609,8 +7119,8 @@
             </p:pic>
           </mc:Fallback>
         </mc:AlternateContent>
-        <mc:AlternateContent xmlns:mc="http://schemas.openxmlformats.org/markup-compatibility/2006">
-          <mc:Choice xmlns:p14="http://schemas.microsoft.com/office/powerpoint/2010/main" Requires="p14">
+        <mc:AlternateContent xmlns:mc="http://schemas.openxmlformats.org/markup-compatibility/2006" xmlns:p14="http://schemas.microsoft.com/office/powerpoint/2010/main">
+          <mc:Choice Requires="p14">
             <p:contentPart p14:bwMode="auto" r:id="rId30">
               <p14:nvContentPartPr>
                 <p14:cNvPr id="24" name="Ink 23">
@@ -6629,7 +7139,7 @@
               </p14:xfrm>
             </p:contentPart>
           </mc:Choice>
-          <mc:Fallback>
+          <mc:Fallback xmlns="">
             <p:pic>
               <p:nvPicPr>
                 <p:cNvPr id="24" name="Ink 23">
@@ -6660,8 +7170,8 @@
             </p:pic>
           </mc:Fallback>
         </mc:AlternateContent>
-        <mc:AlternateContent xmlns:mc="http://schemas.openxmlformats.org/markup-compatibility/2006">
-          <mc:Choice xmlns:p14="http://schemas.microsoft.com/office/powerpoint/2010/main" Requires="p14">
+        <mc:AlternateContent xmlns:mc="http://schemas.openxmlformats.org/markup-compatibility/2006" xmlns:p14="http://schemas.microsoft.com/office/powerpoint/2010/main">
+          <mc:Choice Requires="p14">
             <p:contentPart p14:bwMode="auto" r:id="rId32">
               <p14:nvContentPartPr>
                 <p14:cNvPr id="26" name="Ink 25">
@@ -6680,7 +7190,7 @@
               </p14:xfrm>
             </p:contentPart>
           </mc:Choice>
-          <mc:Fallback>
+          <mc:Fallback xmlns="">
             <p:pic>
               <p:nvPicPr>
                 <p:cNvPr id="26" name="Ink 25">
@@ -6711,8 +7221,8 @@
             </p:pic>
           </mc:Fallback>
         </mc:AlternateContent>
-        <mc:AlternateContent xmlns:mc="http://schemas.openxmlformats.org/markup-compatibility/2006">
-          <mc:Choice xmlns:p14="http://schemas.microsoft.com/office/powerpoint/2010/main" Requires="p14">
+        <mc:AlternateContent xmlns:mc="http://schemas.openxmlformats.org/markup-compatibility/2006" xmlns:p14="http://schemas.microsoft.com/office/powerpoint/2010/main">
+          <mc:Choice Requires="p14">
             <p:contentPart p14:bwMode="auto" r:id="rId34">
               <p14:nvContentPartPr>
                 <p14:cNvPr id="27" name="Ink 26">
@@ -6731,7 +7241,7 @@
               </p14:xfrm>
             </p:contentPart>
           </mc:Choice>
-          <mc:Fallback>
+          <mc:Fallback xmlns="">
             <p:pic>
               <p:nvPicPr>
                 <p:cNvPr id="27" name="Ink 26">
@@ -6762,8 +7272,8 @@
             </p:pic>
           </mc:Fallback>
         </mc:AlternateContent>
-        <mc:AlternateContent xmlns:mc="http://schemas.openxmlformats.org/markup-compatibility/2006">
-          <mc:Choice xmlns:p14="http://schemas.microsoft.com/office/powerpoint/2010/main" Requires="p14">
+        <mc:AlternateContent xmlns:mc="http://schemas.openxmlformats.org/markup-compatibility/2006" xmlns:p14="http://schemas.microsoft.com/office/powerpoint/2010/main">
+          <mc:Choice Requires="p14">
             <p:contentPart p14:bwMode="auto" r:id="rId36">
               <p14:nvContentPartPr>
                 <p14:cNvPr id="28" name="Ink 27">
@@ -6782,7 +7292,7 @@
               </p14:xfrm>
             </p:contentPart>
           </mc:Choice>
-          <mc:Fallback>
+          <mc:Fallback xmlns="">
             <p:pic>
               <p:nvPicPr>
                 <p:cNvPr id="28" name="Ink 27">
@@ -6813,8 +7323,8 @@
             </p:pic>
           </mc:Fallback>
         </mc:AlternateContent>
-        <mc:AlternateContent xmlns:mc="http://schemas.openxmlformats.org/markup-compatibility/2006">
-          <mc:Choice xmlns:p14="http://schemas.microsoft.com/office/powerpoint/2010/main" Requires="p14">
+        <mc:AlternateContent xmlns:mc="http://schemas.openxmlformats.org/markup-compatibility/2006" xmlns:p14="http://schemas.microsoft.com/office/powerpoint/2010/main">
+          <mc:Choice Requires="p14">
             <p:contentPart p14:bwMode="auto" r:id="rId38">
               <p14:nvContentPartPr>
                 <p14:cNvPr id="29" name="Ink 28">
@@ -6833,7 +7343,7 @@
               </p14:xfrm>
             </p:contentPart>
           </mc:Choice>
-          <mc:Fallback>
+          <mc:Fallback xmlns="">
             <p:pic>
               <p:nvPicPr>
                 <p:cNvPr id="29" name="Ink 28">
@@ -6885,8 +7395,8 @@
             <a:chExt cx="2150640" cy="2443680"/>
           </a:xfrm>
         </p:grpSpPr>
-        <mc:AlternateContent xmlns:mc="http://schemas.openxmlformats.org/markup-compatibility/2006">
-          <mc:Choice xmlns:p14="http://schemas.microsoft.com/office/powerpoint/2010/main" Requires="p14">
+        <mc:AlternateContent xmlns:mc="http://schemas.openxmlformats.org/markup-compatibility/2006" xmlns:p14="http://schemas.microsoft.com/office/powerpoint/2010/main">
+          <mc:Choice Requires="p14">
             <p:contentPart p14:bwMode="auto" r:id="rId40">
               <p14:nvContentPartPr>
                 <p14:cNvPr id="31" name="Ink 30">
@@ -6905,7 +7415,7 @@
               </p14:xfrm>
             </p:contentPart>
           </mc:Choice>
-          <mc:Fallback>
+          <mc:Fallback xmlns="">
             <p:pic>
               <p:nvPicPr>
                 <p:cNvPr id="31" name="Ink 30">
@@ -6936,8 +7446,8 @@
             </p:pic>
           </mc:Fallback>
         </mc:AlternateContent>
-        <mc:AlternateContent xmlns:mc="http://schemas.openxmlformats.org/markup-compatibility/2006">
-          <mc:Choice xmlns:p14="http://schemas.microsoft.com/office/powerpoint/2010/main" Requires="p14">
+        <mc:AlternateContent xmlns:mc="http://schemas.openxmlformats.org/markup-compatibility/2006" xmlns:p14="http://schemas.microsoft.com/office/powerpoint/2010/main">
+          <mc:Choice Requires="p14">
             <p:contentPart p14:bwMode="auto" r:id="rId42">
               <p14:nvContentPartPr>
                 <p14:cNvPr id="32" name="Ink 31">
@@ -6956,7 +7466,7 @@
               </p14:xfrm>
             </p:contentPart>
           </mc:Choice>
-          <mc:Fallback>
+          <mc:Fallback xmlns="">
             <p:pic>
               <p:nvPicPr>
                 <p:cNvPr id="32" name="Ink 31">
@@ -6988,8 +7498,8 @@
           </mc:Fallback>
         </mc:AlternateContent>
       </p:grpSp>
-      <mc:AlternateContent xmlns:mc="http://schemas.openxmlformats.org/markup-compatibility/2006">
-        <mc:Choice xmlns:p14="http://schemas.microsoft.com/office/powerpoint/2010/main" Requires="p14">
+      <mc:AlternateContent xmlns:mc="http://schemas.openxmlformats.org/markup-compatibility/2006" xmlns:p14="http://schemas.microsoft.com/office/powerpoint/2010/main">
+        <mc:Choice Requires="p14">
           <p:contentPart p14:bwMode="auto" r:id="rId44">
             <p14:nvContentPartPr>
               <p14:cNvPr id="34" name="Ink 33">
@@ -7008,7 +7518,7 @@
             </p14:xfrm>
           </p:contentPart>
         </mc:Choice>
-        <mc:Fallback>
+        <mc:Fallback xmlns="">
           <p:pic>
             <p:nvPicPr>
               <p:cNvPr id="34" name="Ink 33">
@@ -7059,8 +7569,8 @@
             <a:chExt cx="4432320" cy="1962000"/>
           </a:xfrm>
         </p:grpSpPr>
-        <mc:AlternateContent xmlns:mc="http://schemas.openxmlformats.org/markup-compatibility/2006">
-          <mc:Choice xmlns:p14="http://schemas.microsoft.com/office/powerpoint/2010/main" Requires="p14">
+        <mc:AlternateContent xmlns:mc="http://schemas.openxmlformats.org/markup-compatibility/2006" xmlns:p14="http://schemas.microsoft.com/office/powerpoint/2010/main">
+          <mc:Choice Requires="p14">
             <p:contentPart p14:bwMode="auto" r:id="rId46">
               <p14:nvContentPartPr>
                 <p14:cNvPr id="35" name="Ink 34">
@@ -7079,7 +7589,7 @@
               </p14:xfrm>
             </p:contentPart>
           </mc:Choice>
-          <mc:Fallback>
+          <mc:Fallback xmlns="">
             <p:pic>
               <p:nvPicPr>
                 <p:cNvPr id="35" name="Ink 34">
@@ -7110,8 +7620,8 @@
             </p:pic>
           </mc:Fallback>
         </mc:AlternateContent>
-        <mc:AlternateContent xmlns:mc="http://schemas.openxmlformats.org/markup-compatibility/2006">
-          <mc:Choice xmlns:p14="http://schemas.microsoft.com/office/powerpoint/2010/main" Requires="p14">
+        <mc:AlternateContent xmlns:mc="http://schemas.openxmlformats.org/markup-compatibility/2006" xmlns:p14="http://schemas.microsoft.com/office/powerpoint/2010/main">
+          <mc:Choice Requires="p14">
             <p:contentPart p14:bwMode="auto" r:id="rId48">
               <p14:nvContentPartPr>
                 <p14:cNvPr id="36" name="Ink 35">
@@ -7130,7 +7640,7 @@
               </p14:xfrm>
             </p:contentPart>
           </mc:Choice>
-          <mc:Fallback>
+          <mc:Fallback xmlns="">
             <p:pic>
               <p:nvPicPr>
                 <p:cNvPr id="36" name="Ink 35">
@@ -7161,8 +7671,8 @@
             </p:pic>
           </mc:Fallback>
         </mc:AlternateContent>
-        <mc:AlternateContent xmlns:mc="http://schemas.openxmlformats.org/markup-compatibility/2006">
-          <mc:Choice xmlns:p14="http://schemas.microsoft.com/office/powerpoint/2010/main" Requires="p14">
+        <mc:AlternateContent xmlns:mc="http://schemas.openxmlformats.org/markup-compatibility/2006" xmlns:p14="http://schemas.microsoft.com/office/powerpoint/2010/main">
+          <mc:Choice Requires="p14">
             <p:contentPart p14:bwMode="auto" r:id="rId50">
               <p14:nvContentPartPr>
                 <p14:cNvPr id="38" name="Ink 37">
@@ -7181,7 +7691,7 @@
               </p14:xfrm>
             </p:contentPart>
           </mc:Choice>
-          <mc:Fallback>
+          <mc:Fallback xmlns="">
             <p:pic>
               <p:nvPicPr>
                 <p:cNvPr id="38" name="Ink 37">
@@ -7212,8 +7722,8 @@
             </p:pic>
           </mc:Fallback>
         </mc:AlternateContent>
-        <mc:AlternateContent xmlns:mc="http://schemas.openxmlformats.org/markup-compatibility/2006">
-          <mc:Choice xmlns:p14="http://schemas.microsoft.com/office/powerpoint/2010/main" Requires="p14">
+        <mc:AlternateContent xmlns:mc="http://schemas.openxmlformats.org/markup-compatibility/2006" xmlns:p14="http://schemas.microsoft.com/office/powerpoint/2010/main">
+          <mc:Choice Requires="p14">
             <p:contentPart p14:bwMode="auto" r:id="rId52">
               <p14:nvContentPartPr>
                 <p14:cNvPr id="40" name="Ink 39">
@@ -7232,7 +7742,7 @@
               </p14:xfrm>
             </p:contentPart>
           </mc:Choice>
-          <mc:Fallback>
+          <mc:Fallback xmlns="">
             <p:pic>
               <p:nvPicPr>
                 <p:cNvPr id="40" name="Ink 39">
@@ -7263,8 +7773,8 @@
             </p:pic>
           </mc:Fallback>
         </mc:AlternateContent>
-        <mc:AlternateContent xmlns:mc="http://schemas.openxmlformats.org/markup-compatibility/2006">
-          <mc:Choice xmlns:p14="http://schemas.microsoft.com/office/powerpoint/2010/main" Requires="p14">
+        <mc:AlternateContent xmlns:mc="http://schemas.openxmlformats.org/markup-compatibility/2006" xmlns:p14="http://schemas.microsoft.com/office/powerpoint/2010/main">
+          <mc:Choice Requires="p14">
             <p:contentPart p14:bwMode="auto" r:id="rId54">
               <p14:nvContentPartPr>
                 <p14:cNvPr id="41" name="Ink 40">
@@ -7283,7 +7793,7 @@
               </p14:xfrm>
             </p:contentPart>
           </mc:Choice>
-          <mc:Fallback>
+          <mc:Fallback xmlns="">
             <p:pic>
               <p:nvPicPr>
                 <p:cNvPr id="41" name="Ink 40">
@@ -7314,8 +7824,8 @@
             </p:pic>
           </mc:Fallback>
         </mc:AlternateContent>
-        <mc:AlternateContent xmlns:mc="http://schemas.openxmlformats.org/markup-compatibility/2006">
-          <mc:Choice xmlns:p14="http://schemas.microsoft.com/office/powerpoint/2010/main" Requires="p14">
+        <mc:AlternateContent xmlns:mc="http://schemas.openxmlformats.org/markup-compatibility/2006" xmlns:p14="http://schemas.microsoft.com/office/powerpoint/2010/main">
+          <mc:Choice Requires="p14">
             <p:contentPart p14:bwMode="auto" r:id="rId56">
               <p14:nvContentPartPr>
                 <p14:cNvPr id="42" name="Ink 41">
@@ -7334,7 +7844,7 @@
               </p14:xfrm>
             </p:contentPart>
           </mc:Choice>
-          <mc:Fallback>
+          <mc:Fallback xmlns="">
             <p:pic>
               <p:nvPicPr>
                 <p:cNvPr id="42" name="Ink 41">
@@ -7365,8 +7875,8 @@
             </p:pic>
           </mc:Fallback>
         </mc:AlternateContent>
-        <mc:AlternateContent xmlns:mc="http://schemas.openxmlformats.org/markup-compatibility/2006">
-          <mc:Choice xmlns:p14="http://schemas.microsoft.com/office/powerpoint/2010/main" Requires="p14">
+        <mc:AlternateContent xmlns:mc="http://schemas.openxmlformats.org/markup-compatibility/2006" xmlns:p14="http://schemas.microsoft.com/office/powerpoint/2010/main">
+          <mc:Choice Requires="p14">
             <p:contentPart p14:bwMode="auto" r:id="rId58">
               <p14:nvContentPartPr>
                 <p14:cNvPr id="43" name="Ink 42">
@@ -7385,7 +7895,7 @@
               </p14:xfrm>
             </p:contentPart>
           </mc:Choice>
-          <mc:Fallback>
+          <mc:Fallback xmlns="">
             <p:pic>
               <p:nvPicPr>
                 <p:cNvPr id="43" name="Ink 42">
@@ -7416,8 +7926,8 @@
             </p:pic>
           </mc:Fallback>
         </mc:AlternateContent>
-        <mc:AlternateContent xmlns:mc="http://schemas.openxmlformats.org/markup-compatibility/2006">
-          <mc:Choice xmlns:p14="http://schemas.microsoft.com/office/powerpoint/2010/main" Requires="p14">
+        <mc:AlternateContent xmlns:mc="http://schemas.openxmlformats.org/markup-compatibility/2006" xmlns:p14="http://schemas.microsoft.com/office/powerpoint/2010/main">
+          <mc:Choice Requires="p14">
             <p:contentPart p14:bwMode="auto" r:id="rId60">
               <p14:nvContentPartPr>
                 <p14:cNvPr id="45" name="Ink 44">
@@ -7436,7 +7946,7 @@
               </p14:xfrm>
             </p:contentPart>
           </mc:Choice>
-          <mc:Fallback>
+          <mc:Fallback xmlns="">
             <p:pic>
               <p:nvPicPr>
                 <p:cNvPr id="45" name="Ink 44">
@@ -7467,8 +7977,8 @@
             </p:pic>
           </mc:Fallback>
         </mc:AlternateContent>
-        <mc:AlternateContent xmlns:mc="http://schemas.openxmlformats.org/markup-compatibility/2006">
-          <mc:Choice xmlns:p14="http://schemas.microsoft.com/office/powerpoint/2010/main" Requires="p14">
+        <mc:AlternateContent xmlns:mc="http://schemas.openxmlformats.org/markup-compatibility/2006" xmlns:p14="http://schemas.microsoft.com/office/powerpoint/2010/main">
+          <mc:Choice Requires="p14">
             <p:contentPart p14:bwMode="auto" r:id="rId62">
               <p14:nvContentPartPr>
                 <p14:cNvPr id="46" name="Ink 45">
@@ -7487,7 +7997,7 @@
               </p14:xfrm>
             </p:contentPart>
           </mc:Choice>
-          <mc:Fallback>
+          <mc:Fallback xmlns="">
             <p:pic>
               <p:nvPicPr>
                 <p:cNvPr id="46" name="Ink 45">
@@ -7518,8 +8028,8 @@
             </p:pic>
           </mc:Fallback>
         </mc:AlternateContent>
-        <mc:AlternateContent xmlns:mc="http://schemas.openxmlformats.org/markup-compatibility/2006">
-          <mc:Choice xmlns:p14="http://schemas.microsoft.com/office/powerpoint/2010/main" Requires="p14">
+        <mc:AlternateContent xmlns:mc="http://schemas.openxmlformats.org/markup-compatibility/2006" xmlns:p14="http://schemas.microsoft.com/office/powerpoint/2010/main">
+          <mc:Choice Requires="p14">
             <p:contentPart p14:bwMode="auto" r:id="rId64">
               <p14:nvContentPartPr>
                 <p14:cNvPr id="47" name="Ink 46">
@@ -7538,7 +8048,7 @@
               </p14:xfrm>
             </p:contentPart>
           </mc:Choice>
-          <mc:Fallback>
+          <mc:Fallback xmlns="">
             <p:pic>
               <p:nvPicPr>
                 <p:cNvPr id="47" name="Ink 46">
@@ -7569,8 +8079,8 @@
             </p:pic>
           </mc:Fallback>
         </mc:AlternateContent>
-        <mc:AlternateContent xmlns:mc="http://schemas.openxmlformats.org/markup-compatibility/2006">
-          <mc:Choice xmlns:p14="http://schemas.microsoft.com/office/powerpoint/2010/main" Requires="p14">
+        <mc:AlternateContent xmlns:mc="http://schemas.openxmlformats.org/markup-compatibility/2006" xmlns:p14="http://schemas.microsoft.com/office/powerpoint/2010/main">
+          <mc:Choice Requires="p14">
             <p:contentPart p14:bwMode="auto" r:id="rId66">
               <p14:nvContentPartPr>
                 <p14:cNvPr id="49" name="Ink 48">
@@ -7589,7 +8099,7 @@
               </p14:xfrm>
             </p:contentPart>
           </mc:Choice>
-          <mc:Fallback>
+          <mc:Fallback xmlns="">
             <p:pic>
               <p:nvPicPr>
                 <p:cNvPr id="49" name="Ink 48">
@@ -7641,8 +8151,8 @@
             <a:chExt cx="1105200" cy="1252800"/>
           </a:xfrm>
         </p:grpSpPr>
-        <mc:AlternateContent xmlns:mc="http://schemas.openxmlformats.org/markup-compatibility/2006">
-          <mc:Choice xmlns:p14="http://schemas.microsoft.com/office/powerpoint/2010/main" Requires="p14">
+        <mc:AlternateContent xmlns:mc="http://schemas.openxmlformats.org/markup-compatibility/2006" xmlns:p14="http://schemas.microsoft.com/office/powerpoint/2010/main">
+          <mc:Choice Requires="p14">
             <p:contentPart p14:bwMode="auto" r:id="rId68">
               <p14:nvContentPartPr>
                 <p14:cNvPr id="57" name="Ink 56">
@@ -7661,7 +8171,7 @@
               </p14:xfrm>
             </p:contentPart>
           </mc:Choice>
-          <mc:Fallback>
+          <mc:Fallback xmlns="">
             <p:pic>
               <p:nvPicPr>
                 <p:cNvPr id="57" name="Ink 56">
@@ -7692,8 +8202,8 @@
             </p:pic>
           </mc:Fallback>
         </mc:AlternateContent>
-        <mc:AlternateContent xmlns:mc="http://schemas.openxmlformats.org/markup-compatibility/2006">
-          <mc:Choice xmlns:p14="http://schemas.microsoft.com/office/powerpoint/2010/main" Requires="p14">
+        <mc:AlternateContent xmlns:mc="http://schemas.openxmlformats.org/markup-compatibility/2006" xmlns:p14="http://schemas.microsoft.com/office/powerpoint/2010/main">
+          <mc:Choice Requires="p14">
             <p:contentPart p14:bwMode="auto" r:id="rId70">
               <p14:nvContentPartPr>
                 <p14:cNvPr id="58" name="Ink 57">
@@ -7712,7 +8222,7 @@
               </p14:xfrm>
             </p:contentPart>
           </mc:Choice>
-          <mc:Fallback>
+          <mc:Fallback xmlns="">
             <p:pic>
               <p:nvPicPr>
                 <p:cNvPr id="58" name="Ink 57">
@@ -7743,8 +8253,8 @@
             </p:pic>
           </mc:Fallback>
         </mc:AlternateContent>
-        <mc:AlternateContent xmlns:mc="http://schemas.openxmlformats.org/markup-compatibility/2006">
-          <mc:Choice xmlns:p14="http://schemas.microsoft.com/office/powerpoint/2010/main" Requires="p14">
+        <mc:AlternateContent xmlns:mc="http://schemas.openxmlformats.org/markup-compatibility/2006" xmlns:p14="http://schemas.microsoft.com/office/powerpoint/2010/main">
+          <mc:Choice Requires="p14">
             <p:contentPart p14:bwMode="auto" r:id="rId72">
               <p14:nvContentPartPr>
                 <p14:cNvPr id="61" name="Ink 60">
@@ -7763,7 +8273,7 @@
               </p14:xfrm>
             </p:contentPart>
           </mc:Choice>
-          <mc:Fallback>
+          <mc:Fallback xmlns="">
             <p:pic>
               <p:nvPicPr>
                 <p:cNvPr id="61" name="Ink 60">
@@ -7794,8 +8304,8 @@
             </p:pic>
           </mc:Fallback>
         </mc:AlternateContent>
-        <mc:AlternateContent xmlns:mc="http://schemas.openxmlformats.org/markup-compatibility/2006">
-          <mc:Choice xmlns:p14="http://schemas.microsoft.com/office/powerpoint/2010/main" Requires="p14">
+        <mc:AlternateContent xmlns:mc="http://schemas.openxmlformats.org/markup-compatibility/2006" xmlns:p14="http://schemas.microsoft.com/office/powerpoint/2010/main">
+          <mc:Choice Requires="p14">
             <p:contentPart p14:bwMode="auto" r:id="rId74">
               <p14:nvContentPartPr>
                 <p14:cNvPr id="63" name="Ink 62">
@@ -7814,7 +8324,7 @@
               </p14:xfrm>
             </p:contentPart>
           </mc:Choice>
-          <mc:Fallback>
+          <mc:Fallback xmlns="">
             <p:pic>
               <p:nvPicPr>
                 <p:cNvPr id="63" name="Ink 62">
@@ -7845,8 +8355,8 @@
             </p:pic>
           </mc:Fallback>
         </mc:AlternateContent>
-        <mc:AlternateContent xmlns:mc="http://schemas.openxmlformats.org/markup-compatibility/2006">
-          <mc:Choice xmlns:p14="http://schemas.microsoft.com/office/powerpoint/2010/main" Requires="p14">
+        <mc:AlternateContent xmlns:mc="http://schemas.openxmlformats.org/markup-compatibility/2006" xmlns:p14="http://schemas.microsoft.com/office/powerpoint/2010/main">
+          <mc:Choice Requires="p14">
             <p:contentPart p14:bwMode="auto" r:id="rId76">
               <p14:nvContentPartPr>
                 <p14:cNvPr id="65" name="Ink 64">
@@ -7865,7 +8375,7 @@
               </p14:xfrm>
             </p:contentPart>
           </mc:Choice>
-          <mc:Fallback>
+          <mc:Fallback xmlns="">
             <p:pic>
               <p:nvPicPr>
                 <p:cNvPr id="65" name="Ink 64">
@@ -7917,8 +8427,8 @@
             <a:chExt cx="3174840" cy="3690360"/>
           </a:xfrm>
         </p:grpSpPr>
-        <mc:AlternateContent xmlns:mc="http://schemas.openxmlformats.org/markup-compatibility/2006">
-          <mc:Choice xmlns:p14="http://schemas.microsoft.com/office/powerpoint/2010/main" Requires="p14">
+        <mc:AlternateContent xmlns:mc="http://schemas.openxmlformats.org/markup-compatibility/2006" xmlns:p14="http://schemas.microsoft.com/office/powerpoint/2010/main">
+          <mc:Choice Requires="p14">
             <p:contentPart p14:bwMode="auto" r:id="rId78">
               <p14:nvContentPartPr>
                 <p14:cNvPr id="67" name="Ink 66">
@@ -7937,7 +8447,7 @@
               </p14:xfrm>
             </p:contentPart>
           </mc:Choice>
-          <mc:Fallback>
+          <mc:Fallback xmlns="">
             <p:pic>
               <p:nvPicPr>
                 <p:cNvPr id="67" name="Ink 66">
@@ -7968,8 +8478,8 @@
             </p:pic>
           </mc:Fallback>
         </mc:AlternateContent>
-        <mc:AlternateContent xmlns:mc="http://schemas.openxmlformats.org/markup-compatibility/2006">
-          <mc:Choice xmlns:p14="http://schemas.microsoft.com/office/powerpoint/2010/main" Requires="p14">
+        <mc:AlternateContent xmlns:mc="http://schemas.openxmlformats.org/markup-compatibility/2006" xmlns:p14="http://schemas.microsoft.com/office/powerpoint/2010/main">
+          <mc:Choice Requires="p14">
             <p:contentPart p14:bwMode="auto" r:id="rId80">
               <p14:nvContentPartPr>
                 <p14:cNvPr id="68" name="Ink 67">
@@ -7988,7 +8498,7 @@
               </p14:xfrm>
             </p:contentPart>
           </mc:Choice>
-          <mc:Fallback>
+          <mc:Fallback xmlns="">
             <p:pic>
               <p:nvPicPr>
                 <p:cNvPr id="68" name="Ink 67">
@@ -8019,8 +8529,8 @@
             </p:pic>
           </mc:Fallback>
         </mc:AlternateContent>
-        <mc:AlternateContent xmlns:mc="http://schemas.openxmlformats.org/markup-compatibility/2006">
-          <mc:Choice xmlns:p14="http://schemas.microsoft.com/office/powerpoint/2010/main" Requires="p14">
+        <mc:AlternateContent xmlns:mc="http://schemas.openxmlformats.org/markup-compatibility/2006" xmlns:p14="http://schemas.microsoft.com/office/powerpoint/2010/main">
+          <mc:Choice Requires="p14">
             <p:contentPart p14:bwMode="auto" r:id="rId82">
               <p14:nvContentPartPr>
                 <p14:cNvPr id="70" name="Ink 69">
@@ -8039,7 +8549,7 @@
               </p14:xfrm>
             </p:contentPart>
           </mc:Choice>
-          <mc:Fallback>
+          <mc:Fallback xmlns="">
             <p:pic>
               <p:nvPicPr>
                 <p:cNvPr id="70" name="Ink 69">
@@ -8070,8 +8580,8 @@
             </p:pic>
           </mc:Fallback>
         </mc:AlternateContent>
-        <mc:AlternateContent xmlns:mc="http://schemas.openxmlformats.org/markup-compatibility/2006">
-          <mc:Choice xmlns:p14="http://schemas.microsoft.com/office/powerpoint/2010/main" Requires="p14">
+        <mc:AlternateContent xmlns:mc="http://schemas.openxmlformats.org/markup-compatibility/2006" xmlns:p14="http://schemas.microsoft.com/office/powerpoint/2010/main">
+          <mc:Choice Requires="p14">
             <p:contentPart p14:bwMode="auto" r:id="rId84">
               <p14:nvContentPartPr>
                 <p14:cNvPr id="71" name="Ink 70">
@@ -8090,7 +8600,7 @@
               </p14:xfrm>
             </p:contentPart>
           </mc:Choice>
-          <mc:Fallback>
+          <mc:Fallback xmlns="">
             <p:pic>
               <p:nvPicPr>
                 <p:cNvPr id="71" name="Ink 70">
@@ -8121,8 +8631,8 @@
             </p:pic>
           </mc:Fallback>
         </mc:AlternateContent>
-        <mc:AlternateContent xmlns:mc="http://schemas.openxmlformats.org/markup-compatibility/2006">
-          <mc:Choice xmlns:p14="http://schemas.microsoft.com/office/powerpoint/2010/main" Requires="p14">
+        <mc:AlternateContent xmlns:mc="http://schemas.openxmlformats.org/markup-compatibility/2006" xmlns:p14="http://schemas.microsoft.com/office/powerpoint/2010/main">
+          <mc:Choice Requires="p14">
             <p:contentPart p14:bwMode="auto" r:id="rId86">
               <p14:nvContentPartPr>
                 <p14:cNvPr id="72" name="Ink 71">
@@ -8141,7 +8651,7 @@
               </p14:xfrm>
             </p:contentPart>
           </mc:Choice>
-          <mc:Fallback>
+          <mc:Fallback xmlns="">
             <p:pic>
               <p:nvPicPr>
                 <p:cNvPr id="72" name="Ink 71">
@@ -8172,8 +8682,8 @@
             </p:pic>
           </mc:Fallback>
         </mc:AlternateContent>
-        <mc:AlternateContent xmlns:mc="http://schemas.openxmlformats.org/markup-compatibility/2006">
-          <mc:Choice xmlns:p14="http://schemas.microsoft.com/office/powerpoint/2010/main" Requires="p14">
+        <mc:AlternateContent xmlns:mc="http://schemas.openxmlformats.org/markup-compatibility/2006" xmlns:p14="http://schemas.microsoft.com/office/powerpoint/2010/main">
+          <mc:Choice Requires="p14">
             <p:contentPart p14:bwMode="auto" r:id="rId88">
               <p14:nvContentPartPr>
                 <p14:cNvPr id="73" name="Ink 72">
@@ -8192,7 +8702,7 @@
               </p14:xfrm>
             </p:contentPart>
           </mc:Choice>
-          <mc:Fallback>
+          <mc:Fallback xmlns="">
             <p:pic>
               <p:nvPicPr>
                 <p:cNvPr id="73" name="Ink 72">
@@ -8223,8 +8733,8 @@
             </p:pic>
           </mc:Fallback>
         </mc:AlternateContent>
-        <mc:AlternateContent xmlns:mc="http://schemas.openxmlformats.org/markup-compatibility/2006">
-          <mc:Choice xmlns:p14="http://schemas.microsoft.com/office/powerpoint/2010/main" Requires="p14">
+        <mc:AlternateContent xmlns:mc="http://schemas.openxmlformats.org/markup-compatibility/2006" xmlns:p14="http://schemas.microsoft.com/office/powerpoint/2010/main">
+          <mc:Choice Requires="p14">
             <p:contentPart p14:bwMode="auto" r:id="rId90">
               <p14:nvContentPartPr>
                 <p14:cNvPr id="74" name="Ink 73">
@@ -8243,7 +8753,7 @@
               </p14:xfrm>
             </p:contentPart>
           </mc:Choice>
-          <mc:Fallback>
+          <mc:Fallback xmlns="">
             <p:pic>
               <p:nvPicPr>
                 <p:cNvPr id="74" name="Ink 73">
@@ -8274,8 +8784,8 @@
             </p:pic>
           </mc:Fallback>
         </mc:AlternateContent>
-        <mc:AlternateContent xmlns:mc="http://schemas.openxmlformats.org/markup-compatibility/2006">
-          <mc:Choice xmlns:p14="http://schemas.microsoft.com/office/powerpoint/2010/main" Requires="p14">
+        <mc:AlternateContent xmlns:mc="http://schemas.openxmlformats.org/markup-compatibility/2006" xmlns:p14="http://schemas.microsoft.com/office/powerpoint/2010/main">
+          <mc:Choice Requires="p14">
             <p:contentPart p14:bwMode="auto" r:id="rId92">
               <p14:nvContentPartPr>
                 <p14:cNvPr id="76" name="Ink 75">
@@ -8294,7 +8804,7 @@
               </p14:xfrm>
             </p:contentPart>
           </mc:Choice>
-          <mc:Fallback>
+          <mc:Fallback xmlns="">
             <p:pic>
               <p:nvPicPr>
                 <p:cNvPr id="76" name="Ink 75">
@@ -8325,8 +8835,8 @@
             </p:pic>
           </mc:Fallback>
         </mc:AlternateContent>
-        <mc:AlternateContent xmlns:mc="http://schemas.openxmlformats.org/markup-compatibility/2006">
-          <mc:Choice xmlns:p14="http://schemas.microsoft.com/office/powerpoint/2010/main" Requires="p14">
+        <mc:AlternateContent xmlns:mc="http://schemas.openxmlformats.org/markup-compatibility/2006" xmlns:p14="http://schemas.microsoft.com/office/powerpoint/2010/main">
+          <mc:Choice Requires="p14">
             <p:contentPart p14:bwMode="auto" r:id="rId94">
               <p14:nvContentPartPr>
                 <p14:cNvPr id="78" name="Ink 77">
@@ -8345,7 +8855,7 @@
               </p14:xfrm>
             </p:contentPart>
           </mc:Choice>
-          <mc:Fallback>
+          <mc:Fallback xmlns="">
             <p:pic>
               <p:nvPicPr>
                 <p:cNvPr id="78" name="Ink 77">
@@ -8376,8 +8886,8 @@
             </p:pic>
           </mc:Fallback>
         </mc:AlternateContent>
-        <mc:AlternateContent xmlns:mc="http://schemas.openxmlformats.org/markup-compatibility/2006">
-          <mc:Choice xmlns:p14="http://schemas.microsoft.com/office/powerpoint/2010/main" Requires="p14">
+        <mc:AlternateContent xmlns:mc="http://schemas.openxmlformats.org/markup-compatibility/2006" xmlns:p14="http://schemas.microsoft.com/office/powerpoint/2010/main">
+          <mc:Choice Requires="p14">
             <p:contentPart p14:bwMode="auto" r:id="rId96">
               <p14:nvContentPartPr>
                 <p14:cNvPr id="80" name="Ink 79">
@@ -8396,7 +8906,7 @@
               </p14:xfrm>
             </p:contentPart>
           </mc:Choice>
-          <mc:Fallback>
+          <mc:Fallback xmlns="">
             <p:pic>
               <p:nvPicPr>
                 <p:cNvPr id="80" name="Ink 79">
@@ -8427,8 +8937,8 @@
             </p:pic>
           </mc:Fallback>
         </mc:AlternateContent>
-        <mc:AlternateContent xmlns:mc="http://schemas.openxmlformats.org/markup-compatibility/2006">
-          <mc:Choice xmlns:p14="http://schemas.microsoft.com/office/powerpoint/2010/main" Requires="p14">
+        <mc:AlternateContent xmlns:mc="http://schemas.openxmlformats.org/markup-compatibility/2006" xmlns:p14="http://schemas.microsoft.com/office/powerpoint/2010/main">
+          <mc:Choice Requires="p14">
             <p:contentPart p14:bwMode="auto" r:id="rId98">
               <p14:nvContentPartPr>
                 <p14:cNvPr id="82" name="Ink 81">
@@ -8447,7 +8957,7 @@
               </p14:xfrm>
             </p:contentPart>
           </mc:Choice>
-          <mc:Fallback>
+          <mc:Fallback xmlns="">
             <p:pic>
               <p:nvPicPr>
                 <p:cNvPr id="82" name="Ink 81">
@@ -8478,8 +8988,8 @@
             </p:pic>
           </mc:Fallback>
         </mc:AlternateContent>
-        <mc:AlternateContent xmlns:mc="http://schemas.openxmlformats.org/markup-compatibility/2006">
-          <mc:Choice xmlns:p14="http://schemas.microsoft.com/office/powerpoint/2010/main" Requires="p14">
+        <mc:AlternateContent xmlns:mc="http://schemas.openxmlformats.org/markup-compatibility/2006" xmlns:p14="http://schemas.microsoft.com/office/powerpoint/2010/main">
+          <mc:Choice Requires="p14">
             <p:contentPart p14:bwMode="auto" r:id="rId100">
               <p14:nvContentPartPr>
                 <p14:cNvPr id="84" name="Ink 83">
@@ -8498,7 +9008,7 @@
               </p14:xfrm>
             </p:contentPart>
           </mc:Choice>
-          <mc:Fallback>
+          <mc:Fallback xmlns="">
             <p:pic>
               <p:nvPicPr>
                 <p:cNvPr id="84" name="Ink 83">
@@ -8529,8 +9039,8 @@
             </p:pic>
           </mc:Fallback>
         </mc:AlternateContent>
-        <mc:AlternateContent xmlns:mc="http://schemas.openxmlformats.org/markup-compatibility/2006">
-          <mc:Choice xmlns:p14="http://schemas.microsoft.com/office/powerpoint/2010/main" Requires="p14">
+        <mc:AlternateContent xmlns:mc="http://schemas.openxmlformats.org/markup-compatibility/2006" xmlns:p14="http://schemas.microsoft.com/office/powerpoint/2010/main">
+          <mc:Choice Requires="p14">
             <p:contentPart p14:bwMode="auto" r:id="rId102">
               <p14:nvContentPartPr>
                 <p14:cNvPr id="86" name="Ink 85">
@@ -8549,7 +9059,7 @@
               </p14:xfrm>
             </p:contentPart>
           </mc:Choice>
-          <mc:Fallback>
+          <mc:Fallback xmlns="">
             <p:pic>
               <p:nvPicPr>
                 <p:cNvPr id="86" name="Ink 85">
@@ -8601,8 +9111,8 @@
             <a:chExt cx="425520" cy="532080"/>
           </a:xfrm>
         </p:grpSpPr>
-        <mc:AlternateContent xmlns:mc="http://schemas.openxmlformats.org/markup-compatibility/2006">
-          <mc:Choice xmlns:p14="http://schemas.microsoft.com/office/powerpoint/2010/main" Requires="p14">
+        <mc:AlternateContent xmlns:mc="http://schemas.openxmlformats.org/markup-compatibility/2006" xmlns:p14="http://schemas.microsoft.com/office/powerpoint/2010/main">
+          <mc:Choice Requires="p14">
             <p:contentPart p14:bwMode="auto" r:id="rId104">
               <p14:nvContentPartPr>
                 <p14:cNvPr id="88" name="Ink 87">
@@ -8621,7 +9131,7 @@
               </p14:xfrm>
             </p:contentPart>
           </mc:Choice>
-          <mc:Fallback>
+          <mc:Fallback xmlns="">
             <p:pic>
               <p:nvPicPr>
                 <p:cNvPr id="88" name="Ink 87">
@@ -8652,8 +9162,8 @@
             </p:pic>
           </mc:Fallback>
         </mc:AlternateContent>
-        <mc:AlternateContent xmlns:mc="http://schemas.openxmlformats.org/markup-compatibility/2006">
-          <mc:Choice xmlns:p14="http://schemas.microsoft.com/office/powerpoint/2010/main" Requires="p14">
+        <mc:AlternateContent xmlns:mc="http://schemas.openxmlformats.org/markup-compatibility/2006" xmlns:p14="http://schemas.microsoft.com/office/powerpoint/2010/main">
+          <mc:Choice Requires="p14">
             <p:contentPart p14:bwMode="auto" r:id="rId106">
               <p14:nvContentPartPr>
                 <p14:cNvPr id="89" name="Ink 88">
@@ -8672,7 +9182,7 @@
               </p14:xfrm>
             </p:contentPart>
           </mc:Choice>
-          <mc:Fallback>
+          <mc:Fallback xmlns="">
             <p:pic>
               <p:nvPicPr>
                 <p:cNvPr id="89" name="Ink 88">
@@ -8704,8 +9214,8 @@
           </mc:Fallback>
         </mc:AlternateContent>
       </p:grpSp>
-      <mc:AlternateContent xmlns:mc="http://schemas.openxmlformats.org/markup-compatibility/2006">
-        <mc:Choice xmlns:p14="http://schemas.microsoft.com/office/powerpoint/2010/main" Requires="p14">
+      <mc:AlternateContent xmlns:mc="http://schemas.openxmlformats.org/markup-compatibility/2006" xmlns:p14="http://schemas.microsoft.com/office/powerpoint/2010/main">
+        <mc:Choice Requires="p14">
           <p:contentPart p14:bwMode="auto" r:id="rId108">
             <p14:nvContentPartPr>
               <p14:cNvPr id="91" name="Ink 90">
@@ -8724,7 +9234,7 @@
             </p14:xfrm>
           </p:contentPart>
         </mc:Choice>
-        <mc:Fallback>
+        <mc:Fallback xmlns="">
           <p:pic>
             <p:nvPicPr>
               <p:cNvPr id="91" name="Ink 90">
@@ -8775,8 +9285,8 @@
             <a:chExt cx="1923480" cy="577800"/>
           </a:xfrm>
         </p:grpSpPr>
-        <mc:AlternateContent xmlns:mc="http://schemas.openxmlformats.org/markup-compatibility/2006">
-          <mc:Choice xmlns:p14="http://schemas.microsoft.com/office/powerpoint/2010/main" Requires="p14">
+        <mc:AlternateContent xmlns:mc="http://schemas.openxmlformats.org/markup-compatibility/2006" xmlns:p14="http://schemas.microsoft.com/office/powerpoint/2010/main">
+          <mc:Choice Requires="p14">
             <p:contentPart p14:bwMode="auto" r:id="rId110">
               <p14:nvContentPartPr>
                 <p14:cNvPr id="92" name="Ink 91">
@@ -8795,7 +9305,7 @@
               </p14:xfrm>
             </p:contentPart>
           </mc:Choice>
-          <mc:Fallback>
+          <mc:Fallback xmlns="">
             <p:pic>
               <p:nvPicPr>
                 <p:cNvPr id="92" name="Ink 91">
@@ -8826,8 +9336,8 @@
             </p:pic>
           </mc:Fallback>
         </mc:AlternateContent>
-        <mc:AlternateContent xmlns:mc="http://schemas.openxmlformats.org/markup-compatibility/2006">
-          <mc:Choice xmlns:p14="http://schemas.microsoft.com/office/powerpoint/2010/main" Requires="p14">
+        <mc:AlternateContent xmlns:mc="http://schemas.openxmlformats.org/markup-compatibility/2006" xmlns:p14="http://schemas.microsoft.com/office/powerpoint/2010/main">
+          <mc:Choice Requires="p14">
             <p:contentPart p14:bwMode="auto" r:id="rId112">
               <p14:nvContentPartPr>
                 <p14:cNvPr id="93" name="Ink 92">
@@ -8846,7 +9356,7 @@
               </p14:xfrm>
             </p:contentPart>
           </mc:Choice>
-          <mc:Fallback>
+          <mc:Fallback xmlns="">
             <p:pic>
               <p:nvPicPr>
                 <p:cNvPr id="93" name="Ink 92">
@@ -8877,8 +9387,8 @@
             </p:pic>
           </mc:Fallback>
         </mc:AlternateContent>
-        <mc:AlternateContent xmlns:mc="http://schemas.openxmlformats.org/markup-compatibility/2006">
-          <mc:Choice xmlns:p14="http://schemas.microsoft.com/office/powerpoint/2010/main" Requires="p14">
+        <mc:AlternateContent xmlns:mc="http://schemas.openxmlformats.org/markup-compatibility/2006" xmlns:p14="http://schemas.microsoft.com/office/powerpoint/2010/main">
+          <mc:Choice Requires="p14">
             <p:contentPart p14:bwMode="auto" r:id="rId113">
               <p14:nvContentPartPr>
                 <p14:cNvPr id="94" name="Ink 93">
@@ -8897,7 +9407,7 @@
               </p14:xfrm>
             </p:contentPart>
           </mc:Choice>
-          <mc:Fallback>
+          <mc:Fallback xmlns="">
             <p:pic>
               <p:nvPicPr>
                 <p:cNvPr id="94" name="Ink 93">
@@ -8928,8 +9438,8 @@
             </p:pic>
           </mc:Fallback>
         </mc:AlternateContent>
-        <mc:AlternateContent xmlns:mc="http://schemas.openxmlformats.org/markup-compatibility/2006">
-          <mc:Choice xmlns:p14="http://schemas.microsoft.com/office/powerpoint/2010/main" Requires="p14">
+        <mc:AlternateContent xmlns:mc="http://schemas.openxmlformats.org/markup-compatibility/2006" xmlns:p14="http://schemas.microsoft.com/office/powerpoint/2010/main">
+          <mc:Choice Requires="p14">
             <p:contentPart p14:bwMode="auto" r:id="rId115">
               <p14:nvContentPartPr>
                 <p14:cNvPr id="95" name="Ink 94">
@@ -8948,7 +9458,7 @@
               </p14:xfrm>
             </p:contentPart>
           </mc:Choice>
-          <mc:Fallback>
+          <mc:Fallback xmlns="">
             <p:pic>
               <p:nvPicPr>
                 <p:cNvPr id="95" name="Ink 94">
@@ -8979,8 +9489,8 @@
             </p:pic>
           </mc:Fallback>
         </mc:AlternateContent>
-        <mc:AlternateContent xmlns:mc="http://schemas.openxmlformats.org/markup-compatibility/2006">
-          <mc:Choice xmlns:p14="http://schemas.microsoft.com/office/powerpoint/2010/main" Requires="p14">
+        <mc:AlternateContent xmlns:mc="http://schemas.openxmlformats.org/markup-compatibility/2006" xmlns:p14="http://schemas.microsoft.com/office/powerpoint/2010/main">
+          <mc:Choice Requires="p14">
             <p:contentPart p14:bwMode="auto" r:id="rId117">
               <p14:nvContentPartPr>
                 <p14:cNvPr id="97" name="Ink 96">
@@ -8999,7 +9509,7 @@
               </p14:xfrm>
             </p:contentPart>
           </mc:Choice>
-          <mc:Fallback>
+          <mc:Fallback xmlns="">
             <p:pic>
               <p:nvPicPr>
                 <p:cNvPr id="97" name="Ink 96">
@@ -9030,8 +9540,8 @@
             </p:pic>
           </mc:Fallback>
         </mc:AlternateContent>
-        <mc:AlternateContent xmlns:mc="http://schemas.openxmlformats.org/markup-compatibility/2006">
-          <mc:Choice xmlns:p14="http://schemas.microsoft.com/office/powerpoint/2010/main" Requires="p14">
+        <mc:AlternateContent xmlns:mc="http://schemas.openxmlformats.org/markup-compatibility/2006" xmlns:p14="http://schemas.microsoft.com/office/powerpoint/2010/main">
+          <mc:Choice Requires="p14">
             <p:contentPart p14:bwMode="auto" r:id="rId119">
               <p14:nvContentPartPr>
                 <p14:cNvPr id="99" name="Ink 98">
@@ -9050,7 +9560,7 @@
               </p14:xfrm>
             </p:contentPart>
           </mc:Choice>
-          <mc:Fallback>
+          <mc:Fallback xmlns="">
             <p:pic>
               <p:nvPicPr>
                 <p:cNvPr id="99" name="Ink 98">
@@ -9081,8 +9591,8 @@
             </p:pic>
           </mc:Fallback>
         </mc:AlternateContent>
-        <mc:AlternateContent xmlns:mc="http://schemas.openxmlformats.org/markup-compatibility/2006">
-          <mc:Choice xmlns:p14="http://schemas.microsoft.com/office/powerpoint/2010/main" Requires="p14">
+        <mc:AlternateContent xmlns:mc="http://schemas.openxmlformats.org/markup-compatibility/2006" xmlns:p14="http://schemas.microsoft.com/office/powerpoint/2010/main">
+          <mc:Choice Requires="p14">
             <p:contentPart p14:bwMode="auto" r:id="rId120">
               <p14:nvContentPartPr>
                 <p14:cNvPr id="100" name="Ink 99">
@@ -9101,7 +9611,7 @@
               </p14:xfrm>
             </p:contentPart>
           </mc:Choice>
-          <mc:Fallback>
+          <mc:Fallback xmlns="">
             <p:pic>
               <p:nvPicPr>
                 <p:cNvPr id="100" name="Ink 99">
@@ -9132,8 +9642,8 @@
             </p:pic>
           </mc:Fallback>
         </mc:AlternateContent>
-        <mc:AlternateContent xmlns:mc="http://schemas.openxmlformats.org/markup-compatibility/2006">
-          <mc:Choice xmlns:p14="http://schemas.microsoft.com/office/powerpoint/2010/main" Requires="p14">
+        <mc:AlternateContent xmlns:mc="http://schemas.openxmlformats.org/markup-compatibility/2006" xmlns:p14="http://schemas.microsoft.com/office/powerpoint/2010/main">
+          <mc:Choice Requires="p14">
             <p:contentPart p14:bwMode="auto" r:id="rId122">
               <p14:nvContentPartPr>
                 <p14:cNvPr id="102" name="Ink 101">
@@ -9152,7 +9662,7 @@
               </p14:xfrm>
             </p:contentPart>
           </mc:Choice>
-          <mc:Fallback>
+          <mc:Fallback xmlns="">
             <p:pic>
               <p:nvPicPr>
                 <p:cNvPr id="102" name="Ink 101">
@@ -9204,8 +9714,8 @@
             <a:chExt cx="970560" cy="3398040"/>
           </a:xfrm>
         </p:grpSpPr>
-        <mc:AlternateContent xmlns:mc="http://schemas.openxmlformats.org/markup-compatibility/2006">
-          <mc:Choice xmlns:p14="http://schemas.microsoft.com/office/powerpoint/2010/main" Requires="p14">
+        <mc:AlternateContent xmlns:mc="http://schemas.openxmlformats.org/markup-compatibility/2006" xmlns:p14="http://schemas.microsoft.com/office/powerpoint/2010/main">
+          <mc:Choice Requires="p14">
             <p:contentPart p14:bwMode="auto" r:id="rId124">
               <p14:nvContentPartPr>
                 <p14:cNvPr id="51" name="Ink 50">
@@ -9224,7 +9734,7 @@
               </p14:xfrm>
             </p:contentPart>
           </mc:Choice>
-          <mc:Fallback>
+          <mc:Fallback xmlns="">
             <p:pic>
               <p:nvPicPr>
                 <p:cNvPr id="51" name="Ink 50">
@@ -9255,8 +9765,8 @@
             </p:pic>
           </mc:Fallback>
         </mc:AlternateContent>
-        <mc:AlternateContent xmlns:mc="http://schemas.openxmlformats.org/markup-compatibility/2006">
-          <mc:Choice xmlns:p14="http://schemas.microsoft.com/office/powerpoint/2010/main" Requires="p14">
+        <mc:AlternateContent xmlns:mc="http://schemas.openxmlformats.org/markup-compatibility/2006" xmlns:p14="http://schemas.microsoft.com/office/powerpoint/2010/main">
+          <mc:Choice Requires="p14">
             <p:contentPart p14:bwMode="auto" r:id="rId126">
               <p14:nvContentPartPr>
                 <p14:cNvPr id="52" name="Ink 51">
@@ -9275,7 +9785,7 @@
               </p14:xfrm>
             </p:contentPart>
           </mc:Choice>
-          <mc:Fallback>
+          <mc:Fallback xmlns="">
             <p:pic>
               <p:nvPicPr>
                 <p:cNvPr id="52" name="Ink 51">
@@ -9306,8 +9816,8 @@
             </p:pic>
           </mc:Fallback>
         </mc:AlternateContent>
-        <mc:AlternateContent xmlns:mc="http://schemas.openxmlformats.org/markup-compatibility/2006">
-          <mc:Choice xmlns:p14="http://schemas.microsoft.com/office/powerpoint/2010/main" Requires="p14">
+        <mc:AlternateContent xmlns:mc="http://schemas.openxmlformats.org/markup-compatibility/2006" xmlns:p14="http://schemas.microsoft.com/office/powerpoint/2010/main">
+          <mc:Choice Requires="p14">
             <p:contentPart p14:bwMode="auto" r:id="rId128">
               <p14:nvContentPartPr>
                 <p14:cNvPr id="54" name="Ink 53">
@@ -9326,7 +9836,7 @@
               </p14:xfrm>
             </p:contentPart>
           </mc:Choice>
-          <mc:Fallback>
+          <mc:Fallback xmlns="">
             <p:pic>
               <p:nvPicPr>
                 <p:cNvPr id="54" name="Ink 53">
@@ -9357,8 +9867,8 @@
             </p:pic>
           </mc:Fallback>
         </mc:AlternateContent>
-        <mc:AlternateContent xmlns:mc="http://schemas.openxmlformats.org/markup-compatibility/2006">
-          <mc:Choice xmlns:p14="http://schemas.microsoft.com/office/powerpoint/2010/main" Requires="p14">
+        <mc:AlternateContent xmlns:mc="http://schemas.openxmlformats.org/markup-compatibility/2006" xmlns:p14="http://schemas.microsoft.com/office/powerpoint/2010/main">
+          <mc:Choice Requires="p14">
             <p:contentPart p14:bwMode="auto" r:id="rId130">
               <p14:nvContentPartPr>
                 <p14:cNvPr id="104" name="Ink 103">
@@ -9377,7 +9887,7 @@
               </p14:xfrm>
             </p:contentPart>
           </mc:Choice>
-          <mc:Fallback>
+          <mc:Fallback xmlns="">
             <p:pic>
               <p:nvPicPr>
                 <p:cNvPr id="104" name="Ink 103">
@@ -9409,8 +9919,8 @@
           </mc:Fallback>
         </mc:AlternateContent>
       </p:grpSp>
-      <mc:AlternateContent xmlns:mc="http://schemas.openxmlformats.org/markup-compatibility/2006">
-        <mc:Choice xmlns:p14="http://schemas.microsoft.com/office/powerpoint/2010/main" Requires="p14">
+      <mc:AlternateContent xmlns:mc="http://schemas.openxmlformats.org/markup-compatibility/2006" xmlns:p14="http://schemas.microsoft.com/office/powerpoint/2010/main">
+        <mc:Choice Requires="p14">
           <p:contentPart p14:bwMode="auto" r:id="rId132">
             <p14:nvContentPartPr>
               <p14:cNvPr id="106" name="Ink 105">
@@ -9429,7 +9939,7 @@
             </p14:xfrm>
           </p:contentPart>
         </mc:Choice>
-        <mc:Fallback>
+        <mc:Fallback xmlns="">
           <p:pic>
             <p:nvPicPr>
               <p:cNvPr id="106" name="Ink 105">
@@ -9460,8 +9970,8 @@
           </p:pic>
         </mc:Fallback>
       </mc:AlternateContent>
-      <mc:AlternateContent xmlns:mc="http://schemas.openxmlformats.org/markup-compatibility/2006">
-        <mc:Choice xmlns:p14="http://schemas.microsoft.com/office/powerpoint/2010/main" Requires="p14">
+      <mc:AlternateContent xmlns:mc="http://schemas.openxmlformats.org/markup-compatibility/2006" xmlns:p14="http://schemas.microsoft.com/office/powerpoint/2010/main">
+        <mc:Choice Requires="p14">
           <p:contentPart p14:bwMode="auto" r:id="rId134">
             <p14:nvContentPartPr>
               <p14:cNvPr id="107" name="Ink 106">
@@ -9480,7 +9990,7 @@
             </p14:xfrm>
           </p:contentPart>
         </mc:Choice>
-        <mc:Fallback>
+        <mc:Fallback xmlns="">
           <p:pic>
             <p:nvPicPr>
               <p:cNvPr id="107" name="Ink 106">
@@ -9531,8 +10041,8 @@
             <a:chExt cx="663120" cy="556560"/>
           </a:xfrm>
         </p:grpSpPr>
-        <mc:AlternateContent xmlns:mc="http://schemas.openxmlformats.org/markup-compatibility/2006">
-          <mc:Choice xmlns:p14="http://schemas.microsoft.com/office/powerpoint/2010/main" Requires="p14">
+        <mc:AlternateContent xmlns:mc="http://schemas.openxmlformats.org/markup-compatibility/2006" xmlns:p14="http://schemas.microsoft.com/office/powerpoint/2010/main">
+          <mc:Choice Requires="p14">
             <p:contentPart p14:bwMode="auto" r:id="rId136">
               <p14:nvContentPartPr>
                 <p14:cNvPr id="108" name="Ink 107">
@@ -9551,7 +10061,7 @@
               </p14:xfrm>
             </p:contentPart>
           </mc:Choice>
-          <mc:Fallback>
+          <mc:Fallback xmlns="">
             <p:pic>
               <p:nvPicPr>
                 <p:cNvPr id="108" name="Ink 107">
@@ -9582,8 +10092,8 @@
             </p:pic>
           </mc:Fallback>
         </mc:AlternateContent>
-        <mc:AlternateContent xmlns:mc="http://schemas.openxmlformats.org/markup-compatibility/2006">
-          <mc:Choice xmlns:p14="http://schemas.microsoft.com/office/powerpoint/2010/main" Requires="p14">
+        <mc:AlternateContent xmlns:mc="http://schemas.openxmlformats.org/markup-compatibility/2006" xmlns:p14="http://schemas.microsoft.com/office/powerpoint/2010/main">
+          <mc:Choice Requires="p14">
             <p:contentPart p14:bwMode="auto" r:id="rId138">
               <p14:nvContentPartPr>
                 <p14:cNvPr id="109" name="Ink 108">
@@ -9602,7 +10112,7 @@
               </p14:xfrm>
             </p:contentPart>
           </mc:Choice>
-          <mc:Fallback>
+          <mc:Fallback xmlns="">
             <p:pic>
               <p:nvPicPr>
                 <p:cNvPr id="109" name="Ink 108">
@@ -9633,8 +10143,8 @@
             </p:pic>
           </mc:Fallback>
         </mc:AlternateContent>
-        <mc:AlternateContent xmlns:mc="http://schemas.openxmlformats.org/markup-compatibility/2006">
-          <mc:Choice xmlns:p14="http://schemas.microsoft.com/office/powerpoint/2010/main" Requires="p14">
+        <mc:AlternateContent xmlns:mc="http://schemas.openxmlformats.org/markup-compatibility/2006" xmlns:p14="http://schemas.microsoft.com/office/powerpoint/2010/main">
+          <mc:Choice Requires="p14">
             <p:contentPart p14:bwMode="auto" r:id="rId139">
               <p14:nvContentPartPr>
                 <p14:cNvPr id="111" name="Ink 110">
@@ -9653,7 +10163,7 @@
               </p14:xfrm>
             </p:contentPart>
           </mc:Choice>
-          <mc:Fallback>
+          <mc:Fallback xmlns="">
             <p:pic>
               <p:nvPicPr>
                 <p:cNvPr id="111" name="Ink 110">
@@ -9684,8 +10194,8 @@
             </p:pic>
           </mc:Fallback>
         </mc:AlternateContent>
-        <mc:AlternateContent xmlns:mc="http://schemas.openxmlformats.org/markup-compatibility/2006">
-          <mc:Choice xmlns:p14="http://schemas.microsoft.com/office/powerpoint/2010/main" Requires="p14">
+        <mc:AlternateContent xmlns:mc="http://schemas.openxmlformats.org/markup-compatibility/2006" xmlns:p14="http://schemas.microsoft.com/office/powerpoint/2010/main">
+          <mc:Choice Requires="p14">
             <p:contentPart p14:bwMode="auto" r:id="rId141">
               <p14:nvContentPartPr>
                 <p14:cNvPr id="112" name="Ink 111">
@@ -9704,7 +10214,7 @@
               </p14:xfrm>
             </p:contentPart>
           </mc:Choice>
-          <mc:Fallback>
+          <mc:Fallback xmlns="">
             <p:pic>
               <p:nvPicPr>
                 <p:cNvPr id="112" name="Ink 111">
@@ -9810,8 +10320,8 @@
           </a:p>
         </p:txBody>
       </p:sp>
-      <mc:AlternateContent xmlns:mc="http://schemas.openxmlformats.org/markup-compatibility/2006">
-        <mc:Choice xmlns:p14="http://schemas.microsoft.com/office/powerpoint/2010/main" Requires="p14">
+      <mc:AlternateContent xmlns:mc="http://schemas.openxmlformats.org/markup-compatibility/2006" xmlns:p14="http://schemas.microsoft.com/office/powerpoint/2010/main">
+        <mc:Choice Requires="p14">
           <p:contentPart p14:bwMode="auto" r:id="rId143">
             <p14:nvContentPartPr>
               <p14:cNvPr id="115" name="Ink 114">
@@ -9830,7 +10340,7 @@
             </p14:xfrm>
           </p:contentPart>
         </mc:Choice>
-        <mc:Fallback>
+        <mc:Fallback xmlns="">
           <p:pic>
             <p:nvPicPr>
               <p:cNvPr id="115" name="Ink 114">
@@ -9861,8 +10371,8 @@
           </p:pic>
         </mc:Fallback>
       </mc:AlternateContent>
-      <mc:AlternateContent xmlns:mc="http://schemas.openxmlformats.org/markup-compatibility/2006">
-        <mc:Choice xmlns:p14="http://schemas.microsoft.com/office/powerpoint/2010/main" Requires="p14">
+      <mc:AlternateContent xmlns:mc="http://schemas.openxmlformats.org/markup-compatibility/2006" xmlns:p14="http://schemas.microsoft.com/office/powerpoint/2010/main">
+        <mc:Choice Requires="p14">
           <p:contentPart p14:bwMode="auto" r:id="rId145">
             <p14:nvContentPartPr>
               <p14:cNvPr id="116" name="Ink 115">
@@ -9881,7 +10391,7 @@
             </p14:xfrm>
           </p:contentPart>
         </mc:Choice>
-        <mc:Fallback>
+        <mc:Fallback xmlns="">
           <p:pic>
             <p:nvPicPr>
               <p:cNvPr id="116" name="Ink 115">
@@ -9972,8 +10482,8 @@
           </a:prstGeom>
         </p:spPr>
       </p:pic>
-      <mc:AlternateContent xmlns:mc="http://schemas.openxmlformats.org/markup-compatibility/2006">
-        <mc:Choice xmlns:p14="http://schemas.microsoft.com/office/powerpoint/2010/main" Requires="p14">
+      <mc:AlternateContent xmlns:mc="http://schemas.openxmlformats.org/markup-compatibility/2006" xmlns:p14="http://schemas.microsoft.com/office/powerpoint/2010/main">
+        <mc:Choice Requires="p14">
           <p:contentPart p14:bwMode="auto" r:id="rId3">
             <p14:nvContentPartPr>
               <p14:cNvPr id="6" name="Ink 5">
@@ -9992,7 +10502,7 @@
             </p14:xfrm>
           </p:contentPart>
         </mc:Choice>
-        <mc:Fallback>
+        <mc:Fallback xmlns="">
           <p:pic>
             <p:nvPicPr>
               <p:cNvPr id="6" name="Ink 5">
@@ -10023,8 +10533,8 @@
           </p:pic>
         </mc:Fallback>
       </mc:AlternateContent>
-      <mc:AlternateContent xmlns:mc="http://schemas.openxmlformats.org/markup-compatibility/2006">
-        <mc:Choice xmlns:p14="http://schemas.microsoft.com/office/powerpoint/2010/main" Requires="p14">
+      <mc:AlternateContent xmlns:mc="http://schemas.openxmlformats.org/markup-compatibility/2006" xmlns:p14="http://schemas.microsoft.com/office/powerpoint/2010/main">
+        <mc:Choice Requires="p14">
           <p:contentPart p14:bwMode="auto" r:id="rId5">
             <p14:nvContentPartPr>
               <p14:cNvPr id="7" name="Ink 6">
@@ -10043,7 +10553,7 @@
             </p14:xfrm>
           </p:contentPart>
         </mc:Choice>
-        <mc:Fallback>
+        <mc:Fallback xmlns="">
           <p:pic>
             <p:nvPicPr>
               <p:cNvPr id="7" name="Ink 6">
@@ -10074,8 +10584,8 @@
           </p:pic>
         </mc:Fallback>
       </mc:AlternateContent>
-      <mc:AlternateContent xmlns:mc="http://schemas.openxmlformats.org/markup-compatibility/2006">
-        <mc:Choice xmlns:p14="http://schemas.microsoft.com/office/powerpoint/2010/main" Requires="p14">
+      <mc:AlternateContent xmlns:mc="http://schemas.openxmlformats.org/markup-compatibility/2006" xmlns:p14="http://schemas.microsoft.com/office/powerpoint/2010/main">
+        <mc:Choice Requires="p14">
           <p:contentPart p14:bwMode="auto" r:id="rId7">
             <p14:nvContentPartPr>
               <p14:cNvPr id="8" name="Ink 7">
@@ -10094,7 +10604,7 @@
             </p14:xfrm>
           </p:contentPart>
         </mc:Choice>
-        <mc:Fallback>
+        <mc:Fallback xmlns="">
           <p:pic>
             <p:nvPicPr>
               <p:cNvPr id="8" name="Ink 7">
@@ -10125,8 +10635,8 @@
           </p:pic>
         </mc:Fallback>
       </mc:AlternateContent>
-      <mc:AlternateContent xmlns:mc="http://schemas.openxmlformats.org/markup-compatibility/2006">
-        <mc:Choice xmlns:p14="http://schemas.microsoft.com/office/powerpoint/2010/main" Requires="p14">
+      <mc:AlternateContent xmlns:mc="http://schemas.openxmlformats.org/markup-compatibility/2006" xmlns:p14="http://schemas.microsoft.com/office/powerpoint/2010/main">
+        <mc:Choice Requires="p14">
           <p:contentPart p14:bwMode="auto" r:id="rId9">
             <p14:nvContentPartPr>
               <p14:cNvPr id="9" name="Ink 8">
@@ -10145,7 +10655,7 @@
             </p14:xfrm>
           </p:contentPart>
         </mc:Choice>
-        <mc:Fallback>
+        <mc:Fallback xmlns="">
           <p:pic>
             <p:nvPicPr>
               <p:cNvPr id="9" name="Ink 8">
@@ -10176,8 +10686,8 @@
           </p:pic>
         </mc:Fallback>
       </mc:AlternateContent>
-      <mc:AlternateContent xmlns:mc="http://schemas.openxmlformats.org/markup-compatibility/2006">
-        <mc:Choice xmlns:p14="http://schemas.microsoft.com/office/powerpoint/2010/main" Requires="p14">
+      <mc:AlternateContent xmlns:mc="http://schemas.openxmlformats.org/markup-compatibility/2006" xmlns:p14="http://schemas.microsoft.com/office/powerpoint/2010/main">
+        <mc:Choice Requires="p14">
           <p:contentPart p14:bwMode="auto" r:id="rId11">
             <p14:nvContentPartPr>
               <p14:cNvPr id="10" name="Ink 9">
@@ -10196,7 +10706,7 @@
             </p14:xfrm>
           </p:contentPart>
         </mc:Choice>
-        <mc:Fallback>
+        <mc:Fallback xmlns="">
           <p:pic>
             <p:nvPicPr>
               <p:cNvPr id="10" name="Ink 9">
@@ -10227,8 +10737,8 @@
           </p:pic>
         </mc:Fallback>
       </mc:AlternateContent>
-      <mc:AlternateContent xmlns:mc="http://schemas.openxmlformats.org/markup-compatibility/2006">
-        <mc:Choice xmlns:p14="http://schemas.microsoft.com/office/powerpoint/2010/main" Requires="p14">
+      <mc:AlternateContent xmlns:mc="http://schemas.openxmlformats.org/markup-compatibility/2006" xmlns:p14="http://schemas.microsoft.com/office/powerpoint/2010/main">
+        <mc:Choice Requires="p14">
           <p:contentPart p14:bwMode="auto" r:id="rId13">
             <p14:nvContentPartPr>
               <p14:cNvPr id="11" name="Ink 10">
@@ -10247,7 +10757,7 @@
             </p14:xfrm>
           </p:contentPart>
         </mc:Choice>
-        <mc:Fallback>
+        <mc:Fallback xmlns="">
           <p:pic>
             <p:nvPicPr>
               <p:cNvPr id="11" name="Ink 10">
@@ -10278,8 +10788,8 @@
           </p:pic>
         </mc:Fallback>
       </mc:AlternateContent>
-      <mc:AlternateContent xmlns:mc="http://schemas.openxmlformats.org/markup-compatibility/2006">
-        <mc:Choice xmlns:p14="http://schemas.microsoft.com/office/powerpoint/2010/main" Requires="p14">
+      <mc:AlternateContent xmlns:mc="http://schemas.openxmlformats.org/markup-compatibility/2006" xmlns:p14="http://schemas.microsoft.com/office/powerpoint/2010/main">
+        <mc:Choice Requires="p14">
           <p:contentPart p14:bwMode="auto" r:id="rId15">
             <p14:nvContentPartPr>
               <p14:cNvPr id="12" name="Ink 11">
@@ -10298,7 +10808,7 @@
             </p14:xfrm>
           </p:contentPart>
         </mc:Choice>
-        <mc:Fallback>
+        <mc:Fallback xmlns="">
           <p:pic>
             <p:nvPicPr>
               <p:cNvPr id="12" name="Ink 11">
@@ -10329,8 +10839,8 @@
           </p:pic>
         </mc:Fallback>
       </mc:AlternateContent>
-      <mc:AlternateContent xmlns:mc="http://schemas.openxmlformats.org/markup-compatibility/2006">
-        <mc:Choice xmlns:p14="http://schemas.microsoft.com/office/powerpoint/2010/main" Requires="p14">
+      <mc:AlternateContent xmlns:mc="http://schemas.openxmlformats.org/markup-compatibility/2006" xmlns:p14="http://schemas.microsoft.com/office/powerpoint/2010/main">
+        <mc:Choice Requires="p14">
           <p:contentPart p14:bwMode="auto" r:id="rId17">
             <p14:nvContentPartPr>
               <p14:cNvPr id="13" name="Ink 12">
@@ -10349,7 +10859,7 @@
             </p14:xfrm>
           </p:contentPart>
         </mc:Choice>
-        <mc:Fallback>
+        <mc:Fallback xmlns="">
           <p:pic>
             <p:nvPicPr>
               <p:cNvPr id="13" name="Ink 12">
@@ -10457,8 +10967,8 @@
           </a:p>
         </p:txBody>
       </p:sp>
-      <mc:AlternateContent xmlns:mc="http://schemas.openxmlformats.org/markup-compatibility/2006">
-        <mc:Choice xmlns:p14="http://schemas.microsoft.com/office/powerpoint/2010/main" Requires="p14">
+      <mc:AlternateContent xmlns:mc="http://schemas.openxmlformats.org/markup-compatibility/2006" xmlns:p14="http://schemas.microsoft.com/office/powerpoint/2010/main">
+        <mc:Choice Requires="p14">
           <p:contentPart p14:bwMode="auto" r:id="rId19">
             <p14:nvContentPartPr>
               <p14:cNvPr id="15" name="Ink 14">
@@ -10477,7 +10987,7 @@
             </p14:xfrm>
           </p:contentPart>
         </mc:Choice>
-        <mc:Fallback>
+        <mc:Fallback xmlns="">
           <p:pic>
             <p:nvPicPr>
               <p:cNvPr id="15" name="Ink 14">
@@ -10508,8 +11018,8 @@
           </p:pic>
         </mc:Fallback>
       </mc:AlternateContent>
-      <mc:AlternateContent xmlns:mc="http://schemas.openxmlformats.org/markup-compatibility/2006">
-        <mc:Choice xmlns:p14="http://schemas.microsoft.com/office/powerpoint/2010/main" Requires="p14">
+      <mc:AlternateContent xmlns:mc="http://schemas.openxmlformats.org/markup-compatibility/2006" xmlns:p14="http://schemas.microsoft.com/office/powerpoint/2010/main">
+        <mc:Choice Requires="p14">
           <p:contentPart p14:bwMode="auto" r:id="rId21">
             <p14:nvContentPartPr>
               <p14:cNvPr id="16" name="Ink 15">
@@ -10528,7 +11038,7 @@
             </p14:xfrm>
           </p:contentPart>
         </mc:Choice>
-        <mc:Fallback>
+        <mc:Fallback xmlns="">
           <p:pic>
             <p:nvPicPr>
               <p:cNvPr id="16" name="Ink 15">
@@ -10559,8 +11069,8 @@
           </p:pic>
         </mc:Fallback>
       </mc:AlternateContent>
-      <mc:AlternateContent xmlns:mc="http://schemas.openxmlformats.org/markup-compatibility/2006">
-        <mc:Choice xmlns:p14="http://schemas.microsoft.com/office/powerpoint/2010/main" Requires="p14">
+      <mc:AlternateContent xmlns:mc="http://schemas.openxmlformats.org/markup-compatibility/2006" xmlns:p14="http://schemas.microsoft.com/office/powerpoint/2010/main">
+        <mc:Choice Requires="p14">
           <p:contentPart p14:bwMode="auto" r:id="rId23">
             <p14:nvContentPartPr>
               <p14:cNvPr id="17" name="Ink 16">
@@ -10579,7 +11089,7 @@
             </p14:xfrm>
           </p:contentPart>
         </mc:Choice>
-        <mc:Fallback>
+        <mc:Fallback xmlns="">
           <p:pic>
             <p:nvPicPr>
               <p:cNvPr id="17" name="Ink 16">
@@ -10610,8 +11120,8 @@
           </p:pic>
         </mc:Fallback>
       </mc:AlternateContent>
-      <mc:AlternateContent xmlns:mc="http://schemas.openxmlformats.org/markup-compatibility/2006">
-        <mc:Choice xmlns:p14="http://schemas.microsoft.com/office/powerpoint/2010/main" Requires="p14">
+      <mc:AlternateContent xmlns:mc="http://schemas.openxmlformats.org/markup-compatibility/2006" xmlns:p14="http://schemas.microsoft.com/office/powerpoint/2010/main">
+        <mc:Choice Requires="p14">
           <p:contentPart p14:bwMode="auto" r:id="rId25">
             <p14:nvContentPartPr>
               <p14:cNvPr id="18" name="Ink 17">
@@ -10630,7 +11140,7 @@
             </p14:xfrm>
           </p:contentPart>
         </mc:Choice>
-        <mc:Fallback>
+        <mc:Fallback xmlns="">
           <p:pic>
             <p:nvPicPr>
               <p:cNvPr id="18" name="Ink 17">
@@ -11517,164 +12027,12 @@
           </a:p>
         </p:txBody>
       </p:sp>
-      <p:cxnSp>
-        <p:nvCxnSpPr>
-          <p:cNvPr id="68" name="Curved Connector 67">
-            <a:extLst>
-              <a:ext uri="{FF2B5EF4-FFF2-40B4-BE49-F238E27FC236}">
-                <a16:creationId xmlns:a16="http://schemas.microsoft.com/office/drawing/2014/main" id="{0D9AA982-1E9A-3160-3449-7B8EF6A10590}"/>
-              </a:ext>
-            </a:extLst>
-          </p:cNvPr>
-          <p:cNvCxnSpPr>
-            <a:cxnSpLocks/>
-            <a:stCxn id="5" idx="7"/>
-            <a:endCxn id="5" idx="0"/>
-          </p:cNvCxnSpPr>
-          <p:nvPr/>
-        </p:nvCxnSpPr>
-        <p:spPr>
-          <a:xfrm rot="16200000" flipV="1">
-            <a:off x="1457203" y="1200022"/>
-            <a:ext cx="105442" cy="254558"/>
-          </a:xfrm>
-          <a:prstGeom prst="curvedConnector3">
-            <a:avLst>
-              <a:gd name="adj1" fmla="val 462857"/>
-            </a:avLst>
-          </a:prstGeom>
-          <a:ln>
-            <a:tailEnd type="triangle"/>
-          </a:ln>
-        </p:spPr>
-        <p:style>
-          <a:lnRef idx="2">
-            <a:schemeClr val="accent1"/>
-          </a:lnRef>
-          <a:fillRef idx="0">
-            <a:schemeClr val="accent1"/>
-          </a:fillRef>
-          <a:effectRef idx="1">
-            <a:schemeClr val="accent1"/>
-          </a:effectRef>
-          <a:fontRef idx="minor">
-            <a:schemeClr val="tx1"/>
-          </a:fontRef>
-        </p:style>
-      </p:cxnSp>
       <p:sp>
         <p:nvSpPr>
-          <p:cNvPr id="72" name="TextBox 71">
-            <a:extLst>
-              <a:ext uri="{FF2B5EF4-FFF2-40B4-BE49-F238E27FC236}">
-                <a16:creationId xmlns:a16="http://schemas.microsoft.com/office/drawing/2014/main" id="{8E5B186E-38B1-5429-AC5C-F6D7EF9AFF20}"/>
-              </a:ext>
-            </a:extLst>
-          </p:cNvPr>
-          <p:cNvSpPr txBox="1"/>
-          <p:nvPr/>
-        </p:nvSpPr>
-        <p:spPr>
-          <a:xfrm>
-            <a:off x="6246401" y="497945"/>
-            <a:ext cx="1474186" cy="2031325"/>
-          </a:xfrm>
-          <a:prstGeom prst="rect">
-            <a:avLst/>
-          </a:prstGeom>
-          <a:noFill/>
-        </p:spPr>
-        <p:txBody>
-          <a:bodyPr wrap="none" rtlCol="0">
-            <a:spAutoFit/>
-          </a:bodyPr>
-          <a:lstStyle/>
-          <a:p>
-            <a:r>
-              <a:rPr lang="en-US" dirty="0" err="1"/>
-              <a:t>Visted</a:t>
-            </a:r>
-            <a:r>
-              <a:rPr lang="en-US" dirty="0"/>
-              <a:t> nodes</a:t>
-            </a:r>
-          </a:p>
-          <a:p>
-            <a:endParaRPr lang="en-US" dirty="0"/>
-          </a:p>
-          <a:p>
-            <a:r>
-              <a:rPr lang="en-US" dirty="0"/>
-              <a:t>A</a:t>
-            </a:r>
-          </a:p>
-          <a:p>
-            <a:endParaRPr lang="en-US" dirty="0"/>
-          </a:p>
-          <a:p>
-            <a:r>
-              <a:rPr lang="en-US" dirty="0"/>
-              <a:t>B C</a:t>
-            </a:r>
-          </a:p>
-          <a:p>
-            <a:endParaRPr lang="en-US" dirty="0"/>
-          </a:p>
-          <a:p>
-            <a:r>
-              <a:rPr lang="en-US" dirty="0"/>
-              <a:t>D E</a:t>
-            </a:r>
-          </a:p>
-        </p:txBody>
-      </p:sp>
-      <p:sp>
-        <p:nvSpPr>
-          <p:cNvPr id="73" name="TextBox 72">
-            <a:extLst>
-              <a:ext uri="{FF2B5EF4-FFF2-40B4-BE49-F238E27FC236}">
-                <a16:creationId xmlns:a16="http://schemas.microsoft.com/office/drawing/2014/main" id="{ABE16499-628B-5AFE-DA0B-339DE1022CFF}"/>
-              </a:ext>
-            </a:extLst>
-          </p:cNvPr>
-          <p:cNvSpPr txBox="1"/>
-          <p:nvPr/>
-        </p:nvSpPr>
-        <p:spPr>
-          <a:xfrm>
-            <a:off x="9327832" y="5056643"/>
-            <a:ext cx="853119" cy="923330"/>
-          </a:xfrm>
-          <a:prstGeom prst="rect">
-            <a:avLst/>
-          </a:prstGeom>
-          <a:noFill/>
-        </p:spPr>
-        <p:txBody>
-          <a:bodyPr wrap="none" rtlCol="0">
-            <a:spAutoFit/>
-          </a:bodyPr>
-          <a:lstStyle/>
-          <a:p>
-            <a:r>
-              <a:rPr lang="en-US" dirty="0"/>
-              <a:t>Queue</a:t>
-            </a:r>
-          </a:p>
-          <a:p>
-            <a:endParaRPr lang="en-US" dirty="0"/>
-          </a:p>
-          <a:p>
-            <a:endParaRPr lang="en-US" dirty="0"/>
-          </a:p>
-        </p:txBody>
-      </p:sp>
-      <p:sp>
-        <p:nvSpPr>
-          <p:cNvPr id="74" name="Oval 73">
-            <a:extLst>
-              <a:ext uri="{FF2B5EF4-FFF2-40B4-BE49-F238E27FC236}">
-                <a16:creationId xmlns:a16="http://schemas.microsoft.com/office/drawing/2014/main" id="{F8E73136-33CB-6485-9D37-ECD12DA49BDD}"/>
+          <p:cNvPr id="2" name="Triangle 1">
+            <a:extLst>
+              <a:ext uri="{FF2B5EF4-FFF2-40B4-BE49-F238E27FC236}">
+                <a16:creationId xmlns:a16="http://schemas.microsoft.com/office/drawing/2014/main" id="{F6F95D77-D30D-B7B7-C5B1-2A1643BA4EED}"/>
               </a:ext>
             </a:extLst>
           </p:cNvPr>
@@ -11683,12 +12041,15 @@
         </p:nvSpPr>
         <p:spPr>
           <a:xfrm>
-            <a:off x="10449355" y="2130001"/>
-            <a:ext cx="720000" cy="720000"/>
+            <a:off x="581891" y="1788995"/>
+            <a:ext cx="332509" cy="485717"/>
           </a:xfrm>
-          <a:prstGeom prst="ellipse">
+          <a:prstGeom prst="triangle">
             <a:avLst/>
           </a:prstGeom>
+          <a:solidFill>
+            <a:schemeClr val="accent2"/>
+          </a:solidFill>
         </p:spPr>
         <p:style>
           <a:lnRef idx="2">
@@ -11711,19 +12072,16 @@
           <a:lstStyle/>
           <a:p>
             <a:pPr algn="ctr"/>
-            <a:r>
-              <a:rPr lang="en-US" sz="2400" b="1" dirty="0"/>
-              <a:t>A</a:t>
-            </a:r>
+            <a:endParaRPr lang="en-US"/>
           </a:p>
         </p:txBody>
       </p:sp>
       <p:sp>
         <p:nvSpPr>
-          <p:cNvPr id="75" name="Oval 74">
-            <a:extLst>
-              <a:ext uri="{FF2B5EF4-FFF2-40B4-BE49-F238E27FC236}">
-                <a16:creationId xmlns:a16="http://schemas.microsoft.com/office/drawing/2014/main" id="{ED34FF24-8CC0-5F2B-4C74-39E6B51E1624}"/>
+          <p:cNvPr id="3" name="Triangle 2">
+            <a:extLst>
+              <a:ext uri="{FF2B5EF4-FFF2-40B4-BE49-F238E27FC236}">
+                <a16:creationId xmlns:a16="http://schemas.microsoft.com/office/drawing/2014/main" id="{38228A7C-32E5-AC3A-17B6-785360914B70}"/>
               </a:ext>
             </a:extLst>
           </p:cNvPr>
@@ -11732,12 +12090,15 @@
         </p:nvSpPr>
         <p:spPr>
           <a:xfrm>
-            <a:off x="9579315" y="3210808"/>
-            <a:ext cx="720000" cy="720000"/>
+            <a:off x="9101242" y="1607585"/>
+            <a:ext cx="332509" cy="485717"/>
           </a:xfrm>
-          <a:prstGeom prst="ellipse">
+          <a:prstGeom prst="triangle">
             <a:avLst/>
           </a:prstGeom>
+          <a:solidFill>
+            <a:schemeClr val="accent6"/>
+          </a:solidFill>
         </p:spPr>
         <p:style>
           <a:lnRef idx="2">
@@ -11760,398 +12121,7 @@
           <a:lstStyle/>
           <a:p>
             <a:pPr algn="ctr"/>
-            <a:r>
-              <a:rPr lang="en-US" sz="2400" b="1" dirty="0"/>
-              <a:t>B</a:t>
-            </a:r>
-          </a:p>
-        </p:txBody>
-      </p:sp>
-      <p:sp>
-        <p:nvSpPr>
-          <p:cNvPr id="76" name="Oval 75">
-            <a:extLst>
-              <a:ext uri="{FF2B5EF4-FFF2-40B4-BE49-F238E27FC236}">
-                <a16:creationId xmlns:a16="http://schemas.microsoft.com/office/drawing/2014/main" id="{418F1E3C-2709-3602-FDE2-B1C845E96E45}"/>
-              </a:ext>
-            </a:extLst>
-          </p:cNvPr>
-          <p:cNvSpPr/>
-          <p:nvPr/>
-        </p:nvSpPr>
-        <p:spPr>
-          <a:xfrm>
-            <a:off x="11169355" y="3218593"/>
-            <a:ext cx="720000" cy="720000"/>
-          </a:xfrm>
-          <a:prstGeom prst="ellipse">
-            <a:avLst/>
-          </a:prstGeom>
-        </p:spPr>
-        <p:style>
-          <a:lnRef idx="2">
-            <a:schemeClr val="accent1">
-              <a:shade val="15000"/>
-            </a:schemeClr>
-          </a:lnRef>
-          <a:fillRef idx="1">
-            <a:schemeClr val="accent1"/>
-          </a:fillRef>
-          <a:effectRef idx="0">
-            <a:schemeClr val="accent1"/>
-          </a:effectRef>
-          <a:fontRef idx="minor">
-            <a:schemeClr val="lt1"/>
-          </a:fontRef>
-        </p:style>
-        <p:txBody>
-          <a:bodyPr rtlCol="0" anchor="ctr"/>
-          <a:lstStyle/>
-          <a:p>
-            <a:pPr algn="ctr"/>
-            <a:r>
-              <a:rPr lang="en-US" sz="2400" b="1" dirty="0"/>
-              <a:t>C</a:t>
-            </a:r>
-          </a:p>
-        </p:txBody>
-      </p:sp>
-      <p:cxnSp>
-        <p:nvCxnSpPr>
-          <p:cNvPr id="77" name="Straight Arrow Connector 76">
-            <a:extLst>
-              <a:ext uri="{FF2B5EF4-FFF2-40B4-BE49-F238E27FC236}">
-                <a16:creationId xmlns:a16="http://schemas.microsoft.com/office/drawing/2014/main" id="{EBC773A9-42C8-047C-834B-24CDDD617EDB}"/>
-              </a:ext>
-            </a:extLst>
-          </p:cNvPr>
-          <p:cNvCxnSpPr>
-            <a:cxnSpLocks/>
-            <a:stCxn id="74" idx="3"/>
-            <a:endCxn id="75" idx="0"/>
-          </p:cNvCxnSpPr>
-          <p:nvPr/>
-        </p:nvCxnSpPr>
-        <p:spPr>
-          <a:xfrm flipH="1">
-            <a:off x="9939315" y="2744559"/>
-            <a:ext cx="615482" cy="466249"/>
-          </a:xfrm>
-          <a:prstGeom prst="straightConnector1">
-            <a:avLst/>
-          </a:prstGeom>
-          <a:ln w="38100">
-            <a:tailEnd type="triangle"/>
-          </a:ln>
-        </p:spPr>
-        <p:style>
-          <a:lnRef idx="2">
-            <a:schemeClr val="accent1"/>
-          </a:lnRef>
-          <a:fillRef idx="0">
-            <a:schemeClr val="accent1"/>
-          </a:fillRef>
-          <a:effectRef idx="1">
-            <a:schemeClr val="accent1"/>
-          </a:effectRef>
-          <a:fontRef idx="minor">
-            <a:schemeClr val="tx1"/>
-          </a:fontRef>
-        </p:style>
-      </p:cxnSp>
-      <p:cxnSp>
-        <p:nvCxnSpPr>
-          <p:cNvPr id="80" name="Straight Arrow Connector 79">
-            <a:extLst>
-              <a:ext uri="{FF2B5EF4-FFF2-40B4-BE49-F238E27FC236}">
-                <a16:creationId xmlns:a16="http://schemas.microsoft.com/office/drawing/2014/main" id="{1EB76294-ABD2-4C77-E260-F4B51A316A60}"/>
-              </a:ext>
-            </a:extLst>
-          </p:cNvPr>
-          <p:cNvCxnSpPr>
-            <a:cxnSpLocks/>
-            <a:stCxn id="74" idx="5"/>
-            <a:endCxn id="76" idx="0"/>
-          </p:cNvCxnSpPr>
-          <p:nvPr/>
-        </p:nvCxnSpPr>
-        <p:spPr>
-          <a:xfrm>
-            <a:off x="11063913" y="2744559"/>
-            <a:ext cx="465442" cy="474034"/>
-          </a:xfrm>
-          <a:prstGeom prst="straightConnector1">
-            <a:avLst/>
-          </a:prstGeom>
-          <a:ln w="38100">
-            <a:tailEnd type="triangle"/>
-          </a:ln>
-        </p:spPr>
-        <p:style>
-          <a:lnRef idx="2">
-            <a:schemeClr val="accent1"/>
-          </a:lnRef>
-          <a:fillRef idx="0">
-            <a:schemeClr val="accent1"/>
-          </a:fillRef>
-          <a:effectRef idx="1">
-            <a:schemeClr val="accent1"/>
-          </a:effectRef>
-          <a:fontRef idx="minor">
-            <a:schemeClr val="tx1"/>
-          </a:fontRef>
-        </p:style>
-      </p:cxnSp>
-      <p:sp>
-        <p:nvSpPr>
-          <p:cNvPr id="83" name="Oval 82">
-            <a:extLst>
-              <a:ext uri="{FF2B5EF4-FFF2-40B4-BE49-F238E27FC236}">
-                <a16:creationId xmlns:a16="http://schemas.microsoft.com/office/drawing/2014/main" id="{645C65BA-7094-E447-DBC9-FB159CFDE6D9}"/>
-              </a:ext>
-            </a:extLst>
-          </p:cNvPr>
-          <p:cNvSpPr/>
-          <p:nvPr/>
-        </p:nvSpPr>
-        <p:spPr>
-          <a:xfrm>
-            <a:off x="8907497" y="4291239"/>
-            <a:ext cx="720000" cy="720000"/>
-          </a:xfrm>
-          <a:prstGeom prst="ellipse">
-            <a:avLst/>
-          </a:prstGeom>
-        </p:spPr>
-        <p:style>
-          <a:lnRef idx="2">
-            <a:schemeClr val="accent1">
-              <a:shade val="15000"/>
-            </a:schemeClr>
-          </a:lnRef>
-          <a:fillRef idx="1">
-            <a:schemeClr val="accent1"/>
-          </a:fillRef>
-          <a:effectRef idx="0">
-            <a:schemeClr val="accent1"/>
-          </a:effectRef>
-          <a:fontRef idx="minor">
-            <a:schemeClr val="lt1"/>
-          </a:fontRef>
-        </p:style>
-        <p:txBody>
-          <a:bodyPr rtlCol="0" anchor="ctr"/>
-          <a:lstStyle/>
-          <a:p>
-            <a:pPr algn="ctr"/>
-            <a:r>
-              <a:rPr lang="en-US" sz="2400" b="1" dirty="0"/>
-              <a:t>D</a:t>
-            </a:r>
-          </a:p>
-        </p:txBody>
-      </p:sp>
-      <p:cxnSp>
-        <p:nvCxnSpPr>
-          <p:cNvPr id="84" name="Straight Arrow Connector 83">
-            <a:extLst>
-              <a:ext uri="{FF2B5EF4-FFF2-40B4-BE49-F238E27FC236}">
-                <a16:creationId xmlns:a16="http://schemas.microsoft.com/office/drawing/2014/main" id="{3BD5F1A9-9DEA-33DC-05DF-43A1E27B40B2}"/>
-              </a:ext>
-            </a:extLst>
-          </p:cNvPr>
-          <p:cNvCxnSpPr>
-            <a:cxnSpLocks/>
-            <a:endCxn id="83" idx="0"/>
-          </p:cNvCxnSpPr>
-          <p:nvPr/>
-        </p:nvCxnSpPr>
-        <p:spPr>
-          <a:xfrm flipH="1">
-            <a:off x="9267497" y="3824990"/>
-            <a:ext cx="615482" cy="466249"/>
-          </a:xfrm>
-          <a:prstGeom prst="straightConnector1">
-            <a:avLst/>
-          </a:prstGeom>
-          <a:ln w="38100">
-            <a:tailEnd type="triangle"/>
-          </a:ln>
-        </p:spPr>
-        <p:style>
-          <a:lnRef idx="2">
-            <a:schemeClr val="accent1"/>
-          </a:lnRef>
-          <a:fillRef idx="0">
-            <a:schemeClr val="accent1"/>
-          </a:fillRef>
-          <a:effectRef idx="1">
-            <a:schemeClr val="accent1"/>
-          </a:effectRef>
-          <a:fontRef idx="minor">
-            <a:schemeClr val="tx1"/>
-          </a:fontRef>
-        </p:style>
-      </p:cxnSp>
-      <p:sp>
-        <p:nvSpPr>
-          <p:cNvPr id="85" name="Oval 84">
-            <a:extLst>
-              <a:ext uri="{FF2B5EF4-FFF2-40B4-BE49-F238E27FC236}">
-                <a16:creationId xmlns:a16="http://schemas.microsoft.com/office/drawing/2014/main" id="{B1DE9D35-1D09-8758-7D48-70EBD8DA7B4B}"/>
-              </a:ext>
-            </a:extLst>
-          </p:cNvPr>
-          <p:cNvSpPr/>
-          <p:nvPr/>
-        </p:nvSpPr>
-        <p:spPr>
-          <a:xfrm>
-            <a:off x="11063913" y="4516840"/>
-            <a:ext cx="720000" cy="720000"/>
-          </a:xfrm>
-          <a:prstGeom prst="ellipse">
-            <a:avLst/>
-          </a:prstGeom>
-        </p:spPr>
-        <p:style>
-          <a:lnRef idx="2">
-            <a:schemeClr val="accent1">
-              <a:shade val="15000"/>
-            </a:schemeClr>
-          </a:lnRef>
-          <a:fillRef idx="1">
-            <a:schemeClr val="accent1"/>
-          </a:fillRef>
-          <a:effectRef idx="0">
-            <a:schemeClr val="accent1"/>
-          </a:effectRef>
-          <a:fontRef idx="minor">
-            <a:schemeClr val="lt1"/>
-          </a:fontRef>
-        </p:style>
-        <p:txBody>
-          <a:bodyPr rtlCol="0" anchor="ctr"/>
-          <a:lstStyle/>
-          <a:p>
-            <a:pPr algn="ctr"/>
-            <a:r>
-              <a:rPr lang="en-US" sz="2400" b="1" dirty="0"/>
-              <a:t>E</a:t>
-            </a:r>
-          </a:p>
-        </p:txBody>
-      </p:sp>
-      <p:cxnSp>
-        <p:nvCxnSpPr>
-          <p:cNvPr id="86" name="Straight Arrow Connector 85">
-            <a:extLst>
-              <a:ext uri="{FF2B5EF4-FFF2-40B4-BE49-F238E27FC236}">
-                <a16:creationId xmlns:a16="http://schemas.microsoft.com/office/drawing/2014/main" id="{EC1CE2E7-0D70-03B7-94B5-72660324B7EC}"/>
-              </a:ext>
-            </a:extLst>
-          </p:cNvPr>
-          <p:cNvCxnSpPr>
-            <a:cxnSpLocks/>
-            <a:stCxn id="76" idx="4"/>
-            <a:endCxn id="85" idx="0"/>
-          </p:cNvCxnSpPr>
-          <p:nvPr/>
-        </p:nvCxnSpPr>
-        <p:spPr>
-          <a:xfrm flipH="1">
-            <a:off x="11423913" y="3938593"/>
-            <a:ext cx="105442" cy="578247"/>
-          </a:xfrm>
-          <a:prstGeom prst="straightConnector1">
-            <a:avLst/>
-          </a:prstGeom>
-          <a:ln w="38100">
-            <a:tailEnd type="triangle"/>
-          </a:ln>
-        </p:spPr>
-        <p:style>
-          <a:lnRef idx="2">
-            <a:schemeClr val="accent1"/>
-          </a:lnRef>
-          <a:fillRef idx="0">
-            <a:schemeClr val="accent1"/>
-          </a:fillRef>
-          <a:effectRef idx="1">
-            <a:schemeClr val="accent1"/>
-          </a:effectRef>
-          <a:fontRef idx="minor">
-            <a:schemeClr val="tx1"/>
-          </a:fontRef>
-        </p:style>
-      </p:cxnSp>
-      <p:sp>
-        <p:nvSpPr>
-          <p:cNvPr id="88" name="TextBox 87">
-            <a:extLst>
-              <a:ext uri="{FF2B5EF4-FFF2-40B4-BE49-F238E27FC236}">
-                <a16:creationId xmlns:a16="http://schemas.microsoft.com/office/drawing/2014/main" id="{4857494E-4CD1-D327-2F1E-6BA2A1787C7A}"/>
-              </a:ext>
-            </a:extLst>
-          </p:cNvPr>
-          <p:cNvSpPr txBox="1"/>
-          <p:nvPr/>
-        </p:nvSpPr>
-        <p:spPr>
-          <a:xfrm>
-            <a:off x="11357811" y="2772076"/>
-            <a:ext cx="308098" cy="369332"/>
-          </a:xfrm>
-          <a:prstGeom prst="rect">
-            <a:avLst/>
-          </a:prstGeom>
-          <a:noFill/>
-        </p:spPr>
-        <p:txBody>
-          <a:bodyPr wrap="none" rtlCol="0">
-            <a:spAutoFit/>
-          </a:bodyPr>
-          <a:lstStyle/>
-          <a:p>
-            <a:r>
-              <a:rPr lang="en-US" dirty="0"/>
-              <a:t>4</a:t>
-            </a:r>
-          </a:p>
-        </p:txBody>
-      </p:sp>
-      <p:sp>
-        <p:nvSpPr>
-          <p:cNvPr id="89" name="TextBox 88">
-            <a:extLst>
-              <a:ext uri="{FF2B5EF4-FFF2-40B4-BE49-F238E27FC236}">
-                <a16:creationId xmlns:a16="http://schemas.microsoft.com/office/drawing/2014/main" id="{C6437B0C-BF55-6640-E2A2-0FD1D11FAE08}"/>
-              </a:ext>
-            </a:extLst>
-          </p:cNvPr>
-          <p:cNvSpPr txBox="1"/>
-          <p:nvPr/>
-        </p:nvSpPr>
-        <p:spPr>
-          <a:xfrm>
-            <a:off x="11762072" y="4321743"/>
-            <a:ext cx="308098" cy="369332"/>
-          </a:xfrm>
-          <a:prstGeom prst="rect">
-            <a:avLst/>
-          </a:prstGeom>
-          <a:noFill/>
-        </p:spPr>
-        <p:txBody>
-          <a:bodyPr wrap="none" rtlCol="0">
-            <a:spAutoFit/>
-          </a:bodyPr>
-          <a:lstStyle/>
-          <a:p>
-            <a:r>
-              <a:rPr lang="en-US" dirty="0"/>
-              <a:t>5</a:t>
-            </a:r>
+            <a:endParaRPr lang="en-US"/>
           </a:p>
         </p:txBody>
       </p:sp>
@@ -14161,8 +14131,8 @@
           </a:prstGeom>
         </p:spPr>
       </p:pic>
-      <mc:AlternateContent xmlns:mc="http://schemas.openxmlformats.org/markup-compatibility/2006">
-        <mc:Choice xmlns:p14="http://schemas.microsoft.com/office/powerpoint/2010/main" Requires="p14">
+      <mc:AlternateContent xmlns:mc="http://schemas.openxmlformats.org/markup-compatibility/2006" xmlns:p14="http://schemas.microsoft.com/office/powerpoint/2010/main">
+        <mc:Choice Requires="p14">
           <p:contentPart p14:bwMode="auto" r:id="rId3">
             <p14:nvContentPartPr>
               <p14:cNvPr id="6" name="Ink 5">
@@ -14181,7 +14151,7 @@
             </p14:xfrm>
           </p:contentPart>
         </mc:Choice>
-        <mc:Fallback>
+        <mc:Fallback xmlns="">
           <p:pic>
             <p:nvPicPr>
               <p:cNvPr id="6" name="Ink 5">
@@ -14212,8 +14182,8 @@
           </p:pic>
         </mc:Fallback>
       </mc:AlternateContent>
-      <mc:AlternateContent xmlns:mc="http://schemas.openxmlformats.org/markup-compatibility/2006">
-        <mc:Choice xmlns:p14="http://schemas.microsoft.com/office/powerpoint/2010/main" Requires="p14">
+      <mc:AlternateContent xmlns:mc="http://schemas.openxmlformats.org/markup-compatibility/2006" xmlns:p14="http://schemas.microsoft.com/office/powerpoint/2010/main">
+        <mc:Choice Requires="p14">
           <p:contentPart p14:bwMode="auto" r:id="rId5">
             <p14:nvContentPartPr>
               <p14:cNvPr id="7" name="Ink 6">
@@ -14232,7 +14202,7 @@
             </p14:xfrm>
           </p:contentPart>
         </mc:Choice>
-        <mc:Fallback>
+        <mc:Fallback xmlns="">
           <p:pic>
             <p:nvPicPr>
               <p:cNvPr id="7" name="Ink 6">
@@ -14491,6 +14461,1108 @@
     <p:extLst>
       <p:ext uri="{BB962C8B-B14F-4D97-AF65-F5344CB8AC3E}">
         <p14:creationId xmlns:p14="http://schemas.microsoft.com/office/powerpoint/2010/main" val="1034759742"/>
+      </p:ext>
+    </p:extLst>
+  </p:cSld>
+  <p:clrMapOvr>
+    <a:masterClrMapping/>
+  </p:clrMapOvr>
+</p:sld>
+</file>
+
+<file path=ppt/slides/slide8.xml><?xml version="1.0" encoding="utf-8"?>
+<p:sld xmlns:a="http://schemas.openxmlformats.org/drawingml/2006/main" xmlns:r="http://schemas.openxmlformats.org/officeDocument/2006/relationships" xmlns:p="http://schemas.openxmlformats.org/presentationml/2006/main">
+  <p:cSld>
+    <p:spTree>
+      <p:nvGrpSpPr>
+        <p:cNvPr id="1" name=""/>
+        <p:cNvGrpSpPr/>
+        <p:nvPr/>
+      </p:nvGrpSpPr>
+      <p:grpSpPr>
+        <a:xfrm>
+          <a:off x="0" y="0"/>
+          <a:ext cx="0" cy="0"/>
+          <a:chOff x="0" y="0"/>
+          <a:chExt cx="0" cy="0"/>
+        </a:xfrm>
+      </p:grpSpPr>
+      <p:sp>
+        <p:nvSpPr>
+          <p:cNvPr id="2" name="Title 1">
+            <a:extLst>
+              <a:ext uri="{FF2B5EF4-FFF2-40B4-BE49-F238E27FC236}">
+                <a16:creationId xmlns:a16="http://schemas.microsoft.com/office/drawing/2014/main" id="{241B6926-3FB5-2B3F-F4F5-B8B7EC0D9B51}"/>
+              </a:ext>
+            </a:extLst>
+          </p:cNvPr>
+          <p:cNvSpPr>
+            <a:spLocks noGrp="1"/>
+          </p:cNvSpPr>
+          <p:nvPr>
+            <p:ph type="title"/>
+          </p:nvPr>
+        </p:nvSpPr>
+        <p:spPr/>
+        <p:txBody>
+          <a:bodyPr/>
+          <a:lstStyle/>
+          <a:p>
+            <a:r>
+              <a:rPr lang="en-US" dirty="0"/>
+              <a:t>9, 8,7</a:t>
+            </a:r>
+          </a:p>
+        </p:txBody>
+      </p:sp>
+      <p:grpSp>
+        <p:nvGrpSpPr>
+          <p:cNvPr id="6" name="Group 5">
+            <a:extLst>
+              <a:ext uri="{FF2B5EF4-FFF2-40B4-BE49-F238E27FC236}">
+                <a16:creationId xmlns:a16="http://schemas.microsoft.com/office/drawing/2014/main" id="{6931C45B-5B6B-C09B-D0C0-FE2495DB2017}"/>
+              </a:ext>
+            </a:extLst>
+          </p:cNvPr>
+          <p:cNvGrpSpPr/>
+          <p:nvPr/>
+        </p:nvGrpSpPr>
+        <p:grpSpPr>
+          <a:xfrm>
+            <a:off x="5238216" y="1602360"/>
+            <a:ext cx="677160" cy="470160"/>
+            <a:chOff x="5238216" y="1602360"/>
+            <a:chExt cx="677160" cy="470160"/>
+          </a:xfrm>
+        </p:grpSpPr>
+        <mc:AlternateContent xmlns:mc="http://schemas.openxmlformats.org/markup-compatibility/2006">
+          <mc:Choice xmlns:p14="http://schemas.microsoft.com/office/powerpoint/2010/main" Requires="p14">
+            <p:contentPart p14:bwMode="auto" r:id="rId2">
+              <p14:nvContentPartPr>
+                <p14:cNvPr id="4" name="Ink 3">
+                  <a:extLst>
+                    <a:ext uri="{FF2B5EF4-FFF2-40B4-BE49-F238E27FC236}">
+                      <a16:creationId xmlns:a16="http://schemas.microsoft.com/office/drawing/2014/main" id="{22E5FF2A-B52B-D88E-BD19-80401E4957C3}"/>
+                    </a:ext>
+                  </a:extLst>
+                </p14:cNvPr>
+                <p14:cNvContentPartPr/>
+                <p14:nvPr/>
+              </p14:nvContentPartPr>
+              <p14:xfrm>
+                <a:off x="5238216" y="1602360"/>
+                <a:ext cx="677160" cy="470160"/>
+              </p14:xfrm>
+            </p:contentPart>
+          </mc:Choice>
+          <mc:Fallback>
+            <p:pic>
+              <p:nvPicPr>
+                <p:cNvPr id="4" name="Ink 3">
+                  <a:extLst>
+                    <a:ext uri="{FF2B5EF4-FFF2-40B4-BE49-F238E27FC236}">
+                      <a16:creationId xmlns:a16="http://schemas.microsoft.com/office/drawing/2014/main" id="{22E5FF2A-B52B-D88E-BD19-80401E4957C3}"/>
+                    </a:ext>
+                  </a:extLst>
+                </p:cNvPr>
+                <p:cNvPicPr/>
+                <p:nvPr/>
+              </p:nvPicPr>
+              <p:blipFill>
+                <a:blip r:embed="rId3"/>
+                <a:stretch>
+                  <a:fillRect/>
+                </a:stretch>
+              </p:blipFill>
+              <p:spPr>
+                <a:xfrm>
+                  <a:off x="5229576" y="1593720"/>
+                  <a:ext cx="694800" cy="487800"/>
+                </a:xfrm>
+                <a:prstGeom prst="rect">
+                  <a:avLst/>
+                </a:prstGeom>
+              </p:spPr>
+            </p:pic>
+          </mc:Fallback>
+        </mc:AlternateContent>
+        <mc:AlternateContent xmlns:mc="http://schemas.openxmlformats.org/markup-compatibility/2006">
+          <mc:Choice xmlns:p14="http://schemas.microsoft.com/office/powerpoint/2010/main" Requires="p14">
+            <p:contentPart p14:bwMode="auto" r:id="rId4">
+              <p14:nvContentPartPr>
+                <p14:cNvPr id="5" name="Ink 4">
+                  <a:extLst>
+                    <a:ext uri="{FF2B5EF4-FFF2-40B4-BE49-F238E27FC236}">
+                      <a16:creationId xmlns:a16="http://schemas.microsoft.com/office/drawing/2014/main" id="{5150FED9-E4D8-E39A-C709-594E84FFA368}"/>
+                    </a:ext>
+                  </a:extLst>
+                </p14:cNvPr>
+                <p14:cNvContentPartPr/>
+                <p14:nvPr/>
+              </p14:nvContentPartPr>
+              <p14:xfrm>
+                <a:off x="5448096" y="1751760"/>
+                <a:ext cx="167760" cy="243720"/>
+              </p14:xfrm>
+            </p:contentPart>
+          </mc:Choice>
+          <mc:Fallback>
+            <p:pic>
+              <p:nvPicPr>
+                <p:cNvPr id="5" name="Ink 4">
+                  <a:extLst>
+                    <a:ext uri="{FF2B5EF4-FFF2-40B4-BE49-F238E27FC236}">
+                      <a16:creationId xmlns:a16="http://schemas.microsoft.com/office/drawing/2014/main" id="{5150FED9-E4D8-E39A-C709-594E84FFA368}"/>
+                    </a:ext>
+                  </a:extLst>
+                </p:cNvPr>
+                <p:cNvPicPr/>
+                <p:nvPr/>
+              </p:nvPicPr>
+              <p:blipFill>
+                <a:blip r:embed="rId5"/>
+                <a:stretch>
+                  <a:fillRect/>
+                </a:stretch>
+              </p:blipFill>
+              <p:spPr>
+                <a:xfrm>
+                  <a:off x="5439456" y="1742760"/>
+                  <a:ext cx="185400" cy="261360"/>
+                </a:xfrm>
+                <a:prstGeom prst="rect">
+                  <a:avLst/>
+                </a:prstGeom>
+              </p:spPr>
+            </p:pic>
+          </mc:Fallback>
+        </mc:AlternateContent>
+      </p:grpSp>
+      <p:grpSp>
+        <p:nvGrpSpPr>
+          <p:cNvPr id="9" name="Group 8">
+            <a:extLst>
+              <a:ext uri="{FF2B5EF4-FFF2-40B4-BE49-F238E27FC236}">
+                <a16:creationId xmlns:a16="http://schemas.microsoft.com/office/drawing/2014/main" id="{D23BCE0C-FD3D-6EB4-3F40-3ED47CA89636}"/>
+              </a:ext>
+            </a:extLst>
+          </p:cNvPr>
+          <p:cNvGrpSpPr/>
+          <p:nvPr/>
+        </p:nvGrpSpPr>
+        <p:grpSpPr>
+          <a:xfrm>
+            <a:off x="4635576" y="2764800"/>
+            <a:ext cx="289800" cy="382680"/>
+            <a:chOff x="4635576" y="2764800"/>
+            <a:chExt cx="289800" cy="382680"/>
+          </a:xfrm>
+        </p:grpSpPr>
+        <mc:AlternateContent xmlns:mc="http://schemas.openxmlformats.org/markup-compatibility/2006">
+          <mc:Choice xmlns:p14="http://schemas.microsoft.com/office/powerpoint/2010/main" Requires="p14">
+            <p:contentPart p14:bwMode="auto" r:id="rId6">
+              <p14:nvContentPartPr>
+                <p14:cNvPr id="7" name="Ink 6">
+                  <a:extLst>
+                    <a:ext uri="{FF2B5EF4-FFF2-40B4-BE49-F238E27FC236}">
+                      <a16:creationId xmlns:a16="http://schemas.microsoft.com/office/drawing/2014/main" id="{C7EF8D84-9D93-E5D2-0C9E-21D100A4AB19}"/>
+                    </a:ext>
+                  </a:extLst>
+                </p14:cNvPr>
+                <p14:cNvContentPartPr/>
+                <p14:nvPr/>
+              </p14:nvContentPartPr>
+              <p14:xfrm>
+                <a:off x="4635576" y="2764800"/>
+                <a:ext cx="289800" cy="382680"/>
+              </p14:xfrm>
+            </p:contentPart>
+          </mc:Choice>
+          <mc:Fallback>
+            <p:pic>
+              <p:nvPicPr>
+                <p:cNvPr id="7" name="Ink 6">
+                  <a:extLst>
+                    <a:ext uri="{FF2B5EF4-FFF2-40B4-BE49-F238E27FC236}">
+                      <a16:creationId xmlns:a16="http://schemas.microsoft.com/office/drawing/2014/main" id="{C7EF8D84-9D93-E5D2-0C9E-21D100A4AB19}"/>
+                    </a:ext>
+                  </a:extLst>
+                </p:cNvPr>
+                <p:cNvPicPr/>
+                <p:nvPr/>
+              </p:nvPicPr>
+              <p:blipFill>
+                <a:blip r:embed="rId7"/>
+                <a:stretch>
+                  <a:fillRect/>
+                </a:stretch>
+              </p:blipFill>
+              <p:spPr>
+                <a:xfrm>
+                  <a:off x="4626576" y="2756160"/>
+                  <a:ext cx="307440" cy="400320"/>
+                </a:xfrm>
+                <a:prstGeom prst="rect">
+                  <a:avLst/>
+                </a:prstGeom>
+              </p:spPr>
+            </p:pic>
+          </mc:Fallback>
+        </mc:AlternateContent>
+        <mc:AlternateContent xmlns:mc="http://schemas.openxmlformats.org/markup-compatibility/2006">
+          <mc:Choice xmlns:p14="http://schemas.microsoft.com/office/powerpoint/2010/main" Requires="p14">
+            <p:contentPart p14:bwMode="auto" r:id="rId8">
+              <p14:nvContentPartPr>
+                <p14:cNvPr id="8" name="Ink 7">
+                  <a:extLst>
+                    <a:ext uri="{FF2B5EF4-FFF2-40B4-BE49-F238E27FC236}">
+                      <a16:creationId xmlns:a16="http://schemas.microsoft.com/office/drawing/2014/main" id="{DBB2AA42-FD34-F46D-612E-F8CB51E540D2}"/>
+                    </a:ext>
+                  </a:extLst>
+                </p14:cNvPr>
+                <p14:cNvContentPartPr/>
+                <p14:nvPr/>
+              </p14:nvContentPartPr>
+              <p14:xfrm>
+                <a:off x="4650336" y="3017520"/>
+                <a:ext cx="268920" cy="360"/>
+              </p14:xfrm>
+            </p:contentPart>
+          </mc:Choice>
+          <mc:Fallback>
+            <p:pic>
+              <p:nvPicPr>
+                <p:cNvPr id="8" name="Ink 7">
+                  <a:extLst>
+                    <a:ext uri="{FF2B5EF4-FFF2-40B4-BE49-F238E27FC236}">
+                      <a16:creationId xmlns:a16="http://schemas.microsoft.com/office/drawing/2014/main" id="{DBB2AA42-FD34-F46D-612E-F8CB51E540D2}"/>
+                    </a:ext>
+                  </a:extLst>
+                </p:cNvPr>
+                <p:cNvPicPr/>
+                <p:nvPr/>
+              </p:nvPicPr>
+              <p:blipFill>
+                <a:blip r:embed="rId9"/>
+                <a:stretch>
+                  <a:fillRect/>
+                </a:stretch>
+              </p:blipFill>
+              <p:spPr>
+                <a:xfrm>
+                  <a:off x="4641696" y="3008880"/>
+                  <a:ext cx="286560" cy="18000"/>
+                </a:xfrm>
+                <a:prstGeom prst="rect">
+                  <a:avLst/>
+                </a:prstGeom>
+              </p:spPr>
+            </p:pic>
+          </mc:Fallback>
+        </mc:AlternateContent>
+      </p:grpSp>
+      <mc:AlternateContent xmlns:mc="http://schemas.openxmlformats.org/markup-compatibility/2006">
+        <mc:Choice xmlns:p14="http://schemas.microsoft.com/office/powerpoint/2010/main" Requires="p14">
+          <p:contentPart p14:bwMode="auto" r:id="rId10">
+            <p14:nvContentPartPr>
+              <p14:cNvPr id="10" name="Ink 9">
+                <a:extLst>
+                  <a:ext uri="{FF2B5EF4-FFF2-40B4-BE49-F238E27FC236}">
+                    <a16:creationId xmlns:a16="http://schemas.microsoft.com/office/drawing/2014/main" id="{D2F116B0-66F4-F755-E4A1-B809874A5A93}"/>
+                  </a:ext>
+                </a:extLst>
+              </p14:cNvPr>
+              <p14:cNvContentPartPr/>
+              <p14:nvPr/>
+            </p14:nvContentPartPr>
+            <p14:xfrm>
+              <a:off x="6543576" y="2799360"/>
+              <a:ext cx="407880" cy="279000"/>
+            </p14:xfrm>
+          </p:contentPart>
+        </mc:Choice>
+        <mc:Fallback>
+          <p:pic>
+            <p:nvPicPr>
+              <p:cNvPr id="10" name="Ink 9">
+                <a:extLst>
+                  <a:ext uri="{FF2B5EF4-FFF2-40B4-BE49-F238E27FC236}">
+                    <a16:creationId xmlns:a16="http://schemas.microsoft.com/office/drawing/2014/main" id="{D2F116B0-66F4-F755-E4A1-B809874A5A93}"/>
+                  </a:ext>
+                </a:extLst>
+              </p:cNvPr>
+              <p:cNvPicPr/>
+              <p:nvPr/>
+            </p:nvPicPr>
+            <p:blipFill>
+              <a:blip r:embed="rId11"/>
+              <a:stretch>
+                <a:fillRect/>
+              </a:stretch>
+            </p:blipFill>
+            <p:spPr>
+              <a:xfrm>
+                <a:off x="6534936" y="2790720"/>
+                <a:ext cx="425520" cy="296640"/>
+              </a:xfrm>
+              <a:prstGeom prst="rect">
+                <a:avLst/>
+              </a:prstGeom>
+            </p:spPr>
+          </p:pic>
+        </mc:Fallback>
+      </mc:AlternateContent>
+      <p:grpSp>
+        <p:nvGrpSpPr>
+          <p:cNvPr id="13" name="Group 12">
+            <a:extLst>
+              <a:ext uri="{FF2B5EF4-FFF2-40B4-BE49-F238E27FC236}">
+                <a16:creationId xmlns:a16="http://schemas.microsoft.com/office/drawing/2014/main" id="{A35CEF3A-C381-E572-F271-7B7937AFCDA5}"/>
+              </a:ext>
+            </a:extLst>
+          </p:cNvPr>
+          <p:cNvGrpSpPr/>
+          <p:nvPr/>
+        </p:nvGrpSpPr>
+        <p:grpSpPr>
+          <a:xfrm>
+            <a:off x="5188176" y="2218320"/>
+            <a:ext cx="340560" cy="391680"/>
+            <a:chOff x="5188176" y="2218320"/>
+            <a:chExt cx="340560" cy="391680"/>
+          </a:xfrm>
+        </p:grpSpPr>
+        <mc:AlternateContent xmlns:mc="http://schemas.openxmlformats.org/markup-compatibility/2006">
+          <mc:Choice xmlns:p14="http://schemas.microsoft.com/office/powerpoint/2010/main" Requires="p14">
+            <p:contentPart p14:bwMode="auto" r:id="rId12">
+              <p14:nvContentPartPr>
+                <p14:cNvPr id="11" name="Ink 10">
+                  <a:extLst>
+                    <a:ext uri="{FF2B5EF4-FFF2-40B4-BE49-F238E27FC236}">
+                      <a16:creationId xmlns:a16="http://schemas.microsoft.com/office/drawing/2014/main" id="{9644E7C2-08EC-859B-35CA-A23F9A0E9D08}"/>
+                    </a:ext>
+                  </a:extLst>
+                </p14:cNvPr>
+                <p14:cNvContentPartPr/>
+                <p14:nvPr/>
+              </p14:nvContentPartPr>
+              <p14:xfrm>
+                <a:off x="5189256" y="2218320"/>
+                <a:ext cx="339480" cy="351000"/>
+              </p14:xfrm>
+            </p:contentPart>
+          </mc:Choice>
+          <mc:Fallback>
+            <p:pic>
+              <p:nvPicPr>
+                <p:cNvPr id="11" name="Ink 10">
+                  <a:extLst>
+                    <a:ext uri="{FF2B5EF4-FFF2-40B4-BE49-F238E27FC236}">
+                      <a16:creationId xmlns:a16="http://schemas.microsoft.com/office/drawing/2014/main" id="{9644E7C2-08EC-859B-35CA-A23F9A0E9D08}"/>
+                    </a:ext>
+                  </a:extLst>
+                </p:cNvPr>
+                <p:cNvPicPr/>
+                <p:nvPr/>
+              </p:nvPicPr>
+              <p:blipFill>
+                <a:blip r:embed="rId13"/>
+                <a:stretch>
+                  <a:fillRect/>
+                </a:stretch>
+              </p:blipFill>
+              <p:spPr>
+                <a:xfrm>
+                  <a:off x="5180256" y="2209320"/>
+                  <a:ext cx="357120" cy="368640"/>
+                </a:xfrm>
+                <a:prstGeom prst="rect">
+                  <a:avLst/>
+                </a:prstGeom>
+              </p:spPr>
+            </p:pic>
+          </mc:Fallback>
+        </mc:AlternateContent>
+        <mc:AlternateContent xmlns:mc="http://schemas.openxmlformats.org/markup-compatibility/2006">
+          <mc:Choice xmlns:p14="http://schemas.microsoft.com/office/powerpoint/2010/main" Requires="p14">
+            <p:contentPart p14:bwMode="auto" r:id="rId14">
+              <p14:nvContentPartPr>
+                <p14:cNvPr id="12" name="Ink 11">
+                  <a:extLst>
+                    <a:ext uri="{FF2B5EF4-FFF2-40B4-BE49-F238E27FC236}">
+                      <a16:creationId xmlns:a16="http://schemas.microsoft.com/office/drawing/2014/main" id="{AC57965B-9494-BF55-9F75-E5536617AA0B}"/>
+                    </a:ext>
+                  </a:extLst>
+                </p14:cNvPr>
+                <p14:cNvContentPartPr/>
+                <p14:nvPr/>
+              </p14:nvContentPartPr>
+              <p14:xfrm>
+                <a:off x="5188176" y="2482920"/>
+                <a:ext cx="107280" cy="127080"/>
+              </p14:xfrm>
+            </p:contentPart>
+          </mc:Choice>
+          <mc:Fallback>
+            <p:pic>
+              <p:nvPicPr>
+                <p:cNvPr id="12" name="Ink 11">
+                  <a:extLst>
+                    <a:ext uri="{FF2B5EF4-FFF2-40B4-BE49-F238E27FC236}">
+                      <a16:creationId xmlns:a16="http://schemas.microsoft.com/office/drawing/2014/main" id="{AC57965B-9494-BF55-9F75-E5536617AA0B}"/>
+                    </a:ext>
+                  </a:extLst>
+                </p:cNvPr>
+                <p:cNvPicPr/>
+                <p:nvPr/>
+              </p:nvPicPr>
+              <p:blipFill>
+                <a:blip r:embed="rId15"/>
+                <a:stretch>
+                  <a:fillRect/>
+                </a:stretch>
+              </p:blipFill>
+              <p:spPr>
+                <a:xfrm>
+                  <a:off x="5179536" y="2473920"/>
+                  <a:ext cx="124920" cy="144720"/>
+                </a:xfrm>
+                <a:prstGeom prst="rect">
+                  <a:avLst/>
+                </a:prstGeom>
+              </p:spPr>
+            </p:pic>
+          </mc:Fallback>
+        </mc:AlternateContent>
+      </p:grpSp>
+      <p:grpSp>
+        <p:nvGrpSpPr>
+          <p:cNvPr id="16" name="Group 15">
+            <a:extLst>
+              <a:ext uri="{FF2B5EF4-FFF2-40B4-BE49-F238E27FC236}">
+                <a16:creationId xmlns:a16="http://schemas.microsoft.com/office/drawing/2014/main" id="{122004B1-F779-604B-3AA8-5DE977270197}"/>
+              </a:ext>
+            </a:extLst>
+          </p:cNvPr>
+          <p:cNvGrpSpPr/>
+          <p:nvPr/>
+        </p:nvGrpSpPr>
+        <p:grpSpPr>
+          <a:xfrm>
+            <a:off x="5953176" y="2077920"/>
+            <a:ext cx="232920" cy="372600"/>
+            <a:chOff x="5953176" y="2077920"/>
+            <a:chExt cx="232920" cy="372600"/>
+          </a:xfrm>
+        </p:grpSpPr>
+        <mc:AlternateContent xmlns:mc="http://schemas.openxmlformats.org/markup-compatibility/2006">
+          <mc:Choice xmlns:p14="http://schemas.microsoft.com/office/powerpoint/2010/main" Requires="p14">
+            <p:contentPart p14:bwMode="auto" r:id="rId16">
+              <p14:nvContentPartPr>
+                <p14:cNvPr id="14" name="Ink 13">
+                  <a:extLst>
+                    <a:ext uri="{FF2B5EF4-FFF2-40B4-BE49-F238E27FC236}">
+                      <a16:creationId xmlns:a16="http://schemas.microsoft.com/office/drawing/2014/main" id="{755F77F6-B4A8-F2FB-2AF8-9D52580EF7DF}"/>
+                    </a:ext>
+                  </a:extLst>
+                </p14:cNvPr>
+                <p14:cNvContentPartPr/>
+                <p14:nvPr/>
+              </p14:nvContentPartPr>
+              <p14:xfrm>
+                <a:off x="5953176" y="2077920"/>
+                <a:ext cx="228600" cy="298440"/>
+              </p14:xfrm>
+            </p:contentPart>
+          </mc:Choice>
+          <mc:Fallback>
+            <p:pic>
+              <p:nvPicPr>
+                <p:cNvPr id="14" name="Ink 13">
+                  <a:extLst>
+                    <a:ext uri="{FF2B5EF4-FFF2-40B4-BE49-F238E27FC236}">
+                      <a16:creationId xmlns:a16="http://schemas.microsoft.com/office/drawing/2014/main" id="{755F77F6-B4A8-F2FB-2AF8-9D52580EF7DF}"/>
+                    </a:ext>
+                  </a:extLst>
+                </p:cNvPr>
+                <p:cNvPicPr/>
+                <p:nvPr/>
+              </p:nvPicPr>
+              <p:blipFill>
+                <a:blip r:embed="rId17"/>
+                <a:stretch>
+                  <a:fillRect/>
+                </a:stretch>
+              </p:blipFill>
+              <p:spPr>
+                <a:xfrm>
+                  <a:off x="5944176" y="2068920"/>
+                  <a:ext cx="246240" cy="316080"/>
+                </a:xfrm>
+                <a:prstGeom prst="rect">
+                  <a:avLst/>
+                </a:prstGeom>
+              </p:spPr>
+            </p:pic>
+          </mc:Fallback>
+        </mc:AlternateContent>
+        <mc:AlternateContent xmlns:mc="http://schemas.openxmlformats.org/markup-compatibility/2006">
+          <mc:Choice xmlns:p14="http://schemas.microsoft.com/office/powerpoint/2010/main" Requires="p14">
+            <p:contentPart p14:bwMode="auto" r:id="rId18">
+              <p14:nvContentPartPr>
+                <p14:cNvPr id="15" name="Ink 14">
+                  <a:extLst>
+                    <a:ext uri="{FF2B5EF4-FFF2-40B4-BE49-F238E27FC236}">
+                      <a16:creationId xmlns:a16="http://schemas.microsoft.com/office/drawing/2014/main" id="{522E4154-4289-FA91-1A85-E7B5A531F867}"/>
+                    </a:ext>
+                  </a:extLst>
+                </p14:cNvPr>
+                <p14:cNvContentPartPr/>
+                <p14:nvPr/>
+              </p14:nvContentPartPr>
+              <p14:xfrm>
+                <a:off x="6037416" y="2278080"/>
+                <a:ext cx="148680" cy="172440"/>
+              </p14:xfrm>
+            </p:contentPart>
+          </mc:Choice>
+          <mc:Fallback>
+            <p:pic>
+              <p:nvPicPr>
+                <p:cNvPr id="15" name="Ink 14">
+                  <a:extLst>
+                    <a:ext uri="{FF2B5EF4-FFF2-40B4-BE49-F238E27FC236}">
+                      <a16:creationId xmlns:a16="http://schemas.microsoft.com/office/drawing/2014/main" id="{522E4154-4289-FA91-1A85-E7B5A531F867}"/>
+                    </a:ext>
+                  </a:extLst>
+                </p:cNvPr>
+                <p:cNvPicPr/>
+                <p:nvPr/>
+              </p:nvPicPr>
+              <p:blipFill>
+                <a:blip r:embed="rId19"/>
+                <a:stretch>
+                  <a:fillRect/>
+                </a:stretch>
+              </p:blipFill>
+              <p:spPr>
+                <a:xfrm>
+                  <a:off x="6028416" y="2269080"/>
+                  <a:ext cx="166320" cy="190080"/>
+                </a:xfrm>
+                <a:prstGeom prst="rect">
+                  <a:avLst/>
+                </a:prstGeom>
+              </p:spPr>
+            </p:pic>
+          </mc:Fallback>
+        </mc:AlternateContent>
+      </p:grpSp>
+      <p:grpSp>
+        <p:nvGrpSpPr>
+          <p:cNvPr id="24" name="Group 23">
+            <a:extLst>
+              <a:ext uri="{FF2B5EF4-FFF2-40B4-BE49-F238E27FC236}">
+                <a16:creationId xmlns:a16="http://schemas.microsoft.com/office/drawing/2014/main" id="{398DEA2A-0222-711E-243A-ECFBCE79CBCA}"/>
+              </a:ext>
+            </a:extLst>
+          </p:cNvPr>
+          <p:cNvGrpSpPr/>
+          <p:nvPr/>
+        </p:nvGrpSpPr>
+        <p:grpSpPr>
+          <a:xfrm>
+            <a:off x="2048976" y="3737880"/>
+            <a:ext cx="1227960" cy="1754280"/>
+            <a:chOff x="2048976" y="3737880"/>
+            <a:chExt cx="1227960" cy="1754280"/>
+          </a:xfrm>
+        </p:grpSpPr>
+        <mc:AlternateContent xmlns:mc="http://schemas.openxmlformats.org/markup-compatibility/2006">
+          <mc:Choice xmlns:p14="http://schemas.microsoft.com/office/powerpoint/2010/main" Requires="p14">
+            <p:contentPart p14:bwMode="auto" r:id="rId20">
+              <p14:nvContentPartPr>
+                <p14:cNvPr id="17" name="Ink 16">
+                  <a:extLst>
+                    <a:ext uri="{FF2B5EF4-FFF2-40B4-BE49-F238E27FC236}">
+                      <a16:creationId xmlns:a16="http://schemas.microsoft.com/office/drawing/2014/main" id="{4B0D29A5-711F-C844-4BF0-248F0916B006}"/>
+                    </a:ext>
+                  </a:extLst>
+                </p14:cNvPr>
+                <p14:cNvContentPartPr/>
+                <p14:nvPr/>
+              </p14:nvContentPartPr>
+              <p14:xfrm>
+                <a:off x="2644776" y="3737880"/>
+                <a:ext cx="552960" cy="641520"/>
+              </p14:xfrm>
+            </p:contentPart>
+          </mc:Choice>
+          <mc:Fallback>
+            <p:pic>
+              <p:nvPicPr>
+                <p:cNvPr id="17" name="Ink 16">
+                  <a:extLst>
+                    <a:ext uri="{FF2B5EF4-FFF2-40B4-BE49-F238E27FC236}">
+                      <a16:creationId xmlns:a16="http://schemas.microsoft.com/office/drawing/2014/main" id="{4B0D29A5-711F-C844-4BF0-248F0916B006}"/>
+                    </a:ext>
+                  </a:extLst>
+                </p:cNvPr>
+                <p:cNvPicPr/>
+                <p:nvPr/>
+              </p:nvPicPr>
+              <p:blipFill>
+                <a:blip r:embed="rId21"/>
+                <a:stretch>
+                  <a:fillRect/>
+                </a:stretch>
+              </p:blipFill>
+              <p:spPr>
+                <a:xfrm>
+                  <a:off x="2636136" y="3728880"/>
+                  <a:ext cx="570600" cy="659160"/>
+                </a:xfrm>
+                <a:prstGeom prst="rect">
+                  <a:avLst/>
+                </a:prstGeom>
+              </p:spPr>
+            </p:pic>
+          </mc:Fallback>
+        </mc:AlternateContent>
+        <mc:AlternateContent xmlns:mc="http://schemas.openxmlformats.org/markup-compatibility/2006">
+          <mc:Choice xmlns:p14="http://schemas.microsoft.com/office/powerpoint/2010/main" Requires="p14">
+            <p:contentPart p14:bwMode="auto" r:id="rId22">
+              <p14:nvContentPartPr>
+                <p14:cNvPr id="18" name="Ink 17">
+                  <a:extLst>
+                    <a:ext uri="{FF2B5EF4-FFF2-40B4-BE49-F238E27FC236}">
+                      <a16:creationId xmlns:a16="http://schemas.microsoft.com/office/drawing/2014/main" id="{D845F95F-8EED-F02A-BA4B-67E0D4C7BB68}"/>
+                    </a:ext>
+                  </a:extLst>
+                </p14:cNvPr>
+                <p14:cNvContentPartPr/>
+                <p14:nvPr/>
+              </p14:nvContentPartPr>
+              <p14:xfrm>
+                <a:off x="2900376" y="3996000"/>
+                <a:ext cx="376560" cy="298440"/>
+              </p14:xfrm>
+            </p:contentPart>
+          </mc:Choice>
+          <mc:Fallback>
+            <p:pic>
+              <p:nvPicPr>
+                <p:cNvPr id="18" name="Ink 17">
+                  <a:extLst>
+                    <a:ext uri="{FF2B5EF4-FFF2-40B4-BE49-F238E27FC236}">
+                      <a16:creationId xmlns:a16="http://schemas.microsoft.com/office/drawing/2014/main" id="{D845F95F-8EED-F02A-BA4B-67E0D4C7BB68}"/>
+                    </a:ext>
+                  </a:extLst>
+                </p:cNvPr>
+                <p:cNvPicPr/>
+                <p:nvPr/>
+              </p:nvPicPr>
+              <p:blipFill>
+                <a:blip r:embed="rId23"/>
+                <a:stretch>
+                  <a:fillRect/>
+                </a:stretch>
+              </p:blipFill>
+              <p:spPr>
+                <a:xfrm>
+                  <a:off x="2891376" y="3987000"/>
+                  <a:ext cx="394200" cy="316080"/>
+                </a:xfrm>
+                <a:prstGeom prst="rect">
+                  <a:avLst/>
+                </a:prstGeom>
+              </p:spPr>
+            </p:pic>
+          </mc:Fallback>
+        </mc:AlternateContent>
+        <mc:AlternateContent xmlns:mc="http://schemas.openxmlformats.org/markup-compatibility/2006">
+          <mc:Choice xmlns:p14="http://schemas.microsoft.com/office/powerpoint/2010/main" Requires="p14">
+            <p:contentPart p14:bwMode="auto" r:id="rId24">
+              <p14:nvContentPartPr>
+                <p14:cNvPr id="20" name="Ink 19">
+                  <a:extLst>
+                    <a:ext uri="{FF2B5EF4-FFF2-40B4-BE49-F238E27FC236}">
+                      <a16:creationId xmlns:a16="http://schemas.microsoft.com/office/drawing/2014/main" id="{6FE4C58E-84F5-F239-0778-772125A3BEF6}"/>
+                    </a:ext>
+                  </a:extLst>
+                </p14:cNvPr>
+                <p14:cNvContentPartPr/>
+                <p14:nvPr/>
+              </p14:nvContentPartPr>
+              <p14:xfrm>
+                <a:off x="2318256" y="4385520"/>
+                <a:ext cx="411120" cy="477360"/>
+              </p14:xfrm>
+            </p:contentPart>
+          </mc:Choice>
+          <mc:Fallback>
+            <p:pic>
+              <p:nvPicPr>
+                <p:cNvPr id="20" name="Ink 19">
+                  <a:extLst>
+                    <a:ext uri="{FF2B5EF4-FFF2-40B4-BE49-F238E27FC236}">
+                      <a16:creationId xmlns:a16="http://schemas.microsoft.com/office/drawing/2014/main" id="{6FE4C58E-84F5-F239-0778-772125A3BEF6}"/>
+                    </a:ext>
+                  </a:extLst>
+                </p:cNvPr>
+                <p:cNvPicPr/>
+                <p:nvPr/>
+              </p:nvPicPr>
+              <p:blipFill>
+                <a:blip r:embed="rId25"/>
+                <a:stretch>
+                  <a:fillRect/>
+                </a:stretch>
+              </p:blipFill>
+              <p:spPr>
+                <a:xfrm>
+                  <a:off x="2309256" y="4376520"/>
+                  <a:ext cx="428760" cy="495000"/>
+                </a:xfrm>
+                <a:prstGeom prst="rect">
+                  <a:avLst/>
+                </a:prstGeom>
+              </p:spPr>
+            </p:pic>
+          </mc:Fallback>
+        </mc:AlternateContent>
+        <mc:AlternateContent xmlns:mc="http://schemas.openxmlformats.org/markup-compatibility/2006">
+          <mc:Choice xmlns:p14="http://schemas.microsoft.com/office/powerpoint/2010/main" Requires="p14">
+            <p:contentPart p14:bwMode="auto" r:id="rId26">
+              <p14:nvContentPartPr>
+                <p14:cNvPr id="21" name="Ink 20">
+                  <a:extLst>
+                    <a:ext uri="{FF2B5EF4-FFF2-40B4-BE49-F238E27FC236}">
+                      <a16:creationId xmlns:a16="http://schemas.microsoft.com/office/drawing/2014/main" id="{2268E149-FB5C-50D0-E55E-3EA82713227E}"/>
+                    </a:ext>
+                  </a:extLst>
+                </p14:cNvPr>
+                <p14:cNvContentPartPr/>
+                <p14:nvPr/>
+              </p14:nvContentPartPr>
+              <p14:xfrm>
+                <a:off x="2308896" y="4714920"/>
+                <a:ext cx="191520" cy="223560"/>
+              </p14:xfrm>
+            </p:contentPart>
+          </mc:Choice>
+          <mc:Fallback>
+            <p:pic>
+              <p:nvPicPr>
+                <p:cNvPr id="21" name="Ink 20">
+                  <a:extLst>
+                    <a:ext uri="{FF2B5EF4-FFF2-40B4-BE49-F238E27FC236}">
+                      <a16:creationId xmlns:a16="http://schemas.microsoft.com/office/drawing/2014/main" id="{2268E149-FB5C-50D0-E55E-3EA82713227E}"/>
+                    </a:ext>
+                  </a:extLst>
+                </p:cNvPr>
+                <p:cNvPicPr/>
+                <p:nvPr/>
+              </p:nvPicPr>
+              <p:blipFill>
+                <a:blip r:embed="rId27"/>
+                <a:stretch>
+                  <a:fillRect/>
+                </a:stretch>
+              </p:blipFill>
+              <p:spPr>
+                <a:xfrm>
+                  <a:off x="2300256" y="4705920"/>
+                  <a:ext cx="209160" cy="241200"/>
+                </a:xfrm>
+                <a:prstGeom prst="rect">
+                  <a:avLst/>
+                </a:prstGeom>
+              </p:spPr>
+            </p:pic>
+          </mc:Fallback>
+        </mc:AlternateContent>
+        <mc:AlternateContent xmlns:mc="http://schemas.openxmlformats.org/markup-compatibility/2006">
+          <mc:Choice xmlns:p14="http://schemas.microsoft.com/office/powerpoint/2010/main" Requires="p14">
+            <p:contentPart p14:bwMode="auto" r:id="rId28">
+              <p14:nvContentPartPr>
+                <p14:cNvPr id="22" name="Ink 21">
+                  <a:extLst>
+                    <a:ext uri="{FF2B5EF4-FFF2-40B4-BE49-F238E27FC236}">
+                      <a16:creationId xmlns:a16="http://schemas.microsoft.com/office/drawing/2014/main" id="{B92BA6DB-C660-7C33-856B-79745274C8BD}"/>
+                    </a:ext>
+                  </a:extLst>
+                </p14:cNvPr>
+                <p14:cNvContentPartPr/>
+                <p14:nvPr/>
+              </p14:nvContentPartPr>
+              <p14:xfrm>
+                <a:off x="2154456" y="5083200"/>
+                <a:ext cx="124200" cy="408960"/>
+              </p14:xfrm>
+            </p:contentPart>
+          </mc:Choice>
+          <mc:Fallback>
+            <p:pic>
+              <p:nvPicPr>
+                <p:cNvPr id="22" name="Ink 21">
+                  <a:extLst>
+                    <a:ext uri="{FF2B5EF4-FFF2-40B4-BE49-F238E27FC236}">
+                      <a16:creationId xmlns:a16="http://schemas.microsoft.com/office/drawing/2014/main" id="{B92BA6DB-C660-7C33-856B-79745274C8BD}"/>
+                    </a:ext>
+                  </a:extLst>
+                </p:cNvPr>
+                <p:cNvPicPr/>
+                <p:nvPr/>
+              </p:nvPicPr>
+              <p:blipFill>
+                <a:blip r:embed="rId29"/>
+                <a:stretch>
+                  <a:fillRect/>
+                </a:stretch>
+              </p:blipFill>
+              <p:spPr>
+                <a:xfrm>
+                  <a:off x="2145456" y="5074560"/>
+                  <a:ext cx="141840" cy="426600"/>
+                </a:xfrm>
+                <a:prstGeom prst="rect">
+                  <a:avLst/>
+                </a:prstGeom>
+              </p:spPr>
+            </p:pic>
+          </mc:Fallback>
+        </mc:AlternateContent>
+        <mc:AlternateContent xmlns:mc="http://schemas.openxmlformats.org/markup-compatibility/2006">
+          <mc:Choice xmlns:p14="http://schemas.microsoft.com/office/powerpoint/2010/main" Requires="p14">
+            <p:contentPart p14:bwMode="auto" r:id="rId30">
+              <p14:nvContentPartPr>
+                <p14:cNvPr id="23" name="Ink 22">
+                  <a:extLst>
+                    <a:ext uri="{FF2B5EF4-FFF2-40B4-BE49-F238E27FC236}">
+                      <a16:creationId xmlns:a16="http://schemas.microsoft.com/office/drawing/2014/main" id="{F6675CDF-78EC-4F16-296B-35A8E13E9A07}"/>
+                    </a:ext>
+                  </a:extLst>
+                </p14:cNvPr>
+                <p14:cNvContentPartPr/>
+                <p14:nvPr/>
+              </p14:nvContentPartPr>
+              <p14:xfrm>
+                <a:off x="2048976" y="5282280"/>
+                <a:ext cx="299160" cy="360"/>
+              </p14:xfrm>
+            </p:contentPart>
+          </mc:Choice>
+          <mc:Fallback>
+            <p:pic>
+              <p:nvPicPr>
+                <p:cNvPr id="23" name="Ink 22">
+                  <a:extLst>
+                    <a:ext uri="{FF2B5EF4-FFF2-40B4-BE49-F238E27FC236}">
+                      <a16:creationId xmlns:a16="http://schemas.microsoft.com/office/drawing/2014/main" id="{F6675CDF-78EC-4F16-296B-35A8E13E9A07}"/>
+                    </a:ext>
+                  </a:extLst>
+                </p:cNvPr>
+                <p:cNvPicPr/>
+                <p:nvPr/>
+              </p:nvPicPr>
+              <p:blipFill>
+                <a:blip r:embed="rId31"/>
+                <a:stretch>
+                  <a:fillRect/>
+                </a:stretch>
+              </p:blipFill>
+              <p:spPr>
+                <a:xfrm>
+                  <a:off x="2039976" y="5273640"/>
+                  <a:ext cx="316800" cy="18000"/>
+                </a:xfrm>
+                <a:prstGeom prst="rect">
+                  <a:avLst/>
+                </a:prstGeom>
+              </p:spPr>
+            </p:pic>
+          </mc:Fallback>
+        </mc:AlternateContent>
+      </p:grpSp>
+      <p:grpSp>
+        <p:nvGrpSpPr>
+          <p:cNvPr id="28" name="Group 27">
+            <a:extLst>
+              <a:ext uri="{FF2B5EF4-FFF2-40B4-BE49-F238E27FC236}">
+                <a16:creationId xmlns:a16="http://schemas.microsoft.com/office/drawing/2014/main" id="{BAEE2B1E-6796-BA2D-DE57-1D9BC52602A3}"/>
+              </a:ext>
+            </a:extLst>
+          </p:cNvPr>
+          <p:cNvGrpSpPr/>
+          <p:nvPr/>
+        </p:nvGrpSpPr>
+        <p:grpSpPr>
+          <a:xfrm>
+            <a:off x="3092976" y="4457880"/>
+            <a:ext cx="311400" cy="306720"/>
+            <a:chOff x="3092976" y="4457880"/>
+            <a:chExt cx="311400" cy="306720"/>
+          </a:xfrm>
+        </p:grpSpPr>
+        <mc:AlternateContent xmlns:mc="http://schemas.openxmlformats.org/markup-compatibility/2006">
+          <mc:Choice xmlns:p14="http://schemas.microsoft.com/office/powerpoint/2010/main" Requires="p14">
+            <p:contentPart p14:bwMode="auto" r:id="rId32">
+              <p14:nvContentPartPr>
+                <p14:cNvPr id="25" name="Ink 24">
+                  <a:extLst>
+                    <a:ext uri="{FF2B5EF4-FFF2-40B4-BE49-F238E27FC236}">
+                      <a16:creationId xmlns:a16="http://schemas.microsoft.com/office/drawing/2014/main" id="{0D585996-1329-D55C-25F4-9CF2D9BEEB6B}"/>
+                    </a:ext>
+                  </a:extLst>
+                </p14:cNvPr>
+                <p14:cNvContentPartPr/>
+                <p14:nvPr/>
+              </p14:nvContentPartPr>
+              <p14:xfrm>
+                <a:off x="3092976" y="4457880"/>
+                <a:ext cx="311400" cy="306720"/>
+              </p14:xfrm>
+            </p:contentPart>
+          </mc:Choice>
+          <mc:Fallback>
+            <p:pic>
+              <p:nvPicPr>
+                <p:cNvPr id="25" name="Ink 24">
+                  <a:extLst>
+                    <a:ext uri="{FF2B5EF4-FFF2-40B4-BE49-F238E27FC236}">
+                      <a16:creationId xmlns:a16="http://schemas.microsoft.com/office/drawing/2014/main" id="{0D585996-1329-D55C-25F4-9CF2D9BEEB6B}"/>
+                    </a:ext>
+                  </a:extLst>
+                </p:cNvPr>
+                <p:cNvPicPr/>
+                <p:nvPr/>
+              </p:nvPicPr>
+              <p:blipFill>
+                <a:blip r:embed="rId33"/>
+                <a:stretch>
+                  <a:fillRect/>
+                </a:stretch>
+              </p:blipFill>
+              <p:spPr>
+                <a:xfrm>
+                  <a:off x="3084336" y="4449240"/>
+                  <a:ext cx="329040" cy="324360"/>
+                </a:xfrm>
+                <a:prstGeom prst="rect">
+                  <a:avLst/>
+                </a:prstGeom>
+              </p:spPr>
+            </p:pic>
+          </mc:Fallback>
+        </mc:AlternateContent>
+        <mc:AlternateContent xmlns:mc="http://schemas.openxmlformats.org/markup-compatibility/2006">
+          <mc:Choice xmlns:p14="http://schemas.microsoft.com/office/powerpoint/2010/main" Requires="p14">
+            <p:contentPart p14:bwMode="auto" r:id="rId34">
+              <p14:nvContentPartPr>
+                <p14:cNvPr id="26" name="Ink 25">
+                  <a:extLst>
+                    <a:ext uri="{FF2B5EF4-FFF2-40B4-BE49-F238E27FC236}">
+                      <a16:creationId xmlns:a16="http://schemas.microsoft.com/office/drawing/2014/main" id="{D76DD8A3-5FB9-09A1-FD6D-18749BF4F4B4}"/>
+                    </a:ext>
+                  </a:extLst>
+                </p14:cNvPr>
+                <p14:cNvContentPartPr/>
+                <p14:nvPr/>
+              </p14:nvContentPartPr>
+              <p14:xfrm>
+                <a:off x="3249936" y="4602600"/>
+                <a:ext cx="119160" cy="155880"/>
+              </p14:xfrm>
+            </p:contentPart>
+          </mc:Choice>
+          <mc:Fallback>
+            <p:pic>
+              <p:nvPicPr>
+                <p:cNvPr id="26" name="Ink 25">
+                  <a:extLst>
+                    <a:ext uri="{FF2B5EF4-FFF2-40B4-BE49-F238E27FC236}">
+                      <a16:creationId xmlns:a16="http://schemas.microsoft.com/office/drawing/2014/main" id="{D76DD8A3-5FB9-09A1-FD6D-18749BF4F4B4}"/>
+                    </a:ext>
+                  </a:extLst>
+                </p:cNvPr>
+                <p:cNvPicPr/>
+                <p:nvPr/>
+              </p:nvPicPr>
+              <p:blipFill>
+                <a:blip r:embed="rId35"/>
+                <a:stretch>
+                  <a:fillRect/>
+                </a:stretch>
+              </p:blipFill>
+              <p:spPr>
+                <a:xfrm>
+                  <a:off x="3240936" y="4593960"/>
+                  <a:ext cx="136800" cy="173520"/>
+                </a:xfrm>
+                <a:prstGeom prst="rect">
+                  <a:avLst/>
+                </a:prstGeom>
+              </p:spPr>
+            </p:pic>
+          </mc:Fallback>
+        </mc:AlternateContent>
+      </p:grpSp>
+      <mc:AlternateContent xmlns:mc="http://schemas.openxmlformats.org/markup-compatibility/2006">
+        <mc:Choice xmlns:p14="http://schemas.microsoft.com/office/powerpoint/2010/main" Requires="p14">
+          <p:contentPart p14:bwMode="auto" r:id="rId36">
+            <p14:nvContentPartPr>
+              <p14:cNvPr id="27" name="Ink 26">
+                <a:extLst>
+                  <a:ext uri="{FF2B5EF4-FFF2-40B4-BE49-F238E27FC236}">
+                    <a16:creationId xmlns:a16="http://schemas.microsoft.com/office/drawing/2014/main" id="{6368394A-420C-4C07-FCA9-8955F31145D3}"/>
+                  </a:ext>
+                </a:extLst>
+              </p14:cNvPr>
+              <p14:cNvContentPartPr/>
+              <p14:nvPr/>
+            </p14:nvContentPartPr>
+            <p14:xfrm>
+              <a:off x="3307176" y="5011560"/>
+              <a:ext cx="189720" cy="351360"/>
+            </p14:xfrm>
+          </p:contentPart>
+        </mc:Choice>
+        <mc:Fallback>
+          <p:pic>
+            <p:nvPicPr>
+              <p:cNvPr id="27" name="Ink 26">
+                <a:extLst>
+                  <a:ext uri="{FF2B5EF4-FFF2-40B4-BE49-F238E27FC236}">
+                    <a16:creationId xmlns:a16="http://schemas.microsoft.com/office/drawing/2014/main" id="{6368394A-420C-4C07-FCA9-8955F31145D3}"/>
+                  </a:ext>
+                </a:extLst>
+              </p:cNvPr>
+              <p:cNvPicPr/>
+              <p:nvPr/>
+            </p:nvPicPr>
+            <p:blipFill>
+              <a:blip r:embed="rId37"/>
+              <a:stretch>
+                <a:fillRect/>
+              </a:stretch>
+            </p:blipFill>
+            <p:spPr>
+              <a:xfrm>
+                <a:off x="3298176" y="5002560"/>
+                <a:ext cx="207360" cy="369000"/>
+              </a:xfrm>
+              <a:prstGeom prst="rect">
+                <a:avLst/>
+              </a:prstGeom>
+            </p:spPr>
+          </p:pic>
+        </mc:Fallback>
+      </mc:AlternateContent>
+    </p:spTree>
+    <p:extLst>
+      <p:ext uri="{BB962C8B-B14F-4D97-AF65-F5344CB8AC3E}">
+        <p14:creationId xmlns:p14="http://schemas.microsoft.com/office/powerpoint/2010/main" val="2947048498"/>
       </p:ext>
     </p:extLst>
   </p:cSld>

--- a/DSA/graphs.pptx
+++ b/DSA/graphs.pptx
@@ -13,6 +13,7 @@
     <p:sldId id="263" r:id="rId7"/>
     <p:sldId id="264" r:id="rId8"/>
     <p:sldId id="267" r:id="rId9"/>
+    <p:sldId id="268" r:id="rId10"/>
   </p:sldIdLst>
   <p:sldSz cx="12192000" cy="6858000"/>
   <p:notesSz cx="6858000" cy="9144000"/>
@@ -371,6 +372,90 @@
 </inkml:ink>
 </file>
 
+<file path=ppt/ink/ink107.xml><?xml version="1.0" encoding="utf-8"?>
+<inkml:ink xmlns:inkml="http://www.w3.org/2003/InkML">
+  <inkml:definitions>
+    <inkml:context xml:id="ctx0">
+      <inkml:inkSource xml:id="inkSrc0">
+        <inkml:traceFormat>
+          <inkml:channel name="X" type="integer" min="-2.14748E9" max="2.14748E9" units="cm"/>
+          <inkml:channel name="Y" type="integer" min="-2.14748E9" max="2.14748E9" units="cm"/>
+          <inkml:channel name="F" type="integer" max="32767" units="dev"/>
+        </inkml:traceFormat>
+        <inkml:channelProperties>
+          <inkml:channelProperty channel="X" name="resolution" value="1000" units="1/cm"/>
+          <inkml:channelProperty channel="Y" name="resolution" value="1000" units="1/cm"/>
+          <inkml:channelProperty channel="F" name="resolution" value="0" units="1/dev"/>
+        </inkml:channelProperties>
+      </inkml:inkSource>
+      <inkml:timestamp xml:id="ts0" timeString="2024-07-26T04:01:48.802"/>
+    </inkml:context>
+    <inkml:brush xml:id="br0">
+      <inkml:brushProperty name="width" value="0.05" units="cm"/>
+      <inkml:brushProperty name="height" value="0.05" units="cm"/>
+      <inkml:brushProperty name="color" value="#E71224"/>
+    </inkml:brush>
+  </inkml:definitions>
+  <inkml:trace contextRef="#ctx0" brushRef="#br0">0 81 24575,'31'0'0,"7"0"0,12-1 0,5-1 0,-2-2 0,-8-1 0,-10 1 0,-6 0 0,-3-1 0,1 0 0,-2-1 0,0 1 0,-3-1 0,-3 2 0,-1 0 0,-3 0 0,-1-1 0,-1 0 0,-3 0 0,-5 1 0,-1 2 0</inkml:trace>
+</inkml:ink>
+</file>
+
+<file path=ppt/ink/ink108.xml><?xml version="1.0" encoding="utf-8"?>
+<inkml:ink xmlns:inkml="http://www.w3.org/2003/InkML">
+  <inkml:definitions>
+    <inkml:context xml:id="ctx0">
+      <inkml:inkSource xml:id="inkSrc0">
+        <inkml:traceFormat>
+          <inkml:channel name="X" type="integer" min="-2.14748E9" max="2.14748E9" units="cm"/>
+          <inkml:channel name="Y" type="integer" min="-2.14748E9" max="2.14748E9" units="cm"/>
+          <inkml:channel name="F" type="integer" max="32767" units="dev"/>
+        </inkml:traceFormat>
+        <inkml:channelProperties>
+          <inkml:channelProperty channel="X" name="resolution" value="1000" units="1/cm"/>
+          <inkml:channelProperty channel="Y" name="resolution" value="1000" units="1/cm"/>
+          <inkml:channelProperty channel="F" name="resolution" value="0" units="1/dev"/>
+        </inkml:channelProperties>
+      </inkml:inkSource>
+      <inkml:timestamp xml:id="ts0" timeString="2024-07-26T04:01:50.686"/>
+    </inkml:context>
+    <inkml:brush xml:id="br0">
+      <inkml:brushProperty name="width" value="0.05" units="cm"/>
+      <inkml:brushProperty name="height" value="0.05" units="cm"/>
+      <inkml:brushProperty name="color" value="#E71224"/>
+    </inkml:brush>
+  </inkml:definitions>
+  <inkml:trace contextRef="#ctx0" brushRef="#br0">0 1 24575,'0'29'0,"0"5"0,0 9 0,0 5 0,0 2 0,0-1 0,0-4 0,0-11 0,0-11 0,0-7 0,0-4 0,2-4 0,0-4 0,5-3 0,3 0 0,6-1 0,5 0 0,4 0 0,3 0 0,-3 0 0,-3 0 0,-4 0 0,-2 0 0,2 0 0,3 0 0,2 0 0,2 0 0,-1 0 0,2 0 0,0 0 0,-2 0 0,1 0 0,-2 0 0,-4 0 0,0 0 0,-5 0 0,-2 0 0,-3-2 0,-4 0 0,-3-3 0,-2 2 0,0 1 0</inkml:trace>
+</inkml:ink>
+</file>
+
+<file path=ppt/ink/ink109.xml><?xml version="1.0" encoding="utf-8"?>
+<inkml:ink xmlns:inkml="http://www.w3.org/2003/InkML">
+  <inkml:definitions>
+    <inkml:context xml:id="ctx0">
+      <inkml:inkSource xml:id="inkSrc0">
+        <inkml:traceFormat>
+          <inkml:channel name="X" type="integer" min="-2.14748E9" max="2.14748E9" units="cm"/>
+          <inkml:channel name="Y" type="integer" min="-2.14748E9" max="2.14748E9" units="cm"/>
+          <inkml:channel name="F" type="integer" max="32767" units="dev"/>
+        </inkml:traceFormat>
+        <inkml:channelProperties>
+          <inkml:channelProperty channel="X" name="resolution" value="1000" units="1/cm"/>
+          <inkml:channelProperty channel="Y" name="resolution" value="1000" units="1/cm"/>
+          <inkml:channelProperty channel="F" name="resolution" value="0" units="1/dev"/>
+        </inkml:channelProperties>
+      </inkml:inkSource>
+      <inkml:timestamp xml:id="ts0" timeString="2024-07-26T04:01:51.990"/>
+    </inkml:context>
+    <inkml:brush xml:id="br0">
+      <inkml:brushProperty name="width" value="0.05" units="cm"/>
+      <inkml:brushProperty name="height" value="0.05" units="cm"/>
+      <inkml:brushProperty name="color" value="#E71224"/>
+    </inkml:brush>
+  </inkml:definitions>
+  <inkml:trace contextRef="#ctx0" brushRef="#br0">1 1 24575,'15'2'0,"19"6"0,17 7 0,11 8 0,-8 0 0,-16-4 0,-10-4 0,-11-6 0,-6-1 0,-6 0 0,-4 0 0,-3 1 0,-1 1 0,-3 1 0,-2 1 0,-2 2 0,-4 4 0,-2 6 0,-5 3 0,-3 6 0,-3 1 0,3-3 0,-2 0 0,4-5 0,6-6 0,4-9 0,8-12 0,2-3 0,2-1 0</inkml:trace>
+</inkml:ink>
+</file>
+
 <file path=ppt/ink/ink11.xml><?xml version="1.0" encoding="utf-8"?>
 <inkml:ink xmlns:inkml="http://www.w3.org/2003/InkML">
   <inkml:definitions>
@@ -396,6 +481,286 @@
     </inkml:brush>
   </inkml:definitions>
   <inkml:trace contextRef="#ctx0" brushRef="#br0">1 70 24575,'1'-10'0,"9"-4"0,9 0 0,13 0 0,8 4 0,-2 5 0,-5 3 0,-6 2 0,-6 1 0,-1 5 0,0 8 0,-3 6 0,-1 3 0,-5-3 0,-4 2 0,-5 7 0,-2 11 0,0 10 0,0 5 0,-3 0 0,-2-6 0,-4-8 0,0-11 0,2-7 0,3-8 0,3-5 0,1-1 0,0 0 0,0 2 0,0-4 0,8-9 0,17-18 0,22-21 0,19-16 0,0-4 0,-8 8 0,-18 16 0,-15 16 0,-13 12 0,-6 7 0</inkml:trace>
+</inkml:ink>
+</file>
+
+<file path=ppt/ink/ink110.xml><?xml version="1.0" encoding="utf-8"?>
+<inkml:ink xmlns:inkml="http://www.w3.org/2003/InkML">
+  <inkml:definitions>
+    <inkml:context xml:id="ctx0">
+      <inkml:inkSource xml:id="inkSrc0">
+        <inkml:traceFormat>
+          <inkml:channel name="X" type="integer" min="-2.14748E9" max="2.14748E9" units="cm"/>
+          <inkml:channel name="Y" type="integer" min="-2.14748E9" max="2.14748E9" units="cm"/>
+          <inkml:channel name="F" type="integer" max="32767" units="dev"/>
+        </inkml:traceFormat>
+        <inkml:channelProperties>
+          <inkml:channelProperty channel="X" name="resolution" value="1000" units="1/cm"/>
+          <inkml:channelProperty channel="Y" name="resolution" value="1000" units="1/cm"/>
+          <inkml:channelProperty channel="F" name="resolution" value="0" units="1/dev"/>
+        </inkml:channelProperties>
+      </inkml:inkSource>
+      <inkml:timestamp xml:id="ts0" timeString="2024-07-26T04:35:42.107"/>
+    </inkml:context>
+    <inkml:brush xml:id="br0">
+      <inkml:brushProperty name="width" value="0.05" units="cm"/>
+      <inkml:brushProperty name="height" value="0.05" units="cm"/>
+      <inkml:brushProperty name="color" value="#E71224"/>
+    </inkml:brush>
+  </inkml:definitions>
+  <inkml:trace contextRef="#ctx0" brushRef="#br0">1 0 24575,'0'18'0,"0"12"0,5 15 0,7 13 0,5 4 0,3-2 0,-5-9 0,-3-9 0,-4-11 0,-2-9 0,0-5 0,-3-4 0,1-2 0,0-3 0,0-3 0,2-1 0,-1-3 0,2 0 0,7-1 0,16 0 0,21 0 0,19 0 0,13 0 0,5 0 0,3-3 0,4-3 0,0-3 0,-9-3 0,-15 0 0,-21 2 0,-18 2 0,-10 2 0,-12 3 0,-4 2 0</inkml:trace>
+</inkml:ink>
+</file>
+
+<file path=ppt/ink/ink111.xml><?xml version="1.0" encoding="utf-8"?>
+<inkml:ink xmlns:inkml="http://www.w3.org/2003/InkML">
+  <inkml:definitions>
+    <inkml:context xml:id="ctx0">
+      <inkml:inkSource xml:id="inkSrc0">
+        <inkml:traceFormat>
+          <inkml:channel name="X" type="integer" min="-2.14748E9" max="2.14748E9" units="cm"/>
+          <inkml:channel name="Y" type="integer" min="-2.14748E9" max="2.14748E9" units="cm"/>
+          <inkml:channel name="F" type="integer" max="32767" units="dev"/>
+        </inkml:traceFormat>
+        <inkml:channelProperties>
+          <inkml:channelProperty channel="X" name="resolution" value="1000" units="1/cm"/>
+          <inkml:channelProperty channel="Y" name="resolution" value="1000" units="1/cm"/>
+          <inkml:channelProperty channel="F" name="resolution" value="0" units="1/dev"/>
+        </inkml:channelProperties>
+      </inkml:inkSource>
+      <inkml:timestamp xml:id="ts0" timeString="2024-07-26T04:35:43.307"/>
+    </inkml:context>
+    <inkml:brush xml:id="br0">
+      <inkml:brushProperty name="width" value="0.05" units="cm"/>
+      <inkml:brushProperty name="height" value="0.05" units="cm"/>
+      <inkml:brushProperty name="color" value="#E71224"/>
+    </inkml:brush>
+  </inkml:definitions>
+  <inkml:trace contextRef="#ctx0" brushRef="#br0">0 1 24575,'46'1'0,"23"7"0,-19 2 0,2 2 0,2 2 0,-2 2 0,40 18 0,-31-6 0,-29-8 0,-7-3 0,-7-4 0,-2-4 0,-7-2 0,-4 0 0,-3-2 0,-2 0 0,0 0 0,0 3 0,0 2 0,-2 2 0,-2 2 0,-6 3 0,-4 6 0,-2 3 0,-2 5 0,0 1 0,3-6 0,3-4 0,3-8 0,5-7 0,2-4 0</inkml:trace>
+</inkml:ink>
+</file>
+
+<file path=ppt/ink/ink112.xml><?xml version="1.0" encoding="utf-8"?>
+<inkml:ink xmlns:inkml="http://www.w3.org/2003/InkML">
+  <inkml:definitions>
+    <inkml:context xml:id="ctx0">
+      <inkml:inkSource xml:id="inkSrc0">
+        <inkml:traceFormat>
+          <inkml:channel name="X" type="integer" min="-2.14748E9" max="2.14748E9" units="cm"/>
+          <inkml:channel name="Y" type="integer" min="-2.14748E9" max="2.14748E9" units="cm"/>
+          <inkml:channel name="F" type="integer" max="32767" units="dev"/>
+        </inkml:traceFormat>
+        <inkml:channelProperties>
+          <inkml:channelProperty channel="X" name="resolution" value="1000" units="1/cm"/>
+          <inkml:channelProperty channel="Y" name="resolution" value="1000" units="1/cm"/>
+          <inkml:channelProperty channel="F" name="resolution" value="0" units="1/dev"/>
+        </inkml:channelProperties>
+      </inkml:inkSource>
+      <inkml:timestamp xml:id="ts0" timeString="2024-07-26T04:37:25.221"/>
+    </inkml:context>
+    <inkml:brush xml:id="br0">
+      <inkml:brushProperty name="width" value="0.05" units="cm"/>
+      <inkml:brushProperty name="height" value="0.05" units="cm"/>
+      <inkml:brushProperty name="color" value="#E71224"/>
+    </inkml:brush>
+  </inkml:definitions>
+  <inkml:trace contextRef="#ctx0" brushRef="#br0">0 0 24575,'0'0'0</inkml:trace>
+</inkml:ink>
+</file>
+
+<file path=ppt/ink/ink113.xml><?xml version="1.0" encoding="utf-8"?>
+<inkml:ink xmlns:inkml="http://www.w3.org/2003/InkML">
+  <inkml:definitions>
+    <inkml:context xml:id="ctx0">
+      <inkml:inkSource xml:id="inkSrc0">
+        <inkml:traceFormat>
+          <inkml:channel name="X" type="integer" min="-2.14748E9" max="2.14748E9" units="cm"/>
+          <inkml:channel name="Y" type="integer" min="-2.14748E9" max="2.14748E9" units="cm"/>
+          <inkml:channel name="F" type="integer" max="32767" units="dev"/>
+        </inkml:traceFormat>
+        <inkml:channelProperties>
+          <inkml:channelProperty channel="X" name="resolution" value="1000" units="1/cm"/>
+          <inkml:channelProperty channel="Y" name="resolution" value="1000" units="1/cm"/>
+          <inkml:channelProperty channel="F" name="resolution" value="0" units="1/dev"/>
+        </inkml:channelProperties>
+      </inkml:inkSource>
+      <inkml:timestamp xml:id="ts0" timeString="2024-07-26T04:37:26.689"/>
+    </inkml:context>
+    <inkml:brush xml:id="br0">
+      <inkml:brushProperty name="width" value="0.05" units="cm"/>
+      <inkml:brushProperty name="height" value="0.05" units="cm"/>
+      <inkml:brushProperty name="color" value="#E71224"/>
+    </inkml:brush>
+  </inkml:definitions>
+  <inkml:trace contextRef="#ctx0" brushRef="#br0">0 0 24575,'0'20'0,"0"3"0,0 8 0,0 0 0,1-4 0,1-5 0,-1-6 0,1-1 0,-1-1 0,0 0 0,0-1 0,1-1 0,-1 1 0,0 0 0,-1 4 0,2 1 0,0 2 0,0 1 0,-1 0 0,-1-1 0,1 1 0,1-2 0,0-2 0,0-1 0,-2-2 0,0 1 0,0 0 0,0-3 0,0-2 0,0-2 0,0-5 0,0-1 0</inkml:trace>
+</inkml:ink>
+</file>
+
+<file path=ppt/ink/ink114.xml><?xml version="1.0" encoding="utf-8"?>
+<inkml:ink xmlns:inkml="http://www.w3.org/2003/InkML">
+  <inkml:definitions>
+    <inkml:context xml:id="ctx0">
+      <inkml:inkSource xml:id="inkSrc0">
+        <inkml:traceFormat>
+          <inkml:channel name="X" type="integer" min="-2.14748E9" max="2.14748E9" units="cm"/>
+          <inkml:channel name="Y" type="integer" min="-2.14748E9" max="2.14748E9" units="cm"/>
+          <inkml:channel name="F" type="integer" max="32767" units="dev"/>
+        </inkml:traceFormat>
+        <inkml:channelProperties>
+          <inkml:channelProperty channel="X" name="resolution" value="1000" units="1/cm"/>
+          <inkml:channelProperty channel="Y" name="resolution" value="1000" units="1/cm"/>
+          <inkml:channelProperty channel="F" name="resolution" value="0" units="1/dev"/>
+        </inkml:channelProperties>
+      </inkml:inkSource>
+      <inkml:timestamp xml:id="ts0" timeString="2024-07-26T04:37:29.106"/>
+    </inkml:context>
+    <inkml:brush xml:id="br0">
+      <inkml:brushProperty name="width" value="0.05" units="cm"/>
+      <inkml:brushProperty name="height" value="0.05" units="cm"/>
+      <inkml:brushProperty name="color" value="#E71224"/>
+    </inkml:brush>
+  </inkml:definitions>
+  <inkml:trace contextRef="#ctx0" brushRef="#br0">60 0 24575,'0'20'0,"0"7"0,0 16 0,0 10 0,-2 2 0,-3 6 0,-2-7 0,-4-6 0,1-9 0,2-11 0,0-6 0,4-7 0,0-5 0,4-5 0,11-3 0,12-3 0,18-2 0,14-2 0,9-3 0,-2-1 0,-9-2 0,-12 1 0,-17 2 0,-8 1 0,-7 2 0,-7 0 0,-1 0 0,-1 0 0,0 0 0,0-2 0,0-1 0,0-1 0,0 3 0,0 7 0,0 11 0,0 15 0,0 11 0,0 4 0,0-3 0,0-6 0,0-4 0,0-6 0,0-4 0,0-2 0,0-3 0,0-2 0,0-2 0,0-2 0,0-8 0,0-14 0,0 8 0,0-12 0</inkml:trace>
+</inkml:ink>
+</file>
+
+<file path=ppt/ink/ink115.xml><?xml version="1.0" encoding="utf-8"?>
+<inkml:ink xmlns:inkml="http://www.w3.org/2003/InkML">
+  <inkml:definitions>
+    <inkml:context xml:id="ctx0">
+      <inkml:inkSource xml:id="inkSrc0">
+        <inkml:traceFormat>
+          <inkml:channel name="X" type="integer" min="-2.14748E9" max="2.14748E9" units="cm"/>
+          <inkml:channel name="Y" type="integer" min="-2.14748E9" max="2.14748E9" units="cm"/>
+          <inkml:channel name="F" type="integer" max="32767" units="dev"/>
+        </inkml:traceFormat>
+        <inkml:channelProperties>
+          <inkml:channelProperty channel="X" name="resolution" value="1000" units="1/cm"/>
+          <inkml:channelProperty channel="Y" name="resolution" value="1000" units="1/cm"/>
+          <inkml:channelProperty channel="F" name="resolution" value="0" units="1/dev"/>
+        </inkml:channelProperties>
+      </inkml:inkSource>
+      <inkml:timestamp xml:id="ts0" timeString="2024-07-26T04:37:31.072"/>
+    </inkml:context>
+    <inkml:brush xml:id="br0">
+      <inkml:brushProperty name="width" value="0.05" units="cm"/>
+      <inkml:brushProperty name="height" value="0.05" units="cm"/>
+      <inkml:brushProperty name="color" value="#E71224"/>
+    </inkml:brush>
+  </inkml:definitions>
+  <inkml:trace contextRef="#ctx0" brushRef="#br0">1836 0 24575,'0'31'0,"0"14"0,0 17 0,0 10 0,0 3 0,0-6 0,0-8 0,0-7 0,0-14 0,0-11 0,0-12 0,0-7 0,-1-2 0,-2-3 0,-16 1 0,-39 6 0,5-2 0,-10 0 0,-31 3 0,-9 0 0,24-5 0,-4-1 0,-1 0-298,-6-2 0,-1 0 0,1-2 298,3 0 0,1-2 0,3 0 0,11-1 0,1 0 0,3 0 0,-19 0 0,6 0 0,18 0 0,6 0 0,-25 0 0,30 0 0,28 0 0,12 0 0</inkml:trace>
+</inkml:ink>
+</file>
+
+<file path=ppt/ink/ink116.xml><?xml version="1.0" encoding="utf-8"?>
+<inkml:ink xmlns:inkml="http://www.w3.org/2003/InkML">
+  <inkml:definitions>
+    <inkml:context xml:id="ctx0">
+      <inkml:inkSource xml:id="inkSrc0">
+        <inkml:traceFormat>
+          <inkml:channel name="X" type="integer" min="-2.14748E9" max="2.14748E9" units="cm"/>
+          <inkml:channel name="Y" type="integer" min="-2.14748E9" max="2.14748E9" units="cm"/>
+          <inkml:channel name="F" type="integer" max="32767" units="dev"/>
+        </inkml:traceFormat>
+        <inkml:channelProperties>
+          <inkml:channelProperty channel="X" name="resolution" value="1000" units="1/cm"/>
+          <inkml:channelProperty channel="Y" name="resolution" value="1000" units="1/cm"/>
+          <inkml:channelProperty channel="F" name="resolution" value="0" units="1/dev"/>
+        </inkml:channelProperties>
+      </inkml:inkSource>
+      <inkml:timestamp xml:id="ts0" timeString="2024-07-26T04:37:32.421"/>
+    </inkml:context>
+    <inkml:brush xml:id="br0">
+      <inkml:brushProperty name="width" value="0.05" units="cm"/>
+      <inkml:brushProperty name="height" value="0.05" units="cm"/>
+      <inkml:brushProperty name="color" value="#E71224"/>
+    </inkml:brush>
+  </inkml:definitions>
+  <inkml:trace contextRef="#ctx0" brushRef="#br0">432 0 24575,'-25'8'0,"-4"5"0,-15 12 0,-13 14 0,-10 7 0,0 4 0,12-7 0,16-11 0,14-9 0,10-7 0,8-5 0,6-2 0,3-1 0,4 2 0,2 3 0,3 4 0,3 4 0,5 0 0,5 5 0,10 0 0,6 1 0,5-2 0,-1-3 0,-5-2 0,-6-2 0,-8-1 0,-7-5 0,-10-5 0,-3-3 0</inkml:trace>
+</inkml:ink>
+</file>
+
+<file path=ppt/ink/ink117.xml><?xml version="1.0" encoding="utf-8"?>
+<inkml:ink xmlns:inkml="http://www.w3.org/2003/InkML">
+  <inkml:definitions>
+    <inkml:context xml:id="ctx0">
+      <inkml:inkSource xml:id="inkSrc0">
+        <inkml:traceFormat>
+          <inkml:channel name="X" type="integer" min="-2.14748E9" max="2.14748E9" units="cm"/>
+          <inkml:channel name="Y" type="integer" min="-2.14748E9" max="2.14748E9" units="cm"/>
+          <inkml:channel name="F" type="integer" max="32767" units="dev"/>
+        </inkml:traceFormat>
+        <inkml:channelProperties>
+          <inkml:channelProperty channel="X" name="resolution" value="1000" units="1/cm"/>
+          <inkml:channelProperty channel="Y" name="resolution" value="1000" units="1/cm"/>
+          <inkml:channelProperty channel="F" name="resolution" value="0" units="1/dev"/>
+        </inkml:channelProperties>
+      </inkml:inkSource>
+      <inkml:timestamp xml:id="ts0" timeString="2024-07-26T04:37:33.739"/>
+    </inkml:context>
+    <inkml:brush xml:id="br0">
+      <inkml:brushProperty name="width" value="0.05" units="cm"/>
+      <inkml:brushProperty name="height" value="0.05" units="cm"/>
+      <inkml:brushProperty name="color" value="#E71224"/>
+    </inkml:brush>
+  </inkml:definitions>
+  <inkml:trace contextRef="#ctx0" brushRef="#br0">1 0 24575,'0'12'0,"0"7"0,3 10 0,4 5 0,4 3 0,4 4 0,2-2 0,-1-2 0,0-5 0,-3-8 0,-4-4 0,-1-3 0,-3-2 0,-1-8 0,-3 0 0</inkml:trace>
+</inkml:ink>
+</file>
+
+<file path=ppt/ink/ink118.xml><?xml version="1.0" encoding="utf-8"?>
+<inkml:ink xmlns:inkml="http://www.w3.org/2003/InkML">
+  <inkml:definitions>
+    <inkml:context xml:id="ctx0">
+      <inkml:inkSource xml:id="inkSrc0">
+        <inkml:traceFormat>
+          <inkml:channel name="X" type="integer" min="-2.14748E9" max="2.14748E9" units="cm"/>
+          <inkml:channel name="Y" type="integer" min="-2.14748E9" max="2.14748E9" units="cm"/>
+          <inkml:channel name="F" type="integer" max="32767" units="dev"/>
+        </inkml:traceFormat>
+        <inkml:channelProperties>
+          <inkml:channelProperty channel="X" name="resolution" value="1000" units="1/cm"/>
+          <inkml:channelProperty channel="Y" name="resolution" value="1000" units="1/cm"/>
+          <inkml:channelProperty channel="F" name="resolution" value="0" units="1/dev"/>
+        </inkml:channelProperties>
+      </inkml:inkSource>
+      <inkml:timestamp xml:id="ts0" timeString="2024-07-26T04:37:36.442"/>
+    </inkml:context>
+    <inkml:brush xml:id="br0">
+      <inkml:brushProperty name="width" value="0.05" units="cm"/>
+      <inkml:brushProperty name="height" value="0.05" units="cm"/>
+      <inkml:brushProperty name="color" value="#E71224"/>
+    </inkml:brush>
+  </inkml:definitions>
+  <inkml:trace contextRef="#ctx0" brushRef="#br0">0 15 24575,'0'12'0,"0"4"0,0 2 0,0 6 0,0 2 0,0 0 0,2-4 0,0-4 0,-1-6 0,1-5 0,-2-1 0,1-1 0,1-2 0,1-5 0,0-4 0,0-4 0,2 0 0,2 1 0,3-1 0,2 2 0,2-1 0,0-1 0,5 0 0,3-3 0,7 0 0,6-3 0,1 0 0,2 1 0,-3 1 0,-4 1 0,-6 2 0,-6 4 0,-3 2 0,-3 3 0,-3 1 0,-3 1 0,-1 2 0,-1 3 0,1 3 0,-2 5 0,-1 2 0,1 3 0,0 6 0,0 4 0,-2 3 0,0-1 0,-2 6 0,0-9 0,0 4 0,0-13 0,0-1 0,0-4 0,0-1 0,0 0 0,0 0 0,0-1 0,-1-2 0,0-1 0,-4-2 0,-3 1 0,-6-2 0,-5-1 0,-5 2 0,-2 0 0,-3 3 0,-3 1 0,-6 2 0,-4 1 0,1 1 0,4-1 0,11-3 0,7-3 0,7-3 0,5-3 0,-1 0 0,2-3 0,1-1 0,3 1 0,2-1 0</inkml:trace>
+</inkml:ink>
+</file>
+
+<file path=ppt/ink/ink119.xml><?xml version="1.0" encoding="utf-8"?>
+<inkml:ink xmlns:inkml="http://www.w3.org/2003/InkML">
+  <inkml:definitions>
+    <inkml:context xml:id="ctx0">
+      <inkml:inkSource xml:id="inkSrc0">
+        <inkml:traceFormat>
+          <inkml:channel name="X" type="integer" min="-2.14748E9" max="2.14748E9" units="cm"/>
+          <inkml:channel name="Y" type="integer" min="-2.14748E9" max="2.14748E9" units="cm"/>
+          <inkml:channel name="F" type="integer" max="32767" units="dev"/>
+        </inkml:traceFormat>
+        <inkml:channelProperties>
+          <inkml:channelProperty channel="X" name="resolution" value="1000" units="1/cm"/>
+          <inkml:channelProperty channel="Y" name="resolution" value="1000" units="1/cm"/>
+          <inkml:channelProperty channel="F" name="resolution" value="0" units="1/dev"/>
+        </inkml:channelProperties>
+      </inkml:inkSource>
+      <inkml:timestamp xml:id="ts0" timeString="2024-07-26T04:37:37.805"/>
+    </inkml:context>
+    <inkml:brush xml:id="br0">
+      <inkml:brushProperty name="width" value="0.05" units="cm"/>
+      <inkml:brushProperty name="height" value="0.05" units="cm"/>
+      <inkml:brushProperty name="color" value="#E71224"/>
+    </inkml:brush>
+  </inkml:definitions>
+  <inkml:trace contextRef="#ctx0" brushRef="#br0">0 216 24575,'12'3'0,"12"-5"0,20-15 0,17-14 0,5-11 0,-2 0 0,-16 8 0,-14 9 0,-11 10 0,-15 8 0,-2 4 0</inkml:trace>
 </inkml:ink>
 </file>
 
@@ -3236,7 +3601,7 @@
           <a:p>
             <a:fld id="{43349669-DBD3-0E4A-AF1C-1378E747EFFA}" type="datetimeFigureOut">
               <a:rPr lang="en-US" smtClean="0"/>
-              <a:t>7/25/24</a:t>
+              <a:t>7/26/24</a:t>
             </a:fld>
             <a:endParaRPr lang="en-US"/>
           </a:p>
@@ -3436,7 +3801,7 @@
           <a:p>
             <a:fld id="{43349669-DBD3-0E4A-AF1C-1378E747EFFA}" type="datetimeFigureOut">
               <a:rPr lang="en-US" smtClean="0"/>
-              <a:t>7/25/24</a:t>
+              <a:t>7/26/24</a:t>
             </a:fld>
             <a:endParaRPr lang="en-US"/>
           </a:p>
@@ -3646,7 +4011,7 @@
           <a:p>
             <a:fld id="{43349669-DBD3-0E4A-AF1C-1378E747EFFA}" type="datetimeFigureOut">
               <a:rPr lang="en-US" smtClean="0"/>
-              <a:t>7/25/24</a:t>
+              <a:t>7/26/24</a:t>
             </a:fld>
             <a:endParaRPr lang="en-US"/>
           </a:p>
@@ -3846,7 +4211,7 @@
           <a:p>
             <a:fld id="{43349669-DBD3-0E4A-AF1C-1378E747EFFA}" type="datetimeFigureOut">
               <a:rPr lang="en-US" smtClean="0"/>
-              <a:t>7/25/24</a:t>
+              <a:t>7/26/24</a:t>
             </a:fld>
             <a:endParaRPr lang="en-US"/>
           </a:p>
@@ -4122,7 +4487,7 @@
           <a:p>
             <a:fld id="{43349669-DBD3-0E4A-AF1C-1378E747EFFA}" type="datetimeFigureOut">
               <a:rPr lang="en-US" smtClean="0"/>
-              <a:t>7/25/24</a:t>
+              <a:t>7/26/24</a:t>
             </a:fld>
             <a:endParaRPr lang="en-US"/>
           </a:p>
@@ -4390,7 +4755,7 @@
           <a:p>
             <a:fld id="{43349669-DBD3-0E4A-AF1C-1378E747EFFA}" type="datetimeFigureOut">
               <a:rPr lang="en-US" smtClean="0"/>
-              <a:t>7/25/24</a:t>
+              <a:t>7/26/24</a:t>
             </a:fld>
             <a:endParaRPr lang="en-US"/>
           </a:p>
@@ -4805,7 +5170,7 @@
           <a:p>
             <a:fld id="{43349669-DBD3-0E4A-AF1C-1378E747EFFA}" type="datetimeFigureOut">
               <a:rPr lang="en-US" smtClean="0"/>
-              <a:t>7/25/24</a:t>
+              <a:t>7/26/24</a:t>
             </a:fld>
             <a:endParaRPr lang="en-US"/>
           </a:p>
@@ -4947,7 +5312,7 @@
           <a:p>
             <a:fld id="{43349669-DBD3-0E4A-AF1C-1378E747EFFA}" type="datetimeFigureOut">
               <a:rPr lang="en-US" smtClean="0"/>
-              <a:t>7/25/24</a:t>
+              <a:t>7/26/24</a:t>
             </a:fld>
             <a:endParaRPr lang="en-US"/>
           </a:p>
@@ -5060,7 +5425,7 @@
           <a:p>
             <a:fld id="{43349669-DBD3-0E4A-AF1C-1378E747EFFA}" type="datetimeFigureOut">
               <a:rPr lang="en-US" smtClean="0"/>
-              <a:t>7/25/24</a:t>
+              <a:t>7/26/24</a:t>
             </a:fld>
             <a:endParaRPr lang="en-US"/>
           </a:p>
@@ -5373,7 +5738,7 @@
           <a:p>
             <a:fld id="{43349669-DBD3-0E4A-AF1C-1378E747EFFA}" type="datetimeFigureOut">
               <a:rPr lang="en-US" smtClean="0"/>
-              <a:t>7/25/24</a:t>
+              <a:t>7/26/24</a:t>
             </a:fld>
             <a:endParaRPr lang="en-US"/>
           </a:p>
@@ -5662,7 +6027,7 @@
           <a:p>
             <a:fld id="{43349669-DBD3-0E4A-AF1C-1378E747EFFA}" type="datetimeFigureOut">
               <a:rPr lang="en-US" smtClean="0"/>
-              <a:t>7/25/24</a:t>
+              <a:t>7/26/24</a:t>
             </a:fld>
             <a:endParaRPr lang="en-US"/>
           </a:p>
@@ -5905,7 +6270,7 @@
           <a:p>
             <a:fld id="{43349669-DBD3-0E4A-AF1C-1378E747EFFA}" type="datetimeFigureOut">
               <a:rPr lang="en-US" smtClean="0"/>
-              <a:t>7/25/24</a:t>
+              <a:t>7/26/24</a:t>
             </a:fld>
             <a:endParaRPr lang="en-US"/>
           </a:p>
@@ -14535,8 +14900,8 @@
             <a:chExt cx="677160" cy="470160"/>
           </a:xfrm>
         </p:grpSpPr>
-        <mc:AlternateContent xmlns:mc="http://schemas.openxmlformats.org/markup-compatibility/2006">
-          <mc:Choice xmlns:p14="http://schemas.microsoft.com/office/powerpoint/2010/main" Requires="p14">
+        <mc:AlternateContent xmlns:mc="http://schemas.openxmlformats.org/markup-compatibility/2006" xmlns:p14="http://schemas.microsoft.com/office/powerpoint/2010/main">
+          <mc:Choice Requires="p14">
             <p:contentPart p14:bwMode="auto" r:id="rId2">
               <p14:nvContentPartPr>
                 <p14:cNvPr id="4" name="Ink 3">
@@ -14555,7 +14920,7 @@
               </p14:xfrm>
             </p:contentPart>
           </mc:Choice>
-          <mc:Fallback>
+          <mc:Fallback xmlns="">
             <p:pic>
               <p:nvPicPr>
                 <p:cNvPr id="4" name="Ink 3">
@@ -14586,8 +14951,8 @@
             </p:pic>
           </mc:Fallback>
         </mc:AlternateContent>
-        <mc:AlternateContent xmlns:mc="http://schemas.openxmlformats.org/markup-compatibility/2006">
-          <mc:Choice xmlns:p14="http://schemas.microsoft.com/office/powerpoint/2010/main" Requires="p14">
+        <mc:AlternateContent xmlns:mc="http://schemas.openxmlformats.org/markup-compatibility/2006" xmlns:p14="http://schemas.microsoft.com/office/powerpoint/2010/main">
+          <mc:Choice Requires="p14">
             <p:contentPart p14:bwMode="auto" r:id="rId4">
               <p14:nvContentPartPr>
                 <p14:cNvPr id="5" name="Ink 4">
@@ -14606,7 +14971,7 @@
               </p14:xfrm>
             </p:contentPart>
           </mc:Choice>
-          <mc:Fallback>
+          <mc:Fallback xmlns="">
             <p:pic>
               <p:nvPicPr>
                 <p:cNvPr id="5" name="Ink 4">
@@ -14658,8 +15023,8 @@
             <a:chExt cx="289800" cy="382680"/>
           </a:xfrm>
         </p:grpSpPr>
-        <mc:AlternateContent xmlns:mc="http://schemas.openxmlformats.org/markup-compatibility/2006">
-          <mc:Choice xmlns:p14="http://schemas.microsoft.com/office/powerpoint/2010/main" Requires="p14">
+        <mc:AlternateContent xmlns:mc="http://schemas.openxmlformats.org/markup-compatibility/2006" xmlns:p14="http://schemas.microsoft.com/office/powerpoint/2010/main">
+          <mc:Choice Requires="p14">
             <p:contentPart p14:bwMode="auto" r:id="rId6">
               <p14:nvContentPartPr>
                 <p14:cNvPr id="7" name="Ink 6">
@@ -14678,7 +15043,7 @@
               </p14:xfrm>
             </p:contentPart>
           </mc:Choice>
-          <mc:Fallback>
+          <mc:Fallback xmlns="">
             <p:pic>
               <p:nvPicPr>
                 <p:cNvPr id="7" name="Ink 6">
@@ -14709,8 +15074,8 @@
             </p:pic>
           </mc:Fallback>
         </mc:AlternateContent>
-        <mc:AlternateContent xmlns:mc="http://schemas.openxmlformats.org/markup-compatibility/2006">
-          <mc:Choice xmlns:p14="http://schemas.microsoft.com/office/powerpoint/2010/main" Requires="p14">
+        <mc:AlternateContent xmlns:mc="http://schemas.openxmlformats.org/markup-compatibility/2006" xmlns:p14="http://schemas.microsoft.com/office/powerpoint/2010/main">
+          <mc:Choice Requires="p14">
             <p:contentPart p14:bwMode="auto" r:id="rId8">
               <p14:nvContentPartPr>
                 <p14:cNvPr id="8" name="Ink 7">
@@ -14729,7 +15094,7 @@
               </p14:xfrm>
             </p:contentPart>
           </mc:Choice>
-          <mc:Fallback>
+          <mc:Fallback xmlns="">
             <p:pic>
               <p:nvPicPr>
                 <p:cNvPr id="8" name="Ink 7">
@@ -14761,8 +15126,8 @@
           </mc:Fallback>
         </mc:AlternateContent>
       </p:grpSp>
-      <mc:AlternateContent xmlns:mc="http://schemas.openxmlformats.org/markup-compatibility/2006">
-        <mc:Choice xmlns:p14="http://schemas.microsoft.com/office/powerpoint/2010/main" Requires="p14">
+      <mc:AlternateContent xmlns:mc="http://schemas.openxmlformats.org/markup-compatibility/2006" xmlns:p14="http://schemas.microsoft.com/office/powerpoint/2010/main">
+        <mc:Choice Requires="p14">
           <p:contentPart p14:bwMode="auto" r:id="rId10">
             <p14:nvContentPartPr>
               <p14:cNvPr id="10" name="Ink 9">
@@ -14781,7 +15146,7 @@
             </p14:xfrm>
           </p:contentPart>
         </mc:Choice>
-        <mc:Fallback>
+        <mc:Fallback xmlns="">
           <p:pic>
             <p:nvPicPr>
               <p:cNvPr id="10" name="Ink 9">
@@ -14832,8 +15197,8 @@
             <a:chExt cx="340560" cy="391680"/>
           </a:xfrm>
         </p:grpSpPr>
-        <mc:AlternateContent xmlns:mc="http://schemas.openxmlformats.org/markup-compatibility/2006">
-          <mc:Choice xmlns:p14="http://schemas.microsoft.com/office/powerpoint/2010/main" Requires="p14">
+        <mc:AlternateContent xmlns:mc="http://schemas.openxmlformats.org/markup-compatibility/2006" xmlns:p14="http://schemas.microsoft.com/office/powerpoint/2010/main">
+          <mc:Choice Requires="p14">
             <p:contentPart p14:bwMode="auto" r:id="rId12">
               <p14:nvContentPartPr>
                 <p14:cNvPr id="11" name="Ink 10">
@@ -14852,7 +15217,7 @@
               </p14:xfrm>
             </p:contentPart>
           </mc:Choice>
-          <mc:Fallback>
+          <mc:Fallback xmlns="">
             <p:pic>
               <p:nvPicPr>
                 <p:cNvPr id="11" name="Ink 10">
@@ -14883,8 +15248,8 @@
             </p:pic>
           </mc:Fallback>
         </mc:AlternateContent>
-        <mc:AlternateContent xmlns:mc="http://schemas.openxmlformats.org/markup-compatibility/2006">
-          <mc:Choice xmlns:p14="http://schemas.microsoft.com/office/powerpoint/2010/main" Requires="p14">
+        <mc:AlternateContent xmlns:mc="http://schemas.openxmlformats.org/markup-compatibility/2006" xmlns:p14="http://schemas.microsoft.com/office/powerpoint/2010/main">
+          <mc:Choice Requires="p14">
             <p:contentPart p14:bwMode="auto" r:id="rId14">
               <p14:nvContentPartPr>
                 <p14:cNvPr id="12" name="Ink 11">
@@ -14903,7 +15268,7 @@
               </p14:xfrm>
             </p:contentPart>
           </mc:Choice>
-          <mc:Fallback>
+          <mc:Fallback xmlns="">
             <p:pic>
               <p:nvPicPr>
                 <p:cNvPr id="12" name="Ink 11">
@@ -14955,8 +15320,8 @@
             <a:chExt cx="232920" cy="372600"/>
           </a:xfrm>
         </p:grpSpPr>
-        <mc:AlternateContent xmlns:mc="http://schemas.openxmlformats.org/markup-compatibility/2006">
-          <mc:Choice xmlns:p14="http://schemas.microsoft.com/office/powerpoint/2010/main" Requires="p14">
+        <mc:AlternateContent xmlns:mc="http://schemas.openxmlformats.org/markup-compatibility/2006" xmlns:p14="http://schemas.microsoft.com/office/powerpoint/2010/main">
+          <mc:Choice Requires="p14">
             <p:contentPart p14:bwMode="auto" r:id="rId16">
               <p14:nvContentPartPr>
                 <p14:cNvPr id="14" name="Ink 13">
@@ -14975,7 +15340,7 @@
               </p14:xfrm>
             </p:contentPart>
           </mc:Choice>
-          <mc:Fallback>
+          <mc:Fallback xmlns="">
             <p:pic>
               <p:nvPicPr>
                 <p:cNvPr id="14" name="Ink 13">
@@ -15006,8 +15371,8 @@
             </p:pic>
           </mc:Fallback>
         </mc:AlternateContent>
-        <mc:AlternateContent xmlns:mc="http://schemas.openxmlformats.org/markup-compatibility/2006">
-          <mc:Choice xmlns:p14="http://schemas.microsoft.com/office/powerpoint/2010/main" Requires="p14">
+        <mc:AlternateContent xmlns:mc="http://schemas.openxmlformats.org/markup-compatibility/2006" xmlns:p14="http://schemas.microsoft.com/office/powerpoint/2010/main">
+          <mc:Choice Requires="p14">
             <p:contentPart p14:bwMode="auto" r:id="rId18">
               <p14:nvContentPartPr>
                 <p14:cNvPr id="15" name="Ink 14">
@@ -15026,7 +15391,7 @@
               </p14:xfrm>
             </p:contentPart>
           </mc:Choice>
-          <mc:Fallback>
+          <mc:Fallback xmlns="">
             <p:pic>
               <p:nvPicPr>
                 <p:cNvPr id="15" name="Ink 14">
@@ -15078,8 +15443,8 @@
             <a:chExt cx="1227960" cy="1754280"/>
           </a:xfrm>
         </p:grpSpPr>
-        <mc:AlternateContent xmlns:mc="http://schemas.openxmlformats.org/markup-compatibility/2006">
-          <mc:Choice xmlns:p14="http://schemas.microsoft.com/office/powerpoint/2010/main" Requires="p14">
+        <mc:AlternateContent xmlns:mc="http://schemas.openxmlformats.org/markup-compatibility/2006" xmlns:p14="http://schemas.microsoft.com/office/powerpoint/2010/main">
+          <mc:Choice Requires="p14">
             <p:contentPart p14:bwMode="auto" r:id="rId20">
               <p14:nvContentPartPr>
                 <p14:cNvPr id="17" name="Ink 16">
@@ -15098,7 +15463,7 @@
               </p14:xfrm>
             </p:contentPart>
           </mc:Choice>
-          <mc:Fallback>
+          <mc:Fallback xmlns="">
             <p:pic>
               <p:nvPicPr>
                 <p:cNvPr id="17" name="Ink 16">
@@ -15129,8 +15494,8 @@
             </p:pic>
           </mc:Fallback>
         </mc:AlternateContent>
-        <mc:AlternateContent xmlns:mc="http://schemas.openxmlformats.org/markup-compatibility/2006">
-          <mc:Choice xmlns:p14="http://schemas.microsoft.com/office/powerpoint/2010/main" Requires="p14">
+        <mc:AlternateContent xmlns:mc="http://schemas.openxmlformats.org/markup-compatibility/2006" xmlns:p14="http://schemas.microsoft.com/office/powerpoint/2010/main">
+          <mc:Choice Requires="p14">
             <p:contentPart p14:bwMode="auto" r:id="rId22">
               <p14:nvContentPartPr>
                 <p14:cNvPr id="18" name="Ink 17">
@@ -15149,7 +15514,7 @@
               </p14:xfrm>
             </p:contentPart>
           </mc:Choice>
-          <mc:Fallback>
+          <mc:Fallback xmlns="">
             <p:pic>
               <p:nvPicPr>
                 <p:cNvPr id="18" name="Ink 17">
@@ -15180,8 +15545,8 @@
             </p:pic>
           </mc:Fallback>
         </mc:AlternateContent>
-        <mc:AlternateContent xmlns:mc="http://schemas.openxmlformats.org/markup-compatibility/2006">
-          <mc:Choice xmlns:p14="http://schemas.microsoft.com/office/powerpoint/2010/main" Requires="p14">
+        <mc:AlternateContent xmlns:mc="http://schemas.openxmlformats.org/markup-compatibility/2006" xmlns:p14="http://schemas.microsoft.com/office/powerpoint/2010/main">
+          <mc:Choice Requires="p14">
             <p:contentPart p14:bwMode="auto" r:id="rId24">
               <p14:nvContentPartPr>
                 <p14:cNvPr id="20" name="Ink 19">
@@ -15200,7 +15565,7 @@
               </p14:xfrm>
             </p:contentPart>
           </mc:Choice>
-          <mc:Fallback>
+          <mc:Fallback xmlns="">
             <p:pic>
               <p:nvPicPr>
                 <p:cNvPr id="20" name="Ink 19">
@@ -15231,8 +15596,8 @@
             </p:pic>
           </mc:Fallback>
         </mc:AlternateContent>
-        <mc:AlternateContent xmlns:mc="http://schemas.openxmlformats.org/markup-compatibility/2006">
-          <mc:Choice xmlns:p14="http://schemas.microsoft.com/office/powerpoint/2010/main" Requires="p14">
+        <mc:AlternateContent xmlns:mc="http://schemas.openxmlformats.org/markup-compatibility/2006" xmlns:p14="http://schemas.microsoft.com/office/powerpoint/2010/main">
+          <mc:Choice Requires="p14">
             <p:contentPart p14:bwMode="auto" r:id="rId26">
               <p14:nvContentPartPr>
                 <p14:cNvPr id="21" name="Ink 20">
@@ -15251,7 +15616,7 @@
               </p14:xfrm>
             </p:contentPart>
           </mc:Choice>
-          <mc:Fallback>
+          <mc:Fallback xmlns="">
             <p:pic>
               <p:nvPicPr>
                 <p:cNvPr id="21" name="Ink 20">
@@ -15282,8 +15647,8 @@
             </p:pic>
           </mc:Fallback>
         </mc:AlternateContent>
-        <mc:AlternateContent xmlns:mc="http://schemas.openxmlformats.org/markup-compatibility/2006">
-          <mc:Choice xmlns:p14="http://schemas.microsoft.com/office/powerpoint/2010/main" Requires="p14">
+        <mc:AlternateContent xmlns:mc="http://schemas.openxmlformats.org/markup-compatibility/2006" xmlns:p14="http://schemas.microsoft.com/office/powerpoint/2010/main">
+          <mc:Choice Requires="p14">
             <p:contentPart p14:bwMode="auto" r:id="rId28">
               <p14:nvContentPartPr>
                 <p14:cNvPr id="22" name="Ink 21">
@@ -15302,7 +15667,7 @@
               </p14:xfrm>
             </p:contentPart>
           </mc:Choice>
-          <mc:Fallback>
+          <mc:Fallback xmlns="">
             <p:pic>
               <p:nvPicPr>
                 <p:cNvPr id="22" name="Ink 21">
@@ -15333,8 +15698,8 @@
             </p:pic>
           </mc:Fallback>
         </mc:AlternateContent>
-        <mc:AlternateContent xmlns:mc="http://schemas.openxmlformats.org/markup-compatibility/2006">
-          <mc:Choice xmlns:p14="http://schemas.microsoft.com/office/powerpoint/2010/main" Requires="p14">
+        <mc:AlternateContent xmlns:mc="http://schemas.openxmlformats.org/markup-compatibility/2006" xmlns:p14="http://schemas.microsoft.com/office/powerpoint/2010/main">
+          <mc:Choice Requires="p14">
             <p:contentPart p14:bwMode="auto" r:id="rId30">
               <p14:nvContentPartPr>
                 <p14:cNvPr id="23" name="Ink 22">
@@ -15353,7 +15718,7 @@
               </p14:xfrm>
             </p:contentPart>
           </mc:Choice>
-          <mc:Fallback>
+          <mc:Fallback xmlns="">
             <p:pic>
               <p:nvPicPr>
                 <p:cNvPr id="23" name="Ink 22">
@@ -15405,8 +15770,8 @@
             <a:chExt cx="311400" cy="306720"/>
           </a:xfrm>
         </p:grpSpPr>
-        <mc:AlternateContent xmlns:mc="http://schemas.openxmlformats.org/markup-compatibility/2006">
-          <mc:Choice xmlns:p14="http://schemas.microsoft.com/office/powerpoint/2010/main" Requires="p14">
+        <mc:AlternateContent xmlns:mc="http://schemas.openxmlformats.org/markup-compatibility/2006" xmlns:p14="http://schemas.microsoft.com/office/powerpoint/2010/main">
+          <mc:Choice Requires="p14">
             <p:contentPart p14:bwMode="auto" r:id="rId32">
               <p14:nvContentPartPr>
                 <p14:cNvPr id="25" name="Ink 24">
@@ -15425,7 +15790,7 @@
               </p14:xfrm>
             </p:contentPart>
           </mc:Choice>
-          <mc:Fallback>
+          <mc:Fallback xmlns="">
             <p:pic>
               <p:nvPicPr>
                 <p:cNvPr id="25" name="Ink 24">
@@ -15456,8 +15821,8 @@
             </p:pic>
           </mc:Fallback>
         </mc:AlternateContent>
-        <mc:AlternateContent xmlns:mc="http://schemas.openxmlformats.org/markup-compatibility/2006">
-          <mc:Choice xmlns:p14="http://schemas.microsoft.com/office/powerpoint/2010/main" Requires="p14">
+        <mc:AlternateContent xmlns:mc="http://schemas.openxmlformats.org/markup-compatibility/2006" xmlns:p14="http://schemas.microsoft.com/office/powerpoint/2010/main">
+          <mc:Choice Requires="p14">
             <p:contentPart p14:bwMode="auto" r:id="rId34">
               <p14:nvContentPartPr>
                 <p14:cNvPr id="26" name="Ink 25">
@@ -15476,7 +15841,7 @@
               </p14:xfrm>
             </p:contentPart>
           </mc:Choice>
-          <mc:Fallback>
+          <mc:Fallback xmlns="">
             <p:pic>
               <p:nvPicPr>
                 <p:cNvPr id="26" name="Ink 25">
@@ -15508,8 +15873,8 @@
           </mc:Fallback>
         </mc:AlternateContent>
       </p:grpSp>
-      <mc:AlternateContent xmlns:mc="http://schemas.openxmlformats.org/markup-compatibility/2006">
-        <mc:Choice xmlns:p14="http://schemas.microsoft.com/office/powerpoint/2010/main" Requires="p14">
+      <mc:AlternateContent xmlns:mc="http://schemas.openxmlformats.org/markup-compatibility/2006" xmlns:p14="http://schemas.microsoft.com/office/powerpoint/2010/main">
+        <mc:Choice Requires="p14">
           <p:contentPart p14:bwMode="auto" r:id="rId36">
             <p14:nvContentPartPr>
               <p14:cNvPr id="27" name="Ink 26">
@@ -15528,7 +15893,7 @@
             </p14:xfrm>
           </p:contentPart>
         </mc:Choice>
-        <mc:Fallback>
+        <mc:Fallback xmlns="">
           <p:pic>
             <p:nvPicPr>
               <p:cNvPr id="27" name="Ink 26">
@@ -15563,6 +15928,2195 @@
     <p:extLst>
       <p:ext uri="{BB962C8B-B14F-4D97-AF65-F5344CB8AC3E}">
         <p14:creationId xmlns:p14="http://schemas.microsoft.com/office/powerpoint/2010/main" val="2947048498"/>
+      </p:ext>
+    </p:extLst>
+  </p:cSld>
+  <p:clrMapOvr>
+    <a:masterClrMapping/>
+  </p:clrMapOvr>
+</p:sld>
+</file>
+
+<file path=ppt/slides/slide9.xml><?xml version="1.0" encoding="utf-8"?>
+<p:sld xmlns:a="http://schemas.openxmlformats.org/drawingml/2006/main" xmlns:r="http://schemas.openxmlformats.org/officeDocument/2006/relationships" xmlns:p="http://schemas.openxmlformats.org/presentationml/2006/main">
+  <p:cSld>
+    <p:spTree>
+      <p:nvGrpSpPr>
+        <p:cNvPr id="1" name=""/>
+        <p:cNvGrpSpPr/>
+        <p:nvPr/>
+      </p:nvGrpSpPr>
+      <p:grpSpPr>
+        <a:xfrm>
+          <a:off x="0" y="0"/>
+          <a:ext cx="0" cy="0"/>
+          <a:chOff x="0" y="0"/>
+          <a:chExt cx="0" cy="0"/>
+        </a:xfrm>
+      </p:grpSpPr>
+      <p:sp>
+        <p:nvSpPr>
+          <p:cNvPr id="19" name="TextBox 18">
+            <a:extLst>
+              <a:ext uri="{FF2B5EF4-FFF2-40B4-BE49-F238E27FC236}">
+                <a16:creationId xmlns:a16="http://schemas.microsoft.com/office/drawing/2014/main" id="{958EFE7E-70D5-D70A-FCC3-520079707C82}"/>
+              </a:ext>
+            </a:extLst>
+          </p:cNvPr>
+          <p:cNvSpPr txBox="1"/>
+          <p:nvPr/>
+        </p:nvSpPr>
+        <p:spPr>
+          <a:xfrm>
+            <a:off x="7871381" y="813864"/>
+            <a:ext cx="2563522" cy="369332"/>
+          </a:xfrm>
+          <a:prstGeom prst="rect">
+            <a:avLst/>
+          </a:prstGeom>
+          <a:noFill/>
+        </p:spPr>
+        <p:txBody>
+          <a:bodyPr wrap="none" rtlCol="0">
+            <a:spAutoFit/>
+          </a:bodyPr>
+          <a:lstStyle/>
+          <a:p>
+            <a:r>
+              <a:rPr lang="en-US" dirty="0"/>
+              <a:t>6, 8, 19, 1, 3, 21, 17, 28,</a:t>
+            </a:r>
+          </a:p>
+        </p:txBody>
+      </p:sp>
+      <p:sp>
+        <p:nvSpPr>
+          <p:cNvPr id="20" name="TextBox 19">
+            <a:extLst>
+              <a:ext uri="{FF2B5EF4-FFF2-40B4-BE49-F238E27FC236}">
+                <a16:creationId xmlns:a16="http://schemas.microsoft.com/office/drawing/2014/main" id="{55D85A70-21D1-76E3-936C-197AEFD35647}"/>
+              </a:ext>
+            </a:extLst>
+          </p:cNvPr>
+          <p:cNvSpPr txBox="1"/>
+          <p:nvPr/>
+        </p:nvSpPr>
+        <p:spPr>
+          <a:xfrm>
+            <a:off x="782425" y="659876"/>
+            <a:ext cx="1133644" cy="369332"/>
+          </a:xfrm>
+          <a:prstGeom prst="rect">
+            <a:avLst/>
+          </a:prstGeom>
+          <a:noFill/>
+        </p:spPr>
+        <p:txBody>
+          <a:bodyPr wrap="none" rtlCol="0">
+            <a:spAutoFit/>
+          </a:bodyPr>
+          <a:lstStyle/>
+          <a:p>
+            <a:r>
+              <a:rPr lang="en-US" dirty="0"/>
+              <a:t>Min Heap</a:t>
+            </a:r>
+          </a:p>
+        </p:txBody>
+      </p:sp>
+      <p:sp>
+        <p:nvSpPr>
+          <p:cNvPr id="21" name="TextBox 20">
+            <a:extLst>
+              <a:ext uri="{FF2B5EF4-FFF2-40B4-BE49-F238E27FC236}">
+                <a16:creationId xmlns:a16="http://schemas.microsoft.com/office/drawing/2014/main" id="{FED17550-F65C-D4EB-77EF-5880A862D447}"/>
+              </a:ext>
+            </a:extLst>
+          </p:cNvPr>
+          <p:cNvSpPr txBox="1"/>
+          <p:nvPr/>
+        </p:nvSpPr>
+        <p:spPr>
+          <a:xfrm>
+            <a:off x="3770722" y="1857080"/>
+            <a:ext cx="308098" cy="369332"/>
+          </a:xfrm>
+          <a:prstGeom prst="rect">
+            <a:avLst/>
+          </a:prstGeom>
+          <a:noFill/>
+        </p:spPr>
+        <p:txBody>
+          <a:bodyPr wrap="none" rtlCol="0">
+            <a:spAutoFit/>
+          </a:bodyPr>
+          <a:lstStyle/>
+          <a:p>
+            <a:r>
+              <a:rPr lang="en-US" dirty="0"/>
+              <a:t>1</a:t>
+            </a:r>
+          </a:p>
+        </p:txBody>
+      </p:sp>
+      <p:sp>
+        <p:nvSpPr>
+          <p:cNvPr id="22" name="TextBox 21">
+            <a:extLst>
+              <a:ext uri="{FF2B5EF4-FFF2-40B4-BE49-F238E27FC236}">
+                <a16:creationId xmlns:a16="http://schemas.microsoft.com/office/drawing/2014/main" id="{3864871C-4471-9109-0223-3F83F22E9964}"/>
+              </a:ext>
+            </a:extLst>
+          </p:cNvPr>
+          <p:cNvSpPr txBox="1"/>
+          <p:nvPr/>
+        </p:nvSpPr>
+        <p:spPr>
+          <a:xfrm>
+            <a:off x="3074866" y="2648932"/>
+            <a:ext cx="308098" cy="369332"/>
+          </a:xfrm>
+          <a:prstGeom prst="rect">
+            <a:avLst/>
+          </a:prstGeom>
+          <a:noFill/>
+        </p:spPr>
+        <p:txBody>
+          <a:bodyPr wrap="none" rtlCol="0">
+            <a:spAutoFit/>
+          </a:bodyPr>
+          <a:lstStyle/>
+          <a:p>
+            <a:r>
+              <a:rPr lang="en-US" dirty="0"/>
+              <a:t>6</a:t>
+            </a:r>
+          </a:p>
+        </p:txBody>
+      </p:sp>
+      <p:sp>
+        <p:nvSpPr>
+          <p:cNvPr id="23" name="TextBox 22">
+            <a:extLst>
+              <a:ext uri="{FF2B5EF4-FFF2-40B4-BE49-F238E27FC236}">
+                <a16:creationId xmlns:a16="http://schemas.microsoft.com/office/drawing/2014/main" id="{E22CF256-5DDC-1A8F-2C0D-EB03659A9E33}"/>
+              </a:ext>
+            </a:extLst>
+          </p:cNvPr>
+          <p:cNvSpPr txBox="1"/>
+          <p:nvPr/>
+        </p:nvSpPr>
+        <p:spPr>
+          <a:xfrm>
+            <a:off x="4279769" y="2637819"/>
+            <a:ext cx="308098" cy="369332"/>
+          </a:xfrm>
+          <a:prstGeom prst="rect">
+            <a:avLst/>
+          </a:prstGeom>
+          <a:noFill/>
+        </p:spPr>
+        <p:txBody>
+          <a:bodyPr wrap="none" rtlCol="0">
+            <a:spAutoFit/>
+          </a:bodyPr>
+          <a:lstStyle/>
+          <a:p>
+            <a:r>
+              <a:rPr lang="en-US" dirty="0"/>
+              <a:t>3</a:t>
+            </a:r>
+          </a:p>
+        </p:txBody>
+      </p:sp>
+      <p:cxnSp>
+        <p:nvCxnSpPr>
+          <p:cNvPr id="26" name="Straight Arrow Connector 25">
+            <a:extLst>
+              <a:ext uri="{FF2B5EF4-FFF2-40B4-BE49-F238E27FC236}">
+                <a16:creationId xmlns:a16="http://schemas.microsoft.com/office/drawing/2014/main" id="{8654B19A-60DD-BAA3-ED79-F994D6E271C0}"/>
+              </a:ext>
+            </a:extLst>
+          </p:cNvPr>
+          <p:cNvCxnSpPr>
+            <a:stCxn id="21" idx="2"/>
+            <a:endCxn id="22" idx="0"/>
+          </p:cNvCxnSpPr>
+          <p:nvPr/>
+        </p:nvCxnSpPr>
+        <p:spPr>
+          <a:xfrm flipH="1">
+            <a:off x="3228915" y="2226412"/>
+            <a:ext cx="695856" cy="422520"/>
+          </a:xfrm>
+          <a:prstGeom prst="straightConnector1">
+            <a:avLst/>
+          </a:prstGeom>
+          <a:ln>
+            <a:tailEnd type="triangle"/>
+          </a:ln>
+        </p:spPr>
+        <p:style>
+          <a:lnRef idx="2">
+            <a:schemeClr val="accent1"/>
+          </a:lnRef>
+          <a:fillRef idx="0">
+            <a:schemeClr val="accent1"/>
+          </a:fillRef>
+          <a:effectRef idx="1">
+            <a:schemeClr val="accent1"/>
+          </a:effectRef>
+          <a:fontRef idx="minor">
+            <a:schemeClr val="tx1"/>
+          </a:fontRef>
+        </p:style>
+      </p:cxnSp>
+      <p:cxnSp>
+        <p:nvCxnSpPr>
+          <p:cNvPr id="27" name="Straight Arrow Connector 26">
+            <a:extLst>
+              <a:ext uri="{FF2B5EF4-FFF2-40B4-BE49-F238E27FC236}">
+                <a16:creationId xmlns:a16="http://schemas.microsoft.com/office/drawing/2014/main" id="{92777ED4-EE39-6822-1F98-E14186A0CCD5}"/>
+              </a:ext>
+            </a:extLst>
+          </p:cNvPr>
+          <p:cNvCxnSpPr>
+            <a:cxnSpLocks/>
+            <a:stCxn id="21" idx="2"/>
+            <a:endCxn id="23" idx="0"/>
+          </p:cNvCxnSpPr>
+          <p:nvPr/>
+        </p:nvCxnSpPr>
+        <p:spPr>
+          <a:xfrm>
+            <a:off x="3924771" y="2226412"/>
+            <a:ext cx="509047" cy="411407"/>
+          </a:xfrm>
+          <a:prstGeom prst="straightConnector1">
+            <a:avLst/>
+          </a:prstGeom>
+          <a:ln>
+            <a:tailEnd type="triangle"/>
+          </a:ln>
+        </p:spPr>
+        <p:style>
+          <a:lnRef idx="2">
+            <a:schemeClr val="accent1"/>
+          </a:lnRef>
+          <a:fillRef idx="0">
+            <a:schemeClr val="accent1"/>
+          </a:fillRef>
+          <a:effectRef idx="1">
+            <a:schemeClr val="accent1"/>
+          </a:effectRef>
+          <a:fontRef idx="minor">
+            <a:schemeClr val="tx1"/>
+          </a:fontRef>
+        </p:style>
+      </p:cxnSp>
+      <p:sp>
+        <p:nvSpPr>
+          <p:cNvPr id="30" name="TextBox 29">
+            <a:extLst>
+              <a:ext uri="{FF2B5EF4-FFF2-40B4-BE49-F238E27FC236}">
+                <a16:creationId xmlns:a16="http://schemas.microsoft.com/office/drawing/2014/main" id="{F30FF21C-511A-26F2-1E49-09EA7C210689}"/>
+              </a:ext>
+            </a:extLst>
+          </p:cNvPr>
+          <p:cNvSpPr txBox="1"/>
+          <p:nvPr/>
+        </p:nvSpPr>
+        <p:spPr>
+          <a:xfrm>
+            <a:off x="2724346" y="3525625"/>
+            <a:ext cx="308098" cy="369332"/>
+          </a:xfrm>
+          <a:prstGeom prst="rect">
+            <a:avLst/>
+          </a:prstGeom>
+          <a:noFill/>
+        </p:spPr>
+        <p:txBody>
+          <a:bodyPr wrap="none" rtlCol="0">
+            <a:spAutoFit/>
+          </a:bodyPr>
+          <a:lstStyle/>
+          <a:p>
+            <a:r>
+              <a:rPr lang="en-US" dirty="0"/>
+              <a:t>8</a:t>
+            </a:r>
+          </a:p>
+        </p:txBody>
+      </p:sp>
+      <p:cxnSp>
+        <p:nvCxnSpPr>
+          <p:cNvPr id="31" name="Straight Arrow Connector 30">
+            <a:extLst>
+              <a:ext uri="{FF2B5EF4-FFF2-40B4-BE49-F238E27FC236}">
+                <a16:creationId xmlns:a16="http://schemas.microsoft.com/office/drawing/2014/main" id="{3AD16831-1FFE-2139-4C4B-5ACA90326E8F}"/>
+              </a:ext>
+            </a:extLst>
+          </p:cNvPr>
+          <p:cNvCxnSpPr>
+            <a:cxnSpLocks/>
+            <a:stCxn id="22" idx="2"/>
+            <a:endCxn id="30" idx="0"/>
+          </p:cNvCxnSpPr>
+          <p:nvPr/>
+        </p:nvCxnSpPr>
+        <p:spPr>
+          <a:xfrm flipH="1">
+            <a:off x="2878395" y="3018264"/>
+            <a:ext cx="350520" cy="507361"/>
+          </a:xfrm>
+          <a:prstGeom prst="straightConnector1">
+            <a:avLst/>
+          </a:prstGeom>
+          <a:ln>
+            <a:tailEnd type="triangle"/>
+          </a:ln>
+        </p:spPr>
+        <p:style>
+          <a:lnRef idx="2">
+            <a:schemeClr val="accent1"/>
+          </a:lnRef>
+          <a:fillRef idx="0">
+            <a:schemeClr val="accent1"/>
+          </a:fillRef>
+          <a:effectRef idx="1">
+            <a:schemeClr val="accent1"/>
+          </a:effectRef>
+          <a:fontRef idx="minor">
+            <a:schemeClr val="tx1"/>
+          </a:fontRef>
+        </p:style>
+      </p:cxnSp>
+      <p:sp>
+        <p:nvSpPr>
+          <p:cNvPr id="32" name="TextBox 31">
+            <a:extLst>
+              <a:ext uri="{FF2B5EF4-FFF2-40B4-BE49-F238E27FC236}">
+                <a16:creationId xmlns:a16="http://schemas.microsoft.com/office/drawing/2014/main" id="{B40D351D-D4EC-68F4-DBC5-07A7A006119F}"/>
+              </a:ext>
+            </a:extLst>
+          </p:cNvPr>
+          <p:cNvSpPr txBox="1"/>
+          <p:nvPr/>
+        </p:nvSpPr>
+        <p:spPr>
+          <a:xfrm>
+            <a:off x="3315744" y="3523268"/>
+            <a:ext cx="431528" cy="369332"/>
+          </a:xfrm>
+          <a:prstGeom prst="rect">
+            <a:avLst/>
+          </a:prstGeom>
+          <a:noFill/>
+        </p:spPr>
+        <p:txBody>
+          <a:bodyPr wrap="none" rtlCol="0">
+            <a:spAutoFit/>
+          </a:bodyPr>
+          <a:lstStyle/>
+          <a:p>
+            <a:r>
+              <a:rPr lang="en-US" dirty="0"/>
+              <a:t>17</a:t>
+            </a:r>
+          </a:p>
+        </p:txBody>
+      </p:sp>
+      <p:cxnSp>
+        <p:nvCxnSpPr>
+          <p:cNvPr id="33" name="Straight Arrow Connector 32">
+            <a:extLst>
+              <a:ext uri="{FF2B5EF4-FFF2-40B4-BE49-F238E27FC236}">
+                <a16:creationId xmlns:a16="http://schemas.microsoft.com/office/drawing/2014/main" id="{EA93391C-410B-EF51-7CD9-1DE27A389054}"/>
+              </a:ext>
+            </a:extLst>
+          </p:cNvPr>
+          <p:cNvCxnSpPr>
+            <a:cxnSpLocks/>
+            <a:stCxn id="22" idx="2"/>
+            <a:endCxn id="32" idx="0"/>
+          </p:cNvCxnSpPr>
+          <p:nvPr/>
+        </p:nvCxnSpPr>
+        <p:spPr>
+          <a:xfrm>
+            <a:off x="3228915" y="3018264"/>
+            <a:ext cx="302593" cy="505004"/>
+          </a:xfrm>
+          <a:prstGeom prst="straightConnector1">
+            <a:avLst/>
+          </a:prstGeom>
+          <a:ln>
+            <a:tailEnd type="triangle"/>
+          </a:ln>
+        </p:spPr>
+        <p:style>
+          <a:lnRef idx="2">
+            <a:schemeClr val="accent1"/>
+          </a:lnRef>
+          <a:fillRef idx="0">
+            <a:schemeClr val="accent1"/>
+          </a:fillRef>
+          <a:effectRef idx="1">
+            <a:schemeClr val="accent1"/>
+          </a:effectRef>
+          <a:fontRef idx="minor">
+            <a:schemeClr val="tx1"/>
+          </a:fontRef>
+        </p:style>
+      </p:cxnSp>
+      <p:sp>
+        <p:nvSpPr>
+          <p:cNvPr id="37" name="TextBox 36">
+            <a:extLst>
+              <a:ext uri="{FF2B5EF4-FFF2-40B4-BE49-F238E27FC236}">
+                <a16:creationId xmlns:a16="http://schemas.microsoft.com/office/drawing/2014/main" id="{160A2A73-FB92-24EF-239E-6F736AA7CC67}"/>
+              </a:ext>
+            </a:extLst>
+          </p:cNvPr>
+          <p:cNvSpPr txBox="1"/>
+          <p:nvPr/>
+        </p:nvSpPr>
+        <p:spPr>
+          <a:xfrm>
+            <a:off x="4002290" y="3481518"/>
+            <a:ext cx="431528" cy="369332"/>
+          </a:xfrm>
+          <a:prstGeom prst="rect">
+            <a:avLst/>
+          </a:prstGeom>
+          <a:noFill/>
+        </p:spPr>
+        <p:txBody>
+          <a:bodyPr wrap="none" rtlCol="0">
+            <a:spAutoFit/>
+          </a:bodyPr>
+          <a:lstStyle/>
+          <a:p>
+            <a:r>
+              <a:rPr lang="en-US" dirty="0"/>
+              <a:t>19</a:t>
+            </a:r>
+          </a:p>
+        </p:txBody>
+      </p:sp>
+      <p:cxnSp>
+        <p:nvCxnSpPr>
+          <p:cNvPr id="38" name="Straight Arrow Connector 37">
+            <a:extLst>
+              <a:ext uri="{FF2B5EF4-FFF2-40B4-BE49-F238E27FC236}">
+                <a16:creationId xmlns:a16="http://schemas.microsoft.com/office/drawing/2014/main" id="{90A1A393-5F9D-D9D2-DD18-4A47EAA8B8CE}"/>
+              </a:ext>
+            </a:extLst>
+          </p:cNvPr>
+          <p:cNvCxnSpPr>
+            <a:cxnSpLocks/>
+            <a:stCxn id="23" idx="2"/>
+            <a:endCxn id="37" idx="0"/>
+          </p:cNvCxnSpPr>
+          <p:nvPr/>
+        </p:nvCxnSpPr>
+        <p:spPr>
+          <a:xfrm flipH="1">
+            <a:off x="4218054" y="3007151"/>
+            <a:ext cx="215764" cy="474367"/>
+          </a:xfrm>
+          <a:prstGeom prst="straightConnector1">
+            <a:avLst/>
+          </a:prstGeom>
+          <a:ln>
+            <a:tailEnd type="triangle"/>
+          </a:ln>
+        </p:spPr>
+        <p:style>
+          <a:lnRef idx="2">
+            <a:schemeClr val="accent1"/>
+          </a:lnRef>
+          <a:fillRef idx="0">
+            <a:schemeClr val="accent1"/>
+          </a:fillRef>
+          <a:effectRef idx="1">
+            <a:schemeClr val="accent1"/>
+          </a:effectRef>
+          <a:fontRef idx="minor">
+            <a:schemeClr val="tx1"/>
+          </a:fontRef>
+        </p:style>
+      </p:cxnSp>
+      <p:sp>
+        <p:nvSpPr>
+          <p:cNvPr id="48" name="TextBox 47">
+            <a:extLst>
+              <a:ext uri="{FF2B5EF4-FFF2-40B4-BE49-F238E27FC236}">
+                <a16:creationId xmlns:a16="http://schemas.microsoft.com/office/drawing/2014/main" id="{9BB556EB-6F57-95B8-02F8-D316EBDC6D59}"/>
+              </a:ext>
+            </a:extLst>
+          </p:cNvPr>
+          <p:cNvSpPr txBox="1"/>
+          <p:nvPr/>
+        </p:nvSpPr>
+        <p:spPr>
+          <a:xfrm>
+            <a:off x="4649582" y="3481518"/>
+            <a:ext cx="431528" cy="369332"/>
+          </a:xfrm>
+          <a:prstGeom prst="rect">
+            <a:avLst/>
+          </a:prstGeom>
+          <a:noFill/>
+        </p:spPr>
+        <p:txBody>
+          <a:bodyPr wrap="none" rtlCol="0">
+            <a:spAutoFit/>
+          </a:bodyPr>
+          <a:lstStyle/>
+          <a:p>
+            <a:r>
+              <a:rPr lang="en-US" dirty="0"/>
+              <a:t>21</a:t>
+            </a:r>
+          </a:p>
+        </p:txBody>
+      </p:sp>
+      <p:cxnSp>
+        <p:nvCxnSpPr>
+          <p:cNvPr id="50" name="Straight Arrow Connector 49">
+            <a:extLst>
+              <a:ext uri="{FF2B5EF4-FFF2-40B4-BE49-F238E27FC236}">
+                <a16:creationId xmlns:a16="http://schemas.microsoft.com/office/drawing/2014/main" id="{5DE8F683-5EF6-35E2-C07A-F87C5C06A098}"/>
+              </a:ext>
+            </a:extLst>
+          </p:cNvPr>
+          <p:cNvCxnSpPr>
+            <a:cxnSpLocks/>
+            <a:stCxn id="23" idx="2"/>
+            <a:endCxn id="48" idx="0"/>
+          </p:cNvCxnSpPr>
+          <p:nvPr/>
+        </p:nvCxnSpPr>
+        <p:spPr>
+          <a:xfrm>
+            <a:off x="4433818" y="3007151"/>
+            <a:ext cx="431528" cy="474367"/>
+          </a:xfrm>
+          <a:prstGeom prst="straightConnector1">
+            <a:avLst/>
+          </a:prstGeom>
+          <a:ln>
+            <a:tailEnd type="triangle"/>
+          </a:ln>
+        </p:spPr>
+        <p:style>
+          <a:lnRef idx="2">
+            <a:schemeClr val="accent1"/>
+          </a:lnRef>
+          <a:fillRef idx="0">
+            <a:schemeClr val="accent1"/>
+          </a:fillRef>
+          <a:effectRef idx="1">
+            <a:schemeClr val="accent1"/>
+          </a:effectRef>
+          <a:fontRef idx="minor">
+            <a:schemeClr val="tx1"/>
+          </a:fontRef>
+        </p:style>
+      </p:cxnSp>
+      <p:sp>
+        <p:nvSpPr>
+          <p:cNvPr id="53" name="TextBox 52">
+            <a:extLst>
+              <a:ext uri="{FF2B5EF4-FFF2-40B4-BE49-F238E27FC236}">
+                <a16:creationId xmlns:a16="http://schemas.microsoft.com/office/drawing/2014/main" id="{15A080EA-A8AC-BDBD-D09F-2B540A78D162}"/>
+              </a:ext>
+            </a:extLst>
+          </p:cNvPr>
+          <p:cNvSpPr txBox="1"/>
+          <p:nvPr/>
+        </p:nvSpPr>
+        <p:spPr>
+          <a:xfrm>
+            <a:off x="1832163" y="4302262"/>
+            <a:ext cx="431528" cy="369332"/>
+          </a:xfrm>
+          <a:prstGeom prst="rect">
+            <a:avLst/>
+          </a:prstGeom>
+          <a:noFill/>
+        </p:spPr>
+        <p:txBody>
+          <a:bodyPr wrap="none" rtlCol="0">
+            <a:spAutoFit/>
+          </a:bodyPr>
+          <a:lstStyle/>
+          <a:p>
+            <a:r>
+              <a:rPr lang="en-US" dirty="0"/>
+              <a:t>28</a:t>
+            </a:r>
+          </a:p>
+        </p:txBody>
+      </p:sp>
+      <p:cxnSp>
+        <p:nvCxnSpPr>
+          <p:cNvPr id="54" name="Straight Arrow Connector 53">
+            <a:extLst>
+              <a:ext uri="{FF2B5EF4-FFF2-40B4-BE49-F238E27FC236}">
+                <a16:creationId xmlns:a16="http://schemas.microsoft.com/office/drawing/2014/main" id="{8DFFE58F-6746-278E-6A86-59149223EE41}"/>
+              </a:ext>
+            </a:extLst>
+          </p:cNvPr>
+          <p:cNvCxnSpPr>
+            <a:cxnSpLocks/>
+            <a:stCxn id="30" idx="2"/>
+            <a:endCxn id="53" idx="0"/>
+          </p:cNvCxnSpPr>
+          <p:nvPr/>
+        </p:nvCxnSpPr>
+        <p:spPr>
+          <a:xfrm flipH="1">
+            <a:off x="2047927" y="3894957"/>
+            <a:ext cx="830468" cy="407305"/>
+          </a:xfrm>
+          <a:prstGeom prst="straightConnector1">
+            <a:avLst/>
+          </a:prstGeom>
+          <a:ln>
+            <a:tailEnd type="triangle"/>
+          </a:ln>
+        </p:spPr>
+        <p:style>
+          <a:lnRef idx="2">
+            <a:schemeClr val="accent1"/>
+          </a:lnRef>
+          <a:fillRef idx="0">
+            <a:schemeClr val="accent1"/>
+          </a:fillRef>
+          <a:effectRef idx="1">
+            <a:schemeClr val="accent1"/>
+          </a:effectRef>
+          <a:fontRef idx="minor">
+            <a:schemeClr val="tx1"/>
+          </a:fontRef>
+        </p:style>
+      </p:cxnSp>
+      <p:sp>
+        <p:nvSpPr>
+          <p:cNvPr id="58" name="TextBox 57">
+            <a:extLst>
+              <a:ext uri="{FF2B5EF4-FFF2-40B4-BE49-F238E27FC236}">
+                <a16:creationId xmlns:a16="http://schemas.microsoft.com/office/drawing/2014/main" id="{002C4973-8866-42B7-B891-0B58A08DCC0C}"/>
+              </a:ext>
+            </a:extLst>
+          </p:cNvPr>
+          <p:cNvSpPr txBox="1"/>
+          <p:nvPr/>
+        </p:nvSpPr>
+        <p:spPr>
+          <a:xfrm>
+            <a:off x="3808429" y="5533534"/>
+            <a:ext cx="2810385" cy="369332"/>
+          </a:xfrm>
+          <a:prstGeom prst="rect">
+            <a:avLst/>
+          </a:prstGeom>
+          <a:noFill/>
+        </p:spPr>
+        <p:txBody>
+          <a:bodyPr wrap="none" rtlCol="0">
+            <a:spAutoFit/>
+          </a:bodyPr>
+          <a:lstStyle/>
+          <a:p>
+            <a:r>
+              <a:rPr lang="en-US" dirty="0"/>
+              <a:t>1, 6, 3, 8, 17, 19, 21, 28, 29</a:t>
+            </a:r>
+          </a:p>
+        </p:txBody>
+      </p:sp>
+      <p:sp>
+        <p:nvSpPr>
+          <p:cNvPr id="59" name="TextBox 58">
+            <a:extLst>
+              <a:ext uri="{FF2B5EF4-FFF2-40B4-BE49-F238E27FC236}">
+                <a16:creationId xmlns:a16="http://schemas.microsoft.com/office/drawing/2014/main" id="{DC8ACA28-CE28-6C4E-A9BC-603A8A323470}"/>
+              </a:ext>
+            </a:extLst>
+          </p:cNvPr>
+          <p:cNvSpPr txBox="1"/>
+          <p:nvPr/>
+        </p:nvSpPr>
+        <p:spPr>
+          <a:xfrm>
+            <a:off x="6477027" y="3203905"/>
+            <a:ext cx="5153783" cy="1200329"/>
+          </a:xfrm>
+          <a:prstGeom prst="rect">
+            <a:avLst/>
+          </a:prstGeom>
+          <a:noFill/>
+        </p:spPr>
+        <p:txBody>
+          <a:bodyPr wrap="none" rtlCol="0">
+            <a:spAutoFit/>
+          </a:bodyPr>
+          <a:lstStyle/>
+          <a:p>
+            <a:r>
+              <a:rPr lang="en-US" dirty="0"/>
+              <a:t>Index = (2^(level-1)  + 2^(level -2) …. 2^0)+ position</a:t>
+            </a:r>
+          </a:p>
+          <a:p>
+            <a:endParaRPr lang="en-US" dirty="0"/>
+          </a:p>
+          <a:p>
+            <a:endParaRPr lang="en-US" dirty="0"/>
+          </a:p>
+          <a:p>
+            <a:r>
+              <a:rPr lang="en-US" dirty="0"/>
+              <a:t>8 = 2*</a:t>
+            </a:r>
+          </a:p>
+        </p:txBody>
+      </p:sp>
+      <p:sp>
+        <p:nvSpPr>
+          <p:cNvPr id="60" name="TextBox 59">
+            <a:extLst>
+              <a:ext uri="{FF2B5EF4-FFF2-40B4-BE49-F238E27FC236}">
+                <a16:creationId xmlns:a16="http://schemas.microsoft.com/office/drawing/2014/main" id="{7F1F5DCD-BB45-F4E1-D8B1-1F7A9F95F37B}"/>
+              </a:ext>
+            </a:extLst>
+          </p:cNvPr>
+          <p:cNvSpPr txBox="1"/>
+          <p:nvPr/>
+        </p:nvSpPr>
+        <p:spPr>
+          <a:xfrm>
+            <a:off x="2446867" y="4260915"/>
+            <a:ext cx="431528" cy="369332"/>
+          </a:xfrm>
+          <a:prstGeom prst="rect">
+            <a:avLst/>
+          </a:prstGeom>
+          <a:noFill/>
+        </p:spPr>
+        <p:txBody>
+          <a:bodyPr wrap="none" rtlCol="0">
+            <a:spAutoFit/>
+          </a:bodyPr>
+          <a:lstStyle/>
+          <a:p>
+            <a:r>
+              <a:rPr lang="en-US" dirty="0"/>
+              <a:t>29</a:t>
+            </a:r>
+          </a:p>
+        </p:txBody>
+      </p:sp>
+      <p:cxnSp>
+        <p:nvCxnSpPr>
+          <p:cNvPr id="61" name="Straight Arrow Connector 60">
+            <a:extLst>
+              <a:ext uri="{FF2B5EF4-FFF2-40B4-BE49-F238E27FC236}">
+                <a16:creationId xmlns:a16="http://schemas.microsoft.com/office/drawing/2014/main" id="{671F31F3-ECC5-008B-3216-EE45F0507CAD}"/>
+              </a:ext>
+            </a:extLst>
+          </p:cNvPr>
+          <p:cNvCxnSpPr>
+            <a:cxnSpLocks/>
+            <a:stCxn id="30" idx="2"/>
+            <a:endCxn id="60" idx="0"/>
+          </p:cNvCxnSpPr>
+          <p:nvPr/>
+        </p:nvCxnSpPr>
+        <p:spPr>
+          <a:xfrm flipH="1">
+            <a:off x="2662631" y="3894957"/>
+            <a:ext cx="215764" cy="365958"/>
+          </a:xfrm>
+          <a:prstGeom prst="straightConnector1">
+            <a:avLst/>
+          </a:prstGeom>
+          <a:ln>
+            <a:tailEnd type="triangle"/>
+          </a:ln>
+        </p:spPr>
+        <p:style>
+          <a:lnRef idx="2">
+            <a:schemeClr val="accent1"/>
+          </a:lnRef>
+          <a:fillRef idx="0">
+            <a:schemeClr val="accent1"/>
+          </a:fillRef>
+          <a:effectRef idx="1">
+            <a:schemeClr val="accent1"/>
+          </a:effectRef>
+          <a:fontRef idx="minor">
+            <a:schemeClr val="tx1"/>
+          </a:fontRef>
+        </p:style>
+      </p:cxnSp>
+      <p:grpSp>
+        <p:nvGrpSpPr>
+          <p:cNvPr id="68" name="Group 67">
+            <a:extLst>
+              <a:ext uri="{FF2B5EF4-FFF2-40B4-BE49-F238E27FC236}">
+                <a16:creationId xmlns:a16="http://schemas.microsoft.com/office/drawing/2014/main" id="{0983BEBC-A384-4466-5BF9-D7133B3174E9}"/>
+              </a:ext>
+            </a:extLst>
+          </p:cNvPr>
+          <p:cNvGrpSpPr/>
+          <p:nvPr/>
+        </p:nvGrpSpPr>
+        <p:grpSpPr>
+          <a:xfrm>
+            <a:off x="6296864" y="5892744"/>
+            <a:ext cx="389160" cy="316800"/>
+            <a:chOff x="6296864" y="5892744"/>
+            <a:chExt cx="389160" cy="316800"/>
+          </a:xfrm>
+        </p:grpSpPr>
+        <mc:AlternateContent xmlns:mc="http://schemas.openxmlformats.org/markup-compatibility/2006">
+          <mc:Choice xmlns:p14="http://schemas.microsoft.com/office/powerpoint/2010/main" Requires="p14">
+            <p:contentPart p14:bwMode="auto" r:id="rId2">
+              <p14:nvContentPartPr>
+                <p14:cNvPr id="65" name="Ink 64">
+                  <a:extLst>
+                    <a:ext uri="{FF2B5EF4-FFF2-40B4-BE49-F238E27FC236}">
+                      <a16:creationId xmlns:a16="http://schemas.microsoft.com/office/drawing/2014/main" id="{2B566061-2F7E-2E50-7CFF-7408212572B8}"/>
+                    </a:ext>
+                  </a:extLst>
+                </p14:cNvPr>
+                <p14:cNvContentPartPr/>
+                <p14:nvPr/>
+              </p14:nvContentPartPr>
+              <p14:xfrm>
+                <a:off x="6296864" y="5892744"/>
+                <a:ext cx="201600" cy="29520"/>
+              </p14:xfrm>
+            </p:contentPart>
+          </mc:Choice>
+          <mc:Fallback>
+            <p:pic>
+              <p:nvPicPr>
+                <p:cNvPr id="65" name="Ink 64">
+                  <a:extLst>
+                    <a:ext uri="{FF2B5EF4-FFF2-40B4-BE49-F238E27FC236}">
+                      <a16:creationId xmlns:a16="http://schemas.microsoft.com/office/drawing/2014/main" id="{2B566061-2F7E-2E50-7CFF-7408212572B8}"/>
+                    </a:ext>
+                  </a:extLst>
+                </p:cNvPr>
+                <p:cNvPicPr/>
+                <p:nvPr/>
+              </p:nvPicPr>
+              <p:blipFill>
+                <a:blip r:embed="rId3"/>
+                <a:stretch>
+                  <a:fillRect/>
+                </a:stretch>
+              </p:blipFill>
+              <p:spPr>
+                <a:xfrm>
+                  <a:off x="6287864" y="5884104"/>
+                  <a:ext cx="219240" cy="47160"/>
+                </a:xfrm>
+                <a:prstGeom prst="rect">
+                  <a:avLst/>
+                </a:prstGeom>
+              </p:spPr>
+            </p:pic>
+          </mc:Fallback>
+        </mc:AlternateContent>
+        <mc:AlternateContent xmlns:mc="http://schemas.openxmlformats.org/markup-compatibility/2006">
+          <mc:Choice xmlns:p14="http://schemas.microsoft.com/office/powerpoint/2010/main" Requires="p14">
+            <p:contentPart p14:bwMode="auto" r:id="rId4">
+              <p14:nvContentPartPr>
+                <p14:cNvPr id="66" name="Ink 65">
+                  <a:extLst>
+                    <a:ext uri="{FF2B5EF4-FFF2-40B4-BE49-F238E27FC236}">
+                      <a16:creationId xmlns:a16="http://schemas.microsoft.com/office/drawing/2014/main" id="{96F042BD-98F5-DA22-6DDE-427993A6A12A}"/>
+                    </a:ext>
+                  </a:extLst>
+                </p14:cNvPr>
+                <p14:cNvContentPartPr/>
+                <p14:nvPr/>
+              </p14:nvContentPartPr>
+              <p14:xfrm>
+                <a:off x="6438344" y="5981304"/>
+                <a:ext cx="182880" cy="143280"/>
+              </p14:xfrm>
+            </p:contentPart>
+          </mc:Choice>
+          <mc:Fallback>
+            <p:pic>
+              <p:nvPicPr>
+                <p:cNvPr id="66" name="Ink 65">
+                  <a:extLst>
+                    <a:ext uri="{FF2B5EF4-FFF2-40B4-BE49-F238E27FC236}">
+                      <a16:creationId xmlns:a16="http://schemas.microsoft.com/office/drawing/2014/main" id="{96F042BD-98F5-DA22-6DDE-427993A6A12A}"/>
+                    </a:ext>
+                  </a:extLst>
+                </p:cNvPr>
+                <p:cNvPicPr/>
+                <p:nvPr/>
+              </p:nvPicPr>
+              <p:blipFill>
+                <a:blip r:embed="rId5"/>
+                <a:stretch>
+                  <a:fillRect/>
+                </a:stretch>
+              </p:blipFill>
+              <p:spPr>
+                <a:xfrm>
+                  <a:off x="6429344" y="5972664"/>
+                  <a:ext cx="200520" cy="160920"/>
+                </a:xfrm>
+                <a:prstGeom prst="rect">
+                  <a:avLst/>
+                </a:prstGeom>
+              </p:spPr>
+            </p:pic>
+          </mc:Fallback>
+        </mc:AlternateContent>
+        <mc:AlternateContent xmlns:mc="http://schemas.openxmlformats.org/markup-compatibility/2006">
+          <mc:Choice xmlns:p14="http://schemas.microsoft.com/office/powerpoint/2010/main" Requires="p14">
+            <p:contentPart p14:bwMode="auto" r:id="rId6">
+              <p14:nvContentPartPr>
+                <p14:cNvPr id="67" name="Ink 66">
+                  <a:extLst>
+                    <a:ext uri="{FF2B5EF4-FFF2-40B4-BE49-F238E27FC236}">
+                      <a16:creationId xmlns:a16="http://schemas.microsoft.com/office/drawing/2014/main" id="{AC57B968-2E77-255C-8B36-479C1F5B5F00}"/>
+                    </a:ext>
+                  </a:extLst>
+                </p14:cNvPr>
+                <p14:cNvContentPartPr/>
+                <p14:nvPr/>
+              </p14:nvContentPartPr>
+              <p14:xfrm>
+                <a:off x="6571904" y="6047544"/>
+                <a:ext cx="114120" cy="162000"/>
+              </p14:xfrm>
+            </p:contentPart>
+          </mc:Choice>
+          <mc:Fallback>
+            <p:pic>
+              <p:nvPicPr>
+                <p:cNvPr id="67" name="Ink 66">
+                  <a:extLst>
+                    <a:ext uri="{FF2B5EF4-FFF2-40B4-BE49-F238E27FC236}">
+                      <a16:creationId xmlns:a16="http://schemas.microsoft.com/office/drawing/2014/main" id="{AC57B968-2E77-255C-8B36-479C1F5B5F00}"/>
+                    </a:ext>
+                  </a:extLst>
+                </p:cNvPr>
+                <p:cNvPicPr/>
+                <p:nvPr/>
+              </p:nvPicPr>
+              <p:blipFill>
+                <a:blip r:embed="rId7"/>
+                <a:stretch>
+                  <a:fillRect/>
+                </a:stretch>
+              </p:blipFill>
+              <p:spPr>
+                <a:xfrm>
+                  <a:off x="6563264" y="6038904"/>
+                  <a:ext cx="131760" cy="179640"/>
+                </a:xfrm>
+                <a:prstGeom prst="rect">
+                  <a:avLst/>
+                </a:prstGeom>
+              </p:spPr>
+            </p:pic>
+          </mc:Fallback>
+        </mc:AlternateContent>
+      </p:grpSp>
+      <p:sp>
+        <p:nvSpPr>
+          <p:cNvPr id="69" name="TextBox 68">
+            <a:extLst>
+              <a:ext uri="{FF2B5EF4-FFF2-40B4-BE49-F238E27FC236}">
+                <a16:creationId xmlns:a16="http://schemas.microsoft.com/office/drawing/2014/main" id="{0732F473-DE01-9B47-5B6B-E6A25835A325}"/>
+              </a:ext>
+            </a:extLst>
+          </p:cNvPr>
+          <p:cNvSpPr txBox="1"/>
+          <p:nvPr/>
+        </p:nvSpPr>
+        <p:spPr>
+          <a:xfrm>
+            <a:off x="6754784" y="5922264"/>
+            <a:ext cx="308098" cy="369332"/>
+          </a:xfrm>
+          <a:prstGeom prst="rect">
+            <a:avLst/>
+          </a:prstGeom>
+          <a:noFill/>
+        </p:spPr>
+        <p:txBody>
+          <a:bodyPr wrap="none" rtlCol="0">
+            <a:spAutoFit/>
+          </a:bodyPr>
+          <a:lstStyle/>
+          <a:p>
+            <a:r>
+              <a:rPr lang="en-US" dirty="0"/>
+              <a:t>8</a:t>
+            </a:r>
+          </a:p>
+        </p:txBody>
+      </p:sp>
+      <p:sp>
+        <p:nvSpPr>
+          <p:cNvPr id="75" name="TextBox 74">
+            <a:extLst>
+              <a:ext uri="{FF2B5EF4-FFF2-40B4-BE49-F238E27FC236}">
+                <a16:creationId xmlns:a16="http://schemas.microsoft.com/office/drawing/2014/main" id="{91B68C4F-5842-B939-3DD5-26465661091B}"/>
+              </a:ext>
+            </a:extLst>
+          </p:cNvPr>
+          <p:cNvSpPr txBox="1"/>
+          <p:nvPr/>
+        </p:nvSpPr>
+        <p:spPr>
+          <a:xfrm>
+            <a:off x="2940254" y="4254285"/>
+            <a:ext cx="431528" cy="369332"/>
+          </a:xfrm>
+          <a:prstGeom prst="rect">
+            <a:avLst/>
+          </a:prstGeom>
+          <a:noFill/>
+        </p:spPr>
+        <p:txBody>
+          <a:bodyPr wrap="none" rtlCol="0">
+            <a:spAutoFit/>
+          </a:bodyPr>
+          <a:lstStyle/>
+          <a:p>
+            <a:r>
+              <a:rPr lang="en-US" dirty="0"/>
+              <a:t>21</a:t>
+            </a:r>
+          </a:p>
+        </p:txBody>
+      </p:sp>
+      <p:sp>
+        <p:nvSpPr>
+          <p:cNvPr id="76" name="TextBox 75">
+            <a:extLst>
+              <a:ext uri="{FF2B5EF4-FFF2-40B4-BE49-F238E27FC236}">
+                <a16:creationId xmlns:a16="http://schemas.microsoft.com/office/drawing/2014/main" id="{01D2FA7D-A191-BC3F-26DF-54528C1772A5}"/>
+              </a:ext>
+            </a:extLst>
+          </p:cNvPr>
+          <p:cNvSpPr txBox="1"/>
+          <p:nvPr/>
+        </p:nvSpPr>
+        <p:spPr>
+          <a:xfrm>
+            <a:off x="3554958" y="4212938"/>
+            <a:ext cx="431528" cy="369332"/>
+          </a:xfrm>
+          <a:prstGeom prst="rect">
+            <a:avLst/>
+          </a:prstGeom>
+          <a:noFill/>
+        </p:spPr>
+        <p:txBody>
+          <a:bodyPr wrap="none" rtlCol="0">
+            <a:spAutoFit/>
+          </a:bodyPr>
+          <a:lstStyle/>
+          <a:p>
+            <a:r>
+              <a:rPr lang="en-US" dirty="0"/>
+              <a:t>23</a:t>
+            </a:r>
+          </a:p>
+        </p:txBody>
+      </p:sp>
+      <p:sp>
+        <p:nvSpPr>
+          <p:cNvPr id="77" name="TextBox 76">
+            <a:extLst>
+              <a:ext uri="{FF2B5EF4-FFF2-40B4-BE49-F238E27FC236}">
+                <a16:creationId xmlns:a16="http://schemas.microsoft.com/office/drawing/2014/main" id="{CC7B6654-D209-B90E-FC5F-DC2BA65834C8}"/>
+              </a:ext>
+            </a:extLst>
+          </p:cNvPr>
+          <p:cNvSpPr txBox="1"/>
+          <p:nvPr/>
+        </p:nvSpPr>
+        <p:spPr>
+          <a:xfrm>
+            <a:off x="4031624" y="4250151"/>
+            <a:ext cx="431528" cy="369332"/>
+          </a:xfrm>
+          <a:prstGeom prst="rect">
+            <a:avLst/>
+          </a:prstGeom>
+          <a:noFill/>
+        </p:spPr>
+        <p:txBody>
+          <a:bodyPr wrap="none" rtlCol="0">
+            <a:spAutoFit/>
+          </a:bodyPr>
+          <a:lstStyle/>
+          <a:p>
+            <a:r>
+              <a:rPr lang="en-US" dirty="0"/>
+              <a:t>31</a:t>
+            </a:r>
+          </a:p>
+        </p:txBody>
+      </p:sp>
+      <p:sp>
+        <p:nvSpPr>
+          <p:cNvPr id="78" name="TextBox 77">
+            <a:extLst>
+              <a:ext uri="{FF2B5EF4-FFF2-40B4-BE49-F238E27FC236}">
+                <a16:creationId xmlns:a16="http://schemas.microsoft.com/office/drawing/2014/main" id="{16A149E0-FD0C-62E9-DA21-CE3F80DD15C4}"/>
+              </a:ext>
+            </a:extLst>
+          </p:cNvPr>
+          <p:cNvSpPr txBox="1"/>
+          <p:nvPr/>
+        </p:nvSpPr>
+        <p:spPr>
+          <a:xfrm>
+            <a:off x="4646328" y="4208804"/>
+            <a:ext cx="431528" cy="369332"/>
+          </a:xfrm>
+          <a:prstGeom prst="rect">
+            <a:avLst/>
+          </a:prstGeom>
+          <a:noFill/>
+        </p:spPr>
+        <p:txBody>
+          <a:bodyPr wrap="none" rtlCol="0">
+            <a:spAutoFit/>
+          </a:bodyPr>
+          <a:lstStyle/>
+          <a:p>
+            <a:r>
+              <a:rPr lang="en-US" dirty="0"/>
+              <a:t>27</a:t>
+            </a:r>
+          </a:p>
+        </p:txBody>
+      </p:sp>
+      <p:sp>
+        <p:nvSpPr>
+          <p:cNvPr id="79" name="TextBox 78">
+            <a:extLst>
+              <a:ext uri="{FF2B5EF4-FFF2-40B4-BE49-F238E27FC236}">
+                <a16:creationId xmlns:a16="http://schemas.microsoft.com/office/drawing/2014/main" id="{D2D1E8A0-0774-ACC9-43DD-B90F96DF4A69}"/>
+              </a:ext>
+            </a:extLst>
+          </p:cNvPr>
+          <p:cNvSpPr txBox="1"/>
+          <p:nvPr/>
+        </p:nvSpPr>
+        <p:spPr>
+          <a:xfrm>
+            <a:off x="5122994" y="4243595"/>
+            <a:ext cx="431528" cy="369332"/>
+          </a:xfrm>
+          <a:prstGeom prst="rect">
+            <a:avLst/>
+          </a:prstGeom>
+          <a:noFill/>
+        </p:spPr>
+        <p:txBody>
+          <a:bodyPr wrap="none" rtlCol="0">
+            <a:spAutoFit/>
+          </a:bodyPr>
+          <a:lstStyle/>
+          <a:p>
+            <a:r>
+              <a:rPr lang="en-US" dirty="0"/>
+              <a:t>32</a:t>
+            </a:r>
+          </a:p>
+        </p:txBody>
+      </p:sp>
+      <p:sp>
+        <p:nvSpPr>
+          <p:cNvPr id="80" name="TextBox 79">
+            <a:extLst>
+              <a:ext uri="{FF2B5EF4-FFF2-40B4-BE49-F238E27FC236}">
+                <a16:creationId xmlns:a16="http://schemas.microsoft.com/office/drawing/2014/main" id="{9667AAA4-A3FB-D1BA-918A-07DA1750781F}"/>
+              </a:ext>
+            </a:extLst>
+          </p:cNvPr>
+          <p:cNvSpPr txBox="1"/>
+          <p:nvPr/>
+        </p:nvSpPr>
+        <p:spPr>
+          <a:xfrm>
+            <a:off x="5737698" y="4202248"/>
+            <a:ext cx="431528" cy="369332"/>
+          </a:xfrm>
+          <a:prstGeom prst="rect">
+            <a:avLst/>
+          </a:prstGeom>
+          <a:noFill/>
+        </p:spPr>
+        <p:txBody>
+          <a:bodyPr wrap="none" rtlCol="0">
+            <a:spAutoFit/>
+          </a:bodyPr>
+          <a:lstStyle/>
+          <a:p>
+            <a:r>
+              <a:rPr lang="en-US" dirty="0"/>
+              <a:t>48</a:t>
+            </a:r>
+          </a:p>
+        </p:txBody>
+      </p:sp>
+      <p:cxnSp>
+        <p:nvCxnSpPr>
+          <p:cNvPr id="81" name="Straight Arrow Connector 80">
+            <a:extLst>
+              <a:ext uri="{FF2B5EF4-FFF2-40B4-BE49-F238E27FC236}">
+                <a16:creationId xmlns:a16="http://schemas.microsoft.com/office/drawing/2014/main" id="{B57B7B3E-D47C-D447-0B7D-1D0E394BFA53}"/>
+              </a:ext>
+            </a:extLst>
+          </p:cNvPr>
+          <p:cNvCxnSpPr>
+            <a:cxnSpLocks/>
+            <a:stCxn id="32" idx="2"/>
+            <a:endCxn id="75" idx="0"/>
+          </p:cNvCxnSpPr>
+          <p:nvPr/>
+        </p:nvCxnSpPr>
+        <p:spPr>
+          <a:xfrm flipH="1">
+            <a:off x="3156018" y="3892600"/>
+            <a:ext cx="375490" cy="361685"/>
+          </a:xfrm>
+          <a:prstGeom prst="straightConnector1">
+            <a:avLst/>
+          </a:prstGeom>
+          <a:ln>
+            <a:tailEnd type="triangle"/>
+          </a:ln>
+        </p:spPr>
+        <p:style>
+          <a:lnRef idx="2">
+            <a:schemeClr val="accent1"/>
+          </a:lnRef>
+          <a:fillRef idx="0">
+            <a:schemeClr val="accent1"/>
+          </a:fillRef>
+          <a:effectRef idx="1">
+            <a:schemeClr val="accent1"/>
+          </a:effectRef>
+          <a:fontRef idx="minor">
+            <a:schemeClr val="tx1"/>
+          </a:fontRef>
+        </p:style>
+      </p:cxnSp>
+      <p:cxnSp>
+        <p:nvCxnSpPr>
+          <p:cNvPr id="84" name="Straight Arrow Connector 83">
+            <a:extLst>
+              <a:ext uri="{FF2B5EF4-FFF2-40B4-BE49-F238E27FC236}">
+                <a16:creationId xmlns:a16="http://schemas.microsoft.com/office/drawing/2014/main" id="{B87D2702-7110-A9BF-6F58-1ACA41B94460}"/>
+              </a:ext>
+            </a:extLst>
+          </p:cNvPr>
+          <p:cNvCxnSpPr>
+            <a:cxnSpLocks/>
+            <a:stCxn id="32" idx="2"/>
+            <a:endCxn id="76" idx="0"/>
+          </p:cNvCxnSpPr>
+          <p:nvPr/>
+        </p:nvCxnSpPr>
+        <p:spPr>
+          <a:xfrm>
+            <a:off x="3531508" y="3892600"/>
+            <a:ext cx="239214" cy="320338"/>
+          </a:xfrm>
+          <a:prstGeom prst="straightConnector1">
+            <a:avLst/>
+          </a:prstGeom>
+          <a:ln>
+            <a:tailEnd type="triangle"/>
+          </a:ln>
+        </p:spPr>
+        <p:style>
+          <a:lnRef idx="2">
+            <a:schemeClr val="accent1"/>
+          </a:lnRef>
+          <a:fillRef idx="0">
+            <a:schemeClr val="accent1"/>
+          </a:fillRef>
+          <a:effectRef idx="1">
+            <a:schemeClr val="accent1"/>
+          </a:effectRef>
+          <a:fontRef idx="minor">
+            <a:schemeClr val="tx1"/>
+          </a:fontRef>
+        </p:style>
+      </p:cxnSp>
+      <p:cxnSp>
+        <p:nvCxnSpPr>
+          <p:cNvPr id="87" name="Straight Arrow Connector 86">
+            <a:extLst>
+              <a:ext uri="{FF2B5EF4-FFF2-40B4-BE49-F238E27FC236}">
+                <a16:creationId xmlns:a16="http://schemas.microsoft.com/office/drawing/2014/main" id="{CCD2E3A4-2D1B-0F75-8E30-13255AF09FB6}"/>
+              </a:ext>
+            </a:extLst>
+          </p:cNvPr>
+          <p:cNvCxnSpPr>
+            <a:cxnSpLocks/>
+            <a:stCxn id="37" idx="2"/>
+            <a:endCxn id="77" idx="0"/>
+          </p:cNvCxnSpPr>
+          <p:nvPr/>
+        </p:nvCxnSpPr>
+        <p:spPr>
+          <a:xfrm>
+            <a:off x="4218054" y="3850850"/>
+            <a:ext cx="29334" cy="399301"/>
+          </a:xfrm>
+          <a:prstGeom prst="straightConnector1">
+            <a:avLst/>
+          </a:prstGeom>
+          <a:ln>
+            <a:tailEnd type="triangle"/>
+          </a:ln>
+        </p:spPr>
+        <p:style>
+          <a:lnRef idx="2">
+            <a:schemeClr val="accent1"/>
+          </a:lnRef>
+          <a:fillRef idx="0">
+            <a:schemeClr val="accent1"/>
+          </a:fillRef>
+          <a:effectRef idx="1">
+            <a:schemeClr val="accent1"/>
+          </a:effectRef>
+          <a:fontRef idx="minor">
+            <a:schemeClr val="tx1"/>
+          </a:fontRef>
+        </p:style>
+      </p:cxnSp>
+      <p:cxnSp>
+        <p:nvCxnSpPr>
+          <p:cNvPr id="90" name="Straight Arrow Connector 89">
+            <a:extLst>
+              <a:ext uri="{FF2B5EF4-FFF2-40B4-BE49-F238E27FC236}">
+                <a16:creationId xmlns:a16="http://schemas.microsoft.com/office/drawing/2014/main" id="{ECC9E59A-EFD1-9B62-6D9B-36DF3168B05F}"/>
+              </a:ext>
+            </a:extLst>
+          </p:cNvPr>
+          <p:cNvCxnSpPr>
+            <a:cxnSpLocks/>
+            <a:stCxn id="37" idx="2"/>
+            <a:endCxn id="78" idx="0"/>
+          </p:cNvCxnSpPr>
+          <p:nvPr/>
+        </p:nvCxnSpPr>
+        <p:spPr>
+          <a:xfrm>
+            <a:off x="4218054" y="3850850"/>
+            <a:ext cx="644038" cy="357954"/>
+          </a:xfrm>
+          <a:prstGeom prst="straightConnector1">
+            <a:avLst/>
+          </a:prstGeom>
+          <a:ln>
+            <a:tailEnd type="triangle"/>
+          </a:ln>
+        </p:spPr>
+        <p:style>
+          <a:lnRef idx="2">
+            <a:schemeClr val="accent1"/>
+          </a:lnRef>
+          <a:fillRef idx="0">
+            <a:schemeClr val="accent1"/>
+          </a:fillRef>
+          <a:effectRef idx="1">
+            <a:schemeClr val="accent1"/>
+          </a:effectRef>
+          <a:fontRef idx="minor">
+            <a:schemeClr val="tx1"/>
+          </a:fontRef>
+        </p:style>
+      </p:cxnSp>
+      <p:cxnSp>
+        <p:nvCxnSpPr>
+          <p:cNvPr id="93" name="Straight Arrow Connector 92">
+            <a:extLst>
+              <a:ext uri="{FF2B5EF4-FFF2-40B4-BE49-F238E27FC236}">
+                <a16:creationId xmlns:a16="http://schemas.microsoft.com/office/drawing/2014/main" id="{2FF11B16-42A1-0EB6-1637-AE5139B541F2}"/>
+              </a:ext>
+            </a:extLst>
+          </p:cNvPr>
+          <p:cNvCxnSpPr>
+            <a:cxnSpLocks/>
+            <a:stCxn id="48" idx="2"/>
+            <a:endCxn id="79" idx="0"/>
+          </p:cNvCxnSpPr>
+          <p:nvPr/>
+        </p:nvCxnSpPr>
+        <p:spPr>
+          <a:xfrm>
+            <a:off x="4865346" y="3850850"/>
+            <a:ext cx="473412" cy="392745"/>
+          </a:xfrm>
+          <a:prstGeom prst="straightConnector1">
+            <a:avLst/>
+          </a:prstGeom>
+          <a:ln>
+            <a:tailEnd type="triangle"/>
+          </a:ln>
+        </p:spPr>
+        <p:style>
+          <a:lnRef idx="2">
+            <a:schemeClr val="accent1"/>
+          </a:lnRef>
+          <a:fillRef idx="0">
+            <a:schemeClr val="accent1"/>
+          </a:fillRef>
+          <a:effectRef idx="1">
+            <a:schemeClr val="accent1"/>
+          </a:effectRef>
+          <a:fontRef idx="minor">
+            <a:schemeClr val="tx1"/>
+          </a:fontRef>
+        </p:style>
+      </p:cxnSp>
+      <p:cxnSp>
+        <p:nvCxnSpPr>
+          <p:cNvPr id="96" name="Straight Arrow Connector 95">
+            <a:extLst>
+              <a:ext uri="{FF2B5EF4-FFF2-40B4-BE49-F238E27FC236}">
+                <a16:creationId xmlns:a16="http://schemas.microsoft.com/office/drawing/2014/main" id="{52FE43E2-57BE-2603-9795-D22E4400880D}"/>
+              </a:ext>
+            </a:extLst>
+          </p:cNvPr>
+          <p:cNvCxnSpPr>
+            <a:cxnSpLocks/>
+            <a:stCxn id="48" idx="2"/>
+            <a:endCxn id="80" idx="0"/>
+          </p:cNvCxnSpPr>
+          <p:nvPr/>
+        </p:nvCxnSpPr>
+        <p:spPr>
+          <a:xfrm>
+            <a:off x="4865346" y="3850850"/>
+            <a:ext cx="1088116" cy="351398"/>
+          </a:xfrm>
+          <a:prstGeom prst="straightConnector1">
+            <a:avLst/>
+          </a:prstGeom>
+          <a:ln>
+            <a:tailEnd type="triangle"/>
+          </a:ln>
+        </p:spPr>
+        <p:style>
+          <a:lnRef idx="2">
+            <a:schemeClr val="accent1"/>
+          </a:lnRef>
+          <a:fillRef idx="0">
+            <a:schemeClr val="accent1"/>
+          </a:fillRef>
+          <a:effectRef idx="1">
+            <a:schemeClr val="accent1"/>
+          </a:effectRef>
+          <a:fontRef idx="minor">
+            <a:schemeClr val="tx1"/>
+          </a:fontRef>
+        </p:style>
+      </p:cxnSp>
+      <p:grpSp>
+        <p:nvGrpSpPr>
+          <p:cNvPr id="102" name="Group 101">
+            <a:extLst>
+              <a:ext uri="{FF2B5EF4-FFF2-40B4-BE49-F238E27FC236}">
+                <a16:creationId xmlns:a16="http://schemas.microsoft.com/office/drawing/2014/main" id="{58E03D4F-2824-A88B-365E-C5B651399BA0}"/>
+              </a:ext>
+            </a:extLst>
+          </p:cNvPr>
+          <p:cNvGrpSpPr/>
+          <p:nvPr/>
+        </p:nvGrpSpPr>
+        <p:grpSpPr>
+          <a:xfrm>
+            <a:off x="6025697" y="4590034"/>
+            <a:ext cx="499320" cy="227880"/>
+            <a:chOff x="6025697" y="4590034"/>
+            <a:chExt cx="499320" cy="227880"/>
+          </a:xfrm>
+        </p:grpSpPr>
+        <mc:AlternateContent xmlns:mc="http://schemas.openxmlformats.org/markup-compatibility/2006">
+          <mc:Choice xmlns:p14="http://schemas.microsoft.com/office/powerpoint/2010/main" Requires="p14">
+            <p:contentPart p14:bwMode="auto" r:id="rId8">
+              <p14:nvContentPartPr>
+                <p14:cNvPr id="99" name="Ink 98">
+                  <a:extLst>
+                    <a:ext uri="{FF2B5EF4-FFF2-40B4-BE49-F238E27FC236}">
+                      <a16:creationId xmlns:a16="http://schemas.microsoft.com/office/drawing/2014/main" id="{470A33F2-9228-38D7-EBD5-791BC2C59643}"/>
+                    </a:ext>
+                  </a:extLst>
+                </p14:cNvPr>
+                <p14:cNvContentPartPr/>
+                <p14:nvPr/>
+              </p14:nvContentPartPr>
+              <p14:xfrm>
+                <a:off x="6025697" y="4590034"/>
+                <a:ext cx="370440" cy="172440"/>
+              </p14:xfrm>
+            </p:contentPart>
+          </mc:Choice>
+          <mc:Fallback>
+            <p:pic>
+              <p:nvPicPr>
+                <p:cNvPr id="99" name="Ink 98">
+                  <a:extLst>
+                    <a:ext uri="{FF2B5EF4-FFF2-40B4-BE49-F238E27FC236}">
+                      <a16:creationId xmlns:a16="http://schemas.microsoft.com/office/drawing/2014/main" id="{470A33F2-9228-38D7-EBD5-791BC2C59643}"/>
+                    </a:ext>
+                  </a:extLst>
+                </p:cNvPr>
+                <p:cNvPicPr/>
+                <p:nvPr/>
+              </p:nvPicPr>
+              <p:blipFill>
+                <a:blip r:embed="rId9"/>
+                <a:stretch>
+                  <a:fillRect/>
+                </a:stretch>
+              </p:blipFill>
+              <p:spPr>
+                <a:xfrm>
+                  <a:off x="6017057" y="4581034"/>
+                  <a:ext cx="388080" cy="190080"/>
+                </a:xfrm>
+                <a:prstGeom prst="rect">
+                  <a:avLst/>
+                </a:prstGeom>
+              </p:spPr>
+            </p:pic>
+          </mc:Fallback>
+        </mc:AlternateContent>
+        <mc:AlternateContent xmlns:mc="http://schemas.openxmlformats.org/markup-compatibility/2006">
+          <mc:Choice xmlns:p14="http://schemas.microsoft.com/office/powerpoint/2010/main" Requires="p14">
+            <p:contentPart p14:bwMode="auto" r:id="rId10">
+              <p14:nvContentPartPr>
+                <p14:cNvPr id="100" name="Ink 99">
+                  <a:extLst>
+                    <a:ext uri="{FF2B5EF4-FFF2-40B4-BE49-F238E27FC236}">
+                      <a16:creationId xmlns:a16="http://schemas.microsoft.com/office/drawing/2014/main" id="{4EFA612D-0B74-3064-08B7-994ECA0DFE11}"/>
+                    </a:ext>
+                  </a:extLst>
+                </p14:cNvPr>
+                <p14:cNvContentPartPr/>
+                <p14:nvPr/>
+              </p14:nvContentPartPr>
+              <p14:xfrm>
+                <a:off x="6315137" y="4653394"/>
+                <a:ext cx="209880" cy="164520"/>
+              </p14:xfrm>
+            </p:contentPart>
+          </mc:Choice>
+          <mc:Fallback>
+            <p:pic>
+              <p:nvPicPr>
+                <p:cNvPr id="100" name="Ink 99">
+                  <a:extLst>
+                    <a:ext uri="{FF2B5EF4-FFF2-40B4-BE49-F238E27FC236}">
+                      <a16:creationId xmlns:a16="http://schemas.microsoft.com/office/drawing/2014/main" id="{4EFA612D-0B74-3064-08B7-994ECA0DFE11}"/>
+                    </a:ext>
+                  </a:extLst>
+                </p:cNvPr>
+                <p:cNvPicPr/>
+                <p:nvPr/>
+              </p:nvPicPr>
+              <p:blipFill>
+                <a:blip r:embed="rId11"/>
+                <a:stretch>
+                  <a:fillRect/>
+                </a:stretch>
+              </p:blipFill>
+              <p:spPr>
+                <a:xfrm>
+                  <a:off x="6306137" y="4644754"/>
+                  <a:ext cx="227520" cy="182160"/>
+                </a:xfrm>
+                <a:prstGeom prst="rect">
+                  <a:avLst/>
+                </a:prstGeom>
+              </p:spPr>
+            </p:pic>
+          </mc:Fallback>
+        </mc:AlternateContent>
+      </p:grpSp>
+      <p:sp>
+        <p:nvSpPr>
+          <p:cNvPr id="107" name="TextBox 106">
+            <a:extLst>
+              <a:ext uri="{FF2B5EF4-FFF2-40B4-BE49-F238E27FC236}">
+                <a16:creationId xmlns:a16="http://schemas.microsoft.com/office/drawing/2014/main" id="{D50EC69F-1C3A-5D89-D063-1B97DA9DC2CD}"/>
+              </a:ext>
+            </a:extLst>
+          </p:cNvPr>
+          <p:cNvSpPr txBox="1"/>
+          <p:nvPr/>
+        </p:nvSpPr>
+        <p:spPr>
+          <a:xfrm>
+            <a:off x="1484541" y="4894233"/>
+            <a:ext cx="431528" cy="369332"/>
+          </a:xfrm>
+          <a:prstGeom prst="rect">
+            <a:avLst/>
+          </a:prstGeom>
+          <a:noFill/>
+        </p:spPr>
+        <p:txBody>
+          <a:bodyPr wrap="none" rtlCol="0">
+            <a:spAutoFit/>
+          </a:bodyPr>
+          <a:lstStyle/>
+          <a:p>
+            <a:r>
+              <a:rPr lang="en-US" dirty="0"/>
+              <a:t>61</a:t>
+            </a:r>
+          </a:p>
+        </p:txBody>
+      </p:sp>
+      <p:cxnSp>
+        <p:nvCxnSpPr>
+          <p:cNvPr id="108" name="Straight Arrow Connector 107">
+            <a:extLst>
+              <a:ext uri="{FF2B5EF4-FFF2-40B4-BE49-F238E27FC236}">
+                <a16:creationId xmlns:a16="http://schemas.microsoft.com/office/drawing/2014/main" id="{BF5E72D5-B4EE-37AF-C5DB-9E34CEE9A2FC}"/>
+              </a:ext>
+            </a:extLst>
+          </p:cNvPr>
+          <p:cNvCxnSpPr>
+            <a:cxnSpLocks/>
+            <a:stCxn id="53" idx="2"/>
+            <a:endCxn id="107" idx="0"/>
+          </p:cNvCxnSpPr>
+          <p:nvPr/>
+        </p:nvCxnSpPr>
+        <p:spPr>
+          <a:xfrm flipH="1">
+            <a:off x="1700305" y="4671594"/>
+            <a:ext cx="347622" cy="222639"/>
+          </a:xfrm>
+          <a:prstGeom prst="straightConnector1">
+            <a:avLst/>
+          </a:prstGeom>
+          <a:ln>
+            <a:tailEnd type="triangle"/>
+          </a:ln>
+        </p:spPr>
+        <p:style>
+          <a:lnRef idx="2">
+            <a:schemeClr val="accent1"/>
+          </a:lnRef>
+          <a:fillRef idx="0">
+            <a:schemeClr val="accent1"/>
+          </a:fillRef>
+          <a:effectRef idx="1">
+            <a:schemeClr val="accent1"/>
+          </a:effectRef>
+          <a:fontRef idx="minor">
+            <a:schemeClr val="tx1"/>
+          </a:fontRef>
+        </p:style>
+      </p:cxnSp>
+      <p:grpSp>
+        <p:nvGrpSpPr>
+          <p:cNvPr id="115" name="Group 114">
+            <a:extLst>
+              <a:ext uri="{FF2B5EF4-FFF2-40B4-BE49-F238E27FC236}">
+                <a16:creationId xmlns:a16="http://schemas.microsoft.com/office/drawing/2014/main" id="{CC55F9F3-F835-CCFA-B6E2-E696CCABE6CE}"/>
+              </a:ext>
+            </a:extLst>
+          </p:cNvPr>
+          <p:cNvGrpSpPr/>
+          <p:nvPr/>
+        </p:nvGrpSpPr>
+        <p:grpSpPr>
+          <a:xfrm>
+            <a:off x="6641503" y="4681474"/>
+            <a:ext cx="236520" cy="248400"/>
+            <a:chOff x="6641503" y="4681474"/>
+            <a:chExt cx="236520" cy="248400"/>
+          </a:xfrm>
+        </p:grpSpPr>
+        <mc:AlternateContent xmlns:mc="http://schemas.openxmlformats.org/markup-compatibility/2006">
+          <mc:Choice xmlns:p14="http://schemas.microsoft.com/office/powerpoint/2010/main" Requires="p14">
+            <p:contentPart p14:bwMode="auto" r:id="rId12">
+              <p14:nvContentPartPr>
+                <p14:cNvPr id="111" name="Ink 110">
+                  <a:extLst>
+                    <a:ext uri="{FF2B5EF4-FFF2-40B4-BE49-F238E27FC236}">
+                      <a16:creationId xmlns:a16="http://schemas.microsoft.com/office/drawing/2014/main" id="{6C3FA7C4-4CAD-DD46-1FAA-D6CC95AD5C60}"/>
+                    </a:ext>
+                  </a:extLst>
+                </p14:cNvPr>
+                <p14:cNvContentPartPr/>
+                <p14:nvPr/>
+              </p14:nvContentPartPr>
+              <p14:xfrm>
+                <a:off x="6641503" y="4682194"/>
+                <a:ext cx="360" cy="360"/>
+              </p14:xfrm>
+            </p:contentPart>
+          </mc:Choice>
+          <mc:Fallback>
+            <p:pic>
+              <p:nvPicPr>
+                <p:cNvPr id="111" name="Ink 110">
+                  <a:extLst>
+                    <a:ext uri="{FF2B5EF4-FFF2-40B4-BE49-F238E27FC236}">
+                      <a16:creationId xmlns:a16="http://schemas.microsoft.com/office/drawing/2014/main" id="{6C3FA7C4-4CAD-DD46-1FAA-D6CC95AD5C60}"/>
+                    </a:ext>
+                  </a:extLst>
+                </p:cNvPr>
+                <p:cNvPicPr/>
+                <p:nvPr/>
+              </p:nvPicPr>
+              <p:blipFill>
+                <a:blip r:embed="rId13"/>
+                <a:stretch>
+                  <a:fillRect/>
+                </a:stretch>
+              </p:blipFill>
+              <p:spPr>
+                <a:xfrm>
+                  <a:off x="6632503" y="4673194"/>
+                  <a:ext cx="18000" cy="18000"/>
+                </a:xfrm>
+                <a:prstGeom prst="rect">
+                  <a:avLst/>
+                </a:prstGeom>
+              </p:spPr>
+            </p:pic>
+          </mc:Fallback>
+        </mc:AlternateContent>
+        <mc:AlternateContent xmlns:mc="http://schemas.openxmlformats.org/markup-compatibility/2006">
+          <mc:Choice xmlns:p14="http://schemas.microsoft.com/office/powerpoint/2010/main" Requires="p14">
+            <p:contentPart p14:bwMode="auto" r:id="rId14">
+              <p14:nvContentPartPr>
+                <p14:cNvPr id="112" name="Ink 111">
+                  <a:extLst>
+                    <a:ext uri="{FF2B5EF4-FFF2-40B4-BE49-F238E27FC236}">
+                      <a16:creationId xmlns:a16="http://schemas.microsoft.com/office/drawing/2014/main" id="{48A4372C-05A7-75BC-98DC-5E7643D81550}"/>
+                    </a:ext>
+                  </a:extLst>
+                </p14:cNvPr>
+                <p14:cNvContentPartPr/>
+                <p14:nvPr/>
+              </p14:nvContentPartPr>
+              <p14:xfrm>
+                <a:off x="6641503" y="4682194"/>
+                <a:ext cx="10080" cy="192240"/>
+              </p14:xfrm>
+            </p:contentPart>
+          </mc:Choice>
+          <mc:Fallback>
+            <p:pic>
+              <p:nvPicPr>
+                <p:cNvPr id="112" name="Ink 111">
+                  <a:extLst>
+                    <a:ext uri="{FF2B5EF4-FFF2-40B4-BE49-F238E27FC236}">
+                      <a16:creationId xmlns:a16="http://schemas.microsoft.com/office/drawing/2014/main" id="{48A4372C-05A7-75BC-98DC-5E7643D81550}"/>
+                    </a:ext>
+                  </a:extLst>
+                </p:cNvPr>
+                <p:cNvPicPr/>
+                <p:nvPr/>
+              </p:nvPicPr>
+              <p:blipFill>
+                <a:blip r:embed="rId15"/>
+                <a:stretch>
+                  <a:fillRect/>
+                </a:stretch>
+              </p:blipFill>
+              <p:spPr>
+                <a:xfrm>
+                  <a:off x="6632503" y="4673194"/>
+                  <a:ext cx="27720" cy="209880"/>
+                </a:xfrm>
+                <a:prstGeom prst="rect">
+                  <a:avLst/>
+                </a:prstGeom>
+              </p:spPr>
+            </p:pic>
+          </mc:Fallback>
+        </mc:AlternateContent>
+        <mc:AlternateContent xmlns:mc="http://schemas.openxmlformats.org/markup-compatibility/2006">
+          <mc:Choice xmlns:p14="http://schemas.microsoft.com/office/powerpoint/2010/main" Requires="p14">
+            <p:contentPart p14:bwMode="auto" r:id="rId16">
+              <p14:nvContentPartPr>
+                <p14:cNvPr id="114" name="Ink 113">
+                  <a:extLst>
+                    <a:ext uri="{FF2B5EF4-FFF2-40B4-BE49-F238E27FC236}">
+                      <a16:creationId xmlns:a16="http://schemas.microsoft.com/office/drawing/2014/main" id="{437F981E-FD36-19D7-66EE-1C643915EE40}"/>
+                    </a:ext>
+                  </a:extLst>
+                </p14:cNvPr>
+                <p14:cNvContentPartPr/>
+                <p14:nvPr/>
+              </p14:nvContentPartPr>
+              <p14:xfrm>
+                <a:off x="6732583" y="4681474"/>
+                <a:ext cx="145440" cy="248400"/>
+              </p14:xfrm>
+            </p:contentPart>
+          </mc:Choice>
+          <mc:Fallback>
+            <p:pic>
+              <p:nvPicPr>
+                <p:cNvPr id="114" name="Ink 113">
+                  <a:extLst>
+                    <a:ext uri="{FF2B5EF4-FFF2-40B4-BE49-F238E27FC236}">
+                      <a16:creationId xmlns:a16="http://schemas.microsoft.com/office/drawing/2014/main" id="{437F981E-FD36-19D7-66EE-1C643915EE40}"/>
+                    </a:ext>
+                  </a:extLst>
+                </p:cNvPr>
+                <p:cNvPicPr/>
+                <p:nvPr/>
+              </p:nvPicPr>
+              <p:blipFill>
+                <a:blip r:embed="rId17"/>
+                <a:stretch>
+                  <a:fillRect/>
+                </a:stretch>
+              </p:blipFill>
+              <p:spPr>
+                <a:xfrm>
+                  <a:off x="6723943" y="4672474"/>
+                  <a:ext cx="163080" cy="266040"/>
+                </a:xfrm>
+                <a:prstGeom prst="rect">
+                  <a:avLst/>
+                </a:prstGeom>
+              </p:spPr>
+            </p:pic>
+          </mc:Fallback>
+        </mc:AlternateContent>
+      </p:grpSp>
+      <p:grpSp>
+        <p:nvGrpSpPr>
+          <p:cNvPr id="118" name="Group 117">
+            <a:extLst>
+              <a:ext uri="{FF2B5EF4-FFF2-40B4-BE49-F238E27FC236}">
+                <a16:creationId xmlns:a16="http://schemas.microsoft.com/office/drawing/2014/main" id="{3299C56C-4BD4-C7C6-2967-16E2FF3C4861}"/>
+              </a:ext>
+            </a:extLst>
+          </p:cNvPr>
+          <p:cNvGrpSpPr/>
+          <p:nvPr/>
+        </p:nvGrpSpPr>
+        <p:grpSpPr>
+          <a:xfrm>
+            <a:off x="932983" y="5317234"/>
+            <a:ext cx="811440" cy="361080"/>
+            <a:chOff x="932983" y="5317234"/>
+            <a:chExt cx="811440" cy="361080"/>
+          </a:xfrm>
+        </p:grpSpPr>
+        <mc:AlternateContent xmlns:mc="http://schemas.openxmlformats.org/markup-compatibility/2006">
+          <mc:Choice xmlns:p14="http://schemas.microsoft.com/office/powerpoint/2010/main" Requires="p14">
+            <p:contentPart p14:bwMode="auto" r:id="rId18">
+              <p14:nvContentPartPr>
+                <p14:cNvPr id="116" name="Ink 115">
+                  <a:extLst>
+                    <a:ext uri="{FF2B5EF4-FFF2-40B4-BE49-F238E27FC236}">
+                      <a16:creationId xmlns:a16="http://schemas.microsoft.com/office/drawing/2014/main" id="{7EC9BB33-DC93-F201-600C-84C825D4CFEF}"/>
+                    </a:ext>
+                  </a:extLst>
+                </p14:cNvPr>
+                <p14:cNvContentPartPr/>
+                <p14:nvPr/>
+              </p14:nvContentPartPr>
+              <p14:xfrm>
+                <a:off x="1083463" y="5317234"/>
+                <a:ext cx="660960" cy="245880"/>
+              </p14:xfrm>
+            </p:contentPart>
+          </mc:Choice>
+          <mc:Fallback>
+            <p:pic>
+              <p:nvPicPr>
+                <p:cNvPr id="116" name="Ink 115">
+                  <a:extLst>
+                    <a:ext uri="{FF2B5EF4-FFF2-40B4-BE49-F238E27FC236}">
+                      <a16:creationId xmlns:a16="http://schemas.microsoft.com/office/drawing/2014/main" id="{7EC9BB33-DC93-F201-600C-84C825D4CFEF}"/>
+                    </a:ext>
+                  </a:extLst>
+                </p:cNvPr>
+                <p:cNvPicPr/>
+                <p:nvPr/>
+              </p:nvPicPr>
+              <p:blipFill>
+                <a:blip r:embed="rId19"/>
+                <a:stretch>
+                  <a:fillRect/>
+                </a:stretch>
+              </p:blipFill>
+              <p:spPr>
+                <a:xfrm>
+                  <a:off x="1074463" y="5308234"/>
+                  <a:ext cx="678600" cy="263520"/>
+                </a:xfrm>
+                <a:prstGeom prst="rect">
+                  <a:avLst/>
+                </a:prstGeom>
+              </p:spPr>
+            </p:pic>
+          </mc:Fallback>
+        </mc:AlternateContent>
+        <mc:AlternateContent xmlns:mc="http://schemas.openxmlformats.org/markup-compatibility/2006">
+          <mc:Choice xmlns:p14="http://schemas.microsoft.com/office/powerpoint/2010/main" Requires="p14">
+            <p:contentPart p14:bwMode="auto" r:id="rId20">
+              <p14:nvContentPartPr>
+                <p14:cNvPr id="117" name="Ink 116">
+                  <a:extLst>
+                    <a:ext uri="{FF2B5EF4-FFF2-40B4-BE49-F238E27FC236}">
+                      <a16:creationId xmlns:a16="http://schemas.microsoft.com/office/drawing/2014/main" id="{20D20349-E468-19BC-0C96-D696BA17DA7C}"/>
+                    </a:ext>
+                  </a:extLst>
+                </p14:cNvPr>
+                <p14:cNvContentPartPr/>
+                <p14:nvPr/>
+              </p14:nvContentPartPr>
+              <p14:xfrm>
+                <a:off x="932983" y="5458714"/>
+                <a:ext cx="155520" cy="219600"/>
+              </p14:xfrm>
+            </p:contentPart>
+          </mc:Choice>
+          <mc:Fallback>
+            <p:pic>
+              <p:nvPicPr>
+                <p:cNvPr id="117" name="Ink 116">
+                  <a:extLst>
+                    <a:ext uri="{FF2B5EF4-FFF2-40B4-BE49-F238E27FC236}">
+                      <a16:creationId xmlns:a16="http://schemas.microsoft.com/office/drawing/2014/main" id="{20D20349-E468-19BC-0C96-D696BA17DA7C}"/>
+                    </a:ext>
+                  </a:extLst>
+                </p:cNvPr>
+                <p:cNvPicPr/>
+                <p:nvPr/>
+              </p:nvPicPr>
+              <p:blipFill>
+                <a:blip r:embed="rId21"/>
+                <a:stretch>
+                  <a:fillRect/>
+                </a:stretch>
+              </p:blipFill>
+              <p:spPr>
+                <a:xfrm>
+                  <a:off x="924343" y="5449714"/>
+                  <a:ext cx="173160" cy="237240"/>
+                </a:xfrm>
+                <a:prstGeom prst="rect">
+                  <a:avLst/>
+                </a:prstGeom>
+              </p:spPr>
+            </p:pic>
+          </mc:Fallback>
+        </mc:AlternateContent>
+      </p:grpSp>
+      <p:grpSp>
+        <p:nvGrpSpPr>
+          <p:cNvPr id="123" name="Group 122">
+            <a:extLst>
+              <a:ext uri="{FF2B5EF4-FFF2-40B4-BE49-F238E27FC236}">
+                <a16:creationId xmlns:a16="http://schemas.microsoft.com/office/drawing/2014/main" id="{89FEDB49-1288-C274-7CBE-6337EE36A62D}"/>
+              </a:ext>
+            </a:extLst>
+          </p:cNvPr>
+          <p:cNvGrpSpPr/>
+          <p:nvPr/>
+        </p:nvGrpSpPr>
+        <p:grpSpPr>
+          <a:xfrm>
+            <a:off x="344383" y="5208514"/>
+            <a:ext cx="304920" cy="335520"/>
+            <a:chOff x="344383" y="5208514"/>
+            <a:chExt cx="304920" cy="335520"/>
+          </a:xfrm>
+        </p:grpSpPr>
+        <mc:AlternateContent xmlns:mc="http://schemas.openxmlformats.org/markup-compatibility/2006">
+          <mc:Choice xmlns:p14="http://schemas.microsoft.com/office/powerpoint/2010/main" Requires="p14">
+            <p:contentPart p14:bwMode="auto" r:id="rId22">
+              <p14:nvContentPartPr>
+                <p14:cNvPr id="119" name="Ink 118">
+                  <a:extLst>
+                    <a:ext uri="{FF2B5EF4-FFF2-40B4-BE49-F238E27FC236}">
+                      <a16:creationId xmlns:a16="http://schemas.microsoft.com/office/drawing/2014/main" id="{FC84AE27-1699-C64C-6D33-EEC947F019A1}"/>
+                    </a:ext>
+                  </a:extLst>
+                </p14:cNvPr>
+                <p14:cNvContentPartPr/>
+                <p14:nvPr/>
+              </p14:nvContentPartPr>
+              <p14:xfrm>
+                <a:off x="344383" y="5410834"/>
+                <a:ext cx="45720" cy="133200"/>
+              </p14:xfrm>
+            </p:contentPart>
+          </mc:Choice>
+          <mc:Fallback>
+            <p:pic>
+              <p:nvPicPr>
+                <p:cNvPr id="119" name="Ink 118">
+                  <a:extLst>
+                    <a:ext uri="{FF2B5EF4-FFF2-40B4-BE49-F238E27FC236}">
+                      <a16:creationId xmlns:a16="http://schemas.microsoft.com/office/drawing/2014/main" id="{FC84AE27-1699-C64C-6D33-EEC947F019A1}"/>
+                    </a:ext>
+                  </a:extLst>
+                </p:cNvPr>
+                <p:cNvPicPr/>
+                <p:nvPr/>
+              </p:nvPicPr>
+              <p:blipFill>
+                <a:blip r:embed="rId23"/>
+                <a:stretch>
+                  <a:fillRect/>
+                </a:stretch>
+              </p:blipFill>
+              <p:spPr>
+                <a:xfrm>
+                  <a:off x="335743" y="5401834"/>
+                  <a:ext cx="63360" cy="150840"/>
+                </a:xfrm>
+                <a:prstGeom prst="rect">
+                  <a:avLst/>
+                </a:prstGeom>
+              </p:spPr>
+            </p:pic>
+          </mc:Fallback>
+        </mc:AlternateContent>
+        <mc:AlternateContent xmlns:mc="http://schemas.openxmlformats.org/markup-compatibility/2006">
+          <mc:Choice xmlns:p14="http://schemas.microsoft.com/office/powerpoint/2010/main" Requires="p14">
+            <p:contentPart p14:bwMode="auto" r:id="rId24">
+              <p14:nvContentPartPr>
+                <p14:cNvPr id="120" name="Ink 119">
+                  <a:extLst>
+                    <a:ext uri="{FF2B5EF4-FFF2-40B4-BE49-F238E27FC236}">
+                      <a16:creationId xmlns:a16="http://schemas.microsoft.com/office/drawing/2014/main" id="{01386A42-F292-8B75-FDA6-0B58E87C2A5C}"/>
+                    </a:ext>
+                  </a:extLst>
+                </p14:cNvPr>
+                <p14:cNvContentPartPr/>
+                <p14:nvPr/>
+              </p14:nvContentPartPr>
+              <p14:xfrm>
+                <a:off x="484783" y="5313994"/>
+                <a:ext cx="164520" cy="182880"/>
+              </p14:xfrm>
+            </p:contentPart>
+          </mc:Choice>
+          <mc:Fallback>
+            <p:pic>
+              <p:nvPicPr>
+                <p:cNvPr id="120" name="Ink 119">
+                  <a:extLst>
+                    <a:ext uri="{FF2B5EF4-FFF2-40B4-BE49-F238E27FC236}">
+                      <a16:creationId xmlns:a16="http://schemas.microsoft.com/office/drawing/2014/main" id="{01386A42-F292-8B75-FDA6-0B58E87C2A5C}"/>
+                    </a:ext>
+                  </a:extLst>
+                </p:cNvPr>
+                <p:cNvPicPr/>
+                <p:nvPr/>
+              </p:nvPicPr>
+              <p:blipFill>
+                <a:blip r:embed="rId25"/>
+                <a:stretch>
+                  <a:fillRect/>
+                </a:stretch>
+              </p:blipFill>
+              <p:spPr>
+                <a:xfrm>
+                  <a:off x="475783" y="5304994"/>
+                  <a:ext cx="182160" cy="200520"/>
+                </a:xfrm>
+                <a:prstGeom prst="rect">
+                  <a:avLst/>
+                </a:prstGeom>
+              </p:spPr>
+            </p:pic>
+          </mc:Fallback>
+        </mc:AlternateContent>
+        <mc:AlternateContent xmlns:mc="http://schemas.openxmlformats.org/markup-compatibility/2006">
+          <mc:Choice xmlns:p14="http://schemas.microsoft.com/office/powerpoint/2010/main" Requires="p14">
+            <p:contentPart p14:bwMode="auto" r:id="rId26">
+              <p14:nvContentPartPr>
+                <p14:cNvPr id="122" name="Ink 121">
+                  <a:extLst>
+                    <a:ext uri="{FF2B5EF4-FFF2-40B4-BE49-F238E27FC236}">
+                      <a16:creationId xmlns:a16="http://schemas.microsoft.com/office/drawing/2014/main" id="{0AE49450-14FF-FDF6-D781-BAEEE5BF87C8}"/>
+                    </a:ext>
+                  </a:extLst>
+                </p14:cNvPr>
+                <p14:cNvContentPartPr/>
+                <p14:nvPr/>
+              </p14:nvContentPartPr>
+              <p14:xfrm>
+                <a:off x="479383" y="5208514"/>
+                <a:ext cx="140760" cy="78840"/>
+              </p14:xfrm>
+            </p:contentPart>
+          </mc:Choice>
+          <mc:Fallback>
+            <p:pic>
+              <p:nvPicPr>
+                <p:cNvPr id="122" name="Ink 121">
+                  <a:extLst>
+                    <a:ext uri="{FF2B5EF4-FFF2-40B4-BE49-F238E27FC236}">
+                      <a16:creationId xmlns:a16="http://schemas.microsoft.com/office/drawing/2014/main" id="{0AE49450-14FF-FDF6-D781-BAEEE5BF87C8}"/>
+                    </a:ext>
+                  </a:extLst>
+                </p:cNvPr>
+                <p:cNvPicPr/>
+                <p:nvPr/>
+              </p:nvPicPr>
+              <p:blipFill>
+                <a:blip r:embed="rId27"/>
+                <a:stretch>
+                  <a:fillRect/>
+                </a:stretch>
+              </p:blipFill>
+              <p:spPr>
+                <a:xfrm>
+                  <a:off x="470383" y="5199874"/>
+                  <a:ext cx="158400" cy="96480"/>
+                </a:xfrm>
+                <a:prstGeom prst="rect">
+                  <a:avLst/>
+                </a:prstGeom>
+              </p:spPr>
+            </p:pic>
+          </mc:Fallback>
+        </mc:AlternateContent>
+      </p:grpSp>
+    </p:spTree>
+    <p:extLst>
+      <p:ext uri="{BB962C8B-B14F-4D97-AF65-F5344CB8AC3E}">
+        <p14:creationId xmlns:p14="http://schemas.microsoft.com/office/powerpoint/2010/main" val="2096541485"/>
       </p:ext>
     </p:extLst>
   </p:cSld>
